--- a/!pres.pptx
+++ b/!pres.pptx
@@ -15,29 +15,29 @@
     <p:sldId id="265" r:id="rId6"/>
     <p:sldId id="257" r:id="rId7"/>
     <p:sldId id="263" r:id="rId8"/>
-    <p:sldId id="261" r:id="rId9"/>
-    <p:sldId id="266" r:id="rId10"/>
-    <p:sldId id="269" r:id="rId11"/>
-    <p:sldId id="272" r:id="rId12"/>
-    <p:sldId id="270" r:id="rId13"/>
-    <p:sldId id="271" r:id="rId14"/>
-    <p:sldId id="273" r:id="rId15"/>
-    <p:sldId id="274" r:id="rId16"/>
-    <p:sldId id="275" r:id="rId17"/>
-    <p:sldId id="277" r:id="rId18"/>
-    <p:sldId id="276" r:id="rId19"/>
-    <p:sldId id="278" r:id="rId20"/>
-    <p:sldId id="281" r:id="rId21"/>
-    <p:sldId id="279" r:id="rId22"/>
-    <p:sldId id="280" r:id="rId23"/>
-    <p:sldId id="282" r:id="rId24"/>
-    <p:sldId id="284" r:id="rId25"/>
-    <p:sldId id="285" r:id="rId26"/>
-    <p:sldId id="287" r:id="rId27"/>
-    <p:sldId id="283" r:id="rId28"/>
-    <p:sldId id="286" r:id="rId29"/>
-    <p:sldId id="259" r:id="rId30"/>
-    <p:sldId id="260" r:id="rId31"/>
+    <p:sldId id="266" r:id="rId9"/>
+    <p:sldId id="269" r:id="rId10"/>
+    <p:sldId id="272" r:id="rId11"/>
+    <p:sldId id="270" r:id="rId12"/>
+    <p:sldId id="271" r:id="rId13"/>
+    <p:sldId id="273" r:id="rId14"/>
+    <p:sldId id="274" r:id="rId15"/>
+    <p:sldId id="275" r:id="rId16"/>
+    <p:sldId id="277" r:id="rId17"/>
+    <p:sldId id="276" r:id="rId18"/>
+    <p:sldId id="278" r:id="rId19"/>
+    <p:sldId id="281" r:id="rId20"/>
+    <p:sldId id="279" r:id="rId21"/>
+    <p:sldId id="280" r:id="rId22"/>
+    <p:sldId id="282" r:id="rId23"/>
+    <p:sldId id="284" r:id="rId24"/>
+    <p:sldId id="285" r:id="rId25"/>
+    <p:sldId id="287" r:id="rId26"/>
+    <p:sldId id="283" r:id="rId27"/>
+    <p:sldId id="286" r:id="rId28"/>
+    <p:sldId id="259" r:id="rId29"/>
+    <p:sldId id="260" r:id="rId30"/>
+    <p:sldId id="261" r:id="rId31"/>
   </p:sldIdLst>
   <p:sldSz cx="12192000" cy="6858000"/>
   <p:notesSz cx="6858000" cy="9144000"/>
@@ -3746,7 +3746,7 @@
           <a:p>
             <a:fld id="{927554EE-7884-46BC-9E06-9455BAA6A629}" type="datetimeFigureOut">
               <a:rPr lang="uk-UA" smtClean="0"/>
-              <a:t>28.02.2017</a:t>
+              <a:t>01.03.2017</a:t>
             </a:fld>
             <a:endParaRPr lang="uk-UA"/>
           </a:p>
@@ -4163,7 +4163,7 @@
           <a:p>
             <a:fld id="{B3734862-E3F0-40E9-8E84-B77EFA310946}" type="slidenum">
               <a:rPr lang="uk-UA" smtClean="0"/>
-              <a:t>26</a:t>
+              <a:t>25</a:t>
             </a:fld>
             <a:endParaRPr lang="uk-UA"/>
           </a:p>
@@ -4331,7 +4331,7 @@
           <a:p>
             <a:fld id="{B3734862-E3F0-40E9-8E84-B77EFA310946}" type="slidenum">
               <a:rPr lang="uk-UA" smtClean="0"/>
-              <a:t>11</a:t>
+              <a:t>10</a:t>
             </a:fld>
             <a:endParaRPr lang="uk-UA"/>
           </a:p>
@@ -4415,7 +4415,7 @@
           <a:p>
             <a:fld id="{B3734862-E3F0-40E9-8E84-B77EFA310946}" type="slidenum">
               <a:rPr lang="uk-UA" smtClean="0"/>
-              <a:t>15</a:t>
+              <a:t>14</a:t>
             </a:fld>
             <a:endParaRPr lang="uk-UA"/>
           </a:p>
@@ -4499,7 +4499,7 @@
           <a:p>
             <a:fld id="{B3734862-E3F0-40E9-8E84-B77EFA310946}" type="slidenum">
               <a:rPr lang="uk-UA" smtClean="0"/>
-              <a:t>18</a:t>
+              <a:t>17</a:t>
             </a:fld>
             <a:endParaRPr lang="uk-UA"/>
           </a:p>
@@ -4583,7 +4583,7 @@
           <a:p>
             <a:fld id="{B3734862-E3F0-40E9-8E84-B77EFA310946}" type="slidenum">
               <a:rPr lang="uk-UA" smtClean="0"/>
-              <a:t>19</a:t>
+              <a:t>18</a:t>
             </a:fld>
             <a:endParaRPr lang="uk-UA"/>
           </a:p>
@@ -4667,7 +4667,7 @@
           <a:p>
             <a:fld id="{B3734862-E3F0-40E9-8E84-B77EFA310946}" type="slidenum">
               <a:rPr lang="uk-UA" smtClean="0"/>
-              <a:t>23</a:t>
+              <a:t>22</a:t>
             </a:fld>
             <a:endParaRPr lang="uk-UA"/>
           </a:p>
@@ -4751,7 +4751,7 @@
           <a:p>
             <a:fld id="{B3734862-E3F0-40E9-8E84-B77EFA310946}" type="slidenum">
               <a:rPr lang="uk-UA" smtClean="0"/>
-              <a:t>24</a:t>
+              <a:t>23</a:t>
             </a:fld>
             <a:endParaRPr lang="uk-UA"/>
           </a:p>
@@ -4835,7 +4835,7 @@
           <a:p>
             <a:fld id="{B3734862-E3F0-40E9-8E84-B77EFA310946}" type="slidenum">
               <a:rPr lang="uk-UA" smtClean="0"/>
-              <a:t>25</a:t>
+              <a:t>24</a:t>
             </a:fld>
             <a:endParaRPr lang="uk-UA"/>
           </a:p>
@@ -4985,7 +4985,7 @@
           <a:p>
             <a:fld id="{4BFF39F4-65EC-4F54-ADAB-C4EC2063F588}" type="datetime1">
               <a:rPr lang="uk-UA" smtClean="0"/>
-              <a:t>28.02.2017</a:t>
+              <a:t>01.03.2017</a:t>
             </a:fld>
             <a:endParaRPr lang="uk-UA"/>
           </a:p>
@@ -5155,7 +5155,7 @@
           <a:p>
             <a:fld id="{092B17C0-AD1B-4E2F-9AB4-621431DFCD5A}" type="datetime1">
               <a:rPr lang="uk-UA" smtClean="0"/>
-              <a:t>28.02.2017</a:t>
+              <a:t>01.03.2017</a:t>
             </a:fld>
             <a:endParaRPr lang="uk-UA"/>
           </a:p>
@@ -5335,7 +5335,7 @@
           <a:p>
             <a:fld id="{5EF56F09-17D0-4366-852B-8D91A10FE67F}" type="datetime1">
               <a:rPr lang="uk-UA" smtClean="0"/>
-              <a:t>28.02.2017</a:t>
+              <a:t>01.03.2017</a:t>
             </a:fld>
             <a:endParaRPr lang="uk-UA"/>
           </a:p>
@@ -5505,7 +5505,7 @@
           <a:p>
             <a:fld id="{59D3E701-3E9B-4FA7-ACDB-079DA5D68D8D}" type="datetime1">
               <a:rPr lang="uk-UA" smtClean="0"/>
-              <a:t>28.02.2017</a:t>
+              <a:t>01.03.2017</a:t>
             </a:fld>
             <a:endParaRPr lang="uk-UA"/>
           </a:p>
@@ -5751,7 +5751,7 @@
           <a:p>
             <a:fld id="{DFCCFF35-9B9B-49CD-86DD-FB7F48D40A2C}" type="datetime1">
               <a:rPr lang="uk-UA" smtClean="0"/>
-              <a:t>28.02.2017</a:t>
+              <a:t>01.03.2017</a:t>
             </a:fld>
             <a:endParaRPr lang="uk-UA"/>
           </a:p>
@@ -5983,7 +5983,7 @@
           <a:p>
             <a:fld id="{382893CB-E1B6-4E5D-9A5E-1452EF1C4EFF}" type="datetime1">
               <a:rPr lang="uk-UA" smtClean="0"/>
-              <a:t>28.02.2017</a:t>
+              <a:t>01.03.2017</a:t>
             </a:fld>
             <a:endParaRPr lang="uk-UA"/>
           </a:p>
@@ -6350,7 +6350,7 @@
           <a:p>
             <a:fld id="{62F7C4D7-4DC0-4CA7-81F7-3E8AF7902508}" type="datetime1">
               <a:rPr lang="uk-UA" smtClean="0"/>
-              <a:t>28.02.2017</a:t>
+              <a:t>01.03.2017</a:t>
             </a:fld>
             <a:endParaRPr lang="uk-UA"/>
           </a:p>
@@ -6468,7 +6468,7 @@
           <a:p>
             <a:fld id="{60A62F17-3347-4DE7-A63F-BF30A9016214}" type="datetime1">
               <a:rPr lang="uk-UA" smtClean="0"/>
-              <a:t>28.02.2017</a:t>
+              <a:t>01.03.2017</a:t>
             </a:fld>
             <a:endParaRPr lang="uk-UA"/>
           </a:p>
@@ -6563,7 +6563,7 @@
           <a:p>
             <a:fld id="{4D2FDEEE-B6ED-490F-BB47-F9424E61EC82}" type="datetime1">
               <a:rPr lang="uk-UA" smtClean="0"/>
-              <a:t>28.02.2017</a:t>
+              <a:t>01.03.2017</a:t>
             </a:fld>
             <a:endParaRPr lang="uk-UA"/>
           </a:p>
@@ -6840,7 +6840,7 @@
           <a:p>
             <a:fld id="{F84344AA-537D-43FD-855F-2E41B07B4E00}" type="datetime1">
               <a:rPr lang="uk-UA" smtClean="0"/>
-              <a:t>28.02.2017</a:t>
+              <a:t>01.03.2017</a:t>
             </a:fld>
             <a:endParaRPr lang="uk-UA"/>
           </a:p>
@@ -7093,7 +7093,7 @@
           <a:p>
             <a:fld id="{2D64A100-2B37-4CA1-B7C8-DE931567325E}" type="datetime1">
               <a:rPr lang="uk-UA" smtClean="0"/>
-              <a:t>28.02.2017</a:t>
+              <a:t>01.03.2017</a:t>
             </a:fld>
             <a:endParaRPr lang="uk-UA"/>
           </a:p>
@@ -7306,7 +7306,7 @@
           <a:p>
             <a:fld id="{AEEFC06A-0F4F-4857-82F6-990BA997C253}" type="datetime1">
               <a:rPr lang="uk-UA" smtClean="0"/>
-              <a:t>28.02.2017</a:t>
+              <a:t>01.03.2017</a:t>
             </a:fld>
             <a:endParaRPr lang="uk-UA"/>
           </a:p>
@@ -7900,2580 +7900,6 @@
         </p:nvSpPr>
         <p:spPr>
           <a:xfrm>
-            <a:off x="838200" y="254959"/>
-            <a:ext cx="10515600" cy="1014181"/>
-          </a:xfrm>
-        </p:spPr>
-        <p:txBody>
-          <a:bodyPr>
-            <a:normAutofit/>
-          </a:bodyPr>
-          <a:lstStyle/>
-          <a:p>
-            <a:r>
-              <a:rPr lang="uk-UA" sz="4000" dirty="0">
-                <a:latin typeface="Times New Roman" panose="02020603050405020304" pitchFamily="18" charset="0"/>
-                <a:cs typeface="Times New Roman" panose="02020603050405020304" pitchFamily="18" charset="0"/>
-              </a:rPr>
-              <a:t>Вимоги до процесу ДОК з боку ГВС</a:t>
-            </a:r>
-          </a:p>
-        </p:txBody>
-      </p:sp>
-      <p:sp>
-        <p:nvSpPr>
-          <p:cNvPr id="3" name="Content Placeholder 2"/>
-          <p:cNvSpPr>
-            <a:spLocks noGrp="1"/>
-          </p:cNvSpPr>
-          <p:nvPr>
-            <p:ph idx="1"/>
-          </p:nvPr>
-        </p:nvSpPr>
-        <p:spPr>
-          <a:xfrm>
-            <a:off x="838200" y="1269140"/>
-            <a:ext cx="10515600" cy="1227369"/>
-          </a:xfrm>
-        </p:spPr>
-        <p:txBody>
-          <a:bodyPr>
-            <a:normAutofit lnSpcReduction="10000"/>
-          </a:bodyPr>
-          <a:lstStyle/>
-          <a:p>
-            <a:r>
-              <a:rPr lang="uk-UA" i="1" dirty="0">
-                <a:latin typeface="Times New Roman" panose="02020603050405020304" pitchFamily="18" charset="0"/>
-                <a:cs typeface="Times New Roman" panose="02020603050405020304" pitchFamily="18" charset="0"/>
-              </a:rPr>
-              <a:t>Невизначеності (випадкові збурення) </a:t>
-            </a:r>
-            <a:r>
-              <a:rPr lang="uk-UA" dirty="0">
-                <a:latin typeface="Times New Roman" panose="02020603050405020304" pitchFamily="18" charset="0"/>
-                <a:cs typeface="Times New Roman" panose="02020603050405020304" pitchFamily="18" charset="0"/>
-              </a:rPr>
-              <a:t> – події в реальному часі, які виникають у процесі функціонування системи можуть змінити її стан та/або впливають на її продуктивність.</a:t>
-            </a:r>
-          </a:p>
-          <a:p>
-            <a:endParaRPr lang="uk-UA" dirty="0">
-              <a:latin typeface="Times New Roman" panose="02020603050405020304" pitchFamily="18" charset="0"/>
-              <a:cs typeface="Times New Roman" panose="02020603050405020304" pitchFamily="18" charset="0"/>
-            </a:endParaRPr>
-          </a:p>
-        </p:txBody>
-      </p:sp>
-      <p:sp>
-        <p:nvSpPr>
-          <p:cNvPr id="4" name="Slide Number Placeholder 3"/>
-          <p:cNvSpPr>
-            <a:spLocks noGrp="1"/>
-          </p:cNvSpPr>
-          <p:nvPr>
-            <p:ph type="sldNum" sz="quarter" idx="12"/>
-          </p:nvPr>
-        </p:nvSpPr>
-        <p:spPr/>
-        <p:txBody>
-          <a:bodyPr/>
-          <a:lstStyle/>
-          <a:p>
-            <a:fld id="{CD436E90-D44F-4CFB-9713-FEF5A904B1E3}" type="slidenum">
-              <a:rPr lang="uk-UA" sz="3200" smtClean="0">
-                <a:latin typeface="Times New Roman" panose="02020603050405020304" pitchFamily="18" charset="0"/>
-                <a:cs typeface="Times New Roman" panose="02020603050405020304" pitchFamily="18" charset="0"/>
-              </a:rPr>
-              <a:t>10</a:t>
-            </a:fld>
-            <a:endParaRPr lang="uk-UA" sz="3200" dirty="0">
-              <a:latin typeface="Times New Roman" panose="02020603050405020304" pitchFamily="18" charset="0"/>
-              <a:cs typeface="Times New Roman" panose="02020603050405020304" pitchFamily="18" charset="0"/>
-            </a:endParaRPr>
-          </a:p>
-        </p:txBody>
-      </p:sp>
-      <p:graphicFrame>
-        <p:nvGraphicFramePr>
-          <p:cNvPr id="6" name="Table 5"/>
-          <p:cNvGraphicFramePr>
-            <a:graphicFrameLocks noGrp="1"/>
-          </p:cNvGraphicFramePr>
-          <p:nvPr>
-            <p:extLst>
-              <p:ext uri="{D42A27DB-BD31-4B8C-83A1-F6EECF244321}">
-                <p14:modId xmlns:p14="http://schemas.microsoft.com/office/powerpoint/2010/main" val="756316567"/>
-              </p:ext>
-            </p:extLst>
-          </p:nvPr>
-        </p:nvGraphicFramePr>
-        <p:xfrm>
-          <a:off x="1156767" y="2423943"/>
-          <a:ext cx="9353321" cy="4114800"/>
-        </p:xfrm>
-        <a:graphic>
-          <a:graphicData uri="http://schemas.openxmlformats.org/drawingml/2006/table">
-            <a:tbl>
-              <a:tblPr firstRow="1" firstCol="1" bandRow="1"/>
-              <a:tblGrid>
-                <a:gridCol w="2522863">
-                  <a:extLst>
-                    <a:ext uri="{9D8B030D-6E8A-4147-A177-3AD203B41FA5}">
-                      <a16:colId xmlns:a16="http://schemas.microsoft.com/office/drawing/2014/main" val="3797807010"/>
-                    </a:ext>
-                  </a:extLst>
-                </a:gridCol>
-                <a:gridCol w="5210979">
-                  <a:extLst>
-                    <a:ext uri="{9D8B030D-6E8A-4147-A177-3AD203B41FA5}">
-                      <a16:colId xmlns:a16="http://schemas.microsoft.com/office/drawing/2014/main" val="815011937"/>
-                    </a:ext>
-                  </a:extLst>
-                </a:gridCol>
-                <a:gridCol w="1619479">
-                  <a:extLst>
-                    <a:ext uri="{9D8B030D-6E8A-4147-A177-3AD203B41FA5}">
-                      <a16:colId xmlns:a16="http://schemas.microsoft.com/office/drawing/2014/main" val="933579614"/>
-                    </a:ext>
-                  </a:extLst>
-                </a:gridCol>
-              </a:tblGrid>
-              <a:tr h="822960">
-                <a:tc>
-                  <a:txBody>
-                    <a:bodyPr/>
-                    <a:lstStyle/>
-                    <a:p>
-                      <a:pPr algn="ctr">
-                        <a:lnSpc>
-                          <a:spcPct val="100000"/>
-                        </a:lnSpc>
-                        <a:spcAft>
-                          <a:spcPts val="0"/>
-                        </a:spcAft>
-                      </a:pPr>
-                      <a:r>
-                        <a:rPr lang="uk-UA" sz="1800" b="1" dirty="0">
-                          <a:solidFill>
-                            <a:srgbClr val="00000A"/>
-                          </a:solidFill>
-                          <a:effectLst/>
-                          <a:latin typeface="Times New Roman" panose="02020603050405020304" pitchFamily="18" charset="0"/>
-                          <a:ea typeface="DejaVu Sans"/>
-                          <a:cs typeface="Times New Roman" panose="02020603050405020304" pitchFamily="18" charset="0"/>
-                        </a:rPr>
-                        <a:t>Тип невизначеності</a:t>
-                      </a:r>
-                      <a:endParaRPr lang="uk-UA" sz="1800" dirty="0">
-                        <a:solidFill>
-                          <a:srgbClr val="00000A"/>
-                        </a:solidFill>
-                        <a:effectLst/>
-                        <a:latin typeface="Calibri" panose="020F0502020204030204" pitchFamily="34" charset="0"/>
-                        <a:ea typeface="DejaVu Sans"/>
-                        <a:cs typeface="Times New Roman" panose="02020603050405020304" pitchFamily="18" charset="0"/>
-                      </a:endParaRPr>
-                    </a:p>
-                  </a:txBody>
-                  <a:tcPr marL="68580" marR="68580" marT="0" marB="0" anchor="ctr">
-                    <a:lnL w="12700" cap="flat" cmpd="sng" algn="ctr">
-                      <a:solidFill>
-                        <a:srgbClr val="000000"/>
-                      </a:solidFill>
-                      <a:prstDash val="solid"/>
-                      <a:round/>
-                      <a:headEnd type="none" w="med" len="med"/>
-                      <a:tailEnd type="none" w="med" len="med"/>
-                    </a:lnL>
-                    <a:lnR w="12700" cap="flat" cmpd="sng" algn="ctr">
-                      <a:solidFill>
-                        <a:srgbClr val="000000"/>
-                      </a:solidFill>
-                      <a:prstDash val="solid"/>
-                      <a:round/>
-                      <a:headEnd type="none" w="med" len="med"/>
-                      <a:tailEnd type="none" w="med" len="med"/>
-                    </a:lnR>
-                    <a:lnT w="12700" cap="flat" cmpd="sng" algn="ctr">
-                      <a:solidFill>
-                        <a:srgbClr val="000000"/>
-                      </a:solidFill>
-                      <a:prstDash val="solid"/>
-                      <a:round/>
-                      <a:headEnd type="none" w="med" len="med"/>
-                      <a:tailEnd type="none" w="med" len="med"/>
-                    </a:lnT>
-                    <a:lnB w="12700" cap="flat" cmpd="sng" algn="ctr">
-                      <a:solidFill>
-                        <a:srgbClr val="000000"/>
-                      </a:solidFill>
-                      <a:prstDash val="solid"/>
-                      <a:round/>
-                      <a:headEnd type="none" w="med" len="med"/>
-                      <a:tailEnd type="none" w="med" len="med"/>
-                    </a:lnB>
-                  </a:tcPr>
-                </a:tc>
-                <a:tc>
-                  <a:txBody>
-                    <a:bodyPr/>
-                    <a:lstStyle/>
-                    <a:p>
-                      <a:pPr algn="ctr">
-                        <a:lnSpc>
-                          <a:spcPct val="100000"/>
-                        </a:lnSpc>
-                        <a:spcAft>
-                          <a:spcPts val="0"/>
-                        </a:spcAft>
-                      </a:pPr>
-                      <a:r>
-                        <a:rPr lang="uk-UA" sz="1800" b="1">
-                          <a:solidFill>
-                            <a:srgbClr val="00000A"/>
-                          </a:solidFill>
-                          <a:effectLst/>
-                          <a:latin typeface="Times New Roman" panose="02020603050405020304" pitchFamily="18" charset="0"/>
-                          <a:ea typeface="DejaVu Sans"/>
-                          <a:cs typeface="Times New Roman" panose="02020603050405020304" pitchFamily="18" charset="0"/>
-                        </a:rPr>
-                        <a:t>Невизначеність</a:t>
-                      </a:r>
-                      <a:endParaRPr lang="uk-UA" sz="1800">
-                        <a:solidFill>
-                          <a:srgbClr val="00000A"/>
-                        </a:solidFill>
-                        <a:effectLst/>
-                        <a:latin typeface="Calibri" panose="020F0502020204030204" pitchFamily="34" charset="0"/>
-                        <a:ea typeface="DejaVu Sans"/>
-                        <a:cs typeface="Times New Roman" panose="02020603050405020304" pitchFamily="18" charset="0"/>
-                      </a:endParaRPr>
-                    </a:p>
-                  </a:txBody>
-                  <a:tcPr marL="68580" marR="68580" marT="0" marB="0" anchor="ctr">
-                    <a:lnL w="12700" cap="flat" cmpd="sng" algn="ctr">
-                      <a:solidFill>
-                        <a:srgbClr val="000000"/>
-                      </a:solidFill>
-                      <a:prstDash val="solid"/>
-                      <a:round/>
-                      <a:headEnd type="none" w="med" len="med"/>
-                      <a:tailEnd type="none" w="med" len="med"/>
-                    </a:lnL>
-                    <a:lnR w="12700" cap="flat" cmpd="sng" algn="ctr">
-                      <a:solidFill>
-                        <a:srgbClr val="000000"/>
-                      </a:solidFill>
-                      <a:prstDash val="solid"/>
-                      <a:round/>
-                      <a:headEnd type="none" w="med" len="med"/>
-                      <a:tailEnd type="none" w="med" len="med"/>
-                    </a:lnR>
-                    <a:lnT w="12700" cap="flat" cmpd="sng" algn="ctr">
-                      <a:solidFill>
-                        <a:srgbClr val="000000"/>
-                      </a:solidFill>
-                      <a:prstDash val="solid"/>
-                      <a:round/>
-                      <a:headEnd type="none" w="med" len="med"/>
-                      <a:tailEnd type="none" w="med" len="med"/>
-                    </a:lnT>
-                    <a:lnB w="12700" cap="flat" cmpd="sng" algn="ctr">
-                      <a:solidFill>
-                        <a:srgbClr val="000000"/>
-                      </a:solidFill>
-                      <a:prstDash val="solid"/>
-                      <a:round/>
-                      <a:headEnd type="none" w="med" len="med"/>
-                      <a:tailEnd type="none" w="med" len="med"/>
-                    </a:lnB>
-                  </a:tcPr>
-                </a:tc>
-                <a:tc>
-                  <a:txBody>
-                    <a:bodyPr/>
-                    <a:lstStyle/>
-                    <a:p>
-                      <a:pPr algn="ctr">
-                        <a:lnSpc>
-                          <a:spcPct val="100000"/>
-                        </a:lnSpc>
-                        <a:spcAft>
-                          <a:spcPts val="0"/>
-                        </a:spcAft>
-                      </a:pPr>
-                      <a:r>
-                        <a:rPr lang="uk-UA" sz="1800" b="1" dirty="0">
-                          <a:solidFill>
-                            <a:srgbClr val="00000A"/>
-                          </a:solidFill>
-                          <a:effectLst/>
-                          <a:latin typeface="Times New Roman" panose="02020603050405020304" pitchFamily="18" charset="0"/>
-                          <a:ea typeface="DejaVu Sans"/>
-                          <a:cs typeface="Times New Roman" panose="02020603050405020304" pitchFamily="18" charset="0"/>
-                        </a:rPr>
-                        <a:t>Тип системи</a:t>
-                      </a:r>
-                      <a:br>
-                        <a:rPr lang="uk-UA" sz="1800" b="1" dirty="0">
-                          <a:solidFill>
-                            <a:srgbClr val="00000A"/>
-                          </a:solidFill>
-                          <a:effectLst/>
-                          <a:latin typeface="Times New Roman" panose="02020603050405020304" pitchFamily="18" charset="0"/>
-                          <a:ea typeface="DejaVu Sans"/>
-                          <a:cs typeface="Times New Roman" panose="02020603050405020304" pitchFamily="18" charset="0"/>
-                        </a:rPr>
-                      </a:br>
-                      <a:r>
-                        <a:rPr lang="uk-UA" sz="1800" b="1" dirty="0">
-                          <a:solidFill>
-                            <a:srgbClr val="00000A"/>
-                          </a:solidFill>
-                          <a:effectLst/>
-                          <a:latin typeface="Times New Roman" panose="02020603050405020304" pitchFamily="18" charset="0"/>
-                          <a:ea typeface="DejaVu Sans"/>
-                          <a:cs typeface="Times New Roman" panose="02020603050405020304" pitchFamily="18" charset="0"/>
-                        </a:rPr>
-                        <a:t>управління</a:t>
-                      </a:r>
-                      <a:endParaRPr lang="uk-UA" sz="1800" dirty="0">
-                        <a:solidFill>
-                          <a:srgbClr val="00000A"/>
-                        </a:solidFill>
-                        <a:effectLst/>
-                        <a:latin typeface="Calibri" panose="020F0502020204030204" pitchFamily="34" charset="0"/>
-                        <a:ea typeface="DejaVu Sans"/>
-                        <a:cs typeface="Times New Roman" panose="02020603050405020304" pitchFamily="18" charset="0"/>
-                      </a:endParaRPr>
-                    </a:p>
-                  </a:txBody>
-                  <a:tcPr marL="68580" marR="68580" marT="0" marB="0" anchor="ctr">
-                    <a:lnL w="12700" cap="flat" cmpd="sng" algn="ctr">
-                      <a:solidFill>
-                        <a:srgbClr val="000000"/>
-                      </a:solidFill>
-                      <a:prstDash val="solid"/>
-                      <a:round/>
-                      <a:headEnd type="none" w="med" len="med"/>
-                      <a:tailEnd type="none" w="med" len="med"/>
-                    </a:lnL>
-                    <a:lnR w="12700" cap="flat" cmpd="sng" algn="ctr">
-                      <a:solidFill>
-                        <a:srgbClr val="000000"/>
-                      </a:solidFill>
-                      <a:prstDash val="solid"/>
-                      <a:round/>
-                      <a:headEnd type="none" w="med" len="med"/>
-                      <a:tailEnd type="none" w="med" len="med"/>
-                    </a:lnR>
-                    <a:lnT w="12700" cap="flat" cmpd="sng" algn="ctr">
-                      <a:solidFill>
-                        <a:srgbClr val="000000"/>
-                      </a:solidFill>
-                      <a:prstDash val="solid"/>
-                      <a:round/>
-                      <a:headEnd type="none" w="med" len="med"/>
-                      <a:tailEnd type="none" w="med" len="med"/>
-                    </a:lnT>
-                    <a:lnB w="12700" cap="flat" cmpd="sng" algn="ctr">
-                      <a:solidFill>
-                        <a:srgbClr val="000000"/>
-                      </a:solidFill>
-                      <a:prstDash val="solid"/>
-                      <a:round/>
-                      <a:headEnd type="none" w="med" len="med"/>
-                      <a:tailEnd type="none" w="med" len="med"/>
-                    </a:lnB>
-                  </a:tcPr>
-                </a:tc>
-                <a:extLst>
-                  <a:ext uri="{0D108BD9-81ED-4DB2-BD59-A6C34878D82A}">
-                    <a16:rowId xmlns:a16="http://schemas.microsoft.com/office/drawing/2014/main" val="3106789085"/>
-                  </a:ext>
-                </a:extLst>
-              </a:tr>
-              <a:tr h="0">
-                <a:tc rowSpan="6">
-                  <a:txBody>
-                    <a:bodyPr/>
-                    <a:lstStyle/>
-                    <a:p>
-                      <a:pPr>
-                        <a:lnSpc>
-                          <a:spcPct val="100000"/>
-                        </a:lnSpc>
-                        <a:spcAft>
-                          <a:spcPts val="0"/>
-                        </a:spcAft>
-                      </a:pPr>
-                      <a:r>
-                        <a:rPr lang="uk-UA" sz="1800" dirty="0">
-                          <a:solidFill>
-                            <a:srgbClr val="00000A"/>
-                          </a:solidFill>
-                          <a:effectLst/>
-                          <a:latin typeface="Times New Roman" panose="02020603050405020304" pitchFamily="18" charset="0"/>
-                          <a:ea typeface="DejaVu Sans"/>
-                          <a:cs typeface="Times New Roman" panose="02020603050405020304" pitchFamily="18" charset="0"/>
-                        </a:rPr>
-                        <a:t>Пов'язані з ресурсами</a:t>
-                      </a:r>
-                      <a:endParaRPr lang="uk-UA" sz="1800" dirty="0">
-                        <a:solidFill>
-                          <a:srgbClr val="00000A"/>
-                        </a:solidFill>
-                        <a:effectLst/>
-                        <a:latin typeface="Calibri" panose="020F0502020204030204" pitchFamily="34" charset="0"/>
-                        <a:ea typeface="DejaVu Sans"/>
-                        <a:cs typeface="Times New Roman" panose="02020603050405020304" pitchFamily="18" charset="0"/>
-                      </a:endParaRPr>
-                    </a:p>
-                  </a:txBody>
-                  <a:tcPr marL="68580" marR="68580" marT="0" marB="0" anchor="ctr">
-                    <a:lnL w="12700" cap="flat" cmpd="sng" algn="ctr">
-                      <a:solidFill>
-                        <a:srgbClr val="000000"/>
-                      </a:solidFill>
-                      <a:prstDash val="solid"/>
-                      <a:round/>
-                      <a:headEnd type="none" w="med" len="med"/>
-                      <a:tailEnd type="none" w="med" len="med"/>
-                    </a:lnL>
-                    <a:lnR w="12700" cap="flat" cmpd="sng" algn="ctr">
-                      <a:solidFill>
-                        <a:srgbClr val="000000"/>
-                      </a:solidFill>
-                      <a:prstDash val="solid"/>
-                      <a:round/>
-                      <a:headEnd type="none" w="med" len="med"/>
-                      <a:tailEnd type="none" w="med" len="med"/>
-                    </a:lnR>
-                    <a:lnT w="12700" cap="flat" cmpd="sng" algn="ctr">
-                      <a:solidFill>
-                        <a:srgbClr val="000000"/>
-                      </a:solidFill>
-                      <a:prstDash val="solid"/>
-                      <a:round/>
-                      <a:headEnd type="none" w="med" len="med"/>
-                      <a:tailEnd type="none" w="med" len="med"/>
-                    </a:lnT>
-                    <a:lnB w="12700" cap="flat" cmpd="sng" algn="ctr">
-                      <a:solidFill>
-                        <a:srgbClr val="000000"/>
-                      </a:solidFill>
-                      <a:prstDash val="solid"/>
-                      <a:round/>
-                      <a:headEnd type="none" w="med" len="med"/>
-                      <a:tailEnd type="none" w="med" len="med"/>
-                    </a:lnB>
-                  </a:tcPr>
-                </a:tc>
-                <a:tc>
-                  <a:txBody>
-                    <a:bodyPr/>
-                    <a:lstStyle/>
-                    <a:p>
-                      <a:pPr>
-                        <a:lnSpc>
-                          <a:spcPct val="100000"/>
-                        </a:lnSpc>
-                        <a:spcAft>
-                          <a:spcPts val="0"/>
-                        </a:spcAft>
-                      </a:pPr>
-                      <a:r>
-                        <a:rPr lang="uk-UA" sz="1800" i="1" dirty="0">
-                          <a:solidFill>
-                            <a:srgbClr val="00000A"/>
-                          </a:solidFill>
-                          <a:effectLst/>
-                          <a:latin typeface="Times New Roman" panose="02020603050405020304" pitchFamily="18" charset="0"/>
-                          <a:ea typeface="DejaVu Sans"/>
-                          <a:cs typeface="Times New Roman" panose="02020603050405020304" pitchFamily="18" charset="0"/>
-                        </a:rPr>
-                        <a:t>несправність машини</a:t>
-                      </a:r>
-                      <a:endParaRPr lang="uk-UA" sz="1800" dirty="0">
-                        <a:solidFill>
-                          <a:srgbClr val="00000A"/>
-                        </a:solidFill>
-                        <a:effectLst/>
-                        <a:latin typeface="Calibri" panose="020F0502020204030204" pitchFamily="34" charset="0"/>
-                        <a:ea typeface="DejaVu Sans"/>
-                        <a:cs typeface="Times New Roman" panose="02020603050405020304" pitchFamily="18" charset="0"/>
-                      </a:endParaRPr>
-                    </a:p>
-                  </a:txBody>
-                  <a:tcPr marL="68580" marR="68580" marT="0" marB="0" anchor="ctr">
-                    <a:lnL w="12700" cap="flat" cmpd="sng" algn="ctr">
-                      <a:solidFill>
-                        <a:srgbClr val="000000"/>
-                      </a:solidFill>
-                      <a:prstDash val="solid"/>
-                      <a:round/>
-                      <a:headEnd type="none" w="med" len="med"/>
-                      <a:tailEnd type="none" w="med" len="med"/>
-                    </a:lnL>
-                    <a:lnR w="12700" cap="flat" cmpd="sng" algn="ctr">
-                      <a:solidFill>
-                        <a:srgbClr val="000000"/>
-                      </a:solidFill>
-                      <a:prstDash val="solid"/>
-                      <a:round/>
-                      <a:headEnd type="none" w="med" len="med"/>
-                      <a:tailEnd type="none" w="med" len="med"/>
-                    </a:lnR>
-                    <a:lnT w="12700" cap="flat" cmpd="sng" algn="ctr">
-                      <a:solidFill>
-                        <a:srgbClr val="000000"/>
-                      </a:solidFill>
-                      <a:prstDash val="solid"/>
-                      <a:round/>
-                      <a:headEnd type="none" w="med" len="med"/>
-                      <a:tailEnd type="none" w="med" len="med"/>
-                    </a:lnT>
-                    <a:lnB w="12700" cap="flat" cmpd="sng" algn="ctr">
-                      <a:solidFill>
-                        <a:srgbClr val="000000"/>
-                      </a:solidFill>
-                      <a:prstDash val="solid"/>
-                      <a:round/>
-                      <a:headEnd type="none" w="med" len="med"/>
-                      <a:tailEnd type="none" w="med" len="med"/>
-                    </a:lnB>
-                  </a:tcPr>
-                </a:tc>
-                <a:tc>
-                  <a:txBody>
-                    <a:bodyPr/>
-                    <a:lstStyle/>
-                    <a:p>
-                      <a:pPr algn="ctr">
-                        <a:lnSpc>
-                          <a:spcPct val="100000"/>
-                        </a:lnSpc>
-                        <a:spcAft>
-                          <a:spcPts val="0"/>
-                        </a:spcAft>
-                      </a:pPr>
-                      <a:r>
-                        <a:rPr lang="uk-UA" sz="1800">
-                          <a:solidFill>
-                            <a:srgbClr val="00000A"/>
-                          </a:solidFill>
-                          <a:effectLst/>
-                          <a:latin typeface="Times New Roman" panose="02020603050405020304" pitchFamily="18" charset="0"/>
-                          <a:ea typeface="DejaVu Sans"/>
-                          <a:cs typeface="Times New Roman" panose="02020603050405020304" pitchFamily="18" charset="0"/>
-                        </a:rPr>
-                        <a:t>СОУ</a:t>
-                      </a:r>
-                      <a:endParaRPr lang="uk-UA" sz="1800">
-                        <a:solidFill>
-                          <a:srgbClr val="00000A"/>
-                        </a:solidFill>
-                        <a:effectLst/>
-                        <a:latin typeface="Calibri" panose="020F0502020204030204" pitchFamily="34" charset="0"/>
-                        <a:ea typeface="DejaVu Sans"/>
-                        <a:cs typeface="Times New Roman" panose="02020603050405020304" pitchFamily="18" charset="0"/>
-                      </a:endParaRPr>
-                    </a:p>
-                  </a:txBody>
-                  <a:tcPr marL="68580" marR="68580" marT="0" marB="0" anchor="ctr">
-                    <a:lnL w="12700" cap="flat" cmpd="sng" algn="ctr">
-                      <a:solidFill>
-                        <a:srgbClr val="000000"/>
-                      </a:solidFill>
-                      <a:prstDash val="solid"/>
-                      <a:round/>
-                      <a:headEnd type="none" w="med" len="med"/>
-                      <a:tailEnd type="none" w="med" len="med"/>
-                    </a:lnL>
-                    <a:lnR w="12700" cap="flat" cmpd="sng" algn="ctr">
-                      <a:solidFill>
-                        <a:srgbClr val="000000"/>
-                      </a:solidFill>
-                      <a:prstDash val="solid"/>
-                      <a:round/>
-                      <a:headEnd type="none" w="med" len="med"/>
-                      <a:tailEnd type="none" w="med" len="med"/>
-                    </a:lnR>
-                    <a:lnT w="12700" cap="flat" cmpd="sng" algn="ctr">
-                      <a:solidFill>
-                        <a:srgbClr val="000000"/>
-                      </a:solidFill>
-                      <a:prstDash val="solid"/>
-                      <a:round/>
-                      <a:headEnd type="none" w="med" len="med"/>
-                      <a:tailEnd type="none" w="med" len="med"/>
-                    </a:lnT>
-                    <a:lnB w="12700" cap="flat" cmpd="sng" algn="ctr">
-                      <a:solidFill>
-                        <a:srgbClr val="000000"/>
-                      </a:solidFill>
-                      <a:prstDash val="solid"/>
-                      <a:round/>
-                      <a:headEnd type="none" w="med" len="med"/>
-                      <a:tailEnd type="none" w="med" len="med"/>
-                    </a:lnB>
-                  </a:tcPr>
-                </a:tc>
-                <a:extLst>
-                  <a:ext uri="{0D108BD9-81ED-4DB2-BD59-A6C34878D82A}">
-                    <a16:rowId xmlns:a16="http://schemas.microsoft.com/office/drawing/2014/main" val="932912457"/>
-                  </a:ext>
-                </a:extLst>
-              </a:tr>
-              <a:tr h="0">
-                <a:tc vMerge="1">
-                  <a:txBody>
-                    <a:bodyPr/>
-                    <a:lstStyle/>
-                    <a:p>
-                      <a:endParaRPr lang="uk-UA"/>
-                    </a:p>
-                  </a:txBody>
-                  <a:tcPr/>
-                </a:tc>
-                <a:tc>
-                  <a:txBody>
-                    <a:bodyPr/>
-                    <a:lstStyle/>
-                    <a:p>
-                      <a:pPr>
-                        <a:lnSpc>
-                          <a:spcPct val="100000"/>
-                        </a:lnSpc>
-                        <a:spcAft>
-                          <a:spcPts val="0"/>
-                        </a:spcAft>
-                      </a:pPr>
-                      <a:r>
-                        <a:rPr lang="uk-UA" sz="1800" i="1" dirty="0">
-                          <a:solidFill>
-                            <a:srgbClr val="00000A"/>
-                          </a:solidFill>
-                          <a:effectLst/>
-                          <a:latin typeface="Times New Roman" panose="02020603050405020304" pitchFamily="18" charset="0"/>
-                          <a:ea typeface="DejaVu Sans"/>
-                          <a:cs typeface="Times New Roman" panose="02020603050405020304" pitchFamily="18" charset="0"/>
-                        </a:rPr>
-                        <a:t>помилка оператора</a:t>
-                      </a:r>
-                      <a:endParaRPr lang="uk-UA" sz="1800" dirty="0">
-                        <a:solidFill>
-                          <a:srgbClr val="00000A"/>
-                        </a:solidFill>
-                        <a:effectLst/>
-                        <a:latin typeface="Calibri" panose="020F0502020204030204" pitchFamily="34" charset="0"/>
-                        <a:ea typeface="DejaVu Sans"/>
-                        <a:cs typeface="Times New Roman" panose="02020603050405020304" pitchFamily="18" charset="0"/>
-                      </a:endParaRPr>
-                    </a:p>
-                  </a:txBody>
-                  <a:tcPr marL="68580" marR="68580" marT="0" marB="0" anchor="ctr">
-                    <a:lnL w="12700" cap="flat" cmpd="sng" algn="ctr">
-                      <a:solidFill>
-                        <a:srgbClr val="000000"/>
-                      </a:solidFill>
-                      <a:prstDash val="solid"/>
-                      <a:round/>
-                      <a:headEnd type="none" w="med" len="med"/>
-                      <a:tailEnd type="none" w="med" len="med"/>
-                    </a:lnL>
-                    <a:lnR w="12700" cap="flat" cmpd="sng" algn="ctr">
-                      <a:solidFill>
-                        <a:srgbClr val="000000"/>
-                      </a:solidFill>
-                      <a:prstDash val="solid"/>
-                      <a:round/>
-                      <a:headEnd type="none" w="med" len="med"/>
-                      <a:tailEnd type="none" w="med" len="med"/>
-                    </a:lnR>
-                    <a:lnT w="12700" cap="flat" cmpd="sng" algn="ctr">
-                      <a:solidFill>
-                        <a:srgbClr val="000000"/>
-                      </a:solidFill>
-                      <a:prstDash val="solid"/>
-                      <a:round/>
-                      <a:headEnd type="none" w="med" len="med"/>
-                      <a:tailEnd type="none" w="med" len="med"/>
-                    </a:lnT>
-                    <a:lnB w="12700" cap="flat" cmpd="sng" algn="ctr">
-                      <a:solidFill>
-                        <a:srgbClr val="000000"/>
-                      </a:solidFill>
-                      <a:prstDash val="solid"/>
-                      <a:round/>
-                      <a:headEnd type="none" w="med" len="med"/>
-                      <a:tailEnd type="none" w="med" len="med"/>
-                    </a:lnB>
-                  </a:tcPr>
-                </a:tc>
-                <a:tc>
-                  <a:txBody>
-                    <a:bodyPr/>
-                    <a:lstStyle/>
-                    <a:p>
-                      <a:pPr algn="ctr">
-                        <a:lnSpc>
-                          <a:spcPct val="100000"/>
-                        </a:lnSpc>
-                        <a:spcAft>
-                          <a:spcPts val="0"/>
-                        </a:spcAft>
-                      </a:pPr>
-                      <a:r>
-                        <a:rPr lang="uk-UA" sz="1800">
-                          <a:solidFill>
-                            <a:srgbClr val="00000A"/>
-                          </a:solidFill>
-                          <a:effectLst/>
-                          <a:latin typeface="Times New Roman" panose="02020603050405020304" pitchFamily="18" charset="0"/>
-                          <a:ea typeface="DejaVu Sans"/>
-                          <a:cs typeface="Times New Roman" panose="02020603050405020304" pitchFamily="18" charset="0"/>
-                        </a:rPr>
-                        <a:t>СОУ</a:t>
-                      </a:r>
-                      <a:endParaRPr lang="uk-UA" sz="1800">
-                        <a:solidFill>
-                          <a:srgbClr val="00000A"/>
-                        </a:solidFill>
-                        <a:effectLst/>
-                        <a:latin typeface="Calibri" panose="020F0502020204030204" pitchFamily="34" charset="0"/>
-                        <a:ea typeface="DejaVu Sans"/>
-                        <a:cs typeface="Times New Roman" panose="02020603050405020304" pitchFamily="18" charset="0"/>
-                      </a:endParaRPr>
-                    </a:p>
-                  </a:txBody>
-                  <a:tcPr marL="68580" marR="68580" marT="0" marB="0" anchor="ctr">
-                    <a:lnL w="12700" cap="flat" cmpd="sng" algn="ctr">
-                      <a:solidFill>
-                        <a:srgbClr val="000000"/>
-                      </a:solidFill>
-                      <a:prstDash val="solid"/>
-                      <a:round/>
-                      <a:headEnd type="none" w="med" len="med"/>
-                      <a:tailEnd type="none" w="med" len="med"/>
-                    </a:lnL>
-                    <a:lnR w="12700" cap="flat" cmpd="sng" algn="ctr">
-                      <a:solidFill>
-                        <a:srgbClr val="000000"/>
-                      </a:solidFill>
-                      <a:prstDash val="solid"/>
-                      <a:round/>
-                      <a:headEnd type="none" w="med" len="med"/>
-                      <a:tailEnd type="none" w="med" len="med"/>
-                    </a:lnR>
-                    <a:lnT w="12700" cap="flat" cmpd="sng" algn="ctr">
-                      <a:solidFill>
-                        <a:srgbClr val="000000"/>
-                      </a:solidFill>
-                      <a:prstDash val="solid"/>
-                      <a:round/>
-                      <a:headEnd type="none" w="med" len="med"/>
-                      <a:tailEnd type="none" w="med" len="med"/>
-                    </a:lnT>
-                    <a:lnB w="12700" cap="flat" cmpd="sng" algn="ctr">
-                      <a:solidFill>
-                        <a:srgbClr val="000000"/>
-                      </a:solidFill>
-                      <a:prstDash val="solid"/>
-                      <a:round/>
-                      <a:headEnd type="none" w="med" len="med"/>
-                      <a:tailEnd type="none" w="med" len="med"/>
-                    </a:lnB>
-                  </a:tcPr>
-                </a:tc>
-                <a:extLst>
-                  <a:ext uri="{0D108BD9-81ED-4DB2-BD59-A6C34878D82A}">
-                    <a16:rowId xmlns:a16="http://schemas.microsoft.com/office/drawing/2014/main" val="3314382585"/>
-                  </a:ext>
-                </a:extLst>
-              </a:tr>
-              <a:tr h="0">
-                <a:tc vMerge="1">
-                  <a:txBody>
-                    <a:bodyPr/>
-                    <a:lstStyle/>
-                    <a:p>
-                      <a:endParaRPr lang="uk-UA"/>
-                    </a:p>
-                  </a:txBody>
-                  <a:tcPr/>
-                </a:tc>
-                <a:tc>
-                  <a:txBody>
-                    <a:bodyPr/>
-                    <a:lstStyle/>
-                    <a:p>
-                      <a:pPr>
-                        <a:lnSpc>
-                          <a:spcPct val="100000"/>
-                        </a:lnSpc>
-                        <a:spcAft>
-                          <a:spcPts val="0"/>
-                        </a:spcAft>
-                      </a:pPr>
-                      <a:r>
-                        <a:rPr lang="uk-UA" sz="1800" i="1" dirty="0">
-                          <a:solidFill>
-                            <a:srgbClr val="00000A"/>
-                          </a:solidFill>
-                          <a:effectLst/>
-                          <a:latin typeface="Times New Roman" panose="02020603050405020304" pitchFamily="18" charset="0"/>
-                          <a:ea typeface="DejaVu Sans"/>
-                          <a:cs typeface="Times New Roman" panose="02020603050405020304" pitchFamily="18" charset="0"/>
-                        </a:rPr>
-                        <a:t>відсутність або несправність інструмента</a:t>
-                      </a:r>
-                      <a:endParaRPr lang="uk-UA" sz="1800" dirty="0">
-                        <a:solidFill>
-                          <a:srgbClr val="00000A"/>
-                        </a:solidFill>
-                        <a:effectLst/>
-                        <a:latin typeface="Calibri" panose="020F0502020204030204" pitchFamily="34" charset="0"/>
-                        <a:ea typeface="DejaVu Sans"/>
-                        <a:cs typeface="Times New Roman" panose="02020603050405020304" pitchFamily="18" charset="0"/>
-                      </a:endParaRPr>
-                    </a:p>
-                  </a:txBody>
-                  <a:tcPr marL="68580" marR="68580" marT="0" marB="0" anchor="ctr">
-                    <a:lnL w="12700" cap="flat" cmpd="sng" algn="ctr">
-                      <a:solidFill>
-                        <a:srgbClr val="000000"/>
-                      </a:solidFill>
-                      <a:prstDash val="solid"/>
-                      <a:round/>
-                      <a:headEnd type="none" w="med" len="med"/>
-                      <a:tailEnd type="none" w="med" len="med"/>
-                    </a:lnL>
-                    <a:lnR w="12700" cap="flat" cmpd="sng" algn="ctr">
-                      <a:solidFill>
-                        <a:srgbClr val="000000"/>
-                      </a:solidFill>
-                      <a:prstDash val="solid"/>
-                      <a:round/>
-                      <a:headEnd type="none" w="med" len="med"/>
-                      <a:tailEnd type="none" w="med" len="med"/>
-                    </a:lnR>
-                    <a:lnT w="12700" cap="flat" cmpd="sng" algn="ctr">
-                      <a:solidFill>
-                        <a:srgbClr val="000000"/>
-                      </a:solidFill>
-                      <a:prstDash val="solid"/>
-                      <a:round/>
-                      <a:headEnd type="none" w="med" len="med"/>
-                      <a:tailEnd type="none" w="med" len="med"/>
-                    </a:lnT>
-                    <a:lnB w="12700" cap="flat" cmpd="sng" algn="ctr">
-                      <a:solidFill>
-                        <a:srgbClr val="000000"/>
-                      </a:solidFill>
-                      <a:prstDash val="solid"/>
-                      <a:round/>
-                      <a:headEnd type="none" w="med" len="med"/>
-                      <a:tailEnd type="none" w="med" len="med"/>
-                    </a:lnB>
-                  </a:tcPr>
-                </a:tc>
-                <a:tc>
-                  <a:txBody>
-                    <a:bodyPr/>
-                    <a:lstStyle/>
-                    <a:p>
-                      <a:pPr algn="ctr">
-                        <a:lnSpc>
-                          <a:spcPct val="100000"/>
-                        </a:lnSpc>
-                        <a:spcAft>
-                          <a:spcPts val="0"/>
-                        </a:spcAft>
-                      </a:pPr>
-                      <a:r>
-                        <a:rPr lang="uk-UA" sz="1800">
-                          <a:solidFill>
-                            <a:srgbClr val="00000A"/>
-                          </a:solidFill>
-                          <a:effectLst/>
-                          <a:latin typeface="Times New Roman" panose="02020603050405020304" pitchFamily="18" charset="0"/>
-                          <a:ea typeface="DejaVu Sans"/>
-                          <a:cs typeface="Times New Roman" panose="02020603050405020304" pitchFamily="18" charset="0"/>
-                        </a:rPr>
-                        <a:t>СОУ, АСАУ</a:t>
-                      </a:r>
-                      <a:endParaRPr lang="uk-UA" sz="1800">
-                        <a:solidFill>
-                          <a:srgbClr val="00000A"/>
-                        </a:solidFill>
-                        <a:effectLst/>
-                        <a:latin typeface="Calibri" panose="020F0502020204030204" pitchFamily="34" charset="0"/>
-                        <a:ea typeface="DejaVu Sans"/>
-                        <a:cs typeface="Times New Roman" panose="02020603050405020304" pitchFamily="18" charset="0"/>
-                      </a:endParaRPr>
-                    </a:p>
-                  </a:txBody>
-                  <a:tcPr marL="68580" marR="68580" marT="0" marB="0" anchor="ctr">
-                    <a:lnL w="12700" cap="flat" cmpd="sng" algn="ctr">
-                      <a:solidFill>
-                        <a:srgbClr val="000000"/>
-                      </a:solidFill>
-                      <a:prstDash val="solid"/>
-                      <a:round/>
-                      <a:headEnd type="none" w="med" len="med"/>
-                      <a:tailEnd type="none" w="med" len="med"/>
-                    </a:lnL>
-                    <a:lnR w="12700" cap="flat" cmpd="sng" algn="ctr">
-                      <a:solidFill>
-                        <a:srgbClr val="000000"/>
-                      </a:solidFill>
-                      <a:prstDash val="solid"/>
-                      <a:round/>
-                      <a:headEnd type="none" w="med" len="med"/>
-                      <a:tailEnd type="none" w="med" len="med"/>
-                    </a:lnR>
-                    <a:lnT w="12700" cap="flat" cmpd="sng" algn="ctr">
-                      <a:solidFill>
-                        <a:srgbClr val="000000"/>
-                      </a:solidFill>
-                      <a:prstDash val="solid"/>
-                      <a:round/>
-                      <a:headEnd type="none" w="med" len="med"/>
-                      <a:tailEnd type="none" w="med" len="med"/>
-                    </a:lnT>
-                    <a:lnB w="12700" cap="flat" cmpd="sng" algn="ctr">
-                      <a:solidFill>
-                        <a:srgbClr val="000000"/>
-                      </a:solidFill>
-                      <a:prstDash val="solid"/>
-                      <a:round/>
-                      <a:headEnd type="none" w="med" len="med"/>
-                      <a:tailEnd type="none" w="med" len="med"/>
-                    </a:lnB>
-                  </a:tcPr>
-                </a:tc>
-                <a:extLst>
-                  <a:ext uri="{0D108BD9-81ED-4DB2-BD59-A6C34878D82A}">
-                    <a16:rowId xmlns:a16="http://schemas.microsoft.com/office/drawing/2014/main" val="673408064"/>
-                  </a:ext>
-                </a:extLst>
-              </a:tr>
-              <a:tr h="0">
-                <a:tc vMerge="1">
-                  <a:txBody>
-                    <a:bodyPr/>
-                    <a:lstStyle/>
-                    <a:p>
-                      <a:endParaRPr lang="uk-UA"/>
-                    </a:p>
-                  </a:txBody>
-                  <a:tcPr/>
-                </a:tc>
-                <a:tc>
-                  <a:txBody>
-                    <a:bodyPr/>
-                    <a:lstStyle/>
-                    <a:p>
-                      <a:pPr>
-                        <a:lnSpc>
-                          <a:spcPct val="100000"/>
-                        </a:lnSpc>
-                        <a:spcAft>
-                          <a:spcPts val="0"/>
-                        </a:spcAft>
-                      </a:pPr>
-                      <a:r>
-                        <a:rPr lang="uk-UA" sz="1800" i="1" dirty="0">
-                          <a:solidFill>
-                            <a:srgbClr val="00000A"/>
-                          </a:solidFill>
-                          <a:effectLst/>
-                          <a:latin typeface="Times New Roman" panose="02020603050405020304" pitchFamily="18" charset="0"/>
-                          <a:ea typeface="DejaVu Sans"/>
-                          <a:cs typeface="Times New Roman" panose="02020603050405020304" pitchFamily="18" charset="0"/>
-                        </a:rPr>
-                        <a:t>ліміти завантаження</a:t>
-                      </a:r>
-                      <a:endParaRPr lang="uk-UA" sz="1800" dirty="0">
-                        <a:solidFill>
-                          <a:srgbClr val="00000A"/>
-                        </a:solidFill>
-                        <a:effectLst/>
-                        <a:latin typeface="Calibri" panose="020F0502020204030204" pitchFamily="34" charset="0"/>
-                        <a:ea typeface="DejaVu Sans"/>
-                        <a:cs typeface="Times New Roman" panose="02020603050405020304" pitchFamily="18" charset="0"/>
-                      </a:endParaRPr>
-                    </a:p>
-                  </a:txBody>
-                  <a:tcPr marL="68580" marR="68580" marT="0" marB="0" anchor="ctr">
-                    <a:lnL w="12700" cap="flat" cmpd="sng" algn="ctr">
-                      <a:solidFill>
-                        <a:srgbClr val="000000"/>
-                      </a:solidFill>
-                      <a:prstDash val="solid"/>
-                      <a:round/>
-                      <a:headEnd type="none" w="med" len="med"/>
-                      <a:tailEnd type="none" w="med" len="med"/>
-                    </a:lnL>
-                    <a:lnR w="12700" cap="flat" cmpd="sng" algn="ctr">
-                      <a:solidFill>
-                        <a:srgbClr val="000000"/>
-                      </a:solidFill>
-                      <a:prstDash val="solid"/>
-                      <a:round/>
-                      <a:headEnd type="none" w="med" len="med"/>
-                      <a:tailEnd type="none" w="med" len="med"/>
-                    </a:lnR>
-                    <a:lnT w="12700" cap="flat" cmpd="sng" algn="ctr">
-                      <a:solidFill>
-                        <a:srgbClr val="000000"/>
-                      </a:solidFill>
-                      <a:prstDash val="solid"/>
-                      <a:round/>
-                      <a:headEnd type="none" w="med" len="med"/>
-                      <a:tailEnd type="none" w="med" len="med"/>
-                    </a:lnT>
-                    <a:lnB w="12700" cap="flat" cmpd="sng" algn="ctr">
-                      <a:solidFill>
-                        <a:srgbClr val="000000"/>
-                      </a:solidFill>
-                      <a:prstDash val="solid"/>
-                      <a:round/>
-                      <a:headEnd type="none" w="med" len="med"/>
-                      <a:tailEnd type="none" w="med" len="med"/>
-                    </a:lnB>
-                  </a:tcPr>
-                </a:tc>
-                <a:tc>
-                  <a:txBody>
-                    <a:bodyPr/>
-                    <a:lstStyle/>
-                    <a:p>
-                      <a:pPr algn="ctr">
-                        <a:lnSpc>
-                          <a:spcPct val="100000"/>
-                        </a:lnSpc>
-                        <a:spcAft>
-                          <a:spcPts val="0"/>
-                        </a:spcAft>
-                      </a:pPr>
-                      <a:r>
-                        <a:rPr lang="uk-UA" sz="1800">
-                          <a:solidFill>
-                            <a:srgbClr val="00000A"/>
-                          </a:solidFill>
-                          <a:effectLst/>
-                          <a:latin typeface="Times New Roman" panose="02020603050405020304" pitchFamily="18" charset="0"/>
-                          <a:ea typeface="DejaVu Sans"/>
-                          <a:cs typeface="Times New Roman" panose="02020603050405020304" pitchFamily="18" charset="0"/>
-                        </a:rPr>
-                        <a:t>СОУ, АСАУ</a:t>
-                      </a:r>
-                      <a:endParaRPr lang="uk-UA" sz="1800">
-                        <a:solidFill>
-                          <a:srgbClr val="00000A"/>
-                        </a:solidFill>
-                        <a:effectLst/>
-                        <a:latin typeface="Calibri" panose="020F0502020204030204" pitchFamily="34" charset="0"/>
-                        <a:ea typeface="DejaVu Sans"/>
-                        <a:cs typeface="Times New Roman" panose="02020603050405020304" pitchFamily="18" charset="0"/>
-                      </a:endParaRPr>
-                    </a:p>
-                  </a:txBody>
-                  <a:tcPr marL="68580" marR="68580" marT="0" marB="0" anchor="ctr">
-                    <a:lnL w="12700" cap="flat" cmpd="sng" algn="ctr">
-                      <a:solidFill>
-                        <a:srgbClr val="000000"/>
-                      </a:solidFill>
-                      <a:prstDash val="solid"/>
-                      <a:round/>
-                      <a:headEnd type="none" w="med" len="med"/>
-                      <a:tailEnd type="none" w="med" len="med"/>
-                    </a:lnL>
-                    <a:lnR w="12700" cap="flat" cmpd="sng" algn="ctr">
-                      <a:solidFill>
-                        <a:srgbClr val="000000"/>
-                      </a:solidFill>
-                      <a:prstDash val="solid"/>
-                      <a:round/>
-                      <a:headEnd type="none" w="med" len="med"/>
-                      <a:tailEnd type="none" w="med" len="med"/>
-                    </a:lnR>
-                    <a:lnT w="12700" cap="flat" cmpd="sng" algn="ctr">
-                      <a:solidFill>
-                        <a:srgbClr val="000000"/>
-                      </a:solidFill>
-                      <a:prstDash val="solid"/>
-                      <a:round/>
-                      <a:headEnd type="none" w="med" len="med"/>
-                      <a:tailEnd type="none" w="med" len="med"/>
-                    </a:lnT>
-                    <a:lnB w="12700" cap="flat" cmpd="sng" algn="ctr">
-                      <a:solidFill>
-                        <a:srgbClr val="000000"/>
-                      </a:solidFill>
-                      <a:prstDash val="solid"/>
-                      <a:round/>
-                      <a:headEnd type="none" w="med" len="med"/>
-                      <a:tailEnd type="none" w="med" len="med"/>
-                    </a:lnB>
-                  </a:tcPr>
-                </a:tc>
-                <a:extLst>
-                  <a:ext uri="{0D108BD9-81ED-4DB2-BD59-A6C34878D82A}">
-                    <a16:rowId xmlns:a16="http://schemas.microsoft.com/office/drawing/2014/main" val="738049393"/>
-                  </a:ext>
-                </a:extLst>
-              </a:tr>
-              <a:tr h="0">
-                <a:tc vMerge="1">
-                  <a:txBody>
-                    <a:bodyPr/>
-                    <a:lstStyle/>
-                    <a:p>
-                      <a:endParaRPr lang="uk-UA"/>
-                    </a:p>
-                  </a:txBody>
-                  <a:tcPr/>
-                </a:tc>
-                <a:tc>
-                  <a:txBody>
-                    <a:bodyPr/>
-                    <a:lstStyle/>
-                    <a:p>
-                      <a:pPr>
-                        <a:lnSpc>
-                          <a:spcPct val="100000"/>
-                        </a:lnSpc>
-                        <a:spcAft>
-                          <a:spcPts val="0"/>
-                        </a:spcAft>
-                      </a:pPr>
-                      <a:r>
-                        <a:rPr lang="uk-UA" sz="1800" i="1" dirty="0">
-                          <a:solidFill>
-                            <a:srgbClr val="00000A"/>
-                          </a:solidFill>
-                          <a:effectLst/>
-                          <a:latin typeface="Times New Roman" panose="02020603050405020304" pitchFamily="18" charset="0"/>
-                          <a:ea typeface="DejaVu Sans"/>
-                          <a:cs typeface="Times New Roman" panose="02020603050405020304" pitchFamily="18" charset="0"/>
-                        </a:rPr>
-                        <a:t>затримки у доставці матеріалів</a:t>
-                      </a:r>
-                      <a:endParaRPr lang="uk-UA" sz="1800" dirty="0">
-                        <a:solidFill>
-                          <a:srgbClr val="00000A"/>
-                        </a:solidFill>
-                        <a:effectLst/>
-                        <a:latin typeface="Calibri" panose="020F0502020204030204" pitchFamily="34" charset="0"/>
-                        <a:ea typeface="DejaVu Sans"/>
-                        <a:cs typeface="Times New Roman" panose="02020603050405020304" pitchFamily="18" charset="0"/>
-                      </a:endParaRPr>
-                    </a:p>
-                  </a:txBody>
-                  <a:tcPr marL="68580" marR="68580" marT="0" marB="0" anchor="ctr">
-                    <a:lnL w="12700" cap="flat" cmpd="sng" algn="ctr">
-                      <a:solidFill>
-                        <a:srgbClr val="000000"/>
-                      </a:solidFill>
-                      <a:prstDash val="solid"/>
-                      <a:round/>
-                      <a:headEnd type="none" w="med" len="med"/>
-                      <a:tailEnd type="none" w="med" len="med"/>
-                    </a:lnL>
-                    <a:lnR w="12700" cap="flat" cmpd="sng" algn="ctr">
-                      <a:solidFill>
-                        <a:srgbClr val="000000"/>
-                      </a:solidFill>
-                      <a:prstDash val="solid"/>
-                      <a:round/>
-                      <a:headEnd type="none" w="med" len="med"/>
-                      <a:tailEnd type="none" w="med" len="med"/>
-                    </a:lnR>
-                    <a:lnT w="12700" cap="flat" cmpd="sng" algn="ctr">
-                      <a:solidFill>
-                        <a:srgbClr val="000000"/>
-                      </a:solidFill>
-                      <a:prstDash val="solid"/>
-                      <a:round/>
-                      <a:headEnd type="none" w="med" len="med"/>
-                      <a:tailEnd type="none" w="med" len="med"/>
-                    </a:lnT>
-                    <a:lnB w="12700" cap="flat" cmpd="sng" algn="ctr">
-                      <a:solidFill>
-                        <a:srgbClr val="000000"/>
-                      </a:solidFill>
-                      <a:prstDash val="solid"/>
-                      <a:round/>
-                      <a:headEnd type="none" w="med" len="med"/>
-                      <a:tailEnd type="none" w="med" len="med"/>
-                    </a:lnB>
-                  </a:tcPr>
-                </a:tc>
-                <a:tc>
-                  <a:txBody>
-                    <a:bodyPr/>
-                    <a:lstStyle/>
-                    <a:p>
-                      <a:pPr algn="ctr">
-                        <a:lnSpc>
-                          <a:spcPct val="100000"/>
-                        </a:lnSpc>
-                        <a:spcAft>
-                          <a:spcPts val="0"/>
-                        </a:spcAft>
-                      </a:pPr>
-                      <a:r>
-                        <a:rPr lang="uk-UA" sz="1800">
-                          <a:solidFill>
-                            <a:srgbClr val="00000A"/>
-                          </a:solidFill>
-                          <a:effectLst/>
-                          <a:latin typeface="Times New Roman" panose="02020603050405020304" pitchFamily="18" charset="0"/>
-                          <a:ea typeface="DejaVu Sans"/>
-                          <a:cs typeface="Times New Roman" panose="02020603050405020304" pitchFamily="18" charset="0"/>
-                        </a:rPr>
-                        <a:t>СОУ, АСАУ</a:t>
-                      </a:r>
-                      <a:endParaRPr lang="uk-UA" sz="1800">
-                        <a:solidFill>
-                          <a:srgbClr val="00000A"/>
-                        </a:solidFill>
-                        <a:effectLst/>
-                        <a:latin typeface="Calibri" panose="020F0502020204030204" pitchFamily="34" charset="0"/>
-                        <a:ea typeface="DejaVu Sans"/>
-                        <a:cs typeface="Times New Roman" panose="02020603050405020304" pitchFamily="18" charset="0"/>
-                      </a:endParaRPr>
-                    </a:p>
-                  </a:txBody>
-                  <a:tcPr marL="68580" marR="68580" marT="0" marB="0" anchor="ctr">
-                    <a:lnL w="12700" cap="flat" cmpd="sng" algn="ctr">
-                      <a:solidFill>
-                        <a:srgbClr val="000000"/>
-                      </a:solidFill>
-                      <a:prstDash val="solid"/>
-                      <a:round/>
-                      <a:headEnd type="none" w="med" len="med"/>
-                      <a:tailEnd type="none" w="med" len="med"/>
-                    </a:lnL>
-                    <a:lnR w="12700" cap="flat" cmpd="sng" algn="ctr">
-                      <a:solidFill>
-                        <a:srgbClr val="000000"/>
-                      </a:solidFill>
-                      <a:prstDash val="solid"/>
-                      <a:round/>
-                      <a:headEnd type="none" w="med" len="med"/>
-                      <a:tailEnd type="none" w="med" len="med"/>
-                    </a:lnR>
-                    <a:lnT w="12700" cap="flat" cmpd="sng" algn="ctr">
-                      <a:solidFill>
-                        <a:srgbClr val="000000"/>
-                      </a:solidFill>
-                      <a:prstDash val="solid"/>
-                      <a:round/>
-                      <a:headEnd type="none" w="med" len="med"/>
-                      <a:tailEnd type="none" w="med" len="med"/>
-                    </a:lnT>
-                    <a:lnB w="12700" cap="flat" cmpd="sng" algn="ctr">
-                      <a:solidFill>
-                        <a:srgbClr val="000000"/>
-                      </a:solidFill>
-                      <a:prstDash val="solid"/>
-                      <a:round/>
-                      <a:headEnd type="none" w="med" len="med"/>
-                      <a:tailEnd type="none" w="med" len="med"/>
-                    </a:lnB>
-                  </a:tcPr>
-                </a:tc>
-                <a:extLst>
-                  <a:ext uri="{0D108BD9-81ED-4DB2-BD59-A6C34878D82A}">
-                    <a16:rowId xmlns:a16="http://schemas.microsoft.com/office/drawing/2014/main" val="4028201678"/>
-                  </a:ext>
-                </a:extLst>
-              </a:tr>
-              <a:tr h="124428">
-                <a:tc vMerge="1">
-                  <a:txBody>
-                    <a:bodyPr/>
-                    <a:lstStyle/>
-                    <a:p>
-                      <a:endParaRPr lang="uk-UA"/>
-                    </a:p>
-                  </a:txBody>
-                  <a:tcPr/>
-                </a:tc>
-                <a:tc>
-                  <a:txBody>
-                    <a:bodyPr/>
-                    <a:lstStyle/>
-                    <a:p>
-                      <a:pPr>
-                        <a:lnSpc>
-                          <a:spcPct val="100000"/>
-                        </a:lnSpc>
-                        <a:spcAft>
-                          <a:spcPts val="0"/>
-                        </a:spcAft>
-                      </a:pPr>
-                      <a:r>
-                        <a:rPr lang="uk-UA" sz="1800" i="1" dirty="0">
-                          <a:solidFill>
-                            <a:srgbClr val="00000A"/>
-                          </a:solidFill>
-                          <a:effectLst/>
-                          <a:latin typeface="Times New Roman" panose="02020603050405020304" pitchFamily="18" charset="0"/>
-                          <a:ea typeface="DejaVu Sans"/>
-                          <a:cs typeface="Times New Roman" panose="02020603050405020304" pitchFamily="18" charset="0"/>
-                        </a:rPr>
-                        <a:t>дефектність матеріалу</a:t>
-                      </a:r>
-                      <a:endParaRPr lang="uk-UA" sz="1800" dirty="0">
-                        <a:solidFill>
-                          <a:srgbClr val="00000A"/>
-                        </a:solidFill>
-                        <a:effectLst/>
-                        <a:latin typeface="Calibri" panose="020F0502020204030204" pitchFamily="34" charset="0"/>
-                        <a:ea typeface="DejaVu Sans"/>
-                        <a:cs typeface="Times New Roman" panose="02020603050405020304" pitchFamily="18" charset="0"/>
-                      </a:endParaRPr>
-                    </a:p>
-                  </a:txBody>
-                  <a:tcPr marL="68580" marR="68580" marT="0" marB="0" anchor="ctr">
-                    <a:lnL w="12700" cap="flat" cmpd="sng" algn="ctr">
-                      <a:solidFill>
-                        <a:srgbClr val="000000"/>
-                      </a:solidFill>
-                      <a:prstDash val="solid"/>
-                      <a:round/>
-                      <a:headEnd type="none" w="med" len="med"/>
-                      <a:tailEnd type="none" w="med" len="med"/>
-                    </a:lnL>
-                    <a:lnR w="12700" cap="flat" cmpd="sng" algn="ctr">
-                      <a:solidFill>
-                        <a:srgbClr val="000000"/>
-                      </a:solidFill>
-                      <a:prstDash val="solid"/>
-                      <a:round/>
-                      <a:headEnd type="none" w="med" len="med"/>
-                      <a:tailEnd type="none" w="med" len="med"/>
-                    </a:lnR>
-                    <a:lnT w="12700" cap="flat" cmpd="sng" algn="ctr">
-                      <a:solidFill>
-                        <a:srgbClr val="000000"/>
-                      </a:solidFill>
-                      <a:prstDash val="solid"/>
-                      <a:round/>
-                      <a:headEnd type="none" w="med" len="med"/>
-                      <a:tailEnd type="none" w="med" len="med"/>
-                    </a:lnT>
-                    <a:lnB w="12700" cap="flat" cmpd="sng" algn="ctr">
-                      <a:solidFill>
-                        <a:srgbClr val="000000"/>
-                      </a:solidFill>
-                      <a:prstDash val="solid"/>
-                      <a:round/>
-                      <a:headEnd type="none" w="med" len="med"/>
-                      <a:tailEnd type="none" w="med" len="med"/>
-                    </a:lnB>
-                  </a:tcPr>
-                </a:tc>
-                <a:tc>
-                  <a:txBody>
-                    <a:bodyPr/>
-                    <a:lstStyle/>
-                    <a:p>
-                      <a:pPr algn="ctr">
-                        <a:lnSpc>
-                          <a:spcPct val="100000"/>
-                        </a:lnSpc>
-                        <a:spcAft>
-                          <a:spcPts val="0"/>
-                        </a:spcAft>
-                      </a:pPr>
-                      <a:r>
-                        <a:rPr lang="uk-UA" sz="1800">
-                          <a:solidFill>
-                            <a:srgbClr val="00000A"/>
-                          </a:solidFill>
-                          <a:effectLst/>
-                          <a:latin typeface="Times New Roman" panose="02020603050405020304" pitchFamily="18" charset="0"/>
-                          <a:ea typeface="DejaVu Sans"/>
-                          <a:cs typeface="Times New Roman" panose="02020603050405020304" pitchFamily="18" charset="0"/>
-                        </a:rPr>
-                        <a:t>СОУ</a:t>
-                      </a:r>
-                      <a:endParaRPr lang="uk-UA" sz="1800">
-                        <a:solidFill>
-                          <a:srgbClr val="00000A"/>
-                        </a:solidFill>
-                        <a:effectLst/>
-                        <a:latin typeface="Calibri" panose="020F0502020204030204" pitchFamily="34" charset="0"/>
-                        <a:ea typeface="DejaVu Sans"/>
-                        <a:cs typeface="Times New Roman" panose="02020603050405020304" pitchFamily="18" charset="0"/>
-                      </a:endParaRPr>
-                    </a:p>
-                  </a:txBody>
-                  <a:tcPr marL="68580" marR="68580" marT="0" marB="0" anchor="ctr">
-                    <a:lnL w="12700" cap="flat" cmpd="sng" algn="ctr">
-                      <a:solidFill>
-                        <a:srgbClr val="000000"/>
-                      </a:solidFill>
-                      <a:prstDash val="solid"/>
-                      <a:round/>
-                      <a:headEnd type="none" w="med" len="med"/>
-                      <a:tailEnd type="none" w="med" len="med"/>
-                    </a:lnL>
-                    <a:lnR w="12700" cap="flat" cmpd="sng" algn="ctr">
-                      <a:solidFill>
-                        <a:srgbClr val="000000"/>
-                      </a:solidFill>
-                      <a:prstDash val="solid"/>
-                      <a:round/>
-                      <a:headEnd type="none" w="med" len="med"/>
-                      <a:tailEnd type="none" w="med" len="med"/>
-                    </a:lnR>
-                    <a:lnT w="12700" cap="flat" cmpd="sng" algn="ctr">
-                      <a:solidFill>
-                        <a:srgbClr val="000000"/>
-                      </a:solidFill>
-                      <a:prstDash val="solid"/>
-                      <a:round/>
-                      <a:headEnd type="none" w="med" len="med"/>
-                      <a:tailEnd type="none" w="med" len="med"/>
-                    </a:lnT>
-                    <a:lnB w="12700" cap="flat" cmpd="sng" algn="ctr">
-                      <a:solidFill>
-                        <a:srgbClr val="000000"/>
-                      </a:solidFill>
-                      <a:prstDash val="solid"/>
-                      <a:round/>
-                      <a:headEnd type="none" w="med" len="med"/>
-                      <a:tailEnd type="none" w="med" len="med"/>
-                    </a:lnB>
-                  </a:tcPr>
-                </a:tc>
-                <a:extLst>
-                  <a:ext uri="{0D108BD9-81ED-4DB2-BD59-A6C34878D82A}">
-                    <a16:rowId xmlns:a16="http://schemas.microsoft.com/office/drawing/2014/main" val="3165978258"/>
-                  </a:ext>
-                </a:extLst>
-              </a:tr>
-              <a:tr h="0">
-                <a:tc rowSpan="6">
-                  <a:txBody>
-                    <a:bodyPr/>
-                    <a:lstStyle/>
-                    <a:p>
-                      <a:pPr>
-                        <a:lnSpc>
-                          <a:spcPct val="100000"/>
-                        </a:lnSpc>
-                        <a:spcAft>
-                          <a:spcPts val="0"/>
-                        </a:spcAft>
-                      </a:pPr>
-                      <a:r>
-                        <a:rPr lang="uk-UA" sz="1800" dirty="0">
-                          <a:solidFill>
-                            <a:srgbClr val="00000A"/>
-                          </a:solidFill>
-                          <a:effectLst/>
-                          <a:latin typeface="Times New Roman" panose="02020603050405020304" pitchFamily="18" charset="0"/>
-                          <a:ea typeface="DejaVu Sans"/>
-                          <a:cs typeface="Times New Roman" panose="02020603050405020304" pitchFamily="18" charset="0"/>
-                        </a:rPr>
-                        <a:t>Пов'язані з операціями</a:t>
-                      </a:r>
-                      <a:endParaRPr lang="uk-UA" sz="1800" dirty="0">
-                        <a:solidFill>
-                          <a:srgbClr val="00000A"/>
-                        </a:solidFill>
-                        <a:effectLst/>
-                        <a:latin typeface="Calibri" panose="020F0502020204030204" pitchFamily="34" charset="0"/>
-                        <a:ea typeface="DejaVu Sans"/>
-                        <a:cs typeface="Times New Roman" panose="02020603050405020304" pitchFamily="18" charset="0"/>
-                      </a:endParaRPr>
-                    </a:p>
-                  </a:txBody>
-                  <a:tcPr marL="68580" marR="68580" marT="0" marB="0" anchor="ctr">
-                    <a:lnL w="12700" cap="flat" cmpd="sng" algn="ctr">
-                      <a:solidFill>
-                        <a:srgbClr val="000000"/>
-                      </a:solidFill>
-                      <a:prstDash val="solid"/>
-                      <a:round/>
-                      <a:headEnd type="none" w="med" len="med"/>
-                      <a:tailEnd type="none" w="med" len="med"/>
-                    </a:lnL>
-                    <a:lnR w="12700" cap="flat" cmpd="sng" algn="ctr">
-                      <a:solidFill>
-                        <a:srgbClr val="000000"/>
-                      </a:solidFill>
-                      <a:prstDash val="solid"/>
-                      <a:round/>
-                      <a:headEnd type="none" w="med" len="med"/>
-                      <a:tailEnd type="none" w="med" len="med"/>
-                    </a:lnR>
-                    <a:lnT w="12700" cap="flat" cmpd="sng" algn="ctr">
-                      <a:solidFill>
-                        <a:srgbClr val="000000"/>
-                      </a:solidFill>
-                      <a:prstDash val="solid"/>
-                      <a:round/>
-                      <a:headEnd type="none" w="med" len="med"/>
-                      <a:tailEnd type="none" w="med" len="med"/>
-                    </a:lnT>
-                    <a:lnB w="12700" cap="flat" cmpd="sng" algn="ctr">
-                      <a:solidFill>
-                        <a:srgbClr val="000000"/>
-                      </a:solidFill>
-                      <a:prstDash val="solid"/>
-                      <a:round/>
-                      <a:headEnd type="none" w="med" len="med"/>
-                      <a:tailEnd type="none" w="med" len="med"/>
-                    </a:lnB>
-                  </a:tcPr>
-                </a:tc>
-                <a:tc>
-                  <a:txBody>
-                    <a:bodyPr/>
-                    <a:lstStyle/>
-                    <a:p>
-                      <a:pPr>
-                        <a:lnSpc>
-                          <a:spcPct val="100000"/>
-                        </a:lnSpc>
-                        <a:spcAft>
-                          <a:spcPts val="0"/>
-                        </a:spcAft>
-                      </a:pPr>
-                      <a:r>
-                        <a:rPr lang="uk-UA" sz="1800" i="1" dirty="0">
-                          <a:solidFill>
-                            <a:srgbClr val="00000A"/>
-                          </a:solidFill>
-                          <a:effectLst/>
-                          <a:latin typeface="Times New Roman" panose="02020603050405020304" pitchFamily="18" charset="0"/>
-                          <a:ea typeface="DejaVu Sans"/>
-                          <a:cs typeface="Times New Roman" panose="02020603050405020304" pitchFamily="18" charset="0"/>
-                        </a:rPr>
-                        <a:t>термінові операції</a:t>
-                      </a:r>
-                      <a:endParaRPr lang="uk-UA" sz="1800" dirty="0">
-                        <a:solidFill>
-                          <a:srgbClr val="00000A"/>
-                        </a:solidFill>
-                        <a:effectLst/>
-                        <a:latin typeface="Calibri" panose="020F0502020204030204" pitchFamily="34" charset="0"/>
-                        <a:ea typeface="DejaVu Sans"/>
-                        <a:cs typeface="Times New Roman" panose="02020603050405020304" pitchFamily="18" charset="0"/>
-                      </a:endParaRPr>
-                    </a:p>
-                  </a:txBody>
-                  <a:tcPr marL="68580" marR="68580" marT="0" marB="0" anchor="ctr">
-                    <a:lnL w="12700" cap="flat" cmpd="sng" algn="ctr">
-                      <a:solidFill>
-                        <a:srgbClr val="000000"/>
-                      </a:solidFill>
-                      <a:prstDash val="solid"/>
-                      <a:round/>
-                      <a:headEnd type="none" w="med" len="med"/>
-                      <a:tailEnd type="none" w="med" len="med"/>
-                    </a:lnL>
-                    <a:lnR w="12700" cap="flat" cmpd="sng" algn="ctr">
-                      <a:solidFill>
-                        <a:srgbClr val="000000"/>
-                      </a:solidFill>
-                      <a:prstDash val="solid"/>
-                      <a:round/>
-                      <a:headEnd type="none" w="med" len="med"/>
-                      <a:tailEnd type="none" w="med" len="med"/>
-                    </a:lnR>
-                    <a:lnT w="12700" cap="flat" cmpd="sng" algn="ctr">
-                      <a:solidFill>
-                        <a:srgbClr val="000000"/>
-                      </a:solidFill>
-                      <a:prstDash val="solid"/>
-                      <a:round/>
-                      <a:headEnd type="none" w="med" len="med"/>
-                      <a:tailEnd type="none" w="med" len="med"/>
-                    </a:lnT>
-                    <a:lnB w="12700" cap="flat" cmpd="sng" algn="ctr">
-                      <a:solidFill>
-                        <a:srgbClr val="000000"/>
-                      </a:solidFill>
-                      <a:prstDash val="solid"/>
-                      <a:round/>
-                      <a:headEnd type="none" w="med" len="med"/>
-                      <a:tailEnd type="none" w="med" len="med"/>
-                    </a:lnB>
-                  </a:tcPr>
-                </a:tc>
-                <a:tc>
-                  <a:txBody>
-                    <a:bodyPr/>
-                    <a:lstStyle/>
-                    <a:p>
-                      <a:pPr algn="ctr">
-                        <a:lnSpc>
-                          <a:spcPct val="100000"/>
-                        </a:lnSpc>
-                        <a:spcAft>
-                          <a:spcPts val="0"/>
-                        </a:spcAft>
-                      </a:pPr>
-                      <a:r>
-                        <a:rPr lang="uk-UA" sz="1800">
-                          <a:solidFill>
-                            <a:srgbClr val="00000A"/>
-                          </a:solidFill>
-                          <a:effectLst/>
-                          <a:latin typeface="Times New Roman" panose="02020603050405020304" pitchFamily="18" charset="0"/>
-                          <a:ea typeface="DejaVu Sans"/>
-                          <a:cs typeface="Times New Roman" panose="02020603050405020304" pitchFamily="18" charset="0"/>
-                        </a:rPr>
-                        <a:t>СОУ</a:t>
-                      </a:r>
-                      <a:endParaRPr lang="uk-UA" sz="1800">
-                        <a:solidFill>
-                          <a:srgbClr val="00000A"/>
-                        </a:solidFill>
-                        <a:effectLst/>
-                        <a:latin typeface="Calibri" panose="020F0502020204030204" pitchFamily="34" charset="0"/>
-                        <a:ea typeface="DejaVu Sans"/>
-                        <a:cs typeface="Times New Roman" panose="02020603050405020304" pitchFamily="18" charset="0"/>
-                      </a:endParaRPr>
-                    </a:p>
-                  </a:txBody>
-                  <a:tcPr marL="68580" marR="68580" marT="0" marB="0" anchor="ctr">
-                    <a:lnL w="12700" cap="flat" cmpd="sng" algn="ctr">
-                      <a:solidFill>
-                        <a:srgbClr val="000000"/>
-                      </a:solidFill>
-                      <a:prstDash val="solid"/>
-                      <a:round/>
-                      <a:headEnd type="none" w="med" len="med"/>
-                      <a:tailEnd type="none" w="med" len="med"/>
-                    </a:lnL>
-                    <a:lnR w="12700" cap="flat" cmpd="sng" algn="ctr">
-                      <a:solidFill>
-                        <a:srgbClr val="000000"/>
-                      </a:solidFill>
-                      <a:prstDash val="solid"/>
-                      <a:round/>
-                      <a:headEnd type="none" w="med" len="med"/>
-                      <a:tailEnd type="none" w="med" len="med"/>
-                    </a:lnR>
-                    <a:lnT w="12700" cap="flat" cmpd="sng" algn="ctr">
-                      <a:solidFill>
-                        <a:srgbClr val="000000"/>
-                      </a:solidFill>
-                      <a:prstDash val="solid"/>
-                      <a:round/>
-                      <a:headEnd type="none" w="med" len="med"/>
-                      <a:tailEnd type="none" w="med" len="med"/>
-                    </a:lnT>
-                    <a:lnB w="12700" cap="flat" cmpd="sng" algn="ctr">
-                      <a:solidFill>
-                        <a:srgbClr val="000000"/>
-                      </a:solidFill>
-                      <a:prstDash val="solid"/>
-                      <a:round/>
-                      <a:headEnd type="none" w="med" len="med"/>
-                      <a:tailEnd type="none" w="med" len="med"/>
-                    </a:lnB>
-                  </a:tcPr>
-                </a:tc>
-                <a:extLst>
-                  <a:ext uri="{0D108BD9-81ED-4DB2-BD59-A6C34878D82A}">
-                    <a16:rowId xmlns:a16="http://schemas.microsoft.com/office/drawing/2014/main" val="2949344594"/>
-                  </a:ext>
-                </a:extLst>
-              </a:tr>
-              <a:tr h="0">
-                <a:tc vMerge="1">
-                  <a:txBody>
-                    <a:bodyPr/>
-                    <a:lstStyle/>
-                    <a:p>
-                      <a:endParaRPr lang="uk-UA"/>
-                    </a:p>
-                  </a:txBody>
-                  <a:tcPr/>
-                </a:tc>
-                <a:tc>
-                  <a:txBody>
-                    <a:bodyPr/>
-                    <a:lstStyle/>
-                    <a:p>
-                      <a:pPr>
-                        <a:lnSpc>
-                          <a:spcPct val="100000"/>
-                        </a:lnSpc>
-                        <a:spcAft>
-                          <a:spcPts val="0"/>
-                        </a:spcAft>
-                      </a:pPr>
-                      <a:r>
-                        <a:rPr lang="uk-UA" sz="1800" i="1" dirty="0">
-                          <a:solidFill>
-                            <a:srgbClr val="00000A"/>
-                          </a:solidFill>
-                          <a:effectLst/>
-                          <a:latin typeface="Times New Roman" panose="02020603050405020304" pitchFamily="18" charset="0"/>
-                          <a:ea typeface="DejaVu Sans"/>
-                          <a:cs typeface="Times New Roman" panose="02020603050405020304" pitchFamily="18" charset="0"/>
-                        </a:rPr>
-                        <a:t>відміна операцій</a:t>
-                      </a:r>
-                      <a:endParaRPr lang="uk-UA" sz="1800" dirty="0">
-                        <a:solidFill>
-                          <a:srgbClr val="00000A"/>
-                        </a:solidFill>
-                        <a:effectLst/>
-                        <a:latin typeface="Calibri" panose="020F0502020204030204" pitchFamily="34" charset="0"/>
-                        <a:ea typeface="DejaVu Sans"/>
-                        <a:cs typeface="Times New Roman" panose="02020603050405020304" pitchFamily="18" charset="0"/>
-                      </a:endParaRPr>
-                    </a:p>
-                  </a:txBody>
-                  <a:tcPr marL="68580" marR="68580" marT="0" marB="0" anchor="ctr">
-                    <a:lnL w="12700" cap="flat" cmpd="sng" algn="ctr">
-                      <a:solidFill>
-                        <a:srgbClr val="000000"/>
-                      </a:solidFill>
-                      <a:prstDash val="solid"/>
-                      <a:round/>
-                      <a:headEnd type="none" w="med" len="med"/>
-                      <a:tailEnd type="none" w="med" len="med"/>
-                    </a:lnL>
-                    <a:lnR w="12700" cap="flat" cmpd="sng" algn="ctr">
-                      <a:solidFill>
-                        <a:srgbClr val="000000"/>
-                      </a:solidFill>
-                      <a:prstDash val="solid"/>
-                      <a:round/>
-                      <a:headEnd type="none" w="med" len="med"/>
-                      <a:tailEnd type="none" w="med" len="med"/>
-                    </a:lnR>
-                    <a:lnT w="12700" cap="flat" cmpd="sng" algn="ctr">
-                      <a:solidFill>
-                        <a:srgbClr val="000000"/>
-                      </a:solidFill>
-                      <a:prstDash val="solid"/>
-                      <a:round/>
-                      <a:headEnd type="none" w="med" len="med"/>
-                      <a:tailEnd type="none" w="med" len="med"/>
-                    </a:lnT>
-                    <a:lnB w="12700" cap="flat" cmpd="sng" algn="ctr">
-                      <a:solidFill>
-                        <a:srgbClr val="000000"/>
-                      </a:solidFill>
-                      <a:prstDash val="solid"/>
-                      <a:round/>
-                      <a:headEnd type="none" w="med" len="med"/>
-                      <a:tailEnd type="none" w="med" len="med"/>
-                    </a:lnB>
-                  </a:tcPr>
-                </a:tc>
-                <a:tc>
-                  <a:txBody>
-                    <a:bodyPr/>
-                    <a:lstStyle/>
-                    <a:p>
-                      <a:pPr algn="ctr">
-                        <a:lnSpc>
-                          <a:spcPct val="100000"/>
-                        </a:lnSpc>
-                        <a:spcAft>
-                          <a:spcPts val="0"/>
-                        </a:spcAft>
-                      </a:pPr>
-                      <a:r>
-                        <a:rPr lang="uk-UA" sz="1800" dirty="0">
-                          <a:solidFill>
-                            <a:srgbClr val="00000A"/>
-                          </a:solidFill>
-                          <a:effectLst/>
-                          <a:latin typeface="Times New Roman" panose="02020603050405020304" pitchFamily="18" charset="0"/>
-                          <a:ea typeface="DejaVu Sans"/>
-                          <a:cs typeface="Times New Roman" panose="02020603050405020304" pitchFamily="18" charset="0"/>
-                        </a:rPr>
-                        <a:t>СОУ</a:t>
-                      </a:r>
-                      <a:endParaRPr lang="uk-UA" sz="1800" dirty="0">
-                        <a:solidFill>
-                          <a:srgbClr val="00000A"/>
-                        </a:solidFill>
-                        <a:effectLst/>
-                        <a:latin typeface="Calibri" panose="020F0502020204030204" pitchFamily="34" charset="0"/>
-                        <a:ea typeface="DejaVu Sans"/>
-                        <a:cs typeface="Times New Roman" panose="02020603050405020304" pitchFamily="18" charset="0"/>
-                      </a:endParaRPr>
-                    </a:p>
-                  </a:txBody>
-                  <a:tcPr marL="68580" marR="68580" marT="0" marB="0" anchor="ctr">
-                    <a:lnL w="12700" cap="flat" cmpd="sng" algn="ctr">
-                      <a:solidFill>
-                        <a:srgbClr val="000000"/>
-                      </a:solidFill>
-                      <a:prstDash val="solid"/>
-                      <a:round/>
-                      <a:headEnd type="none" w="med" len="med"/>
-                      <a:tailEnd type="none" w="med" len="med"/>
-                    </a:lnL>
-                    <a:lnR w="12700" cap="flat" cmpd="sng" algn="ctr">
-                      <a:solidFill>
-                        <a:srgbClr val="000000"/>
-                      </a:solidFill>
-                      <a:prstDash val="solid"/>
-                      <a:round/>
-                      <a:headEnd type="none" w="med" len="med"/>
-                      <a:tailEnd type="none" w="med" len="med"/>
-                    </a:lnR>
-                    <a:lnT w="12700" cap="flat" cmpd="sng" algn="ctr">
-                      <a:solidFill>
-                        <a:srgbClr val="000000"/>
-                      </a:solidFill>
-                      <a:prstDash val="solid"/>
-                      <a:round/>
-                      <a:headEnd type="none" w="med" len="med"/>
-                      <a:tailEnd type="none" w="med" len="med"/>
-                    </a:lnT>
-                    <a:lnB w="12700" cap="flat" cmpd="sng" algn="ctr">
-                      <a:solidFill>
-                        <a:srgbClr val="000000"/>
-                      </a:solidFill>
-                      <a:prstDash val="solid"/>
-                      <a:round/>
-                      <a:headEnd type="none" w="med" len="med"/>
-                      <a:tailEnd type="none" w="med" len="med"/>
-                    </a:lnB>
-                  </a:tcPr>
-                </a:tc>
-                <a:extLst>
-                  <a:ext uri="{0D108BD9-81ED-4DB2-BD59-A6C34878D82A}">
-                    <a16:rowId xmlns:a16="http://schemas.microsoft.com/office/drawing/2014/main" val="3542366592"/>
-                  </a:ext>
-                </a:extLst>
-              </a:tr>
-              <a:tr h="0">
-                <a:tc vMerge="1">
-                  <a:txBody>
-                    <a:bodyPr/>
-                    <a:lstStyle/>
-                    <a:p>
-                      <a:endParaRPr lang="uk-UA"/>
-                    </a:p>
-                  </a:txBody>
-                  <a:tcPr/>
-                </a:tc>
-                <a:tc>
-                  <a:txBody>
-                    <a:bodyPr/>
-                    <a:lstStyle/>
-                    <a:p>
-                      <a:pPr>
-                        <a:lnSpc>
-                          <a:spcPct val="100000"/>
-                        </a:lnSpc>
-                        <a:spcAft>
-                          <a:spcPts val="0"/>
-                        </a:spcAft>
-                      </a:pPr>
-                      <a:r>
-                        <a:rPr lang="uk-UA" sz="1800" i="1" dirty="0">
-                          <a:solidFill>
-                            <a:srgbClr val="00000A"/>
-                          </a:solidFill>
-                          <a:effectLst/>
-                          <a:latin typeface="Times New Roman" panose="02020603050405020304" pitchFamily="18" charset="0"/>
-                          <a:ea typeface="DejaVu Sans"/>
-                          <a:cs typeface="Times New Roman" panose="02020603050405020304" pitchFamily="18" charset="0"/>
-                        </a:rPr>
-                        <a:t>зміни терміну виконання</a:t>
-                      </a:r>
-                      <a:endParaRPr lang="uk-UA" sz="1800" dirty="0">
-                        <a:solidFill>
-                          <a:srgbClr val="00000A"/>
-                        </a:solidFill>
-                        <a:effectLst/>
-                        <a:latin typeface="Calibri" panose="020F0502020204030204" pitchFamily="34" charset="0"/>
-                        <a:ea typeface="DejaVu Sans"/>
-                        <a:cs typeface="Times New Roman" panose="02020603050405020304" pitchFamily="18" charset="0"/>
-                      </a:endParaRPr>
-                    </a:p>
-                  </a:txBody>
-                  <a:tcPr marL="68580" marR="68580" marT="0" marB="0" anchor="ctr">
-                    <a:lnL w="12700" cap="flat" cmpd="sng" algn="ctr">
-                      <a:solidFill>
-                        <a:srgbClr val="000000"/>
-                      </a:solidFill>
-                      <a:prstDash val="solid"/>
-                      <a:round/>
-                      <a:headEnd type="none" w="med" len="med"/>
-                      <a:tailEnd type="none" w="med" len="med"/>
-                    </a:lnL>
-                    <a:lnR w="12700" cap="flat" cmpd="sng" algn="ctr">
-                      <a:solidFill>
-                        <a:srgbClr val="000000"/>
-                      </a:solidFill>
-                      <a:prstDash val="solid"/>
-                      <a:round/>
-                      <a:headEnd type="none" w="med" len="med"/>
-                      <a:tailEnd type="none" w="med" len="med"/>
-                    </a:lnR>
-                    <a:lnT w="12700" cap="flat" cmpd="sng" algn="ctr">
-                      <a:solidFill>
-                        <a:srgbClr val="000000"/>
-                      </a:solidFill>
-                      <a:prstDash val="solid"/>
-                      <a:round/>
-                      <a:headEnd type="none" w="med" len="med"/>
-                      <a:tailEnd type="none" w="med" len="med"/>
-                    </a:lnT>
-                    <a:lnB w="12700" cap="flat" cmpd="sng" algn="ctr">
-                      <a:solidFill>
-                        <a:srgbClr val="000000"/>
-                      </a:solidFill>
-                      <a:prstDash val="solid"/>
-                      <a:round/>
-                      <a:headEnd type="none" w="med" len="med"/>
-                      <a:tailEnd type="none" w="med" len="med"/>
-                    </a:lnB>
-                  </a:tcPr>
-                </a:tc>
-                <a:tc>
-                  <a:txBody>
-                    <a:bodyPr/>
-                    <a:lstStyle/>
-                    <a:p>
-                      <a:pPr algn="ctr">
-                        <a:lnSpc>
-                          <a:spcPct val="100000"/>
-                        </a:lnSpc>
-                        <a:spcAft>
-                          <a:spcPts val="0"/>
-                        </a:spcAft>
-                      </a:pPr>
-                      <a:r>
-                        <a:rPr lang="uk-UA" sz="1800" dirty="0">
-                          <a:solidFill>
-                            <a:srgbClr val="00000A"/>
-                          </a:solidFill>
-                          <a:effectLst/>
-                          <a:latin typeface="Times New Roman" panose="02020603050405020304" pitchFamily="18" charset="0"/>
-                          <a:ea typeface="DejaVu Sans"/>
-                          <a:cs typeface="Times New Roman" panose="02020603050405020304" pitchFamily="18" charset="0"/>
-                        </a:rPr>
-                        <a:t>СОУ</a:t>
-                      </a:r>
-                      <a:endParaRPr lang="uk-UA" sz="1800" dirty="0">
-                        <a:solidFill>
-                          <a:srgbClr val="00000A"/>
-                        </a:solidFill>
-                        <a:effectLst/>
-                        <a:latin typeface="Calibri" panose="020F0502020204030204" pitchFamily="34" charset="0"/>
-                        <a:ea typeface="DejaVu Sans"/>
-                        <a:cs typeface="Times New Roman" panose="02020603050405020304" pitchFamily="18" charset="0"/>
-                      </a:endParaRPr>
-                    </a:p>
-                  </a:txBody>
-                  <a:tcPr marL="68580" marR="68580" marT="0" marB="0" anchor="ctr">
-                    <a:lnL w="12700" cap="flat" cmpd="sng" algn="ctr">
-                      <a:solidFill>
-                        <a:srgbClr val="000000"/>
-                      </a:solidFill>
-                      <a:prstDash val="solid"/>
-                      <a:round/>
-                      <a:headEnd type="none" w="med" len="med"/>
-                      <a:tailEnd type="none" w="med" len="med"/>
-                    </a:lnL>
-                    <a:lnR w="12700" cap="flat" cmpd="sng" algn="ctr">
-                      <a:solidFill>
-                        <a:srgbClr val="000000"/>
-                      </a:solidFill>
-                      <a:prstDash val="solid"/>
-                      <a:round/>
-                      <a:headEnd type="none" w="med" len="med"/>
-                      <a:tailEnd type="none" w="med" len="med"/>
-                    </a:lnR>
-                    <a:lnT w="12700" cap="flat" cmpd="sng" algn="ctr">
-                      <a:solidFill>
-                        <a:srgbClr val="000000"/>
-                      </a:solidFill>
-                      <a:prstDash val="solid"/>
-                      <a:round/>
-                      <a:headEnd type="none" w="med" len="med"/>
-                      <a:tailEnd type="none" w="med" len="med"/>
-                    </a:lnT>
-                    <a:lnB w="12700" cap="flat" cmpd="sng" algn="ctr">
-                      <a:solidFill>
-                        <a:srgbClr val="000000"/>
-                      </a:solidFill>
-                      <a:prstDash val="solid"/>
-                      <a:round/>
-                      <a:headEnd type="none" w="med" len="med"/>
-                      <a:tailEnd type="none" w="med" len="med"/>
-                    </a:lnB>
-                  </a:tcPr>
-                </a:tc>
-                <a:extLst>
-                  <a:ext uri="{0D108BD9-81ED-4DB2-BD59-A6C34878D82A}">
-                    <a16:rowId xmlns:a16="http://schemas.microsoft.com/office/drawing/2014/main" val="3424116741"/>
-                  </a:ext>
-                </a:extLst>
-              </a:tr>
-              <a:tr h="0">
-                <a:tc vMerge="1">
-                  <a:txBody>
-                    <a:bodyPr/>
-                    <a:lstStyle/>
-                    <a:p>
-                      <a:endParaRPr lang="uk-UA"/>
-                    </a:p>
-                  </a:txBody>
-                  <a:tcPr/>
-                </a:tc>
-                <a:tc>
-                  <a:txBody>
-                    <a:bodyPr/>
-                    <a:lstStyle/>
-                    <a:p>
-                      <a:pPr>
-                        <a:lnSpc>
-                          <a:spcPct val="100000"/>
-                        </a:lnSpc>
-                        <a:spcAft>
-                          <a:spcPts val="0"/>
-                        </a:spcAft>
-                      </a:pPr>
-                      <a:r>
-                        <a:rPr lang="uk-UA" sz="1800" i="1" dirty="0">
-                          <a:solidFill>
-                            <a:srgbClr val="00000A"/>
-                          </a:solidFill>
-                          <a:effectLst/>
-                          <a:latin typeface="Times New Roman" panose="02020603050405020304" pitchFamily="18" charset="0"/>
-                          <a:ea typeface="DejaVu Sans"/>
-                          <a:cs typeface="Times New Roman" panose="02020603050405020304" pitchFamily="18" charset="0"/>
-                        </a:rPr>
-                        <a:t>невчасне надходження операцій</a:t>
-                      </a:r>
-                      <a:endParaRPr lang="uk-UA" sz="1800" dirty="0">
-                        <a:solidFill>
-                          <a:srgbClr val="00000A"/>
-                        </a:solidFill>
-                        <a:effectLst/>
-                        <a:latin typeface="Calibri" panose="020F0502020204030204" pitchFamily="34" charset="0"/>
-                        <a:ea typeface="DejaVu Sans"/>
-                        <a:cs typeface="Times New Roman" panose="02020603050405020304" pitchFamily="18" charset="0"/>
-                      </a:endParaRPr>
-                    </a:p>
-                  </a:txBody>
-                  <a:tcPr marL="68580" marR="68580" marT="0" marB="0" anchor="ctr">
-                    <a:lnL w="12700" cap="flat" cmpd="sng" algn="ctr">
-                      <a:solidFill>
-                        <a:srgbClr val="000000"/>
-                      </a:solidFill>
-                      <a:prstDash val="solid"/>
-                      <a:round/>
-                      <a:headEnd type="none" w="med" len="med"/>
-                      <a:tailEnd type="none" w="med" len="med"/>
-                    </a:lnL>
-                    <a:lnR w="12700" cap="flat" cmpd="sng" algn="ctr">
-                      <a:solidFill>
-                        <a:srgbClr val="000000"/>
-                      </a:solidFill>
-                      <a:prstDash val="solid"/>
-                      <a:round/>
-                      <a:headEnd type="none" w="med" len="med"/>
-                      <a:tailEnd type="none" w="med" len="med"/>
-                    </a:lnR>
-                    <a:lnT w="12700" cap="flat" cmpd="sng" algn="ctr">
-                      <a:solidFill>
-                        <a:srgbClr val="000000"/>
-                      </a:solidFill>
-                      <a:prstDash val="solid"/>
-                      <a:round/>
-                      <a:headEnd type="none" w="med" len="med"/>
-                      <a:tailEnd type="none" w="med" len="med"/>
-                    </a:lnT>
-                    <a:lnB w="12700" cap="flat" cmpd="sng" algn="ctr">
-                      <a:solidFill>
-                        <a:srgbClr val="000000"/>
-                      </a:solidFill>
-                      <a:prstDash val="solid"/>
-                      <a:round/>
-                      <a:headEnd type="none" w="med" len="med"/>
-                      <a:tailEnd type="none" w="med" len="med"/>
-                    </a:lnB>
-                  </a:tcPr>
-                </a:tc>
-                <a:tc>
-                  <a:txBody>
-                    <a:bodyPr/>
-                    <a:lstStyle/>
-                    <a:p>
-                      <a:pPr algn="ctr">
-                        <a:lnSpc>
-                          <a:spcPct val="100000"/>
-                        </a:lnSpc>
-                        <a:spcAft>
-                          <a:spcPts val="0"/>
-                        </a:spcAft>
-                      </a:pPr>
-                      <a:r>
-                        <a:rPr lang="uk-UA" sz="1800" dirty="0">
-                          <a:solidFill>
-                            <a:srgbClr val="00000A"/>
-                          </a:solidFill>
-                          <a:effectLst/>
-                          <a:latin typeface="Times New Roman" panose="02020603050405020304" pitchFamily="18" charset="0"/>
-                          <a:ea typeface="DejaVu Sans"/>
-                          <a:cs typeface="Times New Roman" panose="02020603050405020304" pitchFamily="18" charset="0"/>
-                        </a:rPr>
-                        <a:t>СОУ</a:t>
-                      </a:r>
-                      <a:endParaRPr lang="uk-UA" sz="1800" dirty="0">
-                        <a:solidFill>
-                          <a:srgbClr val="00000A"/>
-                        </a:solidFill>
-                        <a:effectLst/>
-                        <a:latin typeface="Calibri" panose="020F0502020204030204" pitchFamily="34" charset="0"/>
-                        <a:ea typeface="DejaVu Sans"/>
-                        <a:cs typeface="Times New Roman" panose="02020603050405020304" pitchFamily="18" charset="0"/>
-                      </a:endParaRPr>
-                    </a:p>
-                  </a:txBody>
-                  <a:tcPr marL="68580" marR="68580" marT="0" marB="0" anchor="ctr">
-                    <a:lnL w="12700" cap="flat" cmpd="sng" algn="ctr">
-                      <a:solidFill>
-                        <a:srgbClr val="000000"/>
-                      </a:solidFill>
-                      <a:prstDash val="solid"/>
-                      <a:round/>
-                      <a:headEnd type="none" w="med" len="med"/>
-                      <a:tailEnd type="none" w="med" len="med"/>
-                    </a:lnL>
-                    <a:lnR w="12700" cap="flat" cmpd="sng" algn="ctr">
-                      <a:solidFill>
-                        <a:srgbClr val="000000"/>
-                      </a:solidFill>
-                      <a:prstDash val="solid"/>
-                      <a:round/>
-                      <a:headEnd type="none" w="med" len="med"/>
-                      <a:tailEnd type="none" w="med" len="med"/>
-                    </a:lnR>
-                    <a:lnT w="12700" cap="flat" cmpd="sng" algn="ctr">
-                      <a:solidFill>
-                        <a:srgbClr val="000000"/>
-                      </a:solidFill>
-                      <a:prstDash val="solid"/>
-                      <a:round/>
-                      <a:headEnd type="none" w="med" len="med"/>
-                      <a:tailEnd type="none" w="med" len="med"/>
-                    </a:lnT>
-                    <a:lnB w="12700" cap="flat" cmpd="sng" algn="ctr">
-                      <a:solidFill>
-                        <a:srgbClr val="000000"/>
-                      </a:solidFill>
-                      <a:prstDash val="solid"/>
-                      <a:round/>
-                      <a:headEnd type="none" w="med" len="med"/>
-                      <a:tailEnd type="none" w="med" len="med"/>
-                    </a:lnB>
-                  </a:tcPr>
-                </a:tc>
-                <a:extLst>
-                  <a:ext uri="{0D108BD9-81ED-4DB2-BD59-A6C34878D82A}">
-                    <a16:rowId xmlns:a16="http://schemas.microsoft.com/office/drawing/2014/main" val="3657633954"/>
-                  </a:ext>
-                </a:extLst>
-              </a:tr>
-              <a:tr h="0">
-                <a:tc vMerge="1">
-                  <a:txBody>
-                    <a:bodyPr/>
-                    <a:lstStyle/>
-                    <a:p>
-                      <a:endParaRPr lang="uk-UA"/>
-                    </a:p>
-                  </a:txBody>
-                  <a:tcPr/>
-                </a:tc>
-                <a:tc>
-                  <a:txBody>
-                    <a:bodyPr/>
-                    <a:lstStyle/>
-                    <a:p>
-                      <a:pPr>
-                        <a:lnSpc>
-                          <a:spcPct val="100000"/>
-                        </a:lnSpc>
-                        <a:spcAft>
-                          <a:spcPts val="0"/>
-                        </a:spcAft>
-                      </a:pPr>
-                      <a:r>
-                        <a:rPr lang="uk-UA" sz="1800" i="1" dirty="0">
-                          <a:solidFill>
-                            <a:srgbClr val="00000A"/>
-                          </a:solidFill>
-                          <a:effectLst/>
-                          <a:latin typeface="Times New Roman" panose="02020603050405020304" pitchFamily="18" charset="0"/>
-                          <a:ea typeface="DejaVu Sans"/>
-                          <a:cs typeface="Times New Roman" panose="02020603050405020304" pitchFamily="18" charset="0"/>
-                        </a:rPr>
-                        <a:t>зміна пріоритету операцій</a:t>
-                      </a:r>
-                      <a:endParaRPr lang="uk-UA" sz="1800" dirty="0">
-                        <a:solidFill>
-                          <a:srgbClr val="00000A"/>
-                        </a:solidFill>
-                        <a:effectLst/>
-                        <a:latin typeface="Calibri" panose="020F0502020204030204" pitchFamily="34" charset="0"/>
-                        <a:ea typeface="DejaVu Sans"/>
-                        <a:cs typeface="Times New Roman" panose="02020603050405020304" pitchFamily="18" charset="0"/>
-                      </a:endParaRPr>
-                    </a:p>
-                  </a:txBody>
-                  <a:tcPr marL="68580" marR="68580" marT="0" marB="0" anchor="ctr">
-                    <a:lnL w="12700" cap="flat" cmpd="sng" algn="ctr">
-                      <a:solidFill>
-                        <a:srgbClr val="000000"/>
-                      </a:solidFill>
-                      <a:prstDash val="solid"/>
-                      <a:round/>
-                      <a:headEnd type="none" w="med" len="med"/>
-                      <a:tailEnd type="none" w="med" len="med"/>
-                    </a:lnL>
-                    <a:lnR w="12700" cap="flat" cmpd="sng" algn="ctr">
-                      <a:solidFill>
-                        <a:srgbClr val="000000"/>
-                      </a:solidFill>
-                      <a:prstDash val="solid"/>
-                      <a:round/>
-                      <a:headEnd type="none" w="med" len="med"/>
-                      <a:tailEnd type="none" w="med" len="med"/>
-                    </a:lnR>
-                    <a:lnT w="12700" cap="flat" cmpd="sng" algn="ctr">
-                      <a:solidFill>
-                        <a:srgbClr val="000000"/>
-                      </a:solidFill>
-                      <a:prstDash val="solid"/>
-                      <a:round/>
-                      <a:headEnd type="none" w="med" len="med"/>
-                      <a:tailEnd type="none" w="med" len="med"/>
-                    </a:lnT>
-                    <a:lnB w="12700" cap="flat" cmpd="sng" algn="ctr">
-                      <a:solidFill>
-                        <a:srgbClr val="000000"/>
-                      </a:solidFill>
-                      <a:prstDash val="solid"/>
-                      <a:round/>
-                      <a:headEnd type="none" w="med" len="med"/>
-                      <a:tailEnd type="none" w="med" len="med"/>
-                    </a:lnB>
-                  </a:tcPr>
-                </a:tc>
-                <a:tc>
-                  <a:txBody>
-                    <a:bodyPr/>
-                    <a:lstStyle/>
-                    <a:p>
-                      <a:pPr algn="ctr">
-                        <a:lnSpc>
-                          <a:spcPct val="100000"/>
-                        </a:lnSpc>
-                        <a:spcAft>
-                          <a:spcPts val="0"/>
-                        </a:spcAft>
-                      </a:pPr>
-                      <a:r>
-                        <a:rPr lang="uk-UA" sz="1800" dirty="0">
-                          <a:solidFill>
-                            <a:srgbClr val="00000A"/>
-                          </a:solidFill>
-                          <a:effectLst/>
-                          <a:latin typeface="Times New Roman" panose="02020603050405020304" pitchFamily="18" charset="0"/>
-                          <a:ea typeface="DejaVu Sans"/>
-                          <a:cs typeface="Times New Roman" panose="02020603050405020304" pitchFamily="18" charset="0"/>
-                        </a:rPr>
-                        <a:t>СОУ</a:t>
-                      </a:r>
-                      <a:endParaRPr lang="uk-UA" sz="1800" dirty="0">
-                        <a:solidFill>
-                          <a:srgbClr val="00000A"/>
-                        </a:solidFill>
-                        <a:effectLst/>
-                        <a:latin typeface="Calibri" panose="020F0502020204030204" pitchFamily="34" charset="0"/>
-                        <a:ea typeface="DejaVu Sans"/>
-                        <a:cs typeface="Times New Roman" panose="02020603050405020304" pitchFamily="18" charset="0"/>
-                      </a:endParaRPr>
-                    </a:p>
-                  </a:txBody>
-                  <a:tcPr marL="68580" marR="68580" marT="0" marB="0" anchor="ctr">
-                    <a:lnL w="12700" cap="flat" cmpd="sng" algn="ctr">
-                      <a:solidFill>
-                        <a:srgbClr val="000000"/>
-                      </a:solidFill>
-                      <a:prstDash val="solid"/>
-                      <a:round/>
-                      <a:headEnd type="none" w="med" len="med"/>
-                      <a:tailEnd type="none" w="med" len="med"/>
-                    </a:lnL>
-                    <a:lnR w="12700" cap="flat" cmpd="sng" algn="ctr">
-                      <a:solidFill>
-                        <a:srgbClr val="000000"/>
-                      </a:solidFill>
-                      <a:prstDash val="solid"/>
-                      <a:round/>
-                      <a:headEnd type="none" w="med" len="med"/>
-                      <a:tailEnd type="none" w="med" len="med"/>
-                    </a:lnR>
-                    <a:lnT w="12700" cap="flat" cmpd="sng" algn="ctr">
-                      <a:solidFill>
-                        <a:srgbClr val="000000"/>
-                      </a:solidFill>
-                      <a:prstDash val="solid"/>
-                      <a:round/>
-                      <a:headEnd type="none" w="med" len="med"/>
-                      <a:tailEnd type="none" w="med" len="med"/>
-                    </a:lnT>
-                    <a:lnB w="12700" cap="flat" cmpd="sng" algn="ctr">
-                      <a:solidFill>
-                        <a:srgbClr val="000000"/>
-                      </a:solidFill>
-                      <a:prstDash val="solid"/>
-                      <a:round/>
-                      <a:headEnd type="none" w="med" len="med"/>
-                      <a:tailEnd type="none" w="med" len="med"/>
-                    </a:lnB>
-                  </a:tcPr>
-                </a:tc>
-                <a:extLst>
-                  <a:ext uri="{0D108BD9-81ED-4DB2-BD59-A6C34878D82A}">
-                    <a16:rowId xmlns:a16="http://schemas.microsoft.com/office/drawing/2014/main" val="3808108870"/>
-                  </a:ext>
-                </a:extLst>
-              </a:tr>
-              <a:tr h="0">
-                <a:tc vMerge="1">
-                  <a:txBody>
-                    <a:bodyPr/>
-                    <a:lstStyle/>
-                    <a:p>
-                      <a:endParaRPr lang="uk-UA"/>
-                    </a:p>
-                  </a:txBody>
-                  <a:tcPr/>
-                </a:tc>
-                <a:tc>
-                  <a:txBody>
-                    <a:bodyPr/>
-                    <a:lstStyle/>
-                    <a:p>
-                      <a:pPr>
-                        <a:lnSpc>
-                          <a:spcPct val="100000"/>
-                        </a:lnSpc>
-                        <a:spcAft>
-                          <a:spcPts val="0"/>
-                        </a:spcAft>
-                      </a:pPr>
-                      <a:r>
-                        <a:rPr lang="uk-UA" sz="1800" i="1" dirty="0">
-                          <a:solidFill>
-                            <a:srgbClr val="00000A"/>
-                          </a:solidFill>
-                          <a:effectLst/>
-                          <a:latin typeface="Times New Roman" panose="02020603050405020304" pitchFamily="18" charset="0"/>
-                          <a:ea typeface="DejaVu Sans"/>
-                          <a:cs typeface="Times New Roman" panose="02020603050405020304" pitchFamily="18" charset="0"/>
-                        </a:rPr>
-                        <a:t>зміна тривалості виконання операцій</a:t>
-                      </a:r>
-                      <a:endParaRPr lang="uk-UA" sz="1800" dirty="0">
-                        <a:solidFill>
-                          <a:srgbClr val="00000A"/>
-                        </a:solidFill>
-                        <a:effectLst/>
-                        <a:latin typeface="Calibri" panose="020F0502020204030204" pitchFamily="34" charset="0"/>
-                        <a:ea typeface="DejaVu Sans"/>
-                        <a:cs typeface="Times New Roman" panose="02020603050405020304" pitchFamily="18" charset="0"/>
-                      </a:endParaRPr>
-                    </a:p>
-                  </a:txBody>
-                  <a:tcPr marL="68580" marR="68580" marT="0" marB="0" anchor="ctr">
-                    <a:lnL w="12700" cap="flat" cmpd="sng" algn="ctr">
-                      <a:solidFill>
-                        <a:srgbClr val="000000"/>
-                      </a:solidFill>
-                      <a:prstDash val="solid"/>
-                      <a:round/>
-                      <a:headEnd type="none" w="med" len="med"/>
-                      <a:tailEnd type="none" w="med" len="med"/>
-                    </a:lnL>
-                    <a:lnR w="12700" cap="flat" cmpd="sng" algn="ctr">
-                      <a:solidFill>
-                        <a:srgbClr val="000000"/>
-                      </a:solidFill>
-                      <a:prstDash val="solid"/>
-                      <a:round/>
-                      <a:headEnd type="none" w="med" len="med"/>
-                      <a:tailEnd type="none" w="med" len="med"/>
-                    </a:lnR>
-                    <a:lnT w="12700" cap="flat" cmpd="sng" algn="ctr">
-                      <a:solidFill>
-                        <a:srgbClr val="000000"/>
-                      </a:solidFill>
-                      <a:prstDash val="solid"/>
-                      <a:round/>
-                      <a:headEnd type="none" w="med" len="med"/>
-                      <a:tailEnd type="none" w="med" len="med"/>
-                    </a:lnT>
-                    <a:lnB w="12700" cap="flat" cmpd="sng" algn="ctr">
-                      <a:solidFill>
-                        <a:srgbClr val="000000"/>
-                      </a:solidFill>
-                      <a:prstDash val="solid"/>
-                      <a:round/>
-                      <a:headEnd type="none" w="med" len="med"/>
-                      <a:tailEnd type="none" w="med" len="med"/>
-                    </a:lnB>
-                  </a:tcPr>
-                </a:tc>
-                <a:tc>
-                  <a:txBody>
-                    <a:bodyPr/>
-                    <a:lstStyle/>
-                    <a:p>
-                      <a:pPr algn="ctr">
-                        <a:lnSpc>
-                          <a:spcPct val="100000"/>
-                        </a:lnSpc>
-                        <a:spcAft>
-                          <a:spcPts val="0"/>
-                        </a:spcAft>
-                      </a:pPr>
-                      <a:r>
-                        <a:rPr lang="uk-UA" sz="1800" dirty="0">
-                          <a:solidFill>
-                            <a:srgbClr val="00000A"/>
-                          </a:solidFill>
-                          <a:effectLst/>
-                          <a:latin typeface="Times New Roman" panose="02020603050405020304" pitchFamily="18" charset="0"/>
-                          <a:ea typeface="DejaVu Sans"/>
-                          <a:cs typeface="Times New Roman" panose="02020603050405020304" pitchFamily="18" charset="0"/>
-                        </a:rPr>
-                        <a:t>СОУ</a:t>
-                      </a:r>
-                      <a:endParaRPr lang="uk-UA" sz="1800" dirty="0">
-                        <a:solidFill>
-                          <a:srgbClr val="00000A"/>
-                        </a:solidFill>
-                        <a:effectLst/>
-                        <a:latin typeface="Calibri" panose="020F0502020204030204" pitchFamily="34" charset="0"/>
-                        <a:ea typeface="DejaVu Sans"/>
-                        <a:cs typeface="Times New Roman" panose="02020603050405020304" pitchFamily="18" charset="0"/>
-                      </a:endParaRPr>
-                    </a:p>
-                  </a:txBody>
-                  <a:tcPr marL="68580" marR="68580" marT="0" marB="0" anchor="ctr">
-                    <a:lnL w="12700" cap="flat" cmpd="sng" algn="ctr">
-                      <a:solidFill>
-                        <a:srgbClr val="000000"/>
-                      </a:solidFill>
-                      <a:prstDash val="solid"/>
-                      <a:round/>
-                      <a:headEnd type="none" w="med" len="med"/>
-                      <a:tailEnd type="none" w="med" len="med"/>
-                    </a:lnL>
-                    <a:lnR w="12700" cap="flat" cmpd="sng" algn="ctr">
-                      <a:solidFill>
-                        <a:srgbClr val="000000"/>
-                      </a:solidFill>
-                      <a:prstDash val="solid"/>
-                      <a:round/>
-                      <a:headEnd type="none" w="med" len="med"/>
-                      <a:tailEnd type="none" w="med" len="med"/>
-                    </a:lnR>
-                    <a:lnT w="12700" cap="flat" cmpd="sng" algn="ctr">
-                      <a:solidFill>
-                        <a:srgbClr val="000000"/>
-                      </a:solidFill>
-                      <a:prstDash val="solid"/>
-                      <a:round/>
-                      <a:headEnd type="none" w="med" len="med"/>
-                      <a:tailEnd type="none" w="med" len="med"/>
-                    </a:lnT>
-                    <a:lnB w="12700" cap="flat" cmpd="sng" algn="ctr">
-                      <a:solidFill>
-                        <a:srgbClr val="000000"/>
-                      </a:solidFill>
-                      <a:prstDash val="solid"/>
-                      <a:round/>
-                      <a:headEnd type="none" w="med" len="med"/>
-                      <a:tailEnd type="none" w="med" len="med"/>
-                    </a:lnB>
-                  </a:tcPr>
-                </a:tc>
-                <a:extLst>
-                  <a:ext uri="{0D108BD9-81ED-4DB2-BD59-A6C34878D82A}">
-                    <a16:rowId xmlns:a16="http://schemas.microsoft.com/office/drawing/2014/main" val="3293217371"/>
-                  </a:ext>
-                </a:extLst>
-              </a:tr>
-            </a:tbl>
-          </a:graphicData>
-        </a:graphic>
-      </p:graphicFrame>
-    </p:spTree>
-    <p:extLst>
-      <p:ext uri="{BB962C8B-B14F-4D97-AF65-F5344CB8AC3E}">
-        <p14:creationId xmlns:p14="http://schemas.microsoft.com/office/powerpoint/2010/main" val="2850950396"/>
-      </p:ext>
-    </p:extLst>
-  </p:cSld>
-  <p:clrMapOvr>
-    <a:masterClrMapping/>
-  </p:clrMapOvr>
-</p:sld>
-</file>
-
-<file path=ppt/slides/slide11.xml><?xml version="1.0" encoding="utf-8"?>
-<p:sld xmlns:a="http://schemas.openxmlformats.org/drawingml/2006/main" xmlns:r="http://schemas.openxmlformats.org/officeDocument/2006/relationships" xmlns:p="http://schemas.openxmlformats.org/presentationml/2006/main">
-  <p:cSld>
-    <p:spTree>
-      <p:nvGrpSpPr>
-        <p:cNvPr id="1" name=""/>
-        <p:cNvGrpSpPr/>
-        <p:nvPr/>
-      </p:nvGrpSpPr>
-      <p:grpSpPr>
-        <a:xfrm>
-          <a:off x="0" y="0"/>
-          <a:ext cx="0" cy="0"/>
-          <a:chOff x="0" y="0"/>
-          <a:chExt cx="0" cy="0"/>
-        </a:xfrm>
-      </p:grpSpPr>
-      <p:sp>
-        <p:nvSpPr>
-          <p:cNvPr id="2" name="Title 1"/>
-          <p:cNvSpPr>
-            <a:spLocks noGrp="1"/>
-          </p:cNvSpPr>
-          <p:nvPr>
-            <p:ph type="title"/>
-          </p:nvPr>
-        </p:nvSpPr>
-        <p:spPr>
-          <a:xfrm>
             <a:off x="838199" y="276993"/>
             <a:ext cx="10784595" cy="1014181"/>
           </a:xfrm>
@@ -10514,7 +7940,7 @@
                 <a:latin typeface="Times New Roman" panose="02020603050405020304" pitchFamily="18" charset="0"/>
                 <a:cs typeface="Times New Roman" panose="02020603050405020304" pitchFamily="18" charset="0"/>
               </a:rPr>
-              <a:t>11</a:t>
+              <a:t>10</a:t>
             </a:fld>
             <a:endParaRPr lang="uk-UA" sz="3200" dirty="0">
               <a:latin typeface="Times New Roman" panose="02020603050405020304" pitchFamily="18" charset="0"/>
@@ -11193,7 +8619,7 @@
 </p:sld>
 </file>
 
-<file path=ppt/slides/slide12.xml><?xml version="1.0" encoding="utf-8"?>
+<file path=ppt/slides/slide11.xml><?xml version="1.0" encoding="utf-8"?>
 <p:sld xmlns:a="http://schemas.openxmlformats.org/drawingml/2006/main" xmlns:r="http://schemas.openxmlformats.org/officeDocument/2006/relationships" xmlns:p="http://schemas.openxmlformats.org/presentationml/2006/main">
   <p:cSld>
     <p:spTree>
@@ -11257,7 +8683,7 @@
                 <a:latin typeface="Times New Roman" panose="02020603050405020304" pitchFamily="18" charset="0"/>
                 <a:cs typeface="Times New Roman" panose="02020603050405020304" pitchFamily="18" charset="0"/>
               </a:rPr>
-              <a:t>12</a:t>
+              <a:t>11</a:t>
             </a:fld>
             <a:endParaRPr lang="uk-UA" sz="3200" dirty="0">
               <a:latin typeface="Times New Roman" panose="02020603050405020304" pitchFamily="18" charset="0"/>
@@ -11312,7 +8738,7 @@
 </p:sld>
 </file>
 
-<file path=ppt/slides/slide13.xml><?xml version="1.0" encoding="utf-8"?>
+<file path=ppt/slides/slide12.xml><?xml version="1.0" encoding="utf-8"?>
 <p:sld xmlns:a="http://schemas.openxmlformats.org/drawingml/2006/main" xmlns:r="http://schemas.openxmlformats.org/officeDocument/2006/relationships" xmlns:p="http://schemas.openxmlformats.org/presentationml/2006/main">
   <p:cSld>
     <p:spTree>
@@ -11688,7 +9114,7 @@
                 <a:latin typeface="Times New Roman" panose="02020603050405020304" pitchFamily="18" charset="0"/>
                 <a:cs typeface="Times New Roman" panose="02020603050405020304" pitchFamily="18" charset="0"/>
               </a:rPr>
-              <a:t>13</a:t>
+              <a:t>12</a:t>
             </a:fld>
             <a:endParaRPr lang="uk-UA" sz="3200" dirty="0">
               <a:latin typeface="Times New Roman" panose="02020603050405020304" pitchFamily="18" charset="0"/>
@@ -12251,7 +9677,7 @@
 </p:sld>
 </file>
 
-<file path=ppt/slides/slide14.xml><?xml version="1.0" encoding="utf-8"?>
+<file path=ppt/slides/slide13.xml><?xml version="1.0" encoding="utf-8"?>
 <p:sld xmlns:a="http://schemas.openxmlformats.org/drawingml/2006/main" xmlns:r="http://schemas.openxmlformats.org/officeDocument/2006/relationships" xmlns:p="http://schemas.openxmlformats.org/presentationml/2006/main">
   <p:cSld>
     <p:spTree>
@@ -12911,7 +10337,7 @@
                 <a:latin typeface="Times New Roman" panose="02020603050405020304" pitchFamily="18" charset="0"/>
                 <a:cs typeface="Times New Roman" panose="02020603050405020304" pitchFamily="18" charset="0"/>
               </a:rPr>
-              <a:t>14</a:t>
+              <a:t>13</a:t>
             </a:fld>
             <a:endParaRPr lang="uk-UA" sz="3200" dirty="0">
               <a:latin typeface="Times New Roman" panose="02020603050405020304" pitchFamily="18" charset="0"/>
@@ -13184,7 +10610,7 @@
 </p:sld>
 </file>
 
-<file path=ppt/slides/slide15.xml><?xml version="1.0" encoding="utf-8"?>
+<file path=ppt/slides/slide14.xml><?xml version="1.0" encoding="utf-8"?>
 <p:sld xmlns:a="http://schemas.openxmlformats.org/drawingml/2006/main" xmlns:r="http://schemas.openxmlformats.org/officeDocument/2006/relationships" xmlns:p="http://schemas.openxmlformats.org/presentationml/2006/main">
   <p:cSld>
     <p:spTree>
@@ -13346,7 +10772,7 @@
                 <a:latin typeface="Times New Roman" panose="02020603050405020304" pitchFamily="18" charset="0"/>
                 <a:cs typeface="Times New Roman" panose="02020603050405020304" pitchFamily="18" charset="0"/>
               </a:rPr>
-              <a:t>15</a:t>
+              <a:t>14</a:t>
             </a:fld>
             <a:endParaRPr lang="uk-UA" sz="3200" dirty="0">
               <a:latin typeface="Times New Roman" panose="02020603050405020304" pitchFamily="18" charset="0"/>
@@ -13434,7 +10860,7 @@
 </p:sld>
 </file>
 
-<file path=ppt/slides/slide16.xml><?xml version="1.0" encoding="utf-8"?>
+<file path=ppt/slides/slide15.xml><?xml version="1.0" encoding="utf-8"?>
 <p:sld xmlns:a="http://schemas.openxmlformats.org/drawingml/2006/main" xmlns:r="http://schemas.openxmlformats.org/officeDocument/2006/relationships" xmlns:p="http://schemas.openxmlformats.org/presentationml/2006/main">
   <p:cSld>
     <p:spTree>
@@ -13538,7 +10964,7 @@
                 <a:latin typeface="Times New Roman" panose="02020603050405020304" pitchFamily="18" charset="0"/>
                 <a:cs typeface="Times New Roman" panose="02020603050405020304" pitchFamily="18" charset="0"/>
               </a:rPr>
-              <a:t>16</a:t>
+              <a:t>15</a:t>
             </a:fld>
             <a:endParaRPr lang="uk-UA" sz="3200" dirty="0">
               <a:latin typeface="Times New Roman" panose="02020603050405020304" pitchFamily="18" charset="0"/>
@@ -14444,7 +11870,7 @@
 </p:sld>
 </file>
 
-<file path=ppt/slides/slide17.xml><?xml version="1.0" encoding="utf-8"?>
+<file path=ppt/slides/slide16.xml><?xml version="1.0" encoding="utf-8"?>
 <p:sld xmlns:a="http://schemas.openxmlformats.org/drawingml/2006/main" xmlns:r="http://schemas.openxmlformats.org/officeDocument/2006/relationships" xmlns:p="http://schemas.openxmlformats.org/presentationml/2006/main">
   <p:cSld>
     <p:spTree>
@@ -14516,7 +11942,7 @@
                 <a:latin typeface="Times New Roman" panose="02020603050405020304" pitchFamily="18" charset="0"/>
                 <a:cs typeface="Times New Roman" panose="02020603050405020304" pitchFamily="18" charset="0"/>
               </a:rPr>
-              <a:t>17</a:t>
+              <a:t>16</a:t>
             </a:fld>
             <a:endParaRPr lang="uk-UA" sz="3200" dirty="0">
               <a:latin typeface="Times New Roman" panose="02020603050405020304" pitchFamily="18" charset="0"/>
@@ -14579,8 +12005,8 @@
           </a:extLst>
         </p:spPr>
       </p:pic>
-      <mc:AlternateContent xmlns:mc="http://schemas.openxmlformats.org/markup-compatibility/2006">
-        <mc:Choice xmlns:a14="http://schemas.microsoft.com/office/drawing/2010/main" Requires="a14">
+      <mc:AlternateContent xmlns:mc="http://schemas.openxmlformats.org/markup-compatibility/2006" xmlns:a14="http://schemas.microsoft.com/office/drawing/2010/main">
+        <mc:Choice Requires="a14">
           <p:sp>
             <p:nvSpPr>
               <p:cNvPr id="5" name="Rectangle 4"/>
@@ -15513,29 +12939,7 @@
                     <a:ea typeface="Times New Roman" panose="02020603050405020304" pitchFamily="18" charset="0"/>
                     <a:cs typeface="Times New Roman" panose="02020603050405020304" pitchFamily="18" charset="0"/>
                   </a:rPr>
-                  <a:t> </a:t>
-                </a:r>
-                <a:r>
-                  <a:rPr lang="uk-UA" sz="1600" dirty="0">
-                    <a:solidFill>
-                      <a:srgbClr val="000000"/>
-                    </a:solidFill>
-                    <a:latin typeface="Times New Roman" panose="02020603050405020304" pitchFamily="18" charset="0"/>
-                    <a:ea typeface="Times New Roman" panose="02020603050405020304" pitchFamily="18" charset="0"/>
-                    <a:cs typeface="Times New Roman" panose="02020603050405020304" pitchFamily="18" charset="0"/>
-                  </a:rPr>
-                  <a:t> –</a:t>
-                </a:r>
-                <a:r>
-                  <a:rPr lang="uk-UA" sz="1600" dirty="0">
-                    <a:solidFill>
-                      <a:srgbClr val="000000"/>
-                    </a:solidFill>
-                    <a:latin typeface="Times New Roman" panose="02020603050405020304" pitchFamily="18" charset="0"/>
-                    <a:ea typeface="Times New Roman" panose="02020603050405020304" pitchFamily="18" charset="0"/>
-                    <a:cs typeface="Times New Roman" panose="02020603050405020304" pitchFamily="18" charset="0"/>
-                  </a:rPr>
-                  <a:t> кінцева множина станів зовнішнього середовища;</a:t>
+                  <a:t>  – кінцева множина станів зовнішнього середовища;</a:t>
                 </a:r>
                 <a:endParaRPr lang="uk-UA" sz="1200" dirty="0">
                   <a:latin typeface="Times New Roman" panose="02020603050405020304" pitchFamily="18" charset="0"/>
@@ -15585,18 +12989,7 @@
                     <a:ea typeface="Times New Roman" panose="02020603050405020304" pitchFamily="18" charset="0"/>
                     <a:cs typeface="Times New Roman" panose="02020603050405020304" pitchFamily="18" charset="0"/>
                   </a:rPr>
-                  <a:t>–</a:t>
-                </a:r>
-                <a:r>
-                  <a:rPr lang="uk-UA" sz="1600" dirty="0">
-                    <a:solidFill>
-                      <a:srgbClr val="000000"/>
-                    </a:solidFill>
-                    <a:latin typeface="Times New Roman" panose="02020603050405020304" pitchFamily="18" charset="0"/>
-                    <a:ea typeface="Times New Roman" panose="02020603050405020304" pitchFamily="18" charset="0"/>
-                    <a:cs typeface="Times New Roman" panose="02020603050405020304" pitchFamily="18" charset="0"/>
-                  </a:rPr>
-                  <a:t> скінченна множина агентів;</a:t>
+                  <a:t>– скінченна множина агентів;</a:t>
                 </a:r>
                 <a:endParaRPr lang="en-US" sz="1600" dirty="0">
                   <a:solidFill>
@@ -15673,18 +13066,7 @@
                     <a:ea typeface="Times New Roman" panose="02020603050405020304" pitchFamily="18" charset="0"/>
                     <a:cs typeface="Times New Roman" panose="02020603050405020304" pitchFamily="18" charset="0"/>
                   </a:rPr>
-                  <a:t>–</a:t>
-                </a:r>
-                <a:r>
-                  <a:rPr lang="uk-UA" sz="1600" dirty="0">
-                    <a:solidFill>
-                      <a:srgbClr val="000000"/>
-                    </a:solidFill>
-                    <a:latin typeface="Times New Roman" panose="02020603050405020304" pitchFamily="18" charset="0"/>
-                    <a:ea typeface="Times New Roman" panose="02020603050405020304" pitchFamily="18" charset="0"/>
-                    <a:cs typeface="Times New Roman" panose="02020603050405020304" pitchFamily="18" charset="0"/>
-                  </a:rPr>
-                  <a:t> функція, що описує можливу реакцію зовнішнього середовища на дії агентів системи.</a:t>
+                  <a:t>– функція, що описує можливу реакцію зовнішнього середовища на дії агентів системи.</a:t>
                 </a:r>
                 <a:endParaRPr lang="uk-UA" sz="1600" dirty="0">
                   <a:effectLst/>
@@ -15696,7 +13078,7 @@
             </p:txBody>
           </p:sp>
         </mc:Choice>
-        <mc:Fallback>
+        <mc:Fallback xmlns="">
           <p:sp>
             <p:nvSpPr>
               <p:cNvPr id="5" name="Rectangle 4"/>
@@ -15748,7 +13130,7 @@
 </p:sld>
 </file>
 
-<file path=ppt/slides/slide18.xml><?xml version="1.0" encoding="utf-8"?>
+<file path=ppt/slides/slide17.xml><?xml version="1.0" encoding="utf-8"?>
 <p:sld xmlns:a="http://schemas.openxmlformats.org/drawingml/2006/main" xmlns:r="http://schemas.openxmlformats.org/officeDocument/2006/relationships" xmlns:p="http://schemas.openxmlformats.org/presentationml/2006/main">
   <p:cSld>
     <p:spTree>
@@ -15840,7 +13222,7 @@
           <a:p>
             <a:fld id="{CD436E90-D44F-4CFB-9713-FEF5A904B1E3}" type="slidenum">
               <a:rPr lang="uk-UA" sz="3200" smtClean="0"/>
-              <a:t>18</a:t>
+              <a:t>17</a:t>
             </a:fld>
             <a:endParaRPr lang="uk-UA" sz="3200" dirty="0"/>
           </a:p>
@@ -18292,7 +15674,7 @@
 </p:sld>
 </file>
 
-<file path=ppt/slides/slide19.xml><?xml version="1.0" encoding="utf-8"?>
+<file path=ppt/slides/slide18.xml><?xml version="1.0" encoding="utf-8"?>
 <p:sld xmlns:a="http://schemas.openxmlformats.org/drawingml/2006/main" xmlns:r="http://schemas.openxmlformats.org/officeDocument/2006/relationships" xmlns:p="http://schemas.openxmlformats.org/presentationml/2006/main">
   <p:cSld>
     <p:spTree>
@@ -18358,7 +15740,7 @@
           <a:p>
             <a:fld id="{CD436E90-D44F-4CFB-9713-FEF5A904B1E3}" type="slidenum">
               <a:rPr lang="uk-UA" sz="3200" smtClean="0"/>
-              <a:t>19</a:t>
+              <a:t>18</a:t>
             </a:fld>
             <a:endParaRPr lang="uk-UA" sz="3200" dirty="0"/>
           </a:p>
@@ -18483,6 +15865,234 @@
     <p:extLst>
       <p:ext uri="{BB962C8B-B14F-4D97-AF65-F5344CB8AC3E}">
         <p14:creationId xmlns:p14="http://schemas.microsoft.com/office/powerpoint/2010/main" val="1729176543"/>
+      </p:ext>
+    </p:extLst>
+  </p:cSld>
+  <p:clrMapOvr>
+    <a:masterClrMapping/>
+  </p:clrMapOvr>
+</p:sld>
+</file>
+
+<file path=ppt/slides/slide19.xml><?xml version="1.0" encoding="utf-8"?>
+<p:sld xmlns:a="http://schemas.openxmlformats.org/drawingml/2006/main" xmlns:r="http://schemas.openxmlformats.org/officeDocument/2006/relationships" xmlns:p="http://schemas.openxmlformats.org/presentationml/2006/main">
+  <p:cSld>
+    <p:spTree>
+      <p:nvGrpSpPr>
+        <p:cNvPr id="1" name=""/>
+        <p:cNvGrpSpPr/>
+        <p:nvPr/>
+      </p:nvGrpSpPr>
+      <p:grpSpPr>
+        <a:xfrm>
+          <a:off x="0" y="0"/>
+          <a:ext cx="0" cy="0"/>
+          <a:chOff x="0" y="0"/>
+          <a:chExt cx="0" cy="0"/>
+        </a:xfrm>
+      </p:grpSpPr>
+      <p:sp>
+        <p:nvSpPr>
+          <p:cNvPr id="2" name="Title 1"/>
+          <p:cNvSpPr>
+            <a:spLocks noGrp="1"/>
+          </p:cNvSpPr>
+          <p:nvPr>
+            <p:ph type="title"/>
+          </p:nvPr>
+        </p:nvSpPr>
+        <p:spPr>
+          <a:xfrm>
+            <a:off x="176270" y="144791"/>
+            <a:ext cx="11876183" cy="932183"/>
+          </a:xfrm>
+        </p:spPr>
+        <p:txBody>
+          <a:bodyPr>
+            <a:normAutofit fontScale="90000"/>
+          </a:bodyPr>
+          <a:lstStyle/>
+          <a:p>
+            <a:r>
+              <a:rPr lang="uk-UA" sz="4000" dirty="0">
+                <a:latin typeface="Times New Roman" panose="02020603050405020304" pitchFamily="18" charset="0"/>
+                <a:cs typeface="Times New Roman" panose="02020603050405020304" pitchFamily="18" charset="0"/>
+              </a:rPr>
+              <a:t>Система підтримки прийняття рішень на основі ГІМАС як основа системи динамічного оперативного керування ГВС</a:t>
+            </a:r>
+          </a:p>
+        </p:txBody>
+      </p:sp>
+      <p:sp>
+        <p:nvSpPr>
+          <p:cNvPr id="4" name="Slide Number Placeholder 3"/>
+          <p:cNvSpPr>
+            <a:spLocks noGrp="1"/>
+          </p:cNvSpPr>
+          <p:nvPr>
+            <p:ph type="sldNum" sz="quarter" idx="12"/>
+          </p:nvPr>
+        </p:nvSpPr>
+        <p:spPr/>
+        <p:txBody>
+          <a:bodyPr/>
+          <a:lstStyle/>
+          <a:p>
+            <a:fld id="{CD436E90-D44F-4CFB-9713-FEF5A904B1E3}" type="slidenum">
+              <a:rPr lang="uk-UA" sz="3200" smtClean="0"/>
+              <a:t>19</a:t>
+            </a:fld>
+            <a:endParaRPr lang="uk-UA" sz="3200" dirty="0"/>
+          </a:p>
+        </p:txBody>
+      </p:sp>
+      <p:pic>
+        <p:nvPicPr>
+          <p:cNvPr id="6" name="Content Placeholder 5"/>
+          <p:cNvPicPr>
+            <a:picLocks noGrp="1" noChangeAspect="1"/>
+          </p:cNvPicPr>
+          <p:nvPr>
+            <p:ph idx="1"/>
+          </p:nvPr>
+        </p:nvPicPr>
+        <p:blipFill>
+          <a:blip r:embed="rId2"/>
+          <a:stretch>
+            <a:fillRect/>
+          </a:stretch>
+        </p:blipFill>
+        <p:spPr>
+          <a:xfrm>
+            <a:off x="476162" y="1178806"/>
+            <a:ext cx="5627184" cy="5542673"/>
+          </a:xfrm>
+          <a:prstGeom prst="rect">
+            <a:avLst/>
+          </a:prstGeom>
+        </p:spPr>
+      </p:pic>
+      <p:sp>
+        <p:nvSpPr>
+          <p:cNvPr id="3" name="Rectangle 2"/>
+          <p:cNvSpPr/>
+          <p:nvPr/>
+        </p:nvSpPr>
+        <p:spPr>
+          <a:xfrm>
+            <a:off x="6280759" y="1278041"/>
+            <a:ext cx="5916460" cy="5078313"/>
+          </a:xfrm>
+          <a:prstGeom prst="rect">
+            <a:avLst/>
+          </a:prstGeom>
+        </p:spPr>
+        <p:txBody>
+          <a:bodyPr wrap="square">
+            <a:spAutoFit/>
+          </a:bodyPr>
+          <a:lstStyle/>
+          <a:p>
+            <a:pPr algn="ctr"/>
+            <a:r>
+              <a:rPr lang="uk-UA" b="1" i="1" dirty="0">
+                <a:latin typeface="Times New Roman" panose="02020603050405020304" pitchFamily="18" charset="0"/>
+                <a:cs typeface="Times New Roman" panose="02020603050405020304" pitchFamily="18" charset="0"/>
+              </a:rPr>
+              <a:t>Задачі СППР:</a:t>
+            </a:r>
+          </a:p>
+          <a:p>
+            <a:pPr algn="ctr"/>
+            <a:endParaRPr lang="uk-UA" b="1" i="1" dirty="0">
+              <a:latin typeface="Times New Roman" panose="02020603050405020304" pitchFamily="18" charset="0"/>
+              <a:cs typeface="Times New Roman" panose="02020603050405020304" pitchFamily="18" charset="0"/>
+            </a:endParaRPr>
+          </a:p>
+          <a:p>
+            <a:pPr marL="285750" indent="-285750">
+              <a:buFont typeface="Arial" panose="020B0604020202020204" pitchFamily="34" charset="0"/>
+              <a:buChar char="•"/>
+            </a:pPr>
+            <a:r>
+              <a:rPr lang="uk-UA" dirty="0">
+                <a:latin typeface="Times New Roman" panose="02020603050405020304" pitchFamily="18" charset="0"/>
+                <a:cs typeface="Times New Roman" panose="02020603050405020304" pitchFamily="18" charset="0"/>
+              </a:rPr>
+              <a:t>автоматизація процесу синтезу структури ГІМАС за заданими складовими та обмеженнями;</a:t>
+            </a:r>
+          </a:p>
+          <a:p>
+            <a:pPr marL="285750" indent="-285750">
+              <a:buFont typeface="Arial" panose="020B0604020202020204" pitchFamily="34" charset="0"/>
+              <a:buChar char="•"/>
+            </a:pPr>
+            <a:r>
+              <a:rPr lang="uk-UA" dirty="0">
+                <a:latin typeface="Times New Roman" panose="02020603050405020304" pitchFamily="18" charset="0"/>
+                <a:cs typeface="Times New Roman" panose="02020603050405020304" pitchFamily="18" charset="0"/>
+              </a:rPr>
+              <a:t>інтелектуалізований вибір значень показників об’єкта динамічного керування, шляхом перебирання ІА умов виконання критеріїв обслуговуваності поточним вектором можливостей наявних вимог та обмежень;</a:t>
+            </a:r>
+          </a:p>
+          <a:p>
+            <a:pPr marL="285750" indent="-285750">
+              <a:buFont typeface="Arial" panose="020B0604020202020204" pitchFamily="34" charset="0"/>
+              <a:buChar char="•"/>
+            </a:pPr>
+            <a:r>
+              <a:rPr lang="uk-UA" dirty="0">
+                <a:latin typeface="Times New Roman" panose="02020603050405020304" pitchFamily="18" charset="0"/>
+                <a:cs typeface="Times New Roman" panose="02020603050405020304" pitchFamily="18" charset="0"/>
+              </a:rPr>
+              <a:t>використання експертних знань, в тому числі у нечіткій формі, із забезпеченням механізмів фазифікації, дефазифікації та нечіткого виведення;</a:t>
+            </a:r>
+          </a:p>
+          <a:p>
+            <a:pPr marL="285750" indent="-285750">
+              <a:buFont typeface="Arial" panose="020B0604020202020204" pitchFamily="34" charset="0"/>
+              <a:buChar char="•"/>
+            </a:pPr>
+            <a:r>
+              <a:rPr lang="uk-UA" dirty="0">
+                <a:latin typeface="Times New Roman" panose="02020603050405020304" pitchFamily="18" charset="0"/>
+                <a:cs typeface="Times New Roman" panose="02020603050405020304" pitchFamily="18" charset="0"/>
+              </a:rPr>
+              <a:t>передача результатів роботи до суміжних підсистем в уніфікованому форматі;</a:t>
+            </a:r>
+          </a:p>
+          <a:p>
+            <a:pPr marL="285750" indent="-285750">
+              <a:buFont typeface="Arial" panose="020B0604020202020204" pitchFamily="34" charset="0"/>
+              <a:buChar char="•"/>
+            </a:pPr>
+            <a:r>
+              <a:rPr lang="uk-UA" dirty="0">
+                <a:latin typeface="Times New Roman" panose="02020603050405020304" pitchFamily="18" charset="0"/>
+                <a:cs typeface="Times New Roman" panose="02020603050405020304" pitchFamily="18" charset="0"/>
+              </a:rPr>
+              <a:t>забезпечення зручного та наочного відображення інформації кінцевому користувачу у вигляді графічного інтерфейсу;</a:t>
+            </a:r>
+          </a:p>
+          <a:p>
+            <a:pPr marL="285750" indent="-285750">
+              <a:buFont typeface="Arial" panose="020B0604020202020204" pitchFamily="34" charset="0"/>
+              <a:buChar char="•"/>
+            </a:pPr>
+            <a:r>
+              <a:rPr lang="uk-UA" dirty="0">
+                <a:latin typeface="Times New Roman" panose="02020603050405020304" pitchFamily="18" charset="0"/>
+                <a:cs typeface="Times New Roman" panose="02020603050405020304" pitchFamily="18" charset="0"/>
+              </a:rPr>
+              <a:t>можливість підключення додаткових модулів для розширення функціональності системи.</a:t>
+            </a:r>
+          </a:p>
+        </p:txBody>
+      </p:sp>
+    </p:spTree>
+    <p:extLst>
+      <p:ext uri="{BB962C8B-B14F-4D97-AF65-F5344CB8AC3E}">
+        <p14:creationId xmlns:p14="http://schemas.microsoft.com/office/powerpoint/2010/main" val="3492844753"/>
       </p:ext>
     </p:extLst>
   </p:cSld>
@@ -18672,234 +16282,6 @@
         </p:nvSpPr>
         <p:spPr>
           <a:xfrm>
-            <a:off x="176270" y="144791"/>
-            <a:ext cx="11876183" cy="932183"/>
-          </a:xfrm>
-        </p:spPr>
-        <p:txBody>
-          <a:bodyPr>
-            <a:normAutofit fontScale="90000"/>
-          </a:bodyPr>
-          <a:lstStyle/>
-          <a:p>
-            <a:r>
-              <a:rPr lang="uk-UA" sz="4000" dirty="0">
-                <a:latin typeface="Times New Roman" panose="02020603050405020304" pitchFamily="18" charset="0"/>
-                <a:cs typeface="Times New Roman" panose="02020603050405020304" pitchFamily="18" charset="0"/>
-              </a:rPr>
-              <a:t>Система підтримки прийняття рішень на основі ГІМАС як основа системи динамічного оперативного керування ГВС</a:t>
-            </a:r>
-          </a:p>
-        </p:txBody>
-      </p:sp>
-      <p:sp>
-        <p:nvSpPr>
-          <p:cNvPr id="4" name="Slide Number Placeholder 3"/>
-          <p:cNvSpPr>
-            <a:spLocks noGrp="1"/>
-          </p:cNvSpPr>
-          <p:nvPr>
-            <p:ph type="sldNum" sz="quarter" idx="12"/>
-          </p:nvPr>
-        </p:nvSpPr>
-        <p:spPr/>
-        <p:txBody>
-          <a:bodyPr/>
-          <a:lstStyle/>
-          <a:p>
-            <a:fld id="{CD436E90-D44F-4CFB-9713-FEF5A904B1E3}" type="slidenum">
-              <a:rPr lang="uk-UA" sz="3200" smtClean="0"/>
-              <a:t>20</a:t>
-            </a:fld>
-            <a:endParaRPr lang="uk-UA" sz="3200" dirty="0"/>
-          </a:p>
-        </p:txBody>
-      </p:sp>
-      <p:pic>
-        <p:nvPicPr>
-          <p:cNvPr id="6" name="Content Placeholder 5"/>
-          <p:cNvPicPr>
-            <a:picLocks noGrp="1" noChangeAspect="1"/>
-          </p:cNvPicPr>
-          <p:nvPr>
-            <p:ph idx="1"/>
-          </p:nvPr>
-        </p:nvPicPr>
-        <p:blipFill>
-          <a:blip r:embed="rId2"/>
-          <a:stretch>
-            <a:fillRect/>
-          </a:stretch>
-        </p:blipFill>
-        <p:spPr>
-          <a:xfrm>
-            <a:off x="476162" y="1178806"/>
-            <a:ext cx="5627184" cy="5542673"/>
-          </a:xfrm>
-          <a:prstGeom prst="rect">
-            <a:avLst/>
-          </a:prstGeom>
-        </p:spPr>
-      </p:pic>
-      <p:sp>
-        <p:nvSpPr>
-          <p:cNvPr id="3" name="Rectangle 2"/>
-          <p:cNvSpPr/>
-          <p:nvPr/>
-        </p:nvSpPr>
-        <p:spPr>
-          <a:xfrm>
-            <a:off x="6280759" y="1278041"/>
-            <a:ext cx="5916460" cy="5078313"/>
-          </a:xfrm>
-          <a:prstGeom prst="rect">
-            <a:avLst/>
-          </a:prstGeom>
-        </p:spPr>
-        <p:txBody>
-          <a:bodyPr wrap="square">
-            <a:spAutoFit/>
-          </a:bodyPr>
-          <a:lstStyle/>
-          <a:p>
-            <a:pPr algn="ctr"/>
-            <a:r>
-              <a:rPr lang="uk-UA" b="1" i="1" dirty="0">
-                <a:latin typeface="Times New Roman" panose="02020603050405020304" pitchFamily="18" charset="0"/>
-                <a:cs typeface="Times New Roman" panose="02020603050405020304" pitchFamily="18" charset="0"/>
-              </a:rPr>
-              <a:t>Задачі СППР:</a:t>
-            </a:r>
-          </a:p>
-          <a:p>
-            <a:pPr algn="ctr"/>
-            <a:endParaRPr lang="uk-UA" b="1" i="1" dirty="0">
-              <a:latin typeface="Times New Roman" panose="02020603050405020304" pitchFamily="18" charset="0"/>
-              <a:cs typeface="Times New Roman" panose="02020603050405020304" pitchFamily="18" charset="0"/>
-            </a:endParaRPr>
-          </a:p>
-          <a:p>
-            <a:pPr marL="285750" indent="-285750">
-              <a:buFont typeface="Arial" panose="020B0604020202020204" pitchFamily="34" charset="0"/>
-              <a:buChar char="•"/>
-            </a:pPr>
-            <a:r>
-              <a:rPr lang="uk-UA" dirty="0">
-                <a:latin typeface="Times New Roman" panose="02020603050405020304" pitchFamily="18" charset="0"/>
-                <a:cs typeface="Times New Roman" panose="02020603050405020304" pitchFamily="18" charset="0"/>
-              </a:rPr>
-              <a:t>автоматизація процесу синтезу структури ГІМАС за заданими складовими та обмеженнями;</a:t>
-            </a:r>
-          </a:p>
-          <a:p>
-            <a:pPr marL="285750" indent="-285750">
-              <a:buFont typeface="Arial" panose="020B0604020202020204" pitchFamily="34" charset="0"/>
-              <a:buChar char="•"/>
-            </a:pPr>
-            <a:r>
-              <a:rPr lang="uk-UA" dirty="0">
-                <a:latin typeface="Times New Roman" panose="02020603050405020304" pitchFamily="18" charset="0"/>
-                <a:cs typeface="Times New Roman" panose="02020603050405020304" pitchFamily="18" charset="0"/>
-              </a:rPr>
-              <a:t>інтелектуалізований вибір значень показників об’єкта динамічного керування, шляхом перебирання ІА умов виконання критеріїв обслуговуваності поточним вектором можливостей наявних вимог та обмежень;</a:t>
-            </a:r>
-          </a:p>
-          <a:p>
-            <a:pPr marL="285750" indent="-285750">
-              <a:buFont typeface="Arial" panose="020B0604020202020204" pitchFamily="34" charset="0"/>
-              <a:buChar char="•"/>
-            </a:pPr>
-            <a:r>
-              <a:rPr lang="uk-UA" dirty="0">
-                <a:latin typeface="Times New Roman" panose="02020603050405020304" pitchFamily="18" charset="0"/>
-                <a:cs typeface="Times New Roman" panose="02020603050405020304" pitchFamily="18" charset="0"/>
-              </a:rPr>
-              <a:t>використання експертних знань, в тому числі у нечіткій формі, із забезпеченням механізмів фазифікації, дефазифікації та нечіткого виведення;</a:t>
-            </a:r>
-          </a:p>
-          <a:p>
-            <a:pPr marL="285750" indent="-285750">
-              <a:buFont typeface="Arial" panose="020B0604020202020204" pitchFamily="34" charset="0"/>
-              <a:buChar char="•"/>
-            </a:pPr>
-            <a:r>
-              <a:rPr lang="uk-UA" dirty="0">
-                <a:latin typeface="Times New Roman" panose="02020603050405020304" pitchFamily="18" charset="0"/>
-                <a:cs typeface="Times New Roman" panose="02020603050405020304" pitchFamily="18" charset="0"/>
-              </a:rPr>
-              <a:t>передача результатів роботи до суміжних підсистем в уніфікованому форматі;</a:t>
-            </a:r>
-          </a:p>
-          <a:p>
-            <a:pPr marL="285750" indent="-285750">
-              <a:buFont typeface="Arial" panose="020B0604020202020204" pitchFamily="34" charset="0"/>
-              <a:buChar char="•"/>
-            </a:pPr>
-            <a:r>
-              <a:rPr lang="uk-UA" dirty="0">
-                <a:latin typeface="Times New Roman" panose="02020603050405020304" pitchFamily="18" charset="0"/>
-                <a:cs typeface="Times New Roman" panose="02020603050405020304" pitchFamily="18" charset="0"/>
-              </a:rPr>
-              <a:t>забезпечення зручного та наочного відображення інформації кінцевому користувачу у вигляді графічного інтерфейсу;</a:t>
-            </a:r>
-          </a:p>
-          <a:p>
-            <a:pPr marL="285750" indent="-285750">
-              <a:buFont typeface="Arial" panose="020B0604020202020204" pitchFamily="34" charset="0"/>
-              <a:buChar char="•"/>
-            </a:pPr>
-            <a:r>
-              <a:rPr lang="uk-UA" dirty="0">
-                <a:latin typeface="Times New Roman" panose="02020603050405020304" pitchFamily="18" charset="0"/>
-                <a:cs typeface="Times New Roman" panose="02020603050405020304" pitchFamily="18" charset="0"/>
-              </a:rPr>
-              <a:t>можливість підключення додаткових модулів для розширення функціональності системи.</a:t>
-            </a:r>
-          </a:p>
-        </p:txBody>
-      </p:sp>
-    </p:spTree>
-    <p:extLst>
-      <p:ext uri="{BB962C8B-B14F-4D97-AF65-F5344CB8AC3E}">
-        <p14:creationId xmlns:p14="http://schemas.microsoft.com/office/powerpoint/2010/main" val="3492844753"/>
-      </p:ext>
-    </p:extLst>
-  </p:cSld>
-  <p:clrMapOvr>
-    <a:masterClrMapping/>
-  </p:clrMapOvr>
-</p:sld>
-</file>
-
-<file path=ppt/slides/slide21.xml><?xml version="1.0" encoding="utf-8"?>
-<p:sld xmlns:a="http://schemas.openxmlformats.org/drawingml/2006/main" xmlns:r="http://schemas.openxmlformats.org/officeDocument/2006/relationships" xmlns:p="http://schemas.openxmlformats.org/presentationml/2006/main">
-  <p:cSld>
-    <p:spTree>
-      <p:nvGrpSpPr>
-        <p:cNvPr id="1" name=""/>
-        <p:cNvGrpSpPr/>
-        <p:nvPr/>
-      </p:nvGrpSpPr>
-      <p:grpSpPr>
-        <a:xfrm>
-          <a:off x="0" y="0"/>
-          <a:ext cx="0" cy="0"/>
-          <a:chOff x="0" y="0"/>
-          <a:chExt cx="0" cy="0"/>
-        </a:xfrm>
-      </p:grpSpPr>
-      <p:sp>
-        <p:nvSpPr>
-          <p:cNvPr id="2" name="Title 1"/>
-          <p:cNvSpPr>
-            <a:spLocks noGrp="1"/>
-          </p:cNvSpPr>
-          <p:nvPr>
-            <p:ph type="title"/>
-          </p:nvPr>
-        </p:nvSpPr>
-        <p:spPr>
-          <a:xfrm>
             <a:off x="838200" y="365130"/>
             <a:ext cx="10515600" cy="747574"/>
           </a:xfrm>
@@ -19053,7 +16435,7 @@
                 <a:latin typeface="Times New Roman" panose="02020603050405020304" pitchFamily="18" charset="0"/>
                 <a:cs typeface="Times New Roman" panose="02020603050405020304" pitchFamily="18" charset="0"/>
               </a:rPr>
-              <a:t>21</a:t>
+              <a:t>20</a:t>
             </a:fld>
             <a:endParaRPr lang="uk-UA" sz="3200" dirty="0">
               <a:latin typeface="Times New Roman" panose="02020603050405020304" pitchFamily="18" charset="0"/>
@@ -19313,7 +16695,7 @@
 </p:sld>
 </file>
 
-<file path=ppt/slides/slide22.xml><?xml version="1.0" encoding="utf-8"?>
+<file path=ppt/slides/slide21.xml><?xml version="1.0" encoding="utf-8"?>
 <p:sld xmlns:a="http://schemas.openxmlformats.org/drawingml/2006/main" xmlns:r="http://schemas.openxmlformats.org/officeDocument/2006/relationships" xmlns:p="http://schemas.openxmlformats.org/presentationml/2006/main">
   <p:cSld>
     <p:spTree>
@@ -19548,7 +16930,7 @@
                 <a:latin typeface="Times New Roman" panose="02020603050405020304" pitchFamily="18" charset="0"/>
                 <a:cs typeface="Times New Roman" panose="02020603050405020304" pitchFamily="18" charset="0"/>
               </a:rPr>
-              <a:t>22</a:t>
+              <a:t>21</a:t>
             </a:fld>
             <a:endParaRPr lang="uk-UA" sz="3200" dirty="0">
               <a:latin typeface="Times New Roman" panose="02020603050405020304" pitchFamily="18" charset="0"/>
@@ -19570,7 +16952,7 @@
 </p:sld>
 </file>
 
-<file path=ppt/slides/slide23.xml><?xml version="1.0" encoding="utf-8"?>
+<file path=ppt/slides/slide22.xml><?xml version="1.0" encoding="utf-8"?>
 <p:sld xmlns:a="http://schemas.openxmlformats.org/drawingml/2006/main" xmlns:r="http://schemas.openxmlformats.org/officeDocument/2006/relationships" xmlns:p="http://schemas.openxmlformats.org/presentationml/2006/main">
   <p:cSld>
     <p:spTree>
@@ -20050,7 +17432,7 @@
                 <a:latin typeface="Times New Roman" panose="02020603050405020304" pitchFamily="18" charset="0"/>
                 <a:cs typeface="Times New Roman" panose="02020603050405020304" pitchFamily="18" charset="0"/>
               </a:rPr>
-              <a:t>23</a:t>
+              <a:t>22</a:t>
             </a:fld>
             <a:endParaRPr lang="uk-UA" sz="3200" dirty="0">
               <a:latin typeface="Times New Roman" panose="02020603050405020304" pitchFamily="18" charset="0"/>
@@ -24900,7 +22282,7 @@
 </p:sld>
 </file>
 
-<file path=ppt/slides/slide24.xml><?xml version="1.0" encoding="utf-8"?>
+<file path=ppt/slides/slide23.xml><?xml version="1.0" encoding="utf-8"?>
 <p:sld xmlns:a="http://schemas.openxmlformats.org/drawingml/2006/main" xmlns:r="http://schemas.openxmlformats.org/officeDocument/2006/relationships" xmlns:p="http://schemas.openxmlformats.org/presentationml/2006/main">
   <p:cSld>
     <p:spTree>
@@ -24966,7 +22348,7 @@
           <a:p>
             <a:fld id="{CD436E90-D44F-4CFB-9713-FEF5A904B1E3}" type="slidenum">
               <a:rPr lang="uk-UA" sz="3200" smtClean="0"/>
-              <a:t>24</a:t>
+              <a:t>23</a:t>
             </a:fld>
             <a:endParaRPr lang="uk-UA" sz="3200" dirty="0"/>
           </a:p>
@@ -25269,7 +22651,7 @@
 </p:sld>
 </file>
 
-<file path=ppt/slides/slide25.xml><?xml version="1.0" encoding="utf-8"?>
+<file path=ppt/slides/slide24.xml><?xml version="1.0" encoding="utf-8"?>
 <p:sld xmlns:a="http://schemas.openxmlformats.org/drawingml/2006/main" xmlns:r="http://schemas.openxmlformats.org/officeDocument/2006/relationships" xmlns:p="http://schemas.openxmlformats.org/presentationml/2006/main">
   <p:cSld>
     <p:spTree>
@@ -25335,7 +22717,7 @@
           <a:p>
             <a:fld id="{CD436E90-D44F-4CFB-9713-FEF5A904B1E3}" type="slidenum">
               <a:rPr lang="uk-UA" sz="3200" smtClean="0"/>
-              <a:t>25</a:t>
+              <a:t>24</a:t>
             </a:fld>
             <a:endParaRPr lang="uk-UA" sz="3200" dirty="0"/>
           </a:p>
@@ -25906,7 +23288,7 @@
 </p:sld>
 </file>
 
-<file path=ppt/slides/slide26.xml><?xml version="1.0" encoding="utf-8"?>
+<file path=ppt/slides/slide25.xml><?xml version="1.0" encoding="utf-8"?>
 <p:sld xmlns:a="http://schemas.openxmlformats.org/drawingml/2006/main" xmlns:r="http://schemas.openxmlformats.org/officeDocument/2006/relationships" xmlns:p="http://schemas.openxmlformats.org/presentationml/2006/main">
   <p:cSld>
     <p:spTree>
@@ -26444,7 +23826,7 @@
           <a:p>
             <a:fld id="{CD436E90-D44F-4CFB-9713-FEF5A904B1E3}" type="slidenum">
               <a:rPr lang="uk-UA" sz="3200" smtClean="0"/>
-              <a:t>26</a:t>
+              <a:t>25</a:t>
             </a:fld>
             <a:endParaRPr lang="uk-UA" sz="3200" dirty="0"/>
           </a:p>
@@ -26573,7 +23955,7 @@
 </p:sld>
 </file>
 
-<file path=ppt/slides/slide27.xml><?xml version="1.0" encoding="utf-8"?>
+<file path=ppt/slides/slide26.xml><?xml version="1.0" encoding="utf-8"?>
 <p:sld xmlns:a="http://schemas.openxmlformats.org/drawingml/2006/main" xmlns:r="http://schemas.openxmlformats.org/officeDocument/2006/relationships" xmlns:p="http://schemas.openxmlformats.org/presentationml/2006/main">
   <p:cSld>
     <p:spTree>
@@ -26607,7 +23989,7 @@
           <a:p>
             <a:fld id="{CD436E90-D44F-4CFB-9713-FEF5A904B1E3}" type="slidenum">
               <a:rPr lang="uk-UA" sz="3200" smtClean="0"/>
-              <a:t>27</a:t>
+              <a:t>26</a:t>
             </a:fld>
             <a:endParaRPr lang="uk-UA" sz="3200" dirty="0"/>
           </a:p>
@@ -30358,7 +27740,7 @@
 </p:sld>
 </file>
 
-<file path=ppt/slides/slide28.xml><?xml version="1.0" encoding="utf-8"?>
+<file path=ppt/slides/slide27.xml><?xml version="1.0" encoding="utf-8"?>
 <p:sld xmlns:a="http://schemas.openxmlformats.org/drawingml/2006/main" xmlns:r="http://schemas.openxmlformats.org/officeDocument/2006/relationships" xmlns:p="http://schemas.openxmlformats.org/presentationml/2006/main">
   <p:cSld>
     <p:spTree>
@@ -34170,7 +31552,7 @@
           <a:p>
             <a:fld id="{CD436E90-D44F-4CFB-9713-FEF5A904B1E3}" type="slidenum">
               <a:rPr lang="uk-UA" sz="3200" smtClean="0"/>
-              <a:t>28</a:t>
+              <a:t>27</a:t>
             </a:fld>
             <a:endParaRPr lang="uk-UA" sz="3200" dirty="0"/>
           </a:p>
@@ -34679,7 +32061,7 @@
 </p:sld>
 </file>
 
-<file path=ppt/slides/slide29.xml><?xml version="1.0" encoding="utf-8"?>
+<file path=ppt/slides/slide28.xml><?xml version="1.0" encoding="utf-8"?>
 <p:sld xmlns:a="http://schemas.openxmlformats.org/drawingml/2006/main" xmlns:r="http://schemas.openxmlformats.org/officeDocument/2006/relationships" xmlns:p="http://schemas.openxmlformats.org/presentationml/2006/main">
   <p:cSld>
     <p:spTree>
@@ -34830,6 +32212,163 @@
           <a:p>
             <a:fld id="{CD436E90-D44F-4CFB-9713-FEF5A904B1E3}" type="slidenum">
               <a:rPr lang="uk-UA" sz="3200" smtClean="0"/>
+              <a:t>28</a:t>
+            </a:fld>
+            <a:endParaRPr lang="uk-UA" sz="3200" dirty="0"/>
+          </a:p>
+        </p:txBody>
+      </p:sp>
+    </p:spTree>
+    <p:extLst>
+      <p:ext uri="{BB962C8B-B14F-4D97-AF65-F5344CB8AC3E}">
+        <p14:creationId xmlns:p14="http://schemas.microsoft.com/office/powerpoint/2010/main" val="2863784281"/>
+      </p:ext>
+    </p:extLst>
+  </p:cSld>
+  <p:clrMapOvr>
+    <a:masterClrMapping/>
+  </p:clrMapOvr>
+</p:sld>
+</file>
+
+<file path=ppt/slides/slide29.xml><?xml version="1.0" encoding="utf-8"?>
+<p:sld xmlns:a="http://schemas.openxmlformats.org/drawingml/2006/main" xmlns:r="http://schemas.openxmlformats.org/officeDocument/2006/relationships" xmlns:p="http://schemas.openxmlformats.org/presentationml/2006/main">
+  <p:cSld>
+    <p:spTree>
+      <p:nvGrpSpPr>
+        <p:cNvPr id="1" name=""/>
+        <p:cNvGrpSpPr/>
+        <p:nvPr/>
+      </p:nvGrpSpPr>
+      <p:grpSpPr>
+        <a:xfrm>
+          <a:off x="0" y="0"/>
+          <a:ext cx="0" cy="0"/>
+          <a:chOff x="0" y="0"/>
+          <a:chExt cx="0" cy="0"/>
+        </a:xfrm>
+      </p:grpSpPr>
+      <p:sp>
+        <p:nvSpPr>
+          <p:cNvPr id="2" name="Title 1"/>
+          <p:cNvSpPr>
+            <a:spLocks noGrp="1"/>
+          </p:cNvSpPr>
+          <p:nvPr>
+            <p:ph type="title"/>
+          </p:nvPr>
+        </p:nvSpPr>
+        <p:spPr>
+          <a:xfrm>
+            <a:off x="620485" y="16777"/>
+            <a:ext cx="10515600" cy="663116"/>
+          </a:xfrm>
+        </p:spPr>
+        <p:txBody>
+          <a:bodyPr>
+            <a:normAutofit fontScale="90000"/>
+          </a:bodyPr>
+          <a:lstStyle/>
+          <a:p>
+            <a:r>
+              <a:rPr lang="uk-UA" dirty="0"/>
+              <a:t>Висновки</a:t>
+            </a:r>
+          </a:p>
+        </p:txBody>
+      </p:sp>
+      <p:sp>
+        <p:nvSpPr>
+          <p:cNvPr id="3" name="Content Placeholder 2"/>
+          <p:cNvSpPr>
+            <a:spLocks noGrp="1"/>
+          </p:cNvSpPr>
+          <p:nvPr>
+            <p:ph idx="1"/>
+          </p:nvPr>
+        </p:nvSpPr>
+        <p:spPr>
+          <a:xfrm>
+            <a:off x="108853" y="585334"/>
+            <a:ext cx="11887204" cy="5975354"/>
+          </a:xfrm>
+        </p:spPr>
+        <p:txBody>
+          <a:bodyPr>
+            <a:noAutofit/>
+          </a:bodyPr>
+          <a:lstStyle/>
+          <a:p>
+            <a:pPr marL="514350" lvl="0" indent="-514350">
+              <a:buFont typeface="+mj-lt"/>
+              <a:buAutoNum type="arabicPeriod" startAt="6"/>
+            </a:pPr>
+            <a:r>
+              <a:rPr lang="uk-UA" sz="1600" dirty="0">
+                <a:latin typeface="Times New Roman" panose="02020603050405020304" pitchFamily="18" charset="0"/>
+                <a:cs typeface="Times New Roman" panose="02020603050405020304" pitchFamily="18" charset="0"/>
+              </a:rPr>
+              <a:t>Створено алгоритмічне та програмне забезпечення СДОК у вигляді системи підтримки прийняття рішень, яка дозволяє розв’язувати задачі проектування або налагодження систем управління ГВС, у процесі професійної діяльності проектувальника чи оператора. Даний програмний комплекс, на відміну від існуючих, дозволяє у зручній формі поєднувати використання мультиагентних систем та нечіткої логіки та надає можливість практичного використання у якості СППР з можливістю перенаправлення керуючих впливів до відповідних модулів ОК.</a:t>
+            </a:r>
+          </a:p>
+          <a:p>
+            <a:pPr marL="514350" lvl="0" indent="-514350">
+              <a:buFont typeface="+mj-lt"/>
+              <a:buAutoNum type="arabicPeriod" startAt="6"/>
+            </a:pPr>
+            <a:r>
+              <a:rPr lang="uk-UA" sz="1600" dirty="0">
+                <a:latin typeface="Times New Roman" panose="02020603050405020304" pitchFamily="18" charset="0"/>
+                <a:cs typeface="Times New Roman" panose="02020603050405020304" pitchFamily="18" charset="0"/>
+              </a:rPr>
+              <a:t>Запропоновано вдосконалення мультиагентного методу оперативної диспетчеризації ГВС шляхом використання системи нечіткого виведення на основі розробленої бази правил. Це дозволяє агентам транспортних модулів самостійно визначати пріоритет обрання завдання на транспортне обслуговування. Даний підхід, на відміну від існуючого підходу на основі міжагентної комунікації за протоколом CNet, дозволяє агентам приймати рішення не чекаючи відповіді решти агентів.</a:t>
+            </a:r>
+          </a:p>
+          <a:p>
+            <a:pPr marL="514350" lvl="0" indent="-514350">
+              <a:buFont typeface="+mj-lt"/>
+              <a:buAutoNum type="arabicPeriod" startAt="6"/>
+            </a:pPr>
+            <a:r>
+              <a:rPr lang="uk-UA" sz="1600" dirty="0">
+                <a:latin typeface="Times New Roman" panose="02020603050405020304" pitchFamily="18" charset="0"/>
+                <a:cs typeface="Times New Roman" panose="02020603050405020304" pitchFamily="18" charset="0"/>
+              </a:rPr>
+              <a:t>Результати моделювання роботи СДОК та вирішення експериментальних задач демонструють, що СОУ, налаштована рекомендованими системою оперативного динамічного керування значеннями показників, показала вищу продуктивність за обраними критеріями: тривалість періоду обробки – на 10,4% та середній час очікування – на 12%. Отримані результати дозволяють зробити висновки про перспективність застосування СДОК, що містить СППР на основі ГІМАС для налаштування значень показників системи оперативного управління.</a:t>
+            </a:r>
+          </a:p>
+          <a:p>
+            <a:pPr marL="514350" lvl="0" indent="-514350">
+              <a:buFont typeface="+mj-lt"/>
+              <a:buAutoNum type="arabicPeriod" startAt="6"/>
+            </a:pPr>
+            <a:r>
+              <a:rPr lang="uk-UA" sz="1600" dirty="0">
+                <a:latin typeface="Times New Roman" panose="02020603050405020304" pitchFamily="18" charset="0"/>
+                <a:cs typeface="Times New Roman" panose="02020603050405020304" pitchFamily="18" charset="0"/>
+              </a:rPr>
+              <a:t>Запропонований у роботі підхід до динамічного оперативного керування носить узагальнюючий характер та може бути застосований для динамічного корегування показників оперативного управління об’єктами різної природи. Для реалізації цього підходу мають бути виконані етапи, що докладно викладені у роботі, зокрема: визначення набору вирішальних динамічних показників ОК, створення класифікатору ВДП та логічної послідовності налаштування їх значень, визначення вимог та обмежень щодо ОК і середовища його функціонування, побудова узагальненої моделі ОК, визначення кількісних значень реляційних зв’язків між показниками та обмеженнями ОК (наприклад, на основі експертних методів),  застосування розроблених алгоритмів з синтезу та безпосереднього використання гнучкого інтелектуалізованого мультиагентного середовища для вибору раціональних значень НДП.</a:t>
+            </a:r>
+          </a:p>
+        </p:txBody>
+      </p:sp>
+      <p:sp>
+        <p:nvSpPr>
+          <p:cNvPr id="4" name="Slide Number Placeholder 3"/>
+          <p:cNvSpPr>
+            <a:spLocks noGrp="1"/>
+          </p:cNvSpPr>
+          <p:nvPr>
+            <p:ph type="sldNum" sz="quarter" idx="12"/>
+          </p:nvPr>
+        </p:nvSpPr>
+        <p:spPr/>
+        <p:txBody>
+          <a:bodyPr/>
+          <a:lstStyle/>
+          <a:p>
+            <a:fld id="{CD436E90-D44F-4CFB-9713-FEF5A904B1E3}" type="slidenum">
+              <a:rPr lang="uk-UA" sz="3200" smtClean="0"/>
               <a:t>29</a:t>
             </a:fld>
             <a:endParaRPr lang="uk-UA" sz="3200" dirty="0"/>
@@ -34839,7 +32378,7 @@
     </p:spTree>
     <p:extLst>
       <p:ext uri="{BB962C8B-B14F-4D97-AF65-F5344CB8AC3E}">
-        <p14:creationId xmlns:p14="http://schemas.microsoft.com/office/powerpoint/2010/main" val="2863784281"/>
+        <p14:creationId xmlns:p14="http://schemas.microsoft.com/office/powerpoint/2010/main" val="2468469603"/>
       </p:ext>
     </p:extLst>
   </p:cSld>
@@ -35862,8 +33401,8 @@
         </p:nvSpPr>
         <p:spPr>
           <a:xfrm>
-            <a:off x="620485" y="16777"/>
-            <a:ext cx="10515600" cy="663116"/>
+            <a:off x="457202" y="3166154"/>
+            <a:ext cx="2645230" cy="612775"/>
           </a:xfrm>
         </p:spPr>
         <p:txBody>
@@ -35872,9 +33411,13 @@
           </a:bodyPr>
           <a:lstStyle/>
           <a:p>
+            <a:pPr algn="r"/>
             <a:r>
-              <a:rPr lang="uk-UA" dirty="0"/>
-              <a:t>Висновки</a:t>
+              <a:rPr lang="uk-UA" dirty="0">
+                <a:latin typeface="Times New Roman" panose="02020603050405020304" pitchFamily="18" charset="0"/>
+                <a:cs typeface="Times New Roman" panose="02020603050405020304" pitchFamily="18" charset="0"/>
+              </a:rPr>
+              <a:t>НАУКОВА НОВИЗНА</a:t>
             </a:r>
           </a:p>
         </p:txBody>
@@ -35891,65 +33434,43 @@
         </p:nvSpPr>
         <p:spPr>
           <a:xfrm>
-            <a:off x="108853" y="585334"/>
-            <a:ext cx="11887204" cy="5975354"/>
+            <a:off x="4016830" y="849084"/>
+            <a:ext cx="7434944" cy="5257799"/>
           </a:xfrm>
         </p:spPr>
         <p:txBody>
           <a:bodyPr>
-            <a:noAutofit/>
+            <a:normAutofit fontScale="85000" lnSpcReduction="20000"/>
           </a:bodyPr>
           <a:lstStyle/>
           <a:p>
-            <a:pPr marL="514350" lvl="0" indent="-514350">
-              <a:buFont typeface="+mj-lt"/>
-              <a:buAutoNum type="arabicPeriod" startAt="6"/>
-            </a:pPr>
+            <a:pPr lvl="0" algn="just"/>
             <a:r>
-              <a:rPr lang="uk-UA" sz="1600" dirty="0">
+              <a:rPr lang="uk-UA" dirty="0">
                 <a:latin typeface="Times New Roman" panose="02020603050405020304" pitchFamily="18" charset="0"/>
                 <a:cs typeface="Times New Roman" panose="02020603050405020304" pitchFamily="18" charset="0"/>
               </a:rPr>
-              <a:t>Створено алгоритмічне та програмне забезпечення СДОК у вигляді системи підтримки прийняття рішень, яка дозволяє розв’язувати задачі проектування або налагодження систем управління ГВС, у процесі професійної діяльності проектувальника чи оператора. Даний програмний комплекс, на відміну від існуючих, дозволяє у зручній формі поєднувати використання мультиагентних систем та нечіткої логіки та надає можливість практичного використання у якості СППР з можливістю перенаправлення керуючих впливів до відповідних модулів ОК.</a:t>
+              <a:t>Вперше запропоновано використовувати класифікатор показників системи оперативного управління, які безпосередньо впливають на керування ГВС в умовах невизначеності, як основне джерело знань при автоматизації інтелектуалізованого процесу налаштування їх значень;</a:t>
             </a:r>
           </a:p>
           <a:p>
-            <a:pPr marL="514350" lvl="0" indent="-514350">
-              <a:buFont typeface="+mj-lt"/>
-              <a:buAutoNum type="arabicPeriod" startAt="6"/>
-            </a:pPr>
+            <a:pPr lvl="0" algn="just"/>
             <a:r>
-              <a:rPr lang="uk-UA" sz="1600" dirty="0">
+              <a:rPr lang="uk-UA" dirty="0">
                 <a:latin typeface="Times New Roman" panose="02020603050405020304" pitchFamily="18" charset="0"/>
                 <a:cs typeface="Times New Roman" panose="02020603050405020304" pitchFamily="18" charset="0"/>
               </a:rPr>
-              <a:t>Запропоновано вдосконалення мультиагентного методу оперативної диспетчеризації ГВС шляхом використання системи нечіткого виведення на основі розробленої бази правил. Це дозволяє агентам транспортних модулів самостійно визначати пріоритет обрання завдання на транспортне обслуговування. Даний підхід, на відміну від існуючого підходу на основі міжагентної комунікації за протоколом CNet, дозволяє агентам приймати рішення не чекаючи відповіді решти агентів.</a:t>
+              <a:t>Вперше розроблено мультиагентний підхід до автоматизації процесу вибору значень показників системи оперативного управління гнучкою виробничою системою на основі нечіткої метаідентифікації;</a:t>
             </a:r>
           </a:p>
           <a:p>
-            <a:pPr marL="514350" lvl="0" indent="-514350">
-              <a:buFont typeface="+mj-lt"/>
-              <a:buAutoNum type="arabicPeriod" startAt="6"/>
-            </a:pPr>
+            <a:pPr lvl="0" algn="just"/>
             <a:r>
-              <a:rPr lang="uk-UA" sz="1600" dirty="0">
+              <a:rPr lang="uk-UA" dirty="0">
                 <a:latin typeface="Times New Roman" panose="02020603050405020304" pitchFamily="18" charset="0"/>
                 <a:cs typeface="Times New Roman" panose="02020603050405020304" pitchFamily="18" charset="0"/>
               </a:rPr>
-              <a:t>Результати моделювання роботи СДОК та вирішення експериментальних задач демонструють, що СОУ, налаштована рекомендованими системою оперативного динамічного керування значеннями показників, показала вищу продуктивність за обраними критеріями: тривалість періоду обробки – на 10,4% та середній час очікування – на 12%. Отримані результати дозволяють зробити висновки про перспективність застосування СДОК, що містить СППР на основі ГІМАС для налаштування значень показників системи оперативного управління.</a:t>
-            </a:r>
-          </a:p>
-          <a:p>
-            <a:pPr marL="514350" lvl="0" indent="-514350">
-              <a:buFont typeface="+mj-lt"/>
-              <a:buAutoNum type="arabicPeriod" startAt="6"/>
-            </a:pPr>
-            <a:r>
-              <a:rPr lang="uk-UA" sz="1600" dirty="0">
-                <a:latin typeface="Times New Roman" panose="02020603050405020304" pitchFamily="18" charset="0"/>
-                <a:cs typeface="Times New Roman" panose="02020603050405020304" pitchFamily="18" charset="0"/>
-              </a:rPr>
-              <a:t>Запропонований у роботі підхід до динамічного оперативного керування носить узагальнюючий характер та може бути застосований для динамічного корегування показників оперативного управління об’єктами різної природи. Для реалізації цього підходу мають бути виконані етапи, що докладно викладені у роботі, зокрема: визначення набору вирішальних динамічних показників ОК, створення класифікатору ВДП та логічної послідовності налаштування їх значень, визначення вимог та обмежень щодо ОК і середовища його функціонування, побудова узагальненої моделі ОК, визначення кількісних значень реляційних зв’язків між показниками та обмеженнями ОК (наприклад, на основі експертних методів),  застосування розроблених алгоритмів з синтезу та безпосереднього використання гнучкого інтелектуалізованого мультиагентного середовища для вибору раціональних значень НДП.</a:t>
+              <a:t>Вдосконалено мультиагентний метод оперативної диспетчеризації ГВС шляхом використання системи нечіткого виведення на основі бази правил, що переважає існуючий підхід на основі міжагентної комунікації за часом визначення пріоритету обрання транспортними модулями завдання на обслуговування.</a:t>
             </a:r>
           </a:p>
         </p:txBody>
@@ -35964,23 +33485,71 @@
             <p:ph type="sldNum" sz="quarter" idx="12"/>
           </p:nvPr>
         </p:nvSpPr>
-        <p:spPr/>
+        <p:spPr>
+          <a:xfrm>
+            <a:off x="8610600" y="6356354"/>
+            <a:ext cx="2743200" cy="365125"/>
+          </a:xfrm>
+        </p:spPr>
         <p:txBody>
           <a:bodyPr/>
           <a:lstStyle/>
           <a:p>
             <a:fld id="{CD436E90-D44F-4CFB-9713-FEF5A904B1E3}" type="slidenum">
-              <a:rPr lang="uk-UA" sz="3200" smtClean="0"/>
+              <a:rPr lang="uk-UA" sz="3200" smtClean="0">
+                <a:latin typeface="Times New Roman" panose="02020603050405020304" pitchFamily="18" charset="0"/>
+                <a:cs typeface="Times New Roman" panose="02020603050405020304" pitchFamily="18" charset="0"/>
+              </a:rPr>
               <a:t>30</a:t>
             </a:fld>
-            <a:endParaRPr lang="uk-UA" sz="3200" dirty="0"/>
+            <a:endParaRPr lang="uk-UA" sz="3200" dirty="0">
+              <a:latin typeface="Times New Roman" panose="02020603050405020304" pitchFamily="18" charset="0"/>
+              <a:cs typeface="Times New Roman" panose="02020603050405020304" pitchFamily="18" charset="0"/>
+            </a:endParaRPr>
           </a:p>
         </p:txBody>
       </p:sp>
+      <p:cxnSp>
+        <p:nvCxnSpPr>
+          <p:cNvPr id="15" name="Straight Connector 14"/>
+          <p:cNvCxnSpPr>
+            <a:cxnSpLocks/>
+          </p:cNvCxnSpPr>
+          <p:nvPr/>
+        </p:nvCxnSpPr>
+        <p:spPr>
+          <a:xfrm>
+            <a:off x="3554189" y="849084"/>
+            <a:ext cx="10884" cy="5246914"/>
+          </a:xfrm>
+          <a:prstGeom prst="line">
+            <a:avLst/>
+          </a:prstGeom>
+          <a:ln>
+            <a:solidFill>
+              <a:schemeClr val="tx1"/>
+            </a:solidFill>
+          </a:ln>
+        </p:spPr>
+        <p:style>
+          <a:lnRef idx="1">
+            <a:schemeClr val="accent1"/>
+          </a:lnRef>
+          <a:fillRef idx="0">
+            <a:schemeClr val="accent1"/>
+          </a:fillRef>
+          <a:effectRef idx="0">
+            <a:schemeClr val="accent1"/>
+          </a:effectRef>
+          <a:fontRef idx="minor">
+            <a:schemeClr val="tx1"/>
+          </a:fontRef>
+        </p:style>
+      </p:cxnSp>
     </p:spTree>
     <p:extLst>
       <p:ext uri="{BB962C8B-B14F-4D97-AF65-F5344CB8AC3E}">
-        <p14:creationId xmlns:p14="http://schemas.microsoft.com/office/powerpoint/2010/main" val="2468469603"/>
+        <p14:creationId xmlns:p14="http://schemas.microsoft.com/office/powerpoint/2010/main" val="2784912340"/>
       </p:ext>
     </p:extLst>
   </p:cSld>
@@ -36915,7 +34484,7 @@
           <a:graphicData uri="http://schemas.openxmlformats.org/presentationml/2006/ole">
             <mc:AlternateContent xmlns:mc="http://schemas.openxmlformats.org/markup-compatibility/2006">
               <mc:Choice xmlns:v="urn:schemas-microsoft-com:vml" Requires="v">
-                <p:oleObj spid="_x0000_s2128" name="Document" r:id="rId5" imgW="7467981" imgH="4723843" progId="Word.Document.12">
+                <p:oleObj spid="_x0000_s2129" name="Document" r:id="rId5" imgW="7467981" imgH="4723843" progId="Word.Document.12">
                   <p:embed/>
                 </p:oleObj>
               </mc:Choice>
@@ -37355,193 +34924,6 @@
 </file>
 
 <file path=ppt/slides/slide8.xml><?xml version="1.0" encoding="utf-8"?>
-<p:sld xmlns:a="http://schemas.openxmlformats.org/drawingml/2006/main" xmlns:r="http://schemas.openxmlformats.org/officeDocument/2006/relationships" xmlns:p="http://schemas.openxmlformats.org/presentationml/2006/main">
-  <p:cSld>
-    <p:spTree>
-      <p:nvGrpSpPr>
-        <p:cNvPr id="1" name=""/>
-        <p:cNvGrpSpPr/>
-        <p:nvPr/>
-      </p:nvGrpSpPr>
-      <p:grpSpPr>
-        <a:xfrm>
-          <a:off x="0" y="0"/>
-          <a:ext cx="0" cy="0"/>
-          <a:chOff x="0" y="0"/>
-          <a:chExt cx="0" cy="0"/>
-        </a:xfrm>
-      </p:grpSpPr>
-      <p:sp>
-        <p:nvSpPr>
-          <p:cNvPr id="2" name="Title 1"/>
-          <p:cNvSpPr>
-            <a:spLocks noGrp="1"/>
-          </p:cNvSpPr>
-          <p:nvPr>
-            <p:ph type="title"/>
-          </p:nvPr>
-        </p:nvSpPr>
-        <p:spPr>
-          <a:xfrm>
-            <a:off x="457202" y="3166154"/>
-            <a:ext cx="2645230" cy="612775"/>
-          </a:xfrm>
-        </p:spPr>
-        <p:txBody>
-          <a:bodyPr>
-            <a:normAutofit fontScale="90000"/>
-          </a:bodyPr>
-          <a:lstStyle/>
-          <a:p>
-            <a:pPr algn="r"/>
-            <a:r>
-              <a:rPr lang="uk-UA" dirty="0">
-                <a:latin typeface="Times New Roman" panose="02020603050405020304" pitchFamily="18" charset="0"/>
-                <a:cs typeface="Times New Roman" panose="02020603050405020304" pitchFamily="18" charset="0"/>
-              </a:rPr>
-              <a:t>НАУКОВА НОВИЗНА</a:t>
-            </a:r>
-          </a:p>
-        </p:txBody>
-      </p:sp>
-      <p:sp>
-        <p:nvSpPr>
-          <p:cNvPr id="3" name="Content Placeholder 2"/>
-          <p:cNvSpPr>
-            <a:spLocks noGrp="1"/>
-          </p:cNvSpPr>
-          <p:nvPr>
-            <p:ph idx="1"/>
-          </p:nvPr>
-        </p:nvSpPr>
-        <p:spPr>
-          <a:xfrm>
-            <a:off x="4016830" y="849084"/>
-            <a:ext cx="7434944" cy="5257799"/>
-          </a:xfrm>
-        </p:spPr>
-        <p:txBody>
-          <a:bodyPr>
-            <a:normAutofit fontScale="85000" lnSpcReduction="20000"/>
-          </a:bodyPr>
-          <a:lstStyle/>
-          <a:p>
-            <a:pPr lvl="0" algn="just"/>
-            <a:r>
-              <a:rPr lang="uk-UA" dirty="0">
-                <a:latin typeface="Times New Roman" panose="02020603050405020304" pitchFamily="18" charset="0"/>
-                <a:cs typeface="Times New Roman" panose="02020603050405020304" pitchFamily="18" charset="0"/>
-              </a:rPr>
-              <a:t>Вперше запропоновано використовувати класифікатор показників системи оперативного управління, які безпосередньо впливають на керування ГВС в умовах невизначеності, як основне джерело знань при автоматизації інтелектуалізованого процесу налаштування їх значень;</a:t>
-            </a:r>
-          </a:p>
-          <a:p>
-            <a:pPr lvl="0" algn="just"/>
-            <a:r>
-              <a:rPr lang="uk-UA" dirty="0">
-                <a:latin typeface="Times New Roman" panose="02020603050405020304" pitchFamily="18" charset="0"/>
-                <a:cs typeface="Times New Roman" panose="02020603050405020304" pitchFamily="18" charset="0"/>
-              </a:rPr>
-              <a:t>Вперше розроблено мультиагентний підхід до автоматизації процесу вибору значень показників системи оперативного управління гнучкою виробничою системою на основі нечіткої метаідентифікації;</a:t>
-            </a:r>
-          </a:p>
-          <a:p>
-            <a:pPr lvl="0" algn="just"/>
-            <a:r>
-              <a:rPr lang="uk-UA" dirty="0">
-                <a:latin typeface="Times New Roman" panose="02020603050405020304" pitchFamily="18" charset="0"/>
-                <a:cs typeface="Times New Roman" panose="02020603050405020304" pitchFamily="18" charset="0"/>
-              </a:rPr>
-              <a:t>Вдосконалено мультиагентний метод оперативної диспетчеризації ГВС шляхом використання системи нечіткого виведення на основі бази правил, що переважає існуючий підхід на основі міжагентної комунікації за часом визначення пріоритету обрання транспортними модулями завдання на обслуговування.</a:t>
-            </a:r>
-          </a:p>
-        </p:txBody>
-      </p:sp>
-      <p:sp>
-        <p:nvSpPr>
-          <p:cNvPr id="4" name="Slide Number Placeholder 3"/>
-          <p:cNvSpPr>
-            <a:spLocks noGrp="1"/>
-          </p:cNvSpPr>
-          <p:nvPr>
-            <p:ph type="sldNum" sz="quarter" idx="12"/>
-          </p:nvPr>
-        </p:nvSpPr>
-        <p:spPr>
-          <a:xfrm>
-            <a:off x="8610600" y="6356354"/>
-            <a:ext cx="2743200" cy="365125"/>
-          </a:xfrm>
-        </p:spPr>
-        <p:txBody>
-          <a:bodyPr/>
-          <a:lstStyle/>
-          <a:p>
-            <a:fld id="{CD436E90-D44F-4CFB-9713-FEF5A904B1E3}" type="slidenum">
-              <a:rPr lang="uk-UA" sz="3200" smtClean="0">
-                <a:latin typeface="Times New Roman" panose="02020603050405020304" pitchFamily="18" charset="0"/>
-                <a:cs typeface="Times New Roman" panose="02020603050405020304" pitchFamily="18" charset="0"/>
-              </a:rPr>
-              <a:t>8</a:t>
-            </a:fld>
-            <a:endParaRPr lang="uk-UA" sz="3200" dirty="0">
-              <a:latin typeface="Times New Roman" panose="02020603050405020304" pitchFamily="18" charset="0"/>
-              <a:cs typeface="Times New Roman" panose="02020603050405020304" pitchFamily="18" charset="0"/>
-            </a:endParaRPr>
-          </a:p>
-        </p:txBody>
-      </p:sp>
-      <p:cxnSp>
-        <p:nvCxnSpPr>
-          <p:cNvPr id="15" name="Straight Connector 14"/>
-          <p:cNvCxnSpPr>
-            <a:cxnSpLocks/>
-          </p:cNvCxnSpPr>
-          <p:nvPr/>
-        </p:nvCxnSpPr>
-        <p:spPr>
-          <a:xfrm>
-            <a:off x="3554189" y="849084"/>
-            <a:ext cx="10884" cy="5246914"/>
-          </a:xfrm>
-          <a:prstGeom prst="line">
-            <a:avLst/>
-          </a:prstGeom>
-          <a:ln>
-            <a:solidFill>
-              <a:schemeClr val="tx1"/>
-            </a:solidFill>
-          </a:ln>
-        </p:spPr>
-        <p:style>
-          <a:lnRef idx="1">
-            <a:schemeClr val="accent1"/>
-          </a:lnRef>
-          <a:fillRef idx="0">
-            <a:schemeClr val="accent1"/>
-          </a:fillRef>
-          <a:effectRef idx="0">
-            <a:schemeClr val="accent1"/>
-          </a:effectRef>
-          <a:fontRef idx="minor">
-            <a:schemeClr val="tx1"/>
-          </a:fontRef>
-        </p:style>
-      </p:cxnSp>
-    </p:spTree>
-    <p:extLst>
-      <p:ext uri="{BB962C8B-B14F-4D97-AF65-F5344CB8AC3E}">
-        <p14:creationId xmlns:p14="http://schemas.microsoft.com/office/powerpoint/2010/main" val="2784912340"/>
-      </p:ext>
-    </p:extLst>
-  </p:cSld>
-  <p:clrMapOvr>
-    <a:masterClrMapping/>
-  </p:clrMapOvr>
-</p:sld>
-</file>
-
-<file path=ppt/slides/slide9.xml><?xml version="1.0" encoding="utf-8"?>
 <p:sld xmlns:a="http://schemas.openxmlformats.org/drawingml/2006/main" xmlns:r="http://schemas.openxmlformats.org/officeDocument/2006/relationships" xmlns:p="http://schemas.openxmlformats.org/presentationml/2006/main">
   <p:cSld>
     <p:spTree>
@@ -38117,7 +35499,7 @@
                 <a:latin typeface="Times New Roman" panose="02020603050405020304" pitchFamily="18" charset="0"/>
                 <a:cs typeface="Times New Roman" panose="02020603050405020304" pitchFamily="18" charset="0"/>
               </a:rPr>
-              <a:t>9</a:t>
+              <a:t>8</a:t>
             </a:fld>
             <a:endParaRPr lang="uk-UA" sz="3200" dirty="0">
               <a:latin typeface="Times New Roman" panose="02020603050405020304" pitchFamily="18" charset="0"/>
@@ -38160,6 +35542,2580 @@
     <p:extLst>
       <p:ext uri="{BB962C8B-B14F-4D97-AF65-F5344CB8AC3E}">
         <p14:creationId xmlns:p14="http://schemas.microsoft.com/office/powerpoint/2010/main" val="1490360040"/>
+      </p:ext>
+    </p:extLst>
+  </p:cSld>
+  <p:clrMapOvr>
+    <a:masterClrMapping/>
+  </p:clrMapOvr>
+</p:sld>
+</file>
+
+<file path=ppt/slides/slide9.xml><?xml version="1.0" encoding="utf-8"?>
+<p:sld xmlns:a="http://schemas.openxmlformats.org/drawingml/2006/main" xmlns:r="http://schemas.openxmlformats.org/officeDocument/2006/relationships" xmlns:p="http://schemas.openxmlformats.org/presentationml/2006/main">
+  <p:cSld>
+    <p:spTree>
+      <p:nvGrpSpPr>
+        <p:cNvPr id="1" name=""/>
+        <p:cNvGrpSpPr/>
+        <p:nvPr/>
+      </p:nvGrpSpPr>
+      <p:grpSpPr>
+        <a:xfrm>
+          <a:off x="0" y="0"/>
+          <a:ext cx="0" cy="0"/>
+          <a:chOff x="0" y="0"/>
+          <a:chExt cx="0" cy="0"/>
+        </a:xfrm>
+      </p:grpSpPr>
+      <p:sp>
+        <p:nvSpPr>
+          <p:cNvPr id="2" name="Title 1"/>
+          <p:cNvSpPr>
+            <a:spLocks noGrp="1"/>
+          </p:cNvSpPr>
+          <p:nvPr>
+            <p:ph type="title"/>
+          </p:nvPr>
+        </p:nvSpPr>
+        <p:spPr>
+          <a:xfrm>
+            <a:off x="838200" y="254959"/>
+            <a:ext cx="10515600" cy="1014181"/>
+          </a:xfrm>
+        </p:spPr>
+        <p:txBody>
+          <a:bodyPr>
+            <a:normAutofit/>
+          </a:bodyPr>
+          <a:lstStyle/>
+          <a:p>
+            <a:r>
+              <a:rPr lang="uk-UA" sz="4000" dirty="0">
+                <a:latin typeface="Times New Roman" panose="02020603050405020304" pitchFamily="18" charset="0"/>
+                <a:cs typeface="Times New Roman" panose="02020603050405020304" pitchFamily="18" charset="0"/>
+              </a:rPr>
+              <a:t>Вимоги до процесу ДОК з боку ГВС</a:t>
+            </a:r>
+          </a:p>
+        </p:txBody>
+      </p:sp>
+      <p:sp>
+        <p:nvSpPr>
+          <p:cNvPr id="3" name="Content Placeholder 2"/>
+          <p:cNvSpPr>
+            <a:spLocks noGrp="1"/>
+          </p:cNvSpPr>
+          <p:nvPr>
+            <p:ph idx="1"/>
+          </p:nvPr>
+        </p:nvSpPr>
+        <p:spPr>
+          <a:xfrm>
+            <a:off x="838200" y="1269140"/>
+            <a:ext cx="10515600" cy="1227369"/>
+          </a:xfrm>
+        </p:spPr>
+        <p:txBody>
+          <a:bodyPr>
+            <a:normAutofit lnSpcReduction="10000"/>
+          </a:bodyPr>
+          <a:lstStyle/>
+          <a:p>
+            <a:r>
+              <a:rPr lang="uk-UA" i="1" dirty="0">
+                <a:latin typeface="Times New Roman" panose="02020603050405020304" pitchFamily="18" charset="0"/>
+                <a:cs typeface="Times New Roman" panose="02020603050405020304" pitchFamily="18" charset="0"/>
+              </a:rPr>
+              <a:t>Невизначеності (випадкові збурення) </a:t>
+            </a:r>
+            <a:r>
+              <a:rPr lang="uk-UA" dirty="0">
+                <a:latin typeface="Times New Roman" panose="02020603050405020304" pitchFamily="18" charset="0"/>
+                <a:cs typeface="Times New Roman" panose="02020603050405020304" pitchFamily="18" charset="0"/>
+              </a:rPr>
+              <a:t> – події в реальному часі, які виникають у процесі функціонування системи можуть змінити її стан та/або впливають на її продуктивність.</a:t>
+            </a:r>
+          </a:p>
+          <a:p>
+            <a:endParaRPr lang="uk-UA" dirty="0">
+              <a:latin typeface="Times New Roman" panose="02020603050405020304" pitchFamily="18" charset="0"/>
+              <a:cs typeface="Times New Roman" panose="02020603050405020304" pitchFamily="18" charset="0"/>
+            </a:endParaRPr>
+          </a:p>
+        </p:txBody>
+      </p:sp>
+      <p:sp>
+        <p:nvSpPr>
+          <p:cNvPr id="4" name="Slide Number Placeholder 3"/>
+          <p:cNvSpPr>
+            <a:spLocks noGrp="1"/>
+          </p:cNvSpPr>
+          <p:nvPr>
+            <p:ph type="sldNum" sz="quarter" idx="12"/>
+          </p:nvPr>
+        </p:nvSpPr>
+        <p:spPr/>
+        <p:txBody>
+          <a:bodyPr/>
+          <a:lstStyle/>
+          <a:p>
+            <a:fld id="{CD436E90-D44F-4CFB-9713-FEF5A904B1E3}" type="slidenum">
+              <a:rPr lang="uk-UA" sz="3200" smtClean="0">
+                <a:latin typeface="Times New Roman" panose="02020603050405020304" pitchFamily="18" charset="0"/>
+                <a:cs typeface="Times New Roman" panose="02020603050405020304" pitchFamily="18" charset="0"/>
+              </a:rPr>
+              <a:t>9</a:t>
+            </a:fld>
+            <a:endParaRPr lang="uk-UA" sz="3200" dirty="0">
+              <a:latin typeface="Times New Roman" panose="02020603050405020304" pitchFamily="18" charset="0"/>
+              <a:cs typeface="Times New Roman" panose="02020603050405020304" pitchFamily="18" charset="0"/>
+            </a:endParaRPr>
+          </a:p>
+        </p:txBody>
+      </p:sp>
+      <p:graphicFrame>
+        <p:nvGraphicFramePr>
+          <p:cNvPr id="6" name="Table 5"/>
+          <p:cNvGraphicFramePr>
+            <a:graphicFrameLocks noGrp="1"/>
+          </p:cNvGraphicFramePr>
+          <p:nvPr>
+            <p:extLst>
+              <p:ext uri="{D42A27DB-BD31-4B8C-83A1-F6EECF244321}">
+                <p14:modId xmlns:p14="http://schemas.microsoft.com/office/powerpoint/2010/main" val="756316567"/>
+              </p:ext>
+            </p:extLst>
+          </p:nvPr>
+        </p:nvGraphicFramePr>
+        <p:xfrm>
+          <a:off x="1156767" y="2423943"/>
+          <a:ext cx="9353321" cy="4114800"/>
+        </p:xfrm>
+        <a:graphic>
+          <a:graphicData uri="http://schemas.openxmlformats.org/drawingml/2006/table">
+            <a:tbl>
+              <a:tblPr firstRow="1" firstCol="1" bandRow="1"/>
+              <a:tblGrid>
+                <a:gridCol w="2522863">
+                  <a:extLst>
+                    <a:ext uri="{9D8B030D-6E8A-4147-A177-3AD203B41FA5}">
+                      <a16:colId xmlns:a16="http://schemas.microsoft.com/office/drawing/2014/main" val="3797807010"/>
+                    </a:ext>
+                  </a:extLst>
+                </a:gridCol>
+                <a:gridCol w="5210979">
+                  <a:extLst>
+                    <a:ext uri="{9D8B030D-6E8A-4147-A177-3AD203B41FA5}">
+                      <a16:colId xmlns:a16="http://schemas.microsoft.com/office/drawing/2014/main" val="815011937"/>
+                    </a:ext>
+                  </a:extLst>
+                </a:gridCol>
+                <a:gridCol w="1619479">
+                  <a:extLst>
+                    <a:ext uri="{9D8B030D-6E8A-4147-A177-3AD203B41FA5}">
+                      <a16:colId xmlns:a16="http://schemas.microsoft.com/office/drawing/2014/main" val="933579614"/>
+                    </a:ext>
+                  </a:extLst>
+                </a:gridCol>
+              </a:tblGrid>
+              <a:tr h="822960">
+                <a:tc>
+                  <a:txBody>
+                    <a:bodyPr/>
+                    <a:lstStyle/>
+                    <a:p>
+                      <a:pPr algn="ctr">
+                        <a:lnSpc>
+                          <a:spcPct val="100000"/>
+                        </a:lnSpc>
+                        <a:spcAft>
+                          <a:spcPts val="0"/>
+                        </a:spcAft>
+                      </a:pPr>
+                      <a:r>
+                        <a:rPr lang="uk-UA" sz="1800" b="1" dirty="0">
+                          <a:solidFill>
+                            <a:srgbClr val="00000A"/>
+                          </a:solidFill>
+                          <a:effectLst/>
+                          <a:latin typeface="Times New Roman" panose="02020603050405020304" pitchFamily="18" charset="0"/>
+                          <a:ea typeface="DejaVu Sans"/>
+                          <a:cs typeface="Times New Roman" panose="02020603050405020304" pitchFamily="18" charset="0"/>
+                        </a:rPr>
+                        <a:t>Тип невизначеності</a:t>
+                      </a:r>
+                      <a:endParaRPr lang="uk-UA" sz="1800" dirty="0">
+                        <a:solidFill>
+                          <a:srgbClr val="00000A"/>
+                        </a:solidFill>
+                        <a:effectLst/>
+                        <a:latin typeface="Calibri" panose="020F0502020204030204" pitchFamily="34" charset="0"/>
+                        <a:ea typeface="DejaVu Sans"/>
+                        <a:cs typeface="Times New Roman" panose="02020603050405020304" pitchFamily="18" charset="0"/>
+                      </a:endParaRPr>
+                    </a:p>
+                  </a:txBody>
+                  <a:tcPr marL="68580" marR="68580" marT="0" marB="0" anchor="ctr">
+                    <a:lnL w="12700" cap="flat" cmpd="sng" algn="ctr">
+                      <a:solidFill>
+                        <a:srgbClr val="000000"/>
+                      </a:solidFill>
+                      <a:prstDash val="solid"/>
+                      <a:round/>
+                      <a:headEnd type="none" w="med" len="med"/>
+                      <a:tailEnd type="none" w="med" len="med"/>
+                    </a:lnL>
+                    <a:lnR w="12700" cap="flat" cmpd="sng" algn="ctr">
+                      <a:solidFill>
+                        <a:srgbClr val="000000"/>
+                      </a:solidFill>
+                      <a:prstDash val="solid"/>
+                      <a:round/>
+                      <a:headEnd type="none" w="med" len="med"/>
+                      <a:tailEnd type="none" w="med" len="med"/>
+                    </a:lnR>
+                    <a:lnT w="12700" cap="flat" cmpd="sng" algn="ctr">
+                      <a:solidFill>
+                        <a:srgbClr val="000000"/>
+                      </a:solidFill>
+                      <a:prstDash val="solid"/>
+                      <a:round/>
+                      <a:headEnd type="none" w="med" len="med"/>
+                      <a:tailEnd type="none" w="med" len="med"/>
+                    </a:lnT>
+                    <a:lnB w="12700" cap="flat" cmpd="sng" algn="ctr">
+                      <a:solidFill>
+                        <a:srgbClr val="000000"/>
+                      </a:solidFill>
+                      <a:prstDash val="solid"/>
+                      <a:round/>
+                      <a:headEnd type="none" w="med" len="med"/>
+                      <a:tailEnd type="none" w="med" len="med"/>
+                    </a:lnB>
+                  </a:tcPr>
+                </a:tc>
+                <a:tc>
+                  <a:txBody>
+                    <a:bodyPr/>
+                    <a:lstStyle/>
+                    <a:p>
+                      <a:pPr algn="ctr">
+                        <a:lnSpc>
+                          <a:spcPct val="100000"/>
+                        </a:lnSpc>
+                        <a:spcAft>
+                          <a:spcPts val="0"/>
+                        </a:spcAft>
+                      </a:pPr>
+                      <a:r>
+                        <a:rPr lang="uk-UA" sz="1800" b="1">
+                          <a:solidFill>
+                            <a:srgbClr val="00000A"/>
+                          </a:solidFill>
+                          <a:effectLst/>
+                          <a:latin typeface="Times New Roman" panose="02020603050405020304" pitchFamily="18" charset="0"/>
+                          <a:ea typeface="DejaVu Sans"/>
+                          <a:cs typeface="Times New Roman" panose="02020603050405020304" pitchFamily="18" charset="0"/>
+                        </a:rPr>
+                        <a:t>Невизначеність</a:t>
+                      </a:r>
+                      <a:endParaRPr lang="uk-UA" sz="1800">
+                        <a:solidFill>
+                          <a:srgbClr val="00000A"/>
+                        </a:solidFill>
+                        <a:effectLst/>
+                        <a:latin typeface="Calibri" panose="020F0502020204030204" pitchFamily="34" charset="0"/>
+                        <a:ea typeface="DejaVu Sans"/>
+                        <a:cs typeface="Times New Roman" panose="02020603050405020304" pitchFamily="18" charset="0"/>
+                      </a:endParaRPr>
+                    </a:p>
+                  </a:txBody>
+                  <a:tcPr marL="68580" marR="68580" marT="0" marB="0" anchor="ctr">
+                    <a:lnL w="12700" cap="flat" cmpd="sng" algn="ctr">
+                      <a:solidFill>
+                        <a:srgbClr val="000000"/>
+                      </a:solidFill>
+                      <a:prstDash val="solid"/>
+                      <a:round/>
+                      <a:headEnd type="none" w="med" len="med"/>
+                      <a:tailEnd type="none" w="med" len="med"/>
+                    </a:lnL>
+                    <a:lnR w="12700" cap="flat" cmpd="sng" algn="ctr">
+                      <a:solidFill>
+                        <a:srgbClr val="000000"/>
+                      </a:solidFill>
+                      <a:prstDash val="solid"/>
+                      <a:round/>
+                      <a:headEnd type="none" w="med" len="med"/>
+                      <a:tailEnd type="none" w="med" len="med"/>
+                    </a:lnR>
+                    <a:lnT w="12700" cap="flat" cmpd="sng" algn="ctr">
+                      <a:solidFill>
+                        <a:srgbClr val="000000"/>
+                      </a:solidFill>
+                      <a:prstDash val="solid"/>
+                      <a:round/>
+                      <a:headEnd type="none" w="med" len="med"/>
+                      <a:tailEnd type="none" w="med" len="med"/>
+                    </a:lnT>
+                    <a:lnB w="12700" cap="flat" cmpd="sng" algn="ctr">
+                      <a:solidFill>
+                        <a:srgbClr val="000000"/>
+                      </a:solidFill>
+                      <a:prstDash val="solid"/>
+                      <a:round/>
+                      <a:headEnd type="none" w="med" len="med"/>
+                      <a:tailEnd type="none" w="med" len="med"/>
+                    </a:lnB>
+                  </a:tcPr>
+                </a:tc>
+                <a:tc>
+                  <a:txBody>
+                    <a:bodyPr/>
+                    <a:lstStyle/>
+                    <a:p>
+                      <a:pPr algn="ctr">
+                        <a:lnSpc>
+                          <a:spcPct val="100000"/>
+                        </a:lnSpc>
+                        <a:spcAft>
+                          <a:spcPts val="0"/>
+                        </a:spcAft>
+                      </a:pPr>
+                      <a:r>
+                        <a:rPr lang="uk-UA" sz="1800" b="1" dirty="0">
+                          <a:solidFill>
+                            <a:srgbClr val="00000A"/>
+                          </a:solidFill>
+                          <a:effectLst/>
+                          <a:latin typeface="Times New Roman" panose="02020603050405020304" pitchFamily="18" charset="0"/>
+                          <a:ea typeface="DejaVu Sans"/>
+                          <a:cs typeface="Times New Roman" panose="02020603050405020304" pitchFamily="18" charset="0"/>
+                        </a:rPr>
+                        <a:t>Тип системи</a:t>
+                      </a:r>
+                      <a:br>
+                        <a:rPr lang="uk-UA" sz="1800" b="1" dirty="0">
+                          <a:solidFill>
+                            <a:srgbClr val="00000A"/>
+                          </a:solidFill>
+                          <a:effectLst/>
+                          <a:latin typeface="Times New Roman" panose="02020603050405020304" pitchFamily="18" charset="0"/>
+                          <a:ea typeface="DejaVu Sans"/>
+                          <a:cs typeface="Times New Roman" panose="02020603050405020304" pitchFamily="18" charset="0"/>
+                        </a:rPr>
+                      </a:br>
+                      <a:r>
+                        <a:rPr lang="uk-UA" sz="1800" b="1" dirty="0">
+                          <a:solidFill>
+                            <a:srgbClr val="00000A"/>
+                          </a:solidFill>
+                          <a:effectLst/>
+                          <a:latin typeface="Times New Roman" panose="02020603050405020304" pitchFamily="18" charset="0"/>
+                          <a:ea typeface="DejaVu Sans"/>
+                          <a:cs typeface="Times New Roman" panose="02020603050405020304" pitchFamily="18" charset="0"/>
+                        </a:rPr>
+                        <a:t>управління</a:t>
+                      </a:r>
+                      <a:endParaRPr lang="uk-UA" sz="1800" dirty="0">
+                        <a:solidFill>
+                          <a:srgbClr val="00000A"/>
+                        </a:solidFill>
+                        <a:effectLst/>
+                        <a:latin typeface="Calibri" panose="020F0502020204030204" pitchFamily="34" charset="0"/>
+                        <a:ea typeface="DejaVu Sans"/>
+                        <a:cs typeface="Times New Roman" panose="02020603050405020304" pitchFamily="18" charset="0"/>
+                      </a:endParaRPr>
+                    </a:p>
+                  </a:txBody>
+                  <a:tcPr marL="68580" marR="68580" marT="0" marB="0" anchor="ctr">
+                    <a:lnL w="12700" cap="flat" cmpd="sng" algn="ctr">
+                      <a:solidFill>
+                        <a:srgbClr val="000000"/>
+                      </a:solidFill>
+                      <a:prstDash val="solid"/>
+                      <a:round/>
+                      <a:headEnd type="none" w="med" len="med"/>
+                      <a:tailEnd type="none" w="med" len="med"/>
+                    </a:lnL>
+                    <a:lnR w="12700" cap="flat" cmpd="sng" algn="ctr">
+                      <a:solidFill>
+                        <a:srgbClr val="000000"/>
+                      </a:solidFill>
+                      <a:prstDash val="solid"/>
+                      <a:round/>
+                      <a:headEnd type="none" w="med" len="med"/>
+                      <a:tailEnd type="none" w="med" len="med"/>
+                    </a:lnR>
+                    <a:lnT w="12700" cap="flat" cmpd="sng" algn="ctr">
+                      <a:solidFill>
+                        <a:srgbClr val="000000"/>
+                      </a:solidFill>
+                      <a:prstDash val="solid"/>
+                      <a:round/>
+                      <a:headEnd type="none" w="med" len="med"/>
+                      <a:tailEnd type="none" w="med" len="med"/>
+                    </a:lnT>
+                    <a:lnB w="12700" cap="flat" cmpd="sng" algn="ctr">
+                      <a:solidFill>
+                        <a:srgbClr val="000000"/>
+                      </a:solidFill>
+                      <a:prstDash val="solid"/>
+                      <a:round/>
+                      <a:headEnd type="none" w="med" len="med"/>
+                      <a:tailEnd type="none" w="med" len="med"/>
+                    </a:lnB>
+                  </a:tcPr>
+                </a:tc>
+                <a:extLst>
+                  <a:ext uri="{0D108BD9-81ED-4DB2-BD59-A6C34878D82A}">
+                    <a16:rowId xmlns:a16="http://schemas.microsoft.com/office/drawing/2014/main" val="3106789085"/>
+                  </a:ext>
+                </a:extLst>
+              </a:tr>
+              <a:tr h="0">
+                <a:tc rowSpan="6">
+                  <a:txBody>
+                    <a:bodyPr/>
+                    <a:lstStyle/>
+                    <a:p>
+                      <a:pPr>
+                        <a:lnSpc>
+                          <a:spcPct val="100000"/>
+                        </a:lnSpc>
+                        <a:spcAft>
+                          <a:spcPts val="0"/>
+                        </a:spcAft>
+                      </a:pPr>
+                      <a:r>
+                        <a:rPr lang="uk-UA" sz="1800" dirty="0">
+                          <a:solidFill>
+                            <a:srgbClr val="00000A"/>
+                          </a:solidFill>
+                          <a:effectLst/>
+                          <a:latin typeface="Times New Roman" panose="02020603050405020304" pitchFamily="18" charset="0"/>
+                          <a:ea typeface="DejaVu Sans"/>
+                          <a:cs typeface="Times New Roman" panose="02020603050405020304" pitchFamily="18" charset="0"/>
+                        </a:rPr>
+                        <a:t>Пов'язані з ресурсами</a:t>
+                      </a:r>
+                      <a:endParaRPr lang="uk-UA" sz="1800" dirty="0">
+                        <a:solidFill>
+                          <a:srgbClr val="00000A"/>
+                        </a:solidFill>
+                        <a:effectLst/>
+                        <a:latin typeface="Calibri" panose="020F0502020204030204" pitchFamily="34" charset="0"/>
+                        <a:ea typeface="DejaVu Sans"/>
+                        <a:cs typeface="Times New Roman" panose="02020603050405020304" pitchFamily="18" charset="0"/>
+                      </a:endParaRPr>
+                    </a:p>
+                  </a:txBody>
+                  <a:tcPr marL="68580" marR="68580" marT="0" marB="0" anchor="ctr">
+                    <a:lnL w="12700" cap="flat" cmpd="sng" algn="ctr">
+                      <a:solidFill>
+                        <a:srgbClr val="000000"/>
+                      </a:solidFill>
+                      <a:prstDash val="solid"/>
+                      <a:round/>
+                      <a:headEnd type="none" w="med" len="med"/>
+                      <a:tailEnd type="none" w="med" len="med"/>
+                    </a:lnL>
+                    <a:lnR w="12700" cap="flat" cmpd="sng" algn="ctr">
+                      <a:solidFill>
+                        <a:srgbClr val="000000"/>
+                      </a:solidFill>
+                      <a:prstDash val="solid"/>
+                      <a:round/>
+                      <a:headEnd type="none" w="med" len="med"/>
+                      <a:tailEnd type="none" w="med" len="med"/>
+                    </a:lnR>
+                    <a:lnT w="12700" cap="flat" cmpd="sng" algn="ctr">
+                      <a:solidFill>
+                        <a:srgbClr val="000000"/>
+                      </a:solidFill>
+                      <a:prstDash val="solid"/>
+                      <a:round/>
+                      <a:headEnd type="none" w="med" len="med"/>
+                      <a:tailEnd type="none" w="med" len="med"/>
+                    </a:lnT>
+                    <a:lnB w="12700" cap="flat" cmpd="sng" algn="ctr">
+                      <a:solidFill>
+                        <a:srgbClr val="000000"/>
+                      </a:solidFill>
+                      <a:prstDash val="solid"/>
+                      <a:round/>
+                      <a:headEnd type="none" w="med" len="med"/>
+                      <a:tailEnd type="none" w="med" len="med"/>
+                    </a:lnB>
+                  </a:tcPr>
+                </a:tc>
+                <a:tc>
+                  <a:txBody>
+                    <a:bodyPr/>
+                    <a:lstStyle/>
+                    <a:p>
+                      <a:pPr>
+                        <a:lnSpc>
+                          <a:spcPct val="100000"/>
+                        </a:lnSpc>
+                        <a:spcAft>
+                          <a:spcPts val="0"/>
+                        </a:spcAft>
+                      </a:pPr>
+                      <a:r>
+                        <a:rPr lang="uk-UA" sz="1800" i="1" dirty="0">
+                          <a:solidFill>
+                            <a:srgbClr val="00000A"/>
+                          </a:solidFill>
+                          <a:effectLst/>
+                          <a:latin typeface="Times New Roman" panose="02020603050405020304" pitchFamily="18" charset="0"/>
+                          <a:ea typeface="DejaVu Sans"/>
+                          <a:cs typeface="Times New Roman" panose="02020603050405020304" pitchFamily="18" charset="0"/>
+                        </a:rPr>
+                        <a:t>несправність машини</a:t>
+                      </a:r>
+                      <a:endParaRPr lang="uk-UA" sz="1800" dirty="0">
+                        <a:solidFill>
+                          <a:srgbClr val="00000A"/>
+                        </a:solidFill>
+                        <a:effectLst/>
+                        <a:latin typeface="Calibri" panose="020F0502020204030204" pitchFamily="34" charset="0"/>
+                        <a:ea typeface="DejaVu Sans"/>
+                        <a:cs typeface="Times New Roman" panose="02020603050405020304" pitchFamily="18" charset="0"/>
+                      </a:endParaRPr>
+                    </a:p>
+                  </a:txBody>
+                  <a:tcPr marL="68580" marR="68580" marT="0" marB="0" anchor="ctr">
+                    <a:lnL w="12700" cap="flat" cmpd="sng" algn="ctr">
+                      <a:solidFill>
+                        <a:srgbClr val="000000"/>
+                      </a:solidFill>
+                      <a:prstDash val="solid"/>
+                      <a:round/>
+                      <a:headEnd type="none" w="med" len="med"/>
+                      <a:tailEnd type="none" w="med" len="med"/>
+                    </a:lnL>
+                    <a:lnR w="12700" cap="flat" cmpd="sng" algn="ctr">
+                      <a:solidFill>
+                        <a:srgbClr val="000000"/>
+                      </a:solidFill>
+                      <a:prstDash val="solid"/>
+                      <a:round/>
+                      <a:headEnd type="none" w="med" len="med"/>
+                      <a:tailEnd type="none" w="med" len="med"/>
+                    </a:lnR>
+                    <a:lnT w="12700" cap="flat" cmpd="sng" algn="ctr">
+                      <a:solidFill>
+                        <a:srgbClr val="000000"/>
+                      </a:solidFill>
+                      <a:prstDash val="solid"/>
+                      <a:round/>
+                      <a:headEnd type="none" w="med" len="med"/>
+                      <a:tailEnd type="none" w="med" len="med"/>
+                    </a:lnT>
+                    <a:lnB w="12700" cap="flat" cmpd="sng" algn="ctr">
+                      <a:solidFill>
+                        <a:srgbClr val="000000"/>
+                      </a:solidFill>
+                      <a:prstDash val="solid"/>
+                      <a:round/>
+                      <a:headEnd type="none" w="med" len="med"/>
+                      <a:tailEnd type="none" w="med" len="med"/>
+                    </a:lnB>
+                  </a:tcPr>
+                </a:tc>
+                <a:tc>
+                  <a:txBody>
+                    <a:bodyPr/>
+                    <a:lstStyle/>
+                    <a:p>
+                      <a:pPr algn="ctr">
+                        <a:lnSpc>
+                          <a:spcPct val="100000"/>
+                        </a:lnSpc>
+                        <a:spcAft>
+                          <a:spcPts val="0"/>
+                        </a:spcAft>
+                      </a:pPr>
+                      <a:r>
+                        <a:rPr lang="uk-UA" sz="1800">
+                          <a:solidFill>
+                            <a:srgbClr val="00000A"/>
+                          </a:solidFill>
+                          <a:effectLst/>
+                          <a:latin typeface="Times New Roman" panose="02020603050405020304" pitchFamily="18" charset="0"/>
+                          <a:ea typeface="DejaVu Sans"/>
+                          <a:cs typeface="Times New Roman" panose="02020603050405020304" pitchFamily="18" charset="0"/>
+                        </a:rPr>
+                        <a:t>СОУ</a:t>
+                      </a:r>
+                      <a:endParaRPr lang="uk-UA" sz="1800">
+                        <a:solidFill>
+                          <a:srgbClr val="00000A"/>
+                        </a:solidFill>
+                        <a:effectLst/>
+                        <a:latin typeface="Calibri" panose="020F0502020204030204" pitchFamily="34" charset="0"/>
+                        <a:ea typeface="DejaVu Sans"/>
+                        <a:cs typeface="Times New Roman" panose="02020603050405020304" pitchFamily="18" charset="0"/>
+                      </a:endParaRPr>
+                    </a:p>
+                  </a:txBody>
+                  <a:tcPr marL="68580" marR="68580" marT="0" marB="0" anchor="ctr">
+                    <a:lnL w="12700" cap="flat" cmpd="sng" algn="ctr">
+                      <a:solidFill>
+                        <a:srgbClr val="000000"/>
+                      </a:solidFill>
+                      <a:prstDash val="solid"/>
+                      <a:round/>
+                      <a:headEnd type="none" w="med" len="med"/>
+                      <a:tailEnd type="none" w="med" len="med"/>
+                    </a:lnL>
+                    <a:lnR w="12700" cap="flat" cmpd="sng" algn="ctr">
+                      <a:solidFill>
+                        <a:srgbClr val="000000"/>
+                      </a:solidFill>
+                      <a:prstDash val="solid"/>
+                      <a:round/>
+                      <a:headEnd type="none" w="med" len="med"/>
+                      <a:tailEnd type="none" w="med" len="med"/>
+                    </a:lnR>
+                    <a:lnT w="12700" cap="flat" cmpd="sng" algn="ctr">
+                      <a:solidFill>
+                        <a:srgbClr val="000000"/>
+                      </a:solidFill>
+                      <a:prstDash val="solid"/>
+                      <a:round/>
+                      <a:headEnd type="none" w="med" len="med"/>
+                      <a:tailEnd type="none" w="med" len="med"/>
+                    </a:lnT>
+                    <a:lnB w="12700" cap="flat" cmpd="sng" algn="ctr">
+                      <a:solidFill>
+                        <a:srgbClr val="000000"/>
+                      </a:solidFill>
+                      <a:prstDash val="solid"/>
+                      <a:round/>
+                      <a:headEnd type="none" w="med" len="med"/>
+                      <a:tailEnd type="none" w="med" len="med"/>
+                    </a:lnB>
+                  </a:tcPr>
+                </a:tc>
+                <a:extLst>
+                  <a:ext uri="{0D108BD9-81ED-4DB2-BD59-A6C34878D82A}">
+                    <a16:rowId xmlns:a16="http://schemas.microsoft.com/office/drawing/2014/main" val="932912457"/>
+                  </a:ext>
+                </a:extLst>
+              </a:tr>
+              <a:tr h="0">
+                <a:tc vMerge="1">
+                  <a:txBody>
+                    <a:bodyPr/>
+                    <a:lstStyle/>
+                    <a:p>
+                      <a:endParaRPr lang="uk-UA"/>
+                    </a:p>
+                  </a:txBody>
+                  <a:tcPr/>
+                </a:tc>
+                <a:tc>
+                  <a:txBody>
+                    <a:bodyPr/>
+                    <a:lstStyle/>
+                    <a:p>
+                      <a:pPr>
+                        <a:lnSpc>
+                          <a:spcPct val="100000"/>
+                        </a:lnSpc>
+                        <a:spcAft>
+                          <a:spcPts val="0"/>
+                        </a:spcAft>
+                      </a:pPr>
+                      <a:r>
+                        <a:rPr lang="uk-UA" sz="1800" i="1" dirty="0">
+                          <a:solidFill>
+                            <a:srgbClr val="00000A"/>
+                          </a:solidFill>
+                          <a:effectLst/>
+                          <a:latin typeface="Times New Roman" panose="02020603050405020304" pitchFamily="18" charset="0"/>
+                          <a:ea typeface="DejaVu Sans"/>
+                          <a:cs typeface="Times New Roman" panose="02020603050405020304" pitchFamily="18" charset="0"/>
+                        </a:rPr>
+                        <a:t>помилка оператора</a:t>
+                      </a:r>
+                      <a:endParaRPr lang="uk-UA" sz="1800" dirty="0">
+                        <a:solidFill>
+                          <a:srgbClr val="00000A"/>
+                        </a:solidFill>
+                        <a:effectLst/>
+                        <a:latin typeface="Calibri" panose="020F0502020204030204" pitchFamily="34" charset="0"/>
+                        <a:ea typeface="DejaVu Sans"/>
+                        <a:cs typeface="Times New Roman" panose="02020603050405020304" pitchFamily="18" charset="0"/>
+                      </a:endParaRPr>
+                    </a:p>
+                  </a:txBody>
+                  <a:tcPr marL="68580" marR="68580" marT="0" marB="0" anchor="ctr">
+                    <a:lnL w="12700" cap="flat" cmpd="sng" algn="ctr">
+                      <a:solidFill>
+                        <a:srgbClr val="000000"/>
+                      </a:solidFill>
+                      <a:prstDash val="solid"/>
+                      <a:round/>
+                      <a:headEnd type="none" w="med" len="med"/>
+                      <a:tailEnd type="none" w="med" len="med"/>
+                    </a:lnL>
+                    <a:lnR w="12700" cap="flat" cmpd="sng" algn="ctr">
+                      <a:solidFill>
+                        <a:srgbClr val="000000"/>
+                      </a:solidFill>
+                      <a:prstDash val="solid"/>
+                      <a:round/>
+                      <a:headEnd type="none" w="med" len="med"/>
+                      <a:tailEnd type="none" w="med" len="med"/>
+                    </a:lnR>
+                    <a:lnT w="12700" cap="flat" cmpd="sng" algn="ctr">
+                      <a:solidFill>
+                        <a:srgbClr val="000000"/>
+                      </a:solidFill>
+                      <a:prstDash val="solid"/>
+                      <a:round/>
+                      <a:headEnd type="none" w="med" len="med"/>
+                      <a:tailEnd type="none" w="med" len="med"/>
+                    </a:lnT>
+                    <a:lnB w="12700" cap="flat" cmpd="sng" algn="ctr">
+                      <a:solidFill>
+                        <a:srgbClr val="000000"/>
+                      </a:solidFill>
+                      <a:prstDash val="solid"/>
+                      <a:round/>
+                      <a:headEnd type="none" w="med" len="med"/>
+                      <a:tailEnd type="none" w="med" len="med"/>
+                    </a:lnB>
+                  </a:tcPr>
+                </a:tc>
+                <a:tc>
+                  <a:txBody>
+                    <a:bodyPr/>
+                    <a:lstStyle/>
+                    <a:p>
+                      <a:pPr algn="ctr">
+                        <a:lnSpc>
+                          <a:spcPct val="100000"/>
+                        </a:lnSpc>
+                        <a:spcAft>
+                          <a:spcPts val="0"/>
+                        </a:spcAft>
+                      </a:pPr>
+                      <a:r>
+                        <a:rPr lang="uk-UA" sz="1800">
+                          <a:solidFill>
+                            <a:srgbClr val="00000A"/>
+                          </a:solidFill>
+                          <a:effectLst/>
+                          <a:latin typeface="Times New Roman" panose="02020603050405020304" pitchFamily="18" charset="0"/>
+                          <a:ea typeface="DejaVu Sans"/>
+                          <a:cs typeface="Times New Roman" panose="02020603050405020304" pitchFamily="18" charset="0"/>
+                        </a:rPr>
+                        <a:t>СОУ</a:t>
+                      </a:r>
+                      <a:endParaRPr lang="uk-UA" sz="1800">
+                        <a:solidFill>
+                          <a:srgbClr val="00000A"/>
+                        </a:solidFill>
+                        <a:effectLst/>
+                        <a:latin typeface="Calibri" panose="020F0502020204030204" pitchFamily="34" charset="0"/>
+                        <a:ea typeface="DejaVu Sans"/>
+                        <a:cs typeface="Times New Roman" panose="02020603050405020304" pitchFamily="18" charset="0"/>
+                      </a:endParaRPr>
+                    </a:p>
+                  </a:txBody>
+                  <a:tcPr marL="68580" marR="68580" marT="0" marB="0" anchor="ctr">
+                    <a:lnL w="12700" cap="flat" cmpd="sng" algn="ctr">
+                      <a:solidFill>
+                        <a:srgbClr val="000000"/>
+                      </a:solidFill>
+                      <a:prstDash val="solid"/>
+                      <a:round/>
+                      <a:headEnd type="none" w="med" len="med"/>
+                      <a:tailEnd type="none" w="med" len="med"/>
+                    </a:lnL>
+                    <a:lnR w="12700" cap="flat" cmpd="sng" algn="ctr">
+                      <a:solidFill>
+                        <a:srgbClr val="000000"/>
+                      </a:solidFill>
+                      <a:prstDash val="solid"/>
+                      <a:round/>
+                      <a:headEnd type="none" w="med" len="med"/>
+                      <a:tailEnd type="none" w="med" len="med"/>
+                    </a:lnR>
+                    <a:lnT w="12700" cap="flat" cmpd="sng" algn="ctr">
+                      <a:solidFill>
+                        <a:srgbClr val="000000"/>
+                      </a:solidFill>
+                      <a:prstDash val="solid"/>
+                      <a:round/>
+                      <a:headEnd type="none" w="med" len="med"/>
+                      <a:tailEnd type="none" w="med" len="med"/>
+                    </a:lnT>
+                    <a:lnB w="12700" cap="flat" cmpd="sng" algn="ctr">
+                      <a:solidFill>
+                        <a:srgbClr val="000000"/>
+                      </a:solidFill>
+                      <a:prstDash val="solid"/>
+                      <a:round/>
+                      <a:headEnd type="none" w="med" len="med"/>
+                      <a:tailEnd type="none" w="med" len="med"/>
+                    </a:lnB>
+                  </a:tcPr>
+                </a:tc>
+                <a:extLst>
+                  <a:ext uri="{0D108BD9-81ED-4DB2-BD59-A6C34878D82A}">
+                    <a16:rowId xmlns:a16="http://schemas.microsoft.com/office/drawing/2014/main" val="3314382585"/>
+                  </a:ext>
+                </a:extLst>
+              </a:tr>
+              <a:tr h="0">
+                <a:tc vMerge="1">
+                  <a:txBody>
+                    <a:bodyPr/>
+                    <a:lstStyle/>
+                    <a:p>
+                      <a:endParaRPr lang="uk-UA"/>
+                    </a:p>
+                  </a:txBody>
+                  <a:tcPr/>
+                </a:tc>
+                <a:tc>
+                  <a:txBody>
+                    <a:bodyPr/>
+                    <a:lstStyle/>
+                    <a:p>
+                      <a:pPr>
+                        <a:lnSpc>
+                          <a:spcPct val="100000"/>
+                        </a:lnSpc>
+                        <a:spcAft>
+                          <a:spcPts val="0"/>
+                        </a:spcAft>
+                      </a:pPr>
+                      <a:r>
+                        <a:rPr lang="uk-UA" sz="1800" i="1" dirty="0">
+                          <a:solidFill>
+                            <a:srgbClr val="00000A"/>
+                          </a:solidFill>
+                          <a:effectLst/>
+                          <a:latin typeface="Times New Roman" panose="02020603050405020304" pitchFamily="18" charset="0"/>
+                          <a:ea typeface="DejaVu Sans"/>
+                          <a:cs typeface="Times New Roman" panose="02020603050405020304" pitchFamily="18" charset="0"/>
+                        </a:rPr>
+                        <a:t>відсутність або несправність інструмента</a:t>
+                      </a:r>
+                      <a:endParaRPr lang="uk-UA" sz="1800" dirty="0">
+                        <a:solidFill>
+                          <a:srgbClr val="00000A"/>
+                        </a:solidFill>
+                        <a:effectLst/>
+                        <a:latin typeface="Calibri" panose="020F0502020204030204" pitchFamily="34" charset="0"/>
+                        <a:ea typeface="DejaVu Sans"/>
+                        <a:cs typeface="Times New Roman" panose="02020603050405020304" pitchFamily="18" charset="0"/>
+                      </a:endParaRPr>
+                    </a:p>
+                  </a:txBody>
+                  <a:tcPr marL="68580" marR="68580" marT="0" marB="0" anchor="ctr">
+                    <a:lnL w="12700" cap="flat" cmpd="sng" algn="ctr">
+                      <a:solidFill>
+                        <a:srgbClr val="000000"/>
+                      </a:solidFill>
+                      <a:prstDash val="solid"/>
+                      <a:round/>
+                      <a:headEnd type="none" w="med" len="med"/>
+                      <a:tailEnd type="none" w="med" len="med"/>
+                    </a:lnL>
+                    <a:lnR w="12700" cap="flat" cmpd="sng" algn="ctr">
+                      <a:solidFill>
+                        <a:srgbClr val="000000"/>
+                      </a:solidFill>
+                      <a:prstDash val="solid"/>
+                      <a:round/>
+                      <a:headEnd type="none" w="med" len="med"/>
+                      <a:tailEnd type="none" w="med" len="med"/>
+                    </a:lnR>
+                    <a:lnT w="12700" cap="flat" cmpd="sng" algn="ctr">
+                      <a:solidFill>
+                        <a:srgbClr val="000000"/>
+                      </a:solidFill>
+                      <a:prstDash val="solid"/>
+                      <a:round/>
+                      <a:headEnd type="none" w="med" len="med"/>
+                      <a:tailEnd type="none" w="med" len="med"/>
+                    </a:lnT>
+                    <a:lnB w="12700" cap="flat" cmpd="sng" algn="ctr">
+                      <a:solidFill>
+                        <a:srgbClr val="000000"/>
+                      </a:solidFill>
+                      <a:prstDash val="solid"/>
+                      <a:round/>
+                      <a:headEnd type="none" w="med" len="med"/>
+                      <a:tailEnd type="none" w="med" len="med"/>
+                    </a:lnB>
+                  </a:tcPr>
+                </a:tc>
+                <a:tc>
+                  <a:txBody>
+                    <a:bodyPr/>
+                    <a:lstStyle/>
+                    <a:p>
+                      <a:pPr algn="ctr">
+                        <a:lnSpc>
+                          <a:spcPct val="100000"/>
+                        </a:lnSpc>
+                        <a:spcAft>
+                          <a:spcPts val="0"/>
+                        </a:spcAft>
+                      </a:pPr>
+                      <a:r>
+                        <a:rPr lang="uk-UA" sz="1800">
+                          <a:solidFill>
+                            <a:srgbClr val="00000A"/>
+                          </a:solidFill>
+                          <a:effectLst/>
+                          <a:latin typeface="Times New Roman" panose="02020603050405020304" pitchFamily="18" charset="0"/>
+                          <a:ea typeface="DejaVu Sans"/>
+                          <a:cs typeface="Times New Roman" panose="02020603050405020304" pitchFamily="18" charset="0"/>
+                        </a:rPr>
+                        <a:t>СОУ, АСАУ</a:t>
+                      </a:r>
+                      <a:endParaRPr lang="uk-UA" sz="1800">
+                        <a:solidFill>
+                          <a:srgbClr val="00000A"/>
+                        </a:solidFill>
+                        <a:effectLst/>
+                        <a:latin typeface="Calibri" panose="020F0502020204030204" pitchFamily="34" charset="0"/>
+                        <a:ea typeface="DejaVu Sans"/>
+                        <a:cs typeface="Times New Roman" panose="02020603050405020304" pitchFamily="18" charset="0"/>
+                      </a:endParaRPr>
+                    </a:p>
+                  </a:txBody>
+                  <a:tcPr marL="68580" marR="68580" marT="0" marB="0" anchor="ctr">
+                    <a:lnL w="12700" cap="flat" cmpd="sng" algn="ctr">
+                      <a:solidFill>
+                        <a:srgbClr val="000000"/>
+                      </a:solidFill>
+                      <a:prstDash val="solid"/>
+                      <a:round/>
+                      <a:headEnd type="none" w="med" len="med"/>
+                      <a:tailEnd type="none" w="med" len="med"/>
+                    </a:lnL>
+                    <a:lnR w="12700" cap="flat" cmpd="sng" algn="ctr">
+                      <a:solidFill>
+                        <a:srgbClr val="000000"/>
+                      </a:solidFill>
+                      <a:prstDash val="solid"/>
+                      <a:round/>
+                      <a:headEnd type="none" w="med" len="med"/>
+                      <a:tailEnd type="none" w="med" len="med"/>
+                    </a:lnR>
+                    <a:lnT w="12700" cap="flat" cmpd="sng" algn="ctr">
+                      <a:solidFill>
+                        <a:srgbClr val="000000"/>
+                      </a:solidFill>
+                      <a:prstDash val="solid"/>
+                      <a:round/>
+                      <a:headEnd type="none" w="med" len="med"/>
+                      <a:tailEnd type="none" w="med" len="med"/>
+                    </a:lnT>
+                    <a:lnB w="12700" cap="flat" cmpd="sng" algn="ctr">
+                      <a:solidFill>
+                        <a:srgbClr val="000000"/>
+                      </a:solidFill>
+                      <a:prstDash val="solid"/>
+                      <a:round/>
+                      <a:headEnd type="none" w="med" len="med"/>
+                      <a:tailEnd type="none" w="med" len="med"/>
+                    </a:lnB>
+                  </a:tcPr>
+                </a:tc>
+                <a:extLst>
+                  <a:ext uri="{0D108BD9-81ED-4DB2-BD59-A6C34878D82A}">
+                    <a16:rowId xmlns:a16="http://schemas.microsoft.com/office/drawing/2014/main" val="673408064"/>
+                  </a:ext>
+                </a:extLst>
+              </a:tr>
+              <a:tr h="0">
+                <a:tc vMerge="1">
+                  <a:txBody>
+                    <a:bodyPr/>
+                    <a:lstStyle/>
+                    <a:p>
+                      <a:endParaRPr lang="uk-UA"/>
+                    </a:p>
+                  </a:txBody>
+                  <a:tcPr/>
+                </a:tc>
+                <a:tc>
+                  <a:txBody>
+                    <a:bodyPr/>
+                    <a:lstStyle/>
+                    <a:p>
+                      <a:pPr>
+                        <a:lnSpc>
+                          <a:spcPct val="100000"/>
+                        </a:lnSpc>
+                        <a:spcAft>
+                          <a:spcPts val="0"/>
+                        </a:spcAft>
+                      </a:pPr>
+                      <a:r>
+                        <a:rPr lang="uk-UA" sz="1800" i="1" dirty="0">
+                          <a:solidFill>
+                            <a:srgbClr val="00000A"/>
+                          </a:solidFill>
+                          <a:effectLst/>
+                          <a:latin typeface="Times New Roman" panose="02020603050405020304" pitchFamily="18" charset="0"/>
+                          <a:ea typeface="DejaVu Sans"/>
+                          <a:cs typeface="Times New Roman" panose="02020603050405020304" pitchFamily="18" charset="0"/>
+                        </a:rPr>
+                        <a:t>ліміти завантаження</a:t>
+                      </a:r>
+                      <a:endParaRPr lang="uk-UA" sz="1800" dirty="0">
+                        <a:solidFill>
+                          <a:srgbClr val="00000A"/>
+                        </a:solidFill>
+                        <a:effectLst/>
+                        <a:latin typeface="Calibri" panose="020F0502020204030204" pitchFamily="34" charset="0"/>
+                        <a:ea typeface="DejaVu Sans"/>
+                        <a:cs typeface="Times New Roman" panose="02020603050405020304" pitchFamily="18" charset="0"/>
+                      </a:endParaRPr>
+                    </a:p>
+                  </a:txBody>
+                  <a:tcPr marL="68580" marR="68580" marT="0" marB="0" anchor="ctr">
+                    <a:lnL w="12700" cap="flat" cmpd="sng" algn="ctr">
+                      <a:solidFill>
+                        <a:srgbClr val="000000"/>
+                      </a:solidFill>
+                      <a:prstDash val="solid"/>
+                      <a:round/>
+                      <a:headEnd type="none" w="med" len="med"/>
+                      <a:tailEnd type="none" w="med" len="med"/>
+                    </a:lnL>
+                    <a:lnR w="12700" cap="flat" cmpd="sng" algn="ctr">
+                      <a:solidFill>
+                        <a:srgbClr val="000000"/>
+                      </a:solidFill>
+                      <a:prstDash val="solid"/>
+                      <a:round/>
+                      <a:headEnd type="none" w="med" len="med"/>
+                      <a:tailEnd type="none" w="med" len="med"/>
+                    </a:lnR>
+                    <a:lnT w="12700" cap="flat" cmpd="sng" algn="ctr">
+                      <a:solidFill>
+                        <a:srgbClr val="000000"/>
+                      </a:solidFill>
+                      <a:prstDash val="solid"/>
+                      <a:round/>
+                      <a:headEnd type="none" w="med" len="med"/>
+                      <a:tailEnd type="none" w="med" len="med"/>
+                    </a:lnT>
+                    <a:lnB w="12700" cap="flat" cmpd="sng" algn="ctr">
+                      <a:solidFill>
+                        <a:srgbClr val="000000"/>
+                      </a:solidFill>
+                      <a:prstDash val="solid"/>
+                      <a:round/>
+                      <a:headEnd type="none" w="med" len="med"/>
+                      <a:tailEnd type="none" w="med" len="med"/>
+                    </a:lnB>
+                  </a:tcPr>
+                </a:tc>
+                <a:tc>
+                  <a:txBody>
+                    <a:bodyPr/>
+                    <a:lstStyle/>
+                    <a:p>
+                      <a:pPr algn="ctr">
+                        <a:lnSpc>
+                          <a:spcPct val="100000"/>
+                        </a:lnSpc>
+                        <a:spcAft>
+                          <a:spcPts val="0"/>
+                        </a:spcAft>
+                      </a:pPr>
+                      <a:r>
+                        <a:rPr lang="uk-UA" sz="1800">
+                          <a:solidFill>
+                            <a:srgbClr val="00000A"/>
+                          </a:solidFill>
+                          <a:effectLst/>
+                          <a:latin typeface="Times New Roman" panose="02020603050405020304" pitchFamily="18" charset="0"/>
+                          <a:ea typeface="DejaVu Sans"/>
+                          <a:cs typeface="Times New Roman" panose="02020603050405020304" pitchFamily="18" charset="0"/>
+                        </a:rPr>
+                        <a:t>СОУ, АСАУ</a:t>
+                      </a:r>
+                      <a:endParaRPr lang="uk-UA" sz="1800">
+                        <a:solidFill>
+                          <a:srgbClr val="00000A"/>
+                        </a:solidFill>
+                        <a:effectLst/>
+                        <a:latin typeface="Calibri" panose="020F0502020204030204" pitchFamily="34" charset="0"/>
+                        <a:ea typeface="DejaVu Sans"/>
+                        <a:cs typeface="Times New Roman" panose="02020603050405020304" pitchFamily="18" charset="0"/>
+                      </a:endParaRPr>
+                    </a:p>
+                  </a:txBody>
+                  <a:tcPr marL="68580" marR="68580" marT="0" marB="0" anchor="ctr">
+                    <a:lnL w="12700" cap="flat" cmpd="sng" algn="ctr">
+                      <a:solidFill>
+                        <a:srgbClr val="000000"/>
+                      </a:solidFill>
+                      <a:prstDash val="solid"/>
+                      <a:round/>
+                      <a:headEnd type="none" w="med" len="med"/>
+                      <a:tailEnd type="none" w="med" len="med"/>
+                    </a:lnL>
+                    <a:lnR w="12700" cap="flat" cmpd="sng" algn="ctr">
+                      <a:solidFill>
+                        <a:srgbClr val="000000"/>
+                      </a:solidFill>
+                      <a:prstDash val="solid"/>
+                      <a:round/>
+                      <a:headEnd type="none" w="med" len="med"/>
+                      <a:tailEnd type="none" w="med" len="med"/>
+                    </a:lnR>
+                    <a:lnT w="12700" cap="flat" cmpd="sng" algn="ctr">
+                      <a:solidFill>
+                        <a:srgbClr val="000000"/>
+                      </a:solidFill>
+                      <a:prstDash val="solid"/>
+                      <a:round/>
+                      <a:headEnd type="none" w="med" len="med"/>
+                      <a:tailEnd type="none" w="med" len="med"/>
+                    </a:lnT>
+                    <a:lnB w="12700" cap="flat" cmpd="sng" algn="ctr">
+                      <a:solidFill>
+                        <a:srgbClr val="000000"/>
+                      </a:solidFill>
+                      <a:prstDash val="solid"/>
+                      <a:round/>
+                      <a:headEnd type="none" w="med" len="med"/>
+                      <a:tailEnd type="none" w="med" len="med"/>
+                    </a:lnB>
+                  </a:tcPr>
+                </a:tc>
+                <a:extLst>
+                  <a:ext uri="{0D108BD9-81ED-4DB2-BD59-A6C34878D82A}">
+                    <a16:rowId xmlns:a16="http://schemas.microsoft.com/office/drawing/2014/main" val="738049393"/>
+                  </a:ext>
+                </a:extLst>
+              </a:tr>
+              <a:tr h="0">
+                <a:tc vMerge="1">
+                  <a:txBody>
+                    <a:bodyPr/>
+                    <a:lstStyle/>
+                    <a:p>
+                      <a:endParaRPr lang="uk-UA"/>
+                    </a:p>
+                  </a:txBody>
+                  <a:tcPr/>
+                </a:tc>
+                <a:tc>
+                  <a:txBody>
+                    <a:bodyPr/>
+                    <a:lstStyle/>
+                    <a:p>
+                      <a:pPr>
+                        <a:lnSpc>
+                          <a:spcPct val="100000"/>
+                        </a:lnSpc>
+                        <a:spcAft>
+                          <a:spcPts val="0"/>
+                        </a:spcAft>
+                      </a:pPr>
+                      <a:r>
+                        <a:rPr lang="uk-UA" sz="1800" i="1" dirty="0">
+                          <a:solidFill>
+                            <a:srgbClr val="00000A"/>
+                          </a:solidFill>
+                          <a:effectLst/>
+                          <a:latin typeface="Times New Roman" panose="02020603050405020304" pitchFamily="18" charset="0"/>
+                          <a:ea typeface="DejaVu Sans"/>
+                          <a:cs typeface="Times New Roman" panose="02020603050405020304" pitchFamily="18" charset="0"/>
+                        </a:rPr>
+                        <a:t>затримки у доставці матеріалів</a:t>
+                      </a:r>
+                      <a:endParaRPr lang="uk-UA" sz="1800" dirty="0">
+                        <a:solidFill>
+                          <a:srgbClr val="00000A"/>
+                        </a:solidFill>
+                        <a:effectLst/>
+                        <a:latin typeface="Calibri" panose="020F0502020204030204" pitchFamily="34" charset="0"/>
+                        <a:ea typeface="DejaVu Sans"/>
+                        <a:cs typeface="Times New Roman" panose="02020603050405020304" pitchFamily="18" charset="0"/>
+                      </a:endParaRPr>
+                    </a:p>
+                  </a:txBody>
+                  <a:tcPr marL="68580" marR="68580" marT="0" marB="0" anchor="ctr">
+                    <a:lnL w="12700" cap="flat" cmpd="sng" algn="ctr">
+                      <a:solidFill>
+                        <a:srgbClr val="000000"/>
+                      </a:solidFill>
+                      <a:prstDash val="solid"/>
+                      <a:round/>
+                      <a:headEnd type="none" w="med" len="med"/>
+                      <a:tailEnd type="none" w="med" len="med"/>
+                    </a:lnL>
+                    <a:lnR w="12700" cap="flat" cmpd="sng" algn="ctr">
+                      <a:solidFill>
+                        <a:srgbClr val="000000"/>
+                      </a:solidFill>
+                      <a:prstDash val="solid"/>
+                      <a:round/>
+                      <a:headEnd type="none" w="med" len="med"/>
+                      <a:tailEnd type="none" w="med" len="med"/>
+                    </a:lnR>
+                    <a:lnT w="12700" cap="flat" cmpd="sng" algn="ctr">
+                      <a:solidFill>
+                        <a:srgbClr val="000000"/>
+                      </a:solidFill>
+                      <a:prstDash val="solid"/>
+                      <a:round/>
+                      <a:headEnd type="none" w="med" len="med"/>
+                      <a:tailEnd type="none" w="med" len="med"/>
+                    </a:lnT>
+                    <a:lnB w="12700" cap="flat" cmpd="sng" algn="ctr">
+                      <a:solidFill>
+                        <a:srgbClr val="000000"/>
+                      </a:solidFill>
+                      <a:prstDash val="solid"/>
+                      <a:round/>
+                      <a:headEnd type="none" w="med" len="med"/>
+                      <a:tailEnd type="none" w="med" len="med"/>
+                    </a:lnB>
+                  </a:tcPr>
+                </a:tc>
+                <a:tc>
+                  <a:txBody>
+                    <a:bodyPr/>
+                    <a:lstStyle/>
+                    <a:p>
+                      <a:pPr algn="ctr">
+                        <a:lnSpc>
+                          <a:spcPct val="100000"/>
+                        </a:lnSpc>
+                        <a:spcAft>
+                          <a:spcPts val="0"/>
+                        </a:spcAft>
+                      </a:pPr>
+                      <a:r>
+                        <a:rPr lang="uk-UA" sz="1800">
+                          <a:solidFill>
+                            <a:srgbClr val="00000A"/>
+                          </a:solidFill>
+                          <a:effectLst/>
+                          <a:latin typeface="Times New Roman" panose="02020603050405020304" pitchFamily="18" charset="0"/>
+                          <a:ea typeface="DejaVu Sans"/>
+                          <a:cs typeface="Times New Roman" panose="02020603050405020304" pitchFamily="18" charset="0"/>
+                        </a:rPr>
+                        <a:t>СОУ, АСАУ</a:t>
+                      </a:r>
+                      <a:endParaRPr lang="uk-UA" sz="1800">
+                        <a:solidFill>
+                          <a:srgbClr val="00000A"/>
+                        </a:solidFill>
+                        <a:effectLst/>
+                        <a:latin typeface="Calibri" panose="020F0502020204030204" pitchFamily="34" charset="0"/>
+                        <a:ea typeface="DejaVu Sans"/>
+                        <a:cs typeface="Times New Roman" panose="02020603050405020304" pitchFamily="18" charset="0"/>
+                      </a:endParaRPr>
+                    </a:p>
+                  </a:txBody>
+                  <a:tcPr marL="68580" marR="68580" marT="0" marB="0" anchor="ctr">
+                    <a:lnL w="12700" cap="flat" cmpd="sng" algn="ctr">
+                      <a:solidFill>
+                        <a:srgbClr val="000000"/>
+                      </a:solidFill>
+                      <a:prstDash val="solid"/>
+                      <a:round/>
+                      <a:headEnd type="none" w="med" len="med"/>
+                      <a:tailEnd type="none" w="med" len="med"/>
+                    </a:lnL>
+                    <a:lnR w="12700" cap="flat" cmpd="sng" algn="ctr">
+                      <a:solidFill>
+                        <a:srgbClr val="000000"/>
+                      </a:solidFill>
+                      <a:prstDash val="solid"/>
+                      <a:round/>
+                      <a:headEnd type="none" w="med" len="med"/>
+                      <a:tailEnd type="none" w="med" len="med"/>
+                    </a:lnR>
+                    <a:lnT w="12700" cap="flat" cmpd="sng" algn="ctr">
+                      <a:solidFill>
+                        <a:srgbClr val="000000"/>
+                      </a:solidFill>
+                      <a:prstDash val="solid"/>
+                      <a:round/>
+                      <a:headEnd type="none" w="med" len="med"/>
+                      <a:tailEnd type="none" w="med" len="med"/>
+                    </a:lnT>
+                    <a:lnB w="12700" cap="flat" cmpd="sng" algn="ctr">
+                      <a:solidFill>
+                        <a:srgbClr val="000000"/>
+                      </a:solidFill>
+                      <a:prstDash val="solid"/>
+                      <a:round/>
+                      <a:headEnd type="none" w="med" len="med"/>
+                      <a:tailEnd type="none" w="med" len="med"/>
+                    </a:lnB>
+                  </a:tcPr>
+                </a:tc>
+                <a:extLst>
+                  <a:ext uri="{0D108BD9-81ED-4DB2-BD59-A6C34878D82A}">
+                    <a16:rowId xmlns:a16="http://schemas.microsoft.com/office/drawing/2014/main" val="4028201678"/>
+                  </a:ext>
+                </a:extLst>
+              </a:tr>
+              <a:tr h="124428">
+                <a:tc vMerge="1">
+                  <a:txBody>
+                    <a:bodyPr/>
+                    <a:lstStyle/>
+                    <a:p>
+                      <a:endParaRPr lang="uk-UA"/>
+                    </a:p>
+                  </a:txBody>
+                  <a:tcPr/>
+                </a:tc>
+                <a:tc>
+                  <a:txBody>
+                    <a:bodyPr/>
+                    <a:lstStyle/>
+                    <a:p>
+                      <a:pPr>
+                        <a:lnSpc>
+                          <a:spcPct val="100000"/>
+                        </a:lnSpc>
+                        <a:spcAft>
+                          <a:spcPts val="0"/>
+                        </a:spcAft>
+                      </a:pPr>
+                      <a:r>
+                        <a:rPr lang="uk-UA" sz="1800" i="1" dirty="0">
+                          <a:solidFill>
+                            <a:srgbClr val="00000A"/>
+                          </a:solidFill>
+                          <a:effectLst/>
+                          <a:latin typeface="Times New Roman" panose="02020603050405020304" pitchFamily="18" charset="0"/>
+                          <a:ea typeface="DejaVu Sans"/>
+                          <a:cs typeface="Times New Roman" panose="02020603050405020304" pitchFamily="18" charset="0"/>
+                        </a:rPr>
+                        <a:t>дефектність матеріалу</a:t>
+                      </a:r>
+                      <a:endParaRPr lang="uk-UA" sz="1800" dirty="0">
+                        <a:solidFill>
+                          <a:srgbClr val="00000A"/>
+                        </a:solidFill>
+                        <a:effectLst/>
+                        <a:latin typeface="Calibri" panose="020F0502020204030204" pitchFamily="34" charset="0"/>
+                        <a:ea typeface="DejaVu Sans"/>
+                        <a:cs typeface="Times New Roman" panose="02020603050405020304" pitchFamily="18" charset="0"/>
+                      </a:endParaRPr>
+                    </a:p>
+                  </a:txBody>
+                  <a:tcPr marL="68580" marR="68580" marT="0" marB="0" anchor="ctr">
+                    <a:lnL w="12700" cap="flat" cmpd="sng" algn="ctr">
+                      <a:solidFill>
+                        <a:srgbClr val="000000"/>
+                      </a:solidFill>
+                      <a:prstDash val="solid"/>
+                      <a:round/>
+                      <a:headEnd type="none" w="med" len="med"/>
+                      <a:tailEnd type="none" w="med" len="med"/>
+                    </a:lnL>
+                    <a:lnR w="12700" cap="flat" cmpd="sng" algn="ctr">
+                      <a:solidFill>
+                        <a:srgbClr val="000000"/>
+                      </a:solidFill>
+                      <a:prstDash val="solid"/>
+                      <a:round/>
+                      <a:headEnd type="none" w="med" len="med"/>
+                      <a:tailEnd type="none" w="med" len="med"/>
+                    </a:lnR>
+                    <a:lnT w="12700" cap="flat" cmpd="sng" algn="ctr">
+                      <a:solidFill>
+                        <a:srgbClr val="000000"/>
+                      </a:solidFill>
+                      <a:prstDash val="solid"/>
+                      <a:round/>
+                      <a:headEnd type="none" w="med" len="med"/>
+                      <a:tailEnd type="none" w="med" len="med"/>
+                    </a:lnT>
+                    <a:lnB w="12700" cap="flat" cmpd="sng" algn="ctr">
+                      <a:solidFill>
+                        <a:srgbClr val="000000"/>
+                      </a:solidFill>
+                      <a:prstDash val="solid"/>
+                      <a:round/>
+                      <a:headEnd type="none" w="med" len="med"/>
+                      <a:tailEnd type="none" w="med" len="med"/>
+                    </a:lnB>
+                  </a:tcPr>
+                </a:tc>
+                <a:tc>
+                  <a:txBody>
+                    <a:bodyPr/>
+                    <a:lstStyle/>
+                    <a:p>
+                      <a:pPr algn="ctr">
+                        <a:lnSpc>
+                          <a:spcPct val="100000"/>
+                        </a:lnSpc>
+                        <a:spcAft>
+                          <a:spcPts val="0"/>
+                        </a:spcAft>
+                      </a:pPr>
+                      <a:r>
+                        <a:rPr lang="uk-UA" sz="1800">
+                          <a:solidFill>
+                            <a:srgbClr val="00000A"/>
+                          </a:solidFill>
+                          <a:effectLst/>
+                          <a:latin typeface="Times New Roman" panose="02020603050405020304" pitchFamily="18" charset="0"/>
+                          <a:ea typeface="DejaVu Sans"/>
+                          <a:cs typeface="Times New Roman" panose="02020603050405020304" pitchFamily="18" charset="0"/>
+                        </a:rPr>
+                        <a:t>СОУ</a:t>
+                      </a:r>
+                      <a:endParaRPr lang="uk-UA" sz="1800">
+                        <a:solidFill>
+                          <a:srgbClr val="00000A"/>
+                        </a:solidFill>
+                        <a:effectLst/>
+                        <a:latin typeface="Calibri" panose="020F0502020204030204" pitchFamily="34" charset="0"/>
+                        <a:ea typeface="DejaVu Sans"/>
+                        <a:cs typeface="Times New Roman" panose="02020603050405020304" pitchFamily="18" charset="0"/>
+                      </a:endParaRPr>
+                    </a:p>
+                  </a:txBody>
+                  <a:tcPr marL="68580" marR="68580" marT="0" marB="0" anchor="ctr">
+                    <a:lnL w="12700" cap="flat" cmpd="sng" algn="ctr">
+                      <a:solidFill>
+                        <a:srgbClr val="000000"/>
+                      </a:solidFill>
+                      <a:prstDash val="solid"/>
+                      <a:round/>
+                      <a:headEnd type="none" w="med" len="med"/>
+                      <a:tailEnd type="none" w="med" len="med"/>
+                    </a:lnL>
+                    <a:lnR w="12700" cap="flat" cmpd="sng" algn="ctr">
+                      <a:solidFill>
+                        <a:srgbClr val="000000"/>
+                      </a:solidFill>
+                      <a:prstDash val="solid"/>
+                      <a:round/>
+                      <a:headEnd type="none" w="med" len="med"/>
+                      <a:tailEnd type="none" w="med" len="med"/>
+                    </a:lnR>
+                    <a:lnT w="12700" cap="flat" cmpd="sng" algn="ctr">
+                      <a:solidFill>
+                        <a:srgbClr val="000000"/>
+                      </a:solidFill>
+                      <a:prstDash val="solid"/>
+                      <a:round/>
+                      <a:headEnd type="none" w="med" len="med"/>
+                      <a:tailEnd type="none" w="med" len="med"/>
+                    </a:lnT>
+                    <a:lnB w="12700" cap="flat" cmpd="sng" algn="ctr">
+                      <a:solidFill>
+                        <a:srgbClr val="000000"/>
+                      </a:solidFill>
+                      <a:prstDash val="solid"/>
+                      <a:round/>
+                      <a:headEnd type="none" w="med" len="med"/>
+                      <a:tailEnd type="none" w="med" len="med"/>
+                    </a:lnB>
+                  </a:tcPr>
+                </a:tc>
+                <a:extLst>
+                  <a:ext uri="{0D108BD9-81ED-4DB2-BD59-A6C34878D82A}">
+                    <a16:rowId xmlns:a16="http://schemas.microsoft.com/office/drawing/2014/main" val="3165978258"/>
+                  </a:ext>
+                </a:extLst>
+              </a:tr>
+              <a:tr h="0">
+                <a:tc rowSpan="6">
+                  <a:txBody>
+                    <a:bodyPr/>
+                    <a:lstStyle/>
+                    <a:p>
+                      <a:pPr>
+                        <a:lnSpc>
+                          <a:spcPct val="100000"/>
+                        </a:lnSpc>
+                        <a:spcAft>
+                          <a:spcPts val="0"/>
+                        </a:spcAft>
+                      </a:pPr>
+                      <a:r>
+                        <a:rPr lang="uk-UA" sz="1800" dirty="0">
+                          <a:solidFill>
+                            <a:srgbClr val="00000A"/>
+                          </a:solidFill>
+                          <a:effectLst/>
+                          <a:latin typeface="Times New Roman" panose="02020603050405020304" pitchFamily="18" charset="0"/>
+                          <a:ea typeface="DejaVu Sans"/>
+                          <a:cs typeface="Times New Roman" panose="02020603050405020304" pitchFamily="18" charset="0"/>
+                        </a:rPr>
+                        <a:t>Пов'язані з операціями</a:t>
+                      </a:r>
+                      <a:endParaRPr lang="uk-UA" sz="1800" dirty="0">
+                        <a:solidFill>
+                          <a:srgbClr val="00000A"/>
+                        </a:solidFill>
+                        <a:effectLst/>
+                        <a:latin typeface="Calibri" panose="020F0502020204030204" pitchFamily="34" charset="0"/>
+                        <a:ea typeface="DejaVu Sans"/>
+                        <a:cs typeface="Times New Roman" panose="02020603050405020304" pitchFamily="18" charset="0"/>
+                      </a:endParaRPr>
+                    </a:p>
+                  </a:txBody>
+                  <a:tcPr marL="68580" marR="68580" marT="0" marB="0" anchor="ctr">
+                    <a:lnL w="12700" cap="flat" cmpd="sng" algn="ctr">
+                      <a:solidFill>
+                        <a:srgbClr val="000000"/>
+                      </a:solidFill>
+                      <a:prstDash val="solid"/>
+                      <a:round/>
+                      <a:headEnd type="none" w="med" len="med"/>
+                      <a:tailEnd type="none" w="med" len="med"/>
+                    </a:lnL>
+                    <a:lnR w="12700" cap="flat" cmpd="sng" algn="ctr">
+                      <a:solidFill>
+                        <a:srgbClr val="000000"/>
+                      </a:solidFill>
+                      <a:prstDash val="solid"/>
+                      <a:round/>
+                      <a:headEnd type="none" w="med" len="med"/>
+                      <a:tailEnd type="none" w="med" len="med"/>
+                    </a:lnR>
+                    <a:lnT w="12700" cap="flat" cmpd="sng" algn="ctr">
+                      <a:solidFill>
+                        <a:srgbClr val="000000"/>
+                      </a:solidFill>
+                      <a:prstDash val="solid"/>
+                      <a:round/>
+                      <a:headEnd type="none" w="med" len="med"/>
+                      <a:tailEnd type="none" w="med" len="med"/>
+                    </a:lnT>
+                    <a:lnB w="12700" cap="flat" cmpd="sng" algn="ctr">
+                      <a:solidFill>
+                        <a:srgbClr val="000000"/>
+                      </a:solidFill>
+                      <a:prstDash val="solid"/>
+                      <a:round/>
+                      <a:headEnd type="none" w="med" len="med"/>
+                      <a:tailEnd type="none" w="med" len="med"/>
+                    </a:lnB>
+                  </a:tcPr>
+                </a:tc>
+                <a:tc>
+                  <a:txBody>
+                    <a:bodyPr/>
+                    <a:lstStyle/>
+                    <a:p>
+                      <a:pPr>
+                        <a:lnSpc>
+                          <a:spcPct val="100000"/>
+                        </a:lnSpc>
+                        <a:spcAft>
+                          <a:spcPts val="0"/>
+                        </a:spcAft>
+                      </a:pPr>
+                      <a:r>
+                        <a:rPr lang="uk-UA" sz="1800" i="1" dirty="0">
+                          <a:solidFill>
+                            <a:srgbClr val="00000A"/>
+                          </a:solidFill>
+                          <a:effectLst/>
+                          <a:latin typeface="Times New Roman" panose="02020603050405020304" pitchFamily="18" charset="0"/>
+                          <a:ea typeface="DejaVu Sans"/>
+                          <a:cs typeface="Times New Roman" panose="02020603050405020304" pitchFamily="18" charset="0"/>
+                        </a:rPr>
+                        <a:t>термінові операції</a:t>
+                      </a:r>
+                      <a:endParaRPr lang="uk-UA" sz="1800" dirty="0">
+                        <a:solidFill>
+                          <a:srgbClr val="00000A"/>
+                        </a:solidFill>
+                        <a:effectLst/>
+                        <a:latin typeface="Calibri" panose="020F0502020204030204" pitchFamily="34" charset="0"/>
+                        <a:ea typeface="DejaVu Sans"/>
+                        <a:cs typeface="Times New Roman" panose="02020603050405020304" pitchFamily="18" charset="0"/>
+                      </a:endParaRPr>
+                    </a:p>
+                  </a:txBody>
+                  <a:tcPr marL="68580" marR="68580" marT="0" marB="0" anchor="ctr">
+                    <a:lnL w="12700" cap="flat" cmpd="sng" algn="ctr">
+                      <a:solidFill>
+                        <a:srgbClr val="000000"/>
+                      </a:solidFill>
+                      <a:prstDash val="solid"/>
+                      <a:round/>
+                      <a:headEnd type="none" w="med" len="med"/>
+                      <a:tailEnd type="none" w="med" len="med"/>
+                    </a:lnL>
+                    <a:lnR w="12700" cap="flat" cmpd="sng" algn="ctr">
+                      <a:solidFill>
+                        <a:srgbClr val="000000"/>
+                      </a:solidFill>
+                      <a:prstDash val="solid"/>
+                      <a:round/>
+                      <a:headEnd type="none" w="med" len="med"/>
+                      <a:tailEnd type="none" w="med" len="med"/>
+                    </a:lnR>
+                    <a:lnT w="12700" cap="flat" cmpd="sng" algn="ctr">
+                      <a:solidFill>
+                        <a:srgbClr val="000000"/>
+                      </a:solidFill>
+                      <a:prstDash val="solid"/>
+                      <a:round/>
+                      <a:headEnd type="none" w="med" len="med"/>
+                      <a:tailEnd type="none" w="med" len="med"/>
+                    </a:lnT>
+                    <a:lnB w="12700" cap="flat" cmpd="sng" algn="ctr">
+                      <a:solidFill>
+                        <a:srgbClr val="000000"/>
+                      </a:solidFill>
+                      <a:prstDash val="solid"/>
+                      <a:round/>
+                      <a:headEnd type="none" w="med" len="med"/>
+                      <a:tailEnd type="none" w="med" len="med"/>
+                    </a:lnB>
+                  </a:tcPr>
+                </a:tc>
+                <a:tc>
+                  <a:txBody>
+                    <a:bodyPr/>
+                    <a:lstStyle/>
+                    <a:p>
+                      <a:pPr algn="ctr">
+                        <a:lnSpc>
+                          <a:spcPct val="100000"/>
+                        </a:lnSpc>
+                        <a:spcAft>
+                          <a:spcPts val="0"/>
+                        </a:spcAft>
+                      </a:pPr>
+                      <a:r>
+                        <a:rPr lang="uk-UA" sz="1800">
+                          <a:solidFill>
+                            <a:srgbClr val="00000A"/>
+                          </a:solidFill>
+                          <a:effectLst/>
+                          <a:latin typeface="Times New Roman" panose="02020603050405020304" pitchFamily="18" charset="0"/>
+                          <a:ea typeface="DejaVu Sans"/>
+                          <a:cs typeface="Times New Roman" panose="02020603050405020304" pitchFamily="18" charset="0"/>
+                        </a:rPr>
+                        <a:t>СОУ</a:t>
+                      </a:r>
+                      <a:endParaRPr lang="uk-UA" sz="1800">
+                        <a:solidFill>
+                          <a:srgbClr val="00000A"/>
+                        </a:solidFill>
+                        <a:effectLst/>
+                        <a:latin typeface="Calibri" panose="020F0502020204030204" pitchFamily="34" charset="0"/>
+                        <a:ea typeface="DejaVu Sans"/>
+                        <a:cs typeface="Times New Roman" panose="02020603050405020304" pitchFamily="18" charset="0"/>
+                      </a:endParaRPr>
+                    </a:p>
+                  </a:txBody>
+                  <a:tcPr marL="68580" marR="68580" marT="0" marB="0" anchor="ctr">
+                    <a:lnL w="12700" cap="flat" cmpd="sng" algn="ctr">
+                      <a:solidFill>
+                        <a:srgbClr val="000000"/>
+                      </a:solidFill>
+                      <a:prstDash val="solid"/>
+                      <a:round/>
+                      <a:headEnd type="none" w="med" len="med"/>
+                      <a:tailEnd type="none" w="med" len="med"/>
+                    </a:lnL>
+                    <a:lnR w="12700" cap="flat" cmpd="sng" algn="ctr">
+                      <a:solidFill>
+                        <a:srgbClr val="000000"/>
+                      </a:solidFill>
+                      <a:prstDash val="solid"/>
+                      <a:round/>
+                      <a:headEnd type="none" w="med" len="med"/>
+                      <a:tailEnd type="none" w="med" len="med"/>
+                    </a:lnR>
+                    <a:lnT w="12700" cap="flat" cmpd="sng" algn="ctr">
+                      <a:solidFill>
+                        <a:srgbClr val="000000"/>
+                      </a:solidFill>
+                      <a:prstDash val="solid"/>
+                      <a:round/>
+                      <a:headEnd type="none" w="med" len="med"/>
+                      <a:tailEnd type="none" w="med" len="med"/>
+                    </a:lnT>
+                    <a:lnB w="12700" cap="flat" cmpd="sng" algn="ctr">
+                      <a:solidFill>
+                        <a:srgbClr val="000000"/>
+                      </a:solidFill>
+                      <a:prstDash val="solid"/>
+                      <a:round/>
+                      <a:headEnd type="none" w="med" len="med"/>
+                      <a:tailEnd type="none" w="med" len="med"/>
+                    </a:lnB>
+                  </a:tcPr>
+                </a:tc>
+                <a:extLst>
+                  <a:ext uri="{0D108BD9-81ED-4DB2-BD59-A6C34878D82A}">
+                    <a16:rowId xmlns:a16="http://schemas.microsoft.com/office/drawing/2014/main" val="2949344594"/>
+                  </a:ext>
+                </a:extLst>
+              </a:tr>
+              <a:tr h="0">
+                <a:tc vMerge="1">
+                  <a:txBody>
+                    <a:bodyPr/>
+                    <a:lstStyle/>
+                    <a:p>
+                      <a:endParaRPr lang="uk-UA"/>
+                    </a:p>
+                  </a:txBody>
+                  <a:tcPr/>
+                </a:tc>
+                <a:tc>
+                  <a:txBody>
+                    <a:bodyPr/>
+                    <a:lstStyle/>
+                    <a:p>
+                      <a:pPr>
+                        <a:lnSpc>
+                          <a:spcPct val="100000"/>
+                        </a:lnSpc>
+                        <a:spcAft>
+                          <a:spcPts val="0"/>
+                        </a:spcAft>
+                      </a:pPr>
+                      <a:r>
+                        <a:rPr lang="uk-UA" sz="1800" i="1" dirty="0">
+                          <a:solidFill>
+                            <a:srgbClr val="00000A"/>
+                          </a:solidFill>
+                          <a:effectLst/>
+                          <a:latin typeface="Times New Roman" panose="02020603050405020304" pitchFamily="18" charset="0"/>
+                          <a:ea typeface="DejaVu Sans"/>
+                          <a:cs typeface="Times New Roman" panose="02020603050405020304" pitchFamily="18" charset="0"/>
+                        </a:rPr>
+                        <a:t>відміна операцій</a:t>
+                      </a:r>
+                      <a:endParaRPr lang="uk-UA" sz="1800" dirty="0">
+                        <a:solidFill>
+                          <a:srgbClr val="00000A"/>
+                        </a:solidFill>
+                        <a:effectLst/>
+                        <a:latin typeface="Calibri" panose="020F0502020204030204" pitchFamily="34" charset="0"/>
+                        <a:ea typeface="DejaVu Sans"/>
+                        <a:cs typeface="Times New Roman" panose="02020603050405020304" pitchFamily="18" charset="0"/>
+                      </a:endParaRPr>
+                    </a:p>
+                  </a:txBody>
+                  <a:tcPr marL="68580" marR="68580" marT="0" marB="0" anchor="ctr">
+                    <a:lnL w="12700" cap="flat" cmpd="sng" algn="ctr">
+                      <a:solidFill>
+                        <a:srgbClr val="000000"/>
+                      </a:solidFill>
+                      <a:prstDash val="solid"/>
+                      <a:round/>
+                      <a:headEnd type="none" w="med" len="med"/>
+                      <a:tailEnd type="none" w="med" len="med"/>
+                    </a:lnL>
+                    <a:lnR w="12700" cap="flat" cmpd="sng" algn="ctr">
+                      <a:solidFill>
+                        <a:srgbClr val="000000"/>
+                      </a:solidFill>
+                      <a:prstDash val="solid"/>
+                      <a:round/>
+                      <a:headEnd type="none" w="med" len="med"/>
+                      <a:tailEnd type="none" w="med" len="med"/>
+                    </a:lnR>
+                    <a:lnT w="12700" cap="flat" cmpd="sng" algn="ctr">
+                      <a:solidFill>
+                        <a:srgbClr val="000000"/>
+                      </a:solidFill>
+                      <a:prstDash val="solid"/>
+                      <a:round/>
+                      <a:headEnd type="none" w="med" len="med"/>
+                      <a:tailEnd type="none" w="med" len="med"/>
+                    </a:lnT>
+                    <a:lnB w="12700" cap="flat" cmpd="sng" algn="ctr">
+                      <a:solidFill>
+                        <a:srgbClr val="000000"/>
+                      </a:solidFill>
+                      <a:prstDash val="solid"/>
+                      <a:round/>
+                      <a:headEnd type="none" w="med" len="med"/>
+                      <a:tailEnd type="none" w="med" len="med"/>
+                    </a:lnB>
+                  </a:tcPr>
+                </a:tc>
+                <a:tc>
+                  <a:txBody>
+                    <a:bodyPr/>
+                    <a:lstStyle/>
+                    <a:p>
+                      <a:pPr algn="ctr">
+                        <a:lnSpc>
+                          <a:spcPct val="100000"/>
+                        </a:lnSpc>
+                        <a:spcAft>
+                          <a:spcPts val="0"/>
+                        </a:spcAft>
+                      </a:pPr>
+                      <a:r>
+                        <a:rPr lang="uk-UA" sz="1800" dirty="0">
+                          <a:solidFill>
+                            <a:srgbClr val="00000A"/>
+                          </a:solidFill>
+                          <a:effectLst/>
+                          <a:latin typeface="Times New Roman" panose="02020603050405020304" pitchFamily="18" charset="0"/>
+                          <a:ea typeface="DejaVu Sans"/>
+                          <a:cs typeface="Times New Roman" panose="02020603050405020304" pitchFamily="18" charset="0"/>
+                        </a:rPr>
+                        <a:t>СОУ</a:t>
+                      </a:r>
+                      <a:endParaRPr lang="uk-UA" sz="1800" dirty="0">
+                        <a:solidFill>
+                          <a:srgbClr val="00000A"/>
+                        </a:solidFill>
+                        <a:effectLst/>
+                        <a:latin typeface="Calibri" panose="020F0502020204030204" pitchFamily="34" charset="0"/>
+                        <a:ea typeface="DejaVu Sans"/>
+                        <a:cs typeface="Times New Roman" panose="02020603050405020304" pitchFamily="18" charset="0"/>
+                      </a:endParaRPr>
+                    </a:p>
+                  </a:txBody>
+                  <a:tcPr marL="68580" marR="68580" marT="0" marB="0" anchor="ctr">
+                    <a:lnL w="12700" cap="flat" cmpd="sng" algn="ctr">
+                      <a:solidFill>
+                        <a:srgbClr val="000000"/>
+                      </a:solidFill>
+                      <a:prstDash val="solid"/>
+                      <a:round/>
+                      <a:headEnd type="none" w="med" len="med"/>
+                      <a:tailEnd type="none" w="med" len="med"/>
+                    </a:lnL>
+                    <a:lnR w="12700" cap="flat" cmpd="sng" algn="ctr">
+                      <a:solidFill>
+                        <a:srgbClr val="000000"/>
+                      </a:solidFill>
+                      <a:prstDash val="solid"/>
+                      <a:round/>
+                      <a:headEnd type="none" w="med" len="med"/>
+                      <a:tailEnd type="none" w="med" len="med"/>
+                    </a:lnR>
+                    <a:lnT w="12700" cap="flat" cmpd="sng" algn="ctr">
+                      <a:solidFill>
+                        <a:srgbClr val="000000"/>
+                      </a:solidFill>
+                      <a:prstDash val="solid"/>
+                      <a:round/>
+                      <a:headEnd type="none" w="med" len="med"/>
+                      <a:tailEnd type="none" w="med" len="med"/>
+                    </a:lnT>
+                    <a:lnB w="12700" cap="flat" cmpd="sng" algn="ctr">
+                      <a:solidFill>
+                        <a:srgbClr val="000000"/>
+                      </a:solidFill>
+                      <a:prstDash val="solid"/>
+                      <a:round/>
+                      <a:headEnd type="none" w="med" len="med"/>
+                      <a:tailEnd type="none" w="med" len="med"/>
+                    </a:lnB>
+                  </a:tcPr>
+                </a:tc>
+                <a:extLst>
+                  <a:ext uri="{0D108BD9-81ED-4DB2-BD59-A6C34878D82A}">
+                    <a16:rowId xmlns:a16="http://schemas.microsoft.com/office/drawing/2014/main" val="3542366592"/>
+                  </a:ext>
+                </a:extLst>
+              </a:tr>
+              <a:tr h="0">
+                <a:tc vMerge="1">
+                  <a:txBody>
+                    <a:bodyPr/>
+                    <a:lstStyle/>
+                    <a:p>
+                      <a:endParaRPr lang="uk-UA"/>
+                    </a:p>
+                  </a:txBody>
+                  <a:tcPr/>
+                </a:tc>
+                <a:tc>
+                  <a:txBody>
+                    <a:bodyPr/>
+                    <a:lstStyle/>
+                    <a:p>
+                      <a:pPr>
+                        <a:lnSpc>
+                          <a:spcPct val="100000"/>
+                        </a:lnSpc>
+                        <a:spcAft>
+                          <a:spcPts val="0"/>
+                        </a:spcAft>
+                      </a:pPr>
+                      <a:r>
+                        <a:rPr lang="uk-UA" sz="1800" i="1" dirty="0">
+                          <a:solidFill>
+                            <a:srgbClr val="00000A"/>
+                          </a:solidFill>
+                          <a:effectLst/>
+                          <a:latin typeface="Times New Roman" panose="02020603050405020304" pitchFamily="18" charset="0"/>
+                          <a:ea typeface="DejaVu Sans"/>
+                          <a:cs typeface="Times New Roman" panose="02020603050405020304" pitchFamily="18" charset="0"/>
+                        </a:rPr>
+                        <a:t>зміни терміну виконання</a:t>
+                      </a:r>
+                      <a:endParaRPr lang="uk-UA" sz="1800" dirty="0">
+                        <a:solidFill>
+                          <a:srgbClr val="00000A"/>
+                        </a:solidFill>
+                        <a:effectLst/>
+                        <a:latin typeface="Calibri" panose="020F0502020204030204" pitchFamily="34" charset="0"/>
+                        <a:ea typeface="DejaVu Sans"/>
+                        <a:cs typeface="Times New Roman" panose="02020603050405020304" pitchFamily="18" charset="0"/>
+                      </a:endParaRPr>
+                    </a:p>
+                  </a:txBody>
+                  <a:tcPr marL="68580" marR="68580" marT="0" marB="0" anchor="ctr">
+                    <a:lnL w="12700" cap="flat" cmpd="sng" algn="ctr">
+                      <a:solidFill>
+                        <a:srgbClr val="000000"/>
+                      </a:solidFill>
+                      <a:prstDash val="solid"/>
+                      <a:round/>
+                      <a:headEnd type="none" w="med" len="med"/>
+                      <a:tailEnd type="none" w="med" len="med"/>
+                    </a:lnL>
+                    <a:lnR w="12700" cap="flat" cmpd="sng" algn="ctr">
+                      <a:solidFill>
+                        <a:srgbClr val="000000"/>
+                      </a:solidFill>
+                      <a:prstDash val="solid"/>
+                      <a:round/>
+                      <a:headEnd type="none" w="med" len="med"/>
+                      <a:tailEnd type="none" w="med" len="med"/>
+                    </a:lnR>
+                    <a:lnT w="12700" cap="flat" cmpd="sng" algn="ctr">
+                      <a:solidFill>
+                        <a:srgbClr val="000000"/>
+                      </a:solidFill>
+                      <a:prstDash val="solid"/>
+                      <a:round/>
+                      <a:headEnd type="none" w="med" len="med"/>
+                      <a:tailEnd type="none" w="med" len="med"/>
+                    </a:lnT>
+                    <a:lnB w="12700" cap="flat" cmpd="sng" algn="ctr">
+                      <a:solidFill>
+                        <a:srgbClr val="000000"/>
+                      </a:solidFill>
+                      <a:prstDash val="solid"/>
+                      <a:round/>
+                      <a:headEnd type="none" w="med" len="med"/>
+                      <a:tailEnd type="none" w="med" len="med"/>
+                    </a:lnB>
+                  </a:tcPr>
+                </a:tc>
+                <a:tc>
+                  <a:txBody>
+                    <a:bodyPr/>
+                    <a:lstStyle/>
+                    <a:p>
+                      <a:pPr algn="ctr">
+                        <a:lnSpc>
+                          <a:spcPct val="100000"/>
+                        </a:lnSpc>
+                        <a:spcAft>
+                          <a:spcPts val="0"/>
+                        </a:spcAft>
+                      </a:pPr>
+                      <a:r>
+                        <a:rPr lang="uk-UA" sz="1800" dirty="0">
+                          <a:solidFill>
+                            <a:srgbClr val="00000A"/>
+                          </a:solidFill>
+                          <a:effectLst/>
+                          <a:latin typeface="Times New Roman" panose="02020603050405020304" pitchFamily="18" charset="0"/>
+                          <a:ea typeface="DejaVu Sans"/>
+                          <a:cs typeface="Times New Roman" panose="02020603050405020304" pitchFamily="18" charset="0"/>
+                        </a:rPr>
+                        <a:t>СОУ</a:t>
+                      </a:r>
+                      <a:endParaRPr lang="uk-UA" sz="1800" dirty="0">
+                        <a:solidFill>
+                          <a:srgbClr val="00000A"/>
+                        </a:solidFill>
+                        <a:effectLst/>
+                        <a:latin typeface="Calibri" panose="020F0502020204030204" pitchFamily="34" charset="0"/>
+                        <a:ea typeface="DejaVu Sans"/>
+                        <a:cs typeface="Times New Roman" panose="02020603050405020304" pitchFamily="18" charset="0"/>
+                      </a:endParaRPr>
+                    </a:p>
+                  </a:txBody>
+                  <a:tcPr marL="68580" marR="68580" marT="0" marB="0" anchor="ctr">
+                    <a:lnL w="12700" cap="flat" cmpd="sng" algn="ctr">
+                      <a:solidFill>
+                        <a:srgbClr val="000000"/>
+                      </a:solidFill>
+                      <a:prstDash val="solid"/>
+                      <a:round/>
+                      <a:headEnd type="none" w="med" len="med"/>
+                      <a:tailEnd type="none" w="med" len="med"/>
+                    </a:lnL>
+                    <a:lnR w="12700" cap="flat" cmpd="sng" algn="ctr">
+                      <a:solidFill>
+                        <a:srgbClr val="000000"/>
+                      </a:solidFill>
+                      <a:prstDash val="solid"/>
+                      <a:round/>
+                      <a:headEnd type="none" w="med" len="med"/>
+                      <a:tailEnd type="none" w="med" len="med"/>
+                    </a:lnR>
+                    <a:lnT w="12700" cap="flat" cmpd="sng" algn="ctr">
+                      <a:solidFill>
+                        <a:srgbClr val="000000"/>
+                      </a:solidFill>
+                      <a:prstDash val="solid"/>
+                      <a:round/>
+                      <a:headEnd type="none" w="med" len="med"/>
+                      <a:tailEnd type="none" w="med" len="med"/>
+                    </a:lnT>
+                    <a:lnB w="12700" cap="flat" cmpd="sng" algn="ctr">
+                      <a:solidFill>
+                        <a:srgbClr val="000000"/>
+                      </a:solidFill>
+                      <a:prstDash val="solid"/>
+                      <a:round/>
+                      <a:headEnd type="none" w="med" len="med"/>
+                      <a:tailEnd type="none" w="med" len="med"/>
+                    </a:lnB>
+                  </a:tcPr>
+                </a:tc>
+                <a:extLst>
+                  <a:ext uri="{0D108BD9-81ED-4DB2-BD59-A6C34878D82A}">
+                    <a16:rowId xmlns:a16="http://schemas.microsoft.com/office/drawing/2014/main" val="3424116741"/>
+                  </a:ext>
+                </a:extLst>
+              </a:tr>
+              <a:tr h="0">
+                <a:tc vMerge="1">
+                  <a:txBody>
+                    <a:bodyPr/>
+                    <a:lstStyle/>
+                    <a:p>
+                      <a:endParaRPr lang="uk-UA"/>
+                    </a:p>
+                  </a:txBody>
+                  <a:tcPr/>
+                </a:tc>
+                <a:tc>
+                  <a:txBody>
+                    <a:bodyPr/>
+                    <a:lstStyle/>
+                    <a:p>
+                      <a:pPr>
+                        <a:lnSpc>
+                          <a:spcPct val="100000"/>
+                        </a:lnSpc>
+                        <a:spcAft>
+                          <a:spcPts val="0"/>
+                        </a:spcAft>
+                      </a:pPr>
+                      <a:r>
+                        <a:rPr lang="uk-UA" sz="1800" i="1" dirty="0">
+                          <a:solidFill>
+                            <a:srgbClr val="00000A"/>
+                          </a:solidFill>
+                          <a:effectLst/>
+                          <a:latin typeface="Times New Roman" panose="02020603050405020304" pitchFamily="18" charset="0"/>
+                          <a:ea typeface="DejaVu Sans"/>
+                          <a:cs typeface="Times New Roman" panose="02020603050405020304" pitchFamily="18" charset="0"/>
+                        </a:rPr>
+                        <a:t>невчасне надходження операцій</a:t>
+                      </a:r>
+                      <a:endParaRPr lang="uk-UA" sz="1800" dirty="0">
+                        <a:solidFill>
+                          <a:srgbClr val="00000A"/>
+                        </a:solidFill>
+                        <a:effectLst/>
+                        <a:latin typeface="Calibri" panose="020F0502020204030204" pitchFamily="34" charset="0"/>
+                        <a:ea typeface="DejaVu Sans"/>
+                        <a:cs typeface="Times New Roman" panose="02020603050405020304" pitchFamily="18" charset="0"/>
+                      </a:endParaRPr>
+                    </a:p>
+                  </a:txBody>
+                  <a:tcPr marL="68580" marR="68580" marT="0" marB="0" anchor="ctr">
+                    <a:lnL w="12700" cap="flat" cmpd="sng" algn="ctr">
+                      <a:solidFill>
+                        <a:srgbClr val="000000"/>
+                      </a:solidFill>
+                      <a:prstDash val="solid"/>
+                      <a:round/>
+                      <a:headEnd type="none" w="med" len="med"/>
+                      <a:tailEnd type="none" w="med" len="med"/>
+                    </a:lnL>
+                    <a:lnR w="12700" cap="flat" cmpd="sng" algn="ctr">
+                      <a:solidFill>
+                        <a:srgbClr val="000000"/>
+                      </a:solidFill>
+                      <a:prstDash val="solid"/>
+                      <a:round/>
+                      <a:headEnd type="none" w="med" len="med"/>
+                      <a:tailEnd type="none" w="med" len="med"/>
+                    </a:lnR>
+                    <a:lnT w="12700" cap="flat" cmpd="sng" algn="ctr">
+                      <a:solidFill>
+                        <a:srgbClr val="000000"/>
+                      </a:solidFill>
+                      <a:prstDash val="solid"/>
+                      <a:round/>
+                      <a:headEnd type="none" w="med" len="med"/>
+                      <a:tailEnd type="none" w="med" len="med"/>
+                    </a:lnT>
+                    <a:lnB w="12700" cap="flat" cmpd="sng" algn="ctr">
+                      <a:solidFill>
+                        <a:srgbClr val="000000"/>
+                      </a:solidFill>
+                      <a:prstDash val="solid"/>
+                      <a:round/>
+                      <a:headEnd type="none" w="med" len="med"/>
+                      <a:tailEnd type="none" w="med" len="med"/>
+                    </a:lnB>
+                  </a:tcPr>
+                </a:tc>
+                <a:tc>
+                  <a:txBody>
+                    <a:bodyPr/>
+                    <a:lstStyle/>
+                    <a:p>
+                      <a:pPr algn="ctr">
+                        <a:lnSpc>
+                          <a:spcPct val="100000"/>
+                        </a:lnSpc>
+                        <a:spcAft>
+                          <a:spcPts val="0"/>
+                        </a:spcAft>
+                      </a:pPr>
+                      <a:r>
+                        <a:rPr lang="uk-UA" sz="1800" dirty="0">
+                          <a:solidFill>
+                            <a:srgbClr val="00000A"/>
+                          </a:solidFill>
+                          <a:effectLst/>
+                          <a:latin typeface="Times New Roman" panose="02020603050405020304" pitchFamily="18" charset="0"/>
+                          <a:ea typeface="DejaVu Sans"/>
+                          <a:cs typeface="Times New Roman" panose="02020603050405020304" pitchFamily="18" charset="0"/>
+                        </a:rPr>
+                        <a:t>СОУ</a:t>
+                      </a:r>
+                      <a:endParaRPr lang="uk-UA" sz="1800" dirty="0">
+                        <a:solidFill>
+                          <a:srgbClr val="00000A"/>
+                        </a:solidFill>
+                        <a:effectLst/>
+                        <a:latin typeface="Calibri" panose="020F0502020204030204" pitchFamily="34" charset="0"/>
+                        <a:ea typeface="DejaVu Sans"/>
+                        <a:cs typeface="Times New Roman" panose="02020603050405020304" pitchFamily="18" charset="0"/>
+                      </a:endParaRPr>
+                    </a:p>
+                  </a:txBody>
+                  <a:tcPr marL="68580" marR="68580" marT="0" marB="0" anchor="ctr">
+                    <a:lnL w="12700" cap="flat" cmpd="sng" algn="ctr">
+                      <a:solidFill>
+                        <a:srgbClr val="000000"/>
+                      </a:solidFill>
+                      <a:prstDash val="solid"/>
+                      <a:round/>
+                      <a:headEnd type="none" w="med" len="med"/>
+                      <a:tailEnd type="none" w="med" len="med"/>
+                    </a:lnL>
+                    <a:lnR w="12700" cap="flat" cmpd="sng" algn="ctr">
+                      <a:solidFill>
+                        <a:srgbClr val="000000"/>
+                      </a:solidFill>
+                      <a:prstDash val="solid"/>
+                      <a:round/>
+                      <a:headEnd type="none" w="med" len="med"/>
+                      <a:tailEnd type="none" w="med" len="med"/>
+                    </a:lnR>
+                    <a:lnT w="12700" cap="flat" cmpd="sng" algn="ctr">
+                      <a:solidFill>
+                        <a:srgbClr val="000000"/>
+                      </a:solidFill>
+                      <a:prstDash val="solid"/>
+                      <a:round/>
+                      <a:headEnd type="none" w="med" len="med"/>
+                      <a:tailEnd type="none" w="med" len="med"/>
+                    </a:lnT>
+                    <a:lnB w="12700" cap="flat" cmpd="sng" algn="ctr">
+                      <a:solidFill>
+                        <a:srgbClr val="000000"/>
+                      </a:solidFill>
+                      <a:prstDash val="solid"/>
+                      <a:round/>
+                      <a:headEnd type="none" w="med" len="med"/>
+                      <a:tailEnd type="none" w="med" len="med"/>
+                    </a:lnB>
+                  </a:tcPr>
+                </a:tc>
+                <a:extLst>
+                  <a:ext uri="{0D108BD9-81ED-4DB2-BD59-A6C34878D82A}">
+                    <a16:rowId xmlns:a16="http://schemas.microsoft.com/office/drawing/2014/main" val="3657633954"/>
+                  </a:ext>
+                </a:extLst>
+              </a:tr>
+              <a:tr h="0">
+                <a:tc vMerge="1">
+                  <a:txBody>
+                    <a:bodyPr/>
+                    <a:lstStyle/>
+                    <a:p>
+                      <a:endParaRPr lang="uk-UA"/>
+                    </a:p>
+                  </a:txBody>
+                  <a:tcPr/>
+                </a:tc>
+                <a:tc>
+                  <a:txBody>
+                    <a:bodyPr/>
+                    <a:lstStyle/>
+                    <a:p>
+                      <a:pPr>
+                        <a:lnSpc>
+                          <a:spcPct val="100000"/>
+                        </a:lnSpc>
+                        <a:spcAft>
+                          <a:spcPts val="0"/>
+                        </a:spcAft>
+                      </a:pPr>
+                      <a:r>
+                        <a:rPr lang="uk-UA" sz="1800" i="1" dirty="0">
+                          <a:solidFill>
+                            <a:srgbClr val="00000A"/>
+                          </a:solidFill>
+                          <a:effectLst/>
+                          <a:latin typeface="Times New Roman" panose="02020603050405020304" pitchFamily="18" charset="0"/>
+                          <a:ea typeface="DejaVu Sans"/>
+                          <a:cs typeface="Times New Roman" panose="02020603050405020304" pitchFamily="18" charset="0"/>
+                        </a:rPr>
+                        <a:t>зміна пріоритету операцій</a:t>
+                      </a:r>
+                      <a:endParaRPr lang="uk-UA" sz="1800" dirty="0">
+                        <a:solidFill>
+                          <a:srgbClr val="00000A"/>
+                        </a:solidFill>
+                        <a:effectLst/>
+                        <a:latin typeface="Calibri" panose="020F0502020204030204" pitchFamily="34" charset="0"/>
+                        <a:ea typeface="DejaVu Sans"/>
+                        <a:cs typeface="Times New Roman" panose="02020603050405020304" pitchFamily="18" charset="0"/>
+                      </a:endParaRPr>
+                    </a:p>
+                  </a:txBody>
+                  <a:tcPr marL="68580" marR="68580" marT="0" marB="0" anchor="ctr">
+                    <a:lnL w="12700" cap="flat" cmpd="sng" algn="ctr">
+                      <a:solidFill>
+                        <a:srgbClr val="000000"/>
+                      </a:solidFill>
+                      <a:prstDash val="solid"/>
+                      <a:round/>
+                      <a:headEnd type="none" w="med" len="med"/>
+                      <a:tailEnd type="none" w="med" len="med"/>
+                    </a:lnL>
+                    <a:lnR w="12700" cap="flat" cmpd="sng" algn="ctr">
+                      <a:solidFill>
+                        <a:srgbClr val="000000"/>
+                      </a:solidFill>
+                      <a:prstDash val="solid"/>
+                      <a:round/>
+                      <a:headEnd type="none" w="med" len="med"/>
+                      <a:tailEnd type="none" w="med" len="med"/>
+                    </a:lnR>
+                    <a:lnT w="12700" cap="flat" cmpd="sng" algn="ctr">
+                      <a:solidFill>
+                        <a:srgbClr val="000000"/>
+                      </a:solidFill>
+                      <a:prstDash val="solid"/>
+                      <a:round/>
+                      <a:headEnd type="none" w="med" len="med"/>
+                      <a:tailEnd type="none" w="med" len="med"/>
+                    </a:lnT>
+                    <a:lnB w="12700" cap="flat" cmpd="sng" algn="ctr">
+                      <a:solidFill>
+                        <a:srgbClr val="000000"/>
+                      </a:solidFill>
+                      <a:prstDash val="solid"/>
+                      <a:round/>
+                      <a:headEnd type="none" w="med" len="med"/>
+                      <a:tailEnd type="none" w="med" len="med"/>
+                    </a:lnB>
+                  </a:tcPr>
+                </a:tc>
+                <a:tc>
+                  <a:txBody>
+                    <a:bodyPr/>
+                    <a:lstStyle/>
+                    <a:p>
+                      <a:pPr algn="ctr">
+                        <a:lnSpc>
+                          <a:spcPct val="100000"/>
+                        </a:lnSpc>
+                        <a:spcAft>
+                          <a:spcPts val="0"/>
+                        </a:spcAft>
+                      </a:pPr>
+                      <a:r>
+                        <a:rPr lang="uk-UA" sz="1800" dirty="0">
+                          <a:solidFill>
+                            <a:srgbClr val="00000A"/>
+                          </a:solidFill>
+                          <a:effectLst/>
+                          <a:latin typeface="Times New Roman" panose="02020603050405020304" pitchFamily="18" charset="0"/>
+                          <a:ea typeface="DejaVu Sans"/>
+                          <a:cs typeface="Times New Roman" panose="02020603050405020304" pitchFamily="18" charset="0"/>
+                        </a:rPr>
+                        <a:t>СОУ</a:t>
+                      </a:r>
+                      <a:endParaRPr lang="uk-UA" sz="1800" dirty="0">
+                        <a:solidFill>
+                          <a:srgbClr val="00000A"/>
+                        </a:solidFill>
+                        <a:effectLst/>
+                        <a:latin typeface="Calibri" panose="020F0502020204030204" pitchFamily="34" charset="0"/>
+                        <a:ea typeface="DejaVu Sans"/>
+                        <a:cs typeface="Times New Roman" panose="02020603050405020304" pitchFamily="18" charset="0"/>
+                      </a:endParaRPr>
+                    </a:p>
+                  </a:txBody>
+                  <a:tcPr marL="68580" marR="68580" marT="0" marB="0" anchor="ctr">
+                    <a:lnL w="12700" cap="flat" cmpd="sng" algn="ctr">
+                      <a:solidFill>
+                        <a:srgbClr val="000000"/>
+                      </a:solidFill>
+                      <a:prstDash val="solid"/>
+                      <a:round/>
+                      <a:headEnd type="none" w="med" len="med"/>
+                      <a:tailEnd type="none" w="med" len="med"/>
+                    </a:lnL>
+                    <a:lnR w="12700" cap="flat" cmpd="sng" algn="ctr">
+                      <a:solidFill>
+                        <a:srgbClr val="000000"/>
+                      </a:solidFill>
+                      <a:prstDash val="solid"/>
+                      <a:round/>
+                      <a:headEnd type="none" w="med" len="med"/>
+                      <a:tailEnd type="none" w="med" len="med"/>
+                    </a:lnR>
+                    <a:lnT w="12700" cap="flat" cmpd="sng" algn="ctr">
+                      <a:solidFill>
+                        <a:srgbClr val="000000"/>
+                      </a:solidFill>
+                      <a:prstDash val="solid"/>
+                      <a:round/>
+                      <a:headEnd type="none" w="med" len="med"/>
+                      <a:tailEnd type="none" w="med" len="med"/>
+                    </a:lnT>
+                    <a:lnB w="12700" cap="flat" cmpd="sng" algn="ctr">
+                      <a:solidFill>
+                        <a:srgbClr val="000000"/>
+                      </a:solidFill>
+                      <a:prstDash val="solid"/>
+                      <a:round/>
+                      <a:headEnd type="none" w="med" len="med"/>
+                      <a:tailEnd type="none" w="med" len="med"/>
+                    </a:lnB>
+                  </a:tcPr>
+                </a:tc>
+                <a:extLst>
+                  <a:ext uri="{0D108BD9-81ED-4DB2-BD59-A6C34878D82A}">
+                    <a16:rowId xmlns:a16="http://schemas.microsoft.com/office/drawing/2014/main" val="3808108870"/>
+                  </a:ext>
+                </a:extLst>
+              </a:tr>
+              <a:tr h="0">
+                <a:tc vMerge="1">
+                  <a:txBody>
+                    <a:bodyPr/>
+                    <a:lstStyle/>
+                    <a:p>
+                      <a:endParaRPr lang="uk-UA"/>
+                    </a:p>
+                  </a:txBody>
+                  <a:tcPr/>
+                </a:tc>
+                <a:tc>
+                  <a:txBody>
+                    <a:bodyPr/>
+                    <a:lstStyle/>
+                    <a:p>
+                      <a:pPr>
+                        <a:lnSpc>
+                          <a:spcPct val="100000"/>
+                        </a:lnSpc>
+                        <a:spcAft>
+                          <a:spcPts val="0"/>
+                        </a:spcAft>
+                      </a:pPr>
+                      <a:r>
+                        <a:rPr lang="uk-UA" sz="1800" i="1" dirty="0">
+                          <a:solidFill>
+                            <a:srgbClr val="00000A"/>
+                          </a:solidFill>
+                          <a:effectLst/>
+                          <a:latin typeface="Times New Roman" panose="02020603050405020304" pitchFamily="18" charset="0"/>
+                          <a:ea typeface="DejaVu Sans"/>
+                          <a:cs typeface="Times New Roman" panose="02020603050405020304" pitchFamily="18" charset="0"/>
+                        </a:rPr>
+                        <a:t>зміна тривалості виконання операцій</a:t>
+                      </a:r>
+                      <a:endParaRPr lang="uk-UA" sz="1800" dirty="0">
+                        <a:solidFill>
+                          <a:srgbClr val="00000A"/>
+                        </a:solidFill>
+                        <a:effectLst/>
+                        <a:latin typeface="Calibri" panose="020F0502020204030204" pitchFamily="34" charset="0"/>
+                        <a:ea typeface="DejaVu Sans"/>
+                        <a:cs typeface="Times New Roman" panose="02020603050405020304" pitchFamily="18" charset="0"/>
+                      </a:endParaRPr>
+                    </a:p>
+                  </a:txBody>
+                  <a:tcPr marL="68580" marR="68580" marT="0" marB="0" anchor="ctr">
+                    <a:lnL w="12700" cap="flat" cmpd="sng" algn="ctr">
+                      <a:solidFill>
+                        <a:srgbClr val="000000"/>
+                      </a:solidFill>
+                      <a:prstDash val="solid"/>
+                      <a:round/>
+                      <a:headEnd type="none" w="med" len="med"/>
+                      <a:tailEnd type="none" w="med" len="med"/>
+                    </a:lnL>
+                    <a:lnR w="12700" cap="flat" cmpd="sng" algn="ctr">
+                      <a:solidFill>
+                        <a:srgbClr val="000000"/>
+                      </a:solidFill>
+                      <a:prstDash val="solid"/>
+                      <a:round/>
+                      <a:headEnd type="none" w="med" len="med"/>
+                      <a:tailEnd type="none" w="med" len="med"/>
+                    </a:lnR>
+                    <a:lnT w="12700" cap="flat" cmpd="sng" algn="ctr">
+                      <a:solidFill>
+                        <a:srgbClr val="000000"/>
+                      </a:solidFill>
+                      <a:prstDash val="solid"/>
+                      <a:round/>
+                      <a:headEnd type="none" w="med" len="med"/>
+                      <a:tailEnd type="none" w="med" len="med"/>
+                    </a:lnT>
+                    <a:lnB w="12700" cap="flat" cmpd="sng" algn="ctr">
+                      <a:solidFill>
+                        <a:srgbClr val="000000"/>
+                      </a:solidFill>
+                      <a:prstDash val="solid"/>
+                      <a:round/>
+                      <a:headEnd type="none" w="med" len="med"/>
+                      <a:tailEnd type="none" w="med" len="med"/>
+                    </a:lnB>
+                  </a:tcPr>
+                </a:tc>
+                <a:tc>
+                  <a:txBody>
+                    <a:bodyPr/>
+                    <a:lstStyle/>
+                    <a:p>
+                      <a:pPr algn="ctr">
+                        <a:lnSpc>
+                          <a:spcPct val="100000"/>
+                        </a:lnSpc>
+                        <a:spcAft>
+                          <a:spcPts val="0"/>
+                        </a:spcAft>
+                      </a:pPr>
+                      <a:r>
+                        <a:rPr lang="uk-UA" sz="1800" dirty="0">
+                          <a:solidFill>
+                            <a:srgbClr val="00000A"/>
+                          </a:solidFill>
+                          <a:effectLst/>
+                          <a:latin typeface="Times New Roman" panose="02020603050405020304" pitchFamily="18" charset="0"/>
+                          <a:ea typeface="DejaVu Sans"/>
+                          <a:cs typeface="Times New Roman" panose="02020603050405020304" pitchFamily="18" charset="0"/>
+                        </a:rPr>
+                        <a:t>СОУ</a:t>
+                      </a:r>
+                      <a:endParaRPr lang="uk-UA" sz="1800" dirty="0">
+                        <a:solidFill>
+                          <a:srgbClr val="00000A"/>
+                        </a:solidFill>
+                        <a:effectLst/>
+                        <a:latin typeface="Calibri" panose="020F0502020204030204" pitchFamily="34" charset="0"/>
+                        <a:ea typeface="DejaVu Sans"/>
+                        <a:cs typeface="Times New Roman" panose="02020603050405020304" pitchFamily="18" charset="0"/>
+                      </a:endParaRPr>
+                    </a:p>
+                  </a:txBody>
+                  <a:tcPr marL="68580" marR="68580" marT="0" marB="0" anchor="ctr">
+                    <a:lnL w="12700" cap="flat" cmpd="sng" algn="ctr">
+                      <a:solidFill>
+                        <a:srgbClr val="000000"/>
+                      </a:solidFill>
+                      <a:prstDash val="solid"/>
+                      <a:round/>
+                      <a:headEnd type="none" w="med" len="med"/>
+                      <a:tailEnd type="none" w="med" len="med"/>
+                    </a:lnL>
+                    <a:lnR w="12700" cap="flat" cmpd="sng" algn="ctr">
+                      <a:solidFill>
+                        <a:srgbClr val="000000"/>
+                      </a:solidFill>
+                      <a:prstDash val="solid"/>
+                      <a:round/>
+                      <a:headEnd type="none" w="med" len="med"/>
+                      <a:tailEnd type="none" w="med" len="med"/>
+                    </a:lnR>
+                    <a:lnT w="12700" cap="flat" cmpd="sng" algn="ctr">
+                      <a:solidFill>
+                        <a:srgbClr val="000000"/>
+                      </a:solidFill>
+                      <a:prstDash val="solid"/>
+                      <a:round/>
+                      <a:headEnd type="none" w="med" len="med"/>
+                      <a:tailEnd type="none" w="med" len="med"/>
+                    </a:lnT>
+                    <a:lnB w="12700" cap="flat" cmpd="sng" algn="ctr">
+                      <a:solidFill>
+                        <a:srgbClr val="000000"/>
+                      </a:solidFill>
+                      <a:prstDash val="solid"/>
+                      <a:round/>
+                      <a:headEnd type="none" w="med" len="med"/>
+                      <a:tailEnd type="none" w="med" len="med"/>
+                    </a:lnB>
+                  </a:tcPr>
+                </a:tc>
+                <a:extLst>
+                  <a:ext uri="{0D108BD9-81ED-4DB2-BD59-A6C34878D82A}">
+                    <a16:rowId xmlns:a16="http://schemas.microsoft.com/office/drawing/2014/main" val="3293217371"/>
+                  </a:ext>
+                </a:extLst>
+              </a:tr>
+            </a:tbl>
+          </a:graphicData>
+        </a:graphic>
+      </p:graphicFrame>
+    </p:spTree>
+    <p:extLst>
+      <p:ext uri="{BB962C8B-B14F-4D97-AF65-F5344CB8AC3E}">
+        <p14:creationId xmlns:p14="http://schemas.microsoft.com/office/powerpoint/2010/main" val="2850950396"/>
       </p:ext>
     </p:extLst>
   </p:cSld>

--- a/!pres.pptx
+++ b/!pres.pptx
@@ -2692,7 +2692,7 @@
         <a:lstStyle/>
         <a:p>
           <a:r>
-            <a:rPr lang="uk-UA" b="1">
+            <a:rPr lang="uk-UA" b="1" dirty="0">
               <a:latin typeface="Times New Roman" panose="02020603050405020304" pitchFamily="18" charset="0"/>
               <a:cs typeface="Times New Roman" panose="02020603050405020304" pitchFamily="18" charset="0"/>
             </a:rPr>
@@ -3158,7 +3158,7 @@
 <dgm:dataModel xmlns:dgm="http://schemas.openxmlformats.org/drawingml/2006/diagram" xmlns:a="http://schemas.openxmlformats.org/drawingml/2006/main">
   <dgm:ptLst>
     <dgm:pt modelId="{D1F20008-7240-4126-9151-78AADCE2A933}" type="doc">
-      <dgm:prSet loTypeId="urn:microsoft.com/office/officeart/2005/8/layout/chevron2" loCatId="process" qsTypeId="urn:microsoft.com/office/officeart/2005/8/quickstyle/simple1" qsCatId="simple" csTypeId="urn:microsoft.com/office/officeart/2005/8/colors/accent3_2" csCatId="accent3" phldr="1"/>
+      <dgm:prSet loTypeId="urn:microsoft.com/office/officeart/2005/8/layout/chevron2" loCatId="process" qsTypeId="urn:microsoft.com/office/officeart/2005/8/quickstyle/simple3" qsCatId="simple" csTypeId="urn:microsoft.com/office/officeart/2005/8/colors/accent3_2" csCatId="accent3" phldr="1"/>
       <dgm:spPr/>
       <dgm:t>
         <a:bodyPr/>
@@ -3731,7 +3731,7 @@
 <dgm:dataModel xmlns:dgm="http://schemas.openxmlformats.org/drawingml/2006/diagram" xmlns:a="http://schemas.openxmlformats.org/drawingml/2006/main">
   <dgm:ptLst>
     <dgm:pt modelId="{3EEC48BD-B256-4C09-A6BF-7A8C1517E017}" type="doc">
-      <dgm:prSet loTypeId="urn:microsoft.com/office/officeart/2005/8/layout/chevron2" loCatId="process" qsTypeId="urn:microsoft.com/office/officeart/2005/8/quickstyle/simple1" qsCatId="simple" csTypeId="urn:microsoft.com/office/officeart/2005/8/colors/accent3_2" csCatId="accent3" phldr="1"/>
+      <dgm:prSet loTypeId="urn:microsoft.com/office/officeart/2005/8/layout/chevron2" loCatId="process" qsTypeId="urn:microsoft.com/office/officeart/2005/8/quickstyle/simple3" qsCatId="simple" csTypeId="urn:microsoft.com/office/officeart/2005/8/colors/accent3_2" csCatId="accent3" phldr="1"/>
       <dgm:spPr/>
       <dgm:t>
         <a:bodyPr/>
@@ -4164,7 +4164,7 @@
             <a:buChar char="•"/>
           </a:pPr>
           <a:r>
-            <a:rPr lang="uk-UA" sz="1600" b="1" kern="1200">
+            <a:rPr lang="uk-UA" sz="1600" b="1" kern="1200" dirty="0">
               <a:latin typeface="Times New Roman" panose="02020603050405020304" pitchFamily="18" charset="0"/>
               <a:cs typeface="Times New Roman" panose="02020603050405020304" pitchFamily="18" charset="0"/>
             </a:rPr>
@@ -4869,15 +4869,45 @@
         <a:prstGeom prst="chevron">
           <a:avLst/>
         </a:prstGeom>
-        <a:solidFill>
-          <a:schemeClr val="accent3">
-            <a:hueOff val="0"/>
-            <a:satOff val="0"/>
-            <a:lumOff val="0"/>
-            <a:alphaOff val="0"/>
-          </a:schemeClr>
-        </a:solidFill>
-        <a:ln w="12700" cap="flat" cmpd="sng" algn="ctr">
+        <a:gradFill rotWithShape="0">
+          <a:gsLst>
+            <a:gs pos="0">
+              <a:schemeClr val="accent3">
+                <a:hueOff val="0"/>
+                <a:satOff val="0"/>
+                <a:lumOff val="0"/>
+                <a:alphaOff val="0"/>
+                <a:lumMod val="110000"/>
+                <a:satMod val="105000"/>
+                <a:tint val="67000"/>
+              </a:schemeClr>
+            </a:gs>
+            <a:gs pos="50000">
+              <a:schemeClr val="accent3">
+                <a:hueOff val="0"/>
+                <a:satOff val="0"/>
+                <a:lumOff val="0"/>
+                <a:alphaOff val="0"/>
+                <a:lumMod val="105000"/>
+                <a:satMod val="103000"/>
+                <a:tint val="73000"/>
+              </a:schemeClr>
+            </a:gs>
+            <a:gs pos="100000">
+              <a:schemeClr val="accent3">
+                <a:hueOff val="0"/>
+                <a:satOff val="0"/>
+                <a:lumOff val="0"/>
+                <a:alphaOff val="0"/>
+                <a:lumMod val="105000"/>
+                <a:satMod val="109000"/>
+                <a:tint val="81000"/>
+              </a:schemeClr>
+            </a:gs>
+          </a:gsLst>
+          <a:lin ang="5400000" scaled="0"/>
+        </a:gradFill>
+        <a:ln w="6350" cap="flat" cmpd="sng" algn="ctr">
           <a:solidFill>
             <a:schemeClr val="accent3">
               <a:hueOff val="0"/>
@@ -4892,17 +4922,17 @@
         <a:effectLst/>
       </dsp:spPr>
       <dsp:style>
-        <a:lnRef idx="2">
+        <a:lnRef idx="1">
           <a:scrgbClr r="0" g="0" b="0"/>
         </a:lnRef>
-        <a:fillRef idx="1">
+        <a:fillRef idx="2">
           <a:scrgbClr r="0" g="0" b="0"/>
         </a:fillRef>
-        <a:effectRef idx="0">
+        <a:effectRef idx="1">
           <a:scrgbClr r="0" g="0" b="0"/>
         </a:effectRef>
         <a:fontRef idx="minor">
-          <a:schemeClr val="lt1"/>
+          <a:schemeClr val="dk1"/>
         </a:fontRef>
       </dsp:style>
       <dsp:txBody>
@@ -4956,7 +4986,7 @@
             <a:alphaOff val="0"/>
           </a:schemeClr>
         </a:solidFill>
-        <a:ln w="12700" cap="flat" cmpd="sng" algn="ctr">
+        <a:ln w="6350" cap="flat" cmpd="sng" algn="ctr">
           <a:solidFill>
             <a:schemeClr val="accent3">
               <a:hueOff val="0"/>
@@ -4971,7 +5001,7 @@
         <a:effectLst/>
       </dsp:spPr>
       <dsp:style>
-        <a:lnRef idx="2">
+        <a:lnRef idx="1">
           <a:scrgbClr r="0" g="0" b="0"/>
         </a:lnRef>
         <a:fillRef idx="1">
@@ -5027,15 +5057,45 @@
         <a:prstGeom prst="chevron">
           <a:avLst/>
         </a:prstGeom>
-        <a:solidFill>
-          <a:schemeClr val="accent3">
-            <a:hueOff val="0"/>
-            <a:satOff val="0"/>
-            <a:lumOff val="0"/>
-            <a:alphaOff val="0"/>
-          </a:schemeClr>
-        </a:solidFill>
-        <a:ln w="12700" cap="flat" cmpd="sng" algn="ctr">
+        <a:gradFill rotWithShape="0">
+          <a:gsLst>
+            <a:gs pos="0">
+              <a:schemeClr val="accent3">
+                <a:hueOff val="0"/>
+                <a:satOff val="0"/>
+                <a:lumOff val="0"/>
+                <a:alphaOff val="0"/>
+                <a:lumMod val="110000"/>
+                <a:satMod val="105000"/>
+                <a:tint val="67000"/>
+              </a:schemeClr>
+            </a:gs>
+            <a:gs pos="50000">
+              <a:schemeClr val="accent3">
+                <a:hueOff val="0"/>
+                <a:satOff val="0"/>
+                <a:lumOff val="0"/>
+                <a:alphaOff val="0"/>
+                <a:lumMod val="105000"/>
+                <a:satMod val="103000"/>
+                <a:tint val="73000"/>
+              </a:schemeClr>
+            </a:gs>
+            <a:gs pos="100000">
+              <a:schemeClr val="accent3">
+                <a:hueOff val="0"/>
+                <a:satOff val="0"/>
+                <a:lumOff val="0"/>
+                <a:alphaOff val="0"/>
+                <a:lumMod val="105000"/>
+                <a:satMod val="109000"/>
+                <a:tint val="81000"/>
+              </a:schemeClr>
+            </a:gs>
+          </a:gsLst>
+          <a:lin ang="5400000" scaled="0"/>
+        </a:gradFill>
+        <a:ln w="6350" cap="flat" cmpd="sng" algn="ctr">
           <a:solidFill>
             <a:schemeClr val="accent3">
               <a:hueOff val="0"/>
@@ -5050,17 +5110,17 @@
         <a:effectLst/>
       </dsp:spPr>
       <dsp:style>
-        <a:lnRef idx="2">
+        <a:lnRef idx="1">
           <a:scrgbClr r="0" g="0" b="0"/>
         </a:lnRef>
-        <a:fillRef idx="1">
+        <a:fillRef idx="2">
           <a:scrgbClr r="0" g="0" b="0"/>
         </a:fillRef>
-        <a:effectRef idx="0">
+        <a:effectRef idx="1">
           <a:scrgbClr r="0" g="0" b="0"/>
         </a:effectRef>
         <a:fontRef idx="minor">
-          <a:schemeClr val="lt1"/>
+          <a:schemeClr val="dk1"/>
         </a:fontRef>
       </dsp:style>
       <dsp:txBody>
@@ -5114,7 +5174,7 @@
             <a:alphaOff val="0"/>
           </a:schemeClr>
         </a:solidFill>
-        <a:ln w="12700" cap="flat" cmpd="sng" algn="ctr">
+        <a:ln w="6350" cap="flat" cmpd="sng" algn="ctr">
           <a:solidFill>
             <a:schemeClr val="accent3">
               <a:hueOff val="0"/>
@@ -5129,7 +5189,7 @@
         <a:effectLst/>
       </dsp:spPr>
       <dsp:style>
-        <a:lnRef idx="2">
+        <a:lnRef idx="1">
           <a:scrgbClr r="0" g="0" b="0"/>
         </a:lnRef>
         <a:fillRef idx="1">
@@ -5185,15 +5245,45 @@
         <a:prstGeom prst="chevron">
           <a:avLst/>
         </a:prstGeom>
-        <a:solidFill>
-          <a:schemeClr val="accent3">
-            <a:hueOff val="0"/>
-            <a:satOff val="0"/>
-            <a:lumOff val="0"/>
-            <a:alphaOff val="0"/>
-          </a:schemeClr>
-        </a:solidFill>
-        <a:ln w="12700" cap="flat" cmpd="sng" algn="ctr">
+        <a:gradFill rotWithShape="0">
+          <a:gsLst>
+            <a:gs pos="0">
+              <a:schemeClr val="accent3">
+                <a:hueOff val="0"/>
+                <a:satOff val="0"/>
+                <a:lumOff val="0"/>
+                <a:alphaOff val="0"/>
+                <a:lumMod val="110000"/>
+                <a:satMod val="105000"/>
+                <a:tint val="67000"/>
+              </a:schemeClr>
+            </a:gs>
+            <a:gs pos="50000">
+              <a:schemeClr val="accent3">
+                <a:hueOff val="0"/>
+                <a:satOff val="0"/>
+                <a:lumOff val="0"/>
+                <a:alphaOff val="0"/>
+                <a:lumMod val="105000"/>
+                <a:satMod val="103000"/>
+                <a:tint val="73000"/>
+              </a:schemeClr>
+            </a:gs>
+            <a:gs pos="100000">
+              <a:schemeClr val="accent3">
+                <a:hueOff val="0"/>
+                <a:satOff val="0"/>
+                <a:lumOff val="0"/>
+                <a:alphaOff val="0"/>
+                <a:lumMod val="105000"/>
+                <a:satMod val="109000"/>
+                <a:tint val="81000"/>
+              </a:schemeClr>
+            </a:gs>
+          </a:gsLst>
+          <a:lin ang="5400000" scaled="0"/>
+        </a:gradFill>
+        <a:ln w="6350" cap="flat" cmpd="sng" algn="ctr">
           <a:solidFill>
             <a:schemeClr val="accent3">
               <a:hueOff val="0"/>
@@ -5208,17 +5298,17 @@
         <a:effectLst/>
       </dsp:spPr>
       <dsp:style>
-        <a:lnRef idx="2">
+        <a:lnRef idx="1">
           <a:scrgbClr r="0" g="0" b="0"/>
         </a:lnRef>
-        <a:fillRef idx="1">
+        <a:fillRef idx="2">
           <a:scrgbClr r="0" g="0" b="0"/>
         </a:fillRef>
-        <a:effectRef idx="0">
+        <a:effectRef idx="1">
           <a:scrgbClr r="0" g="0" b="0"/>
         </a:effectRef>
         <a:fontRef idx="minor">
-          <a:schemeClr val="lt1"/>
+          <a:schemeClr val="dk1"/>
         </a:fontRef>
       </dsp:style>
       <dsp:txBody>
@@ -5272,7 +5362,7 @@
             <a:alphaOff val="0"/>
           </a:schemeClr>
         </a:solidFill>
-        <a:ln w="12700" cap="flat" cmpd="sng" algn="ctr">
+        <a:ln w="6350" cap="flat" cmpd="sng" algn="ctr">
           <a:solidFill>
             <a:schemeClr val="accent3">
               <a:hueOff val="0"/>
@@ -5287,7 +5377,7 @@
         <a:effectLst/>
       </dsp:spPr>
       <dsp:style>
-        <a:lnRef idx="2">
+        <a:lnRef idx="1">
           <a:scrgbClr r="0" g="0" b="0"/>
         </a:lnRef>
         <a:fillRef idx="1">
@@ -5343,15 +5433,45 @@
         <a:prstGeom prst="chevron">
           <a:avLst/>
         </a:prstGeom>
-        <a:solidFill>
-          <a:schemeClr val="accent3">
-            <a:hueOff val="0"/>
-            <a:satOff val="0"/>
-            <a:lumOff val="0"/>
-            <a:alphaOff val="0"/>
-          </a:schemeClr>
-        </a:solidFill>
-        <a:ln w="12700" cap="flat" cmpd="sng" algn="ctr">
+        <a:gradFill rotWithShape="0">
+          <a:gsLst>
+            <a:gs pos="0">
+              <a:schemeClr val="accent3">
+                <a:hueOff val="0"/>
+                <a:satOff val="0"/>
+                <a:lumOff val="0"/>
+                <a:alphaOff val="0"/>
+                <a:lumMod val="110000"/>
+                <a:satMod val="105000"/>
+                <a:tint val="67000"/>
+              </a:schemeClr>
+            </a:gs>
+            <a:gs pos="50000">
+              <a:schemeClr val="accent3">
+                <a:hueOff val="0"/>
+                <a:satOff val="0"/>
+                <a:lumOff val="0"/>
+                <a:alphaOff val="0"/>
+                <a:lumMod val="105000"/>
+                <a:satMod val="103000"/>
+                <a:tint val="73000"/>
+              </a:schemeClr>
+            </a:gs>
+            <a:gs pos="100000">
+              <a:schemeClr val="accent3">
+                <a:hueOff val="0"/>
+                <a:satOff val="0"/>
+                <a:lumOff val="0"/>
+                <a:alphaOff val="0"/>
+                <a:lumMod val="105000"/>
+                <a:satMod val="109000"/>
+                <a:tint val="81000"/>
+              </a:schemeClr>
+            </a:gs>
+          </a:gsLst>
+          <a:lin ang="5400000" scaled="0"/>
+        </a:gradFill>
+        <a:ln w="6350" cap="flat" cmpd="sng" algn="ctr">
           <a:solidFill>
             <a:schemeClr val="accent3">
               <a:hueOff val="0"/>
@@ -5366,17 +5486,17 @@
         <a:effectLst/>
       </dsp:spPr>
       <dsp:style>
-        <a:lnRef idx="2">
+        <a:lnRef idx="1">
           <a:scrgbClr r="0" g="0" b="0"/>
         </a:lnRef>
-        <a:fillRef idx="1">
+        <a:fillRef idx="2">
           <a:scrgbClr r="0" g="0" b="0"/>
         </a:fillRef>
-        <a:effectRef idx="0">
+        <a:effectRef idx="1">
           <a:scrgbClr r="0" g="0" b="0"/>
         </a:effectRef>
         <a:fontRef idx="minor">
-          <a:schemeClr val="lt1"/>
+          <a:schemeClr val="dk1"/>
         </a:fontRef>
       </dsp:style>
       <dsp:txBody>
@@ -5430,7 +5550,7 @@
             <a:alphaOff val="0"/>
           </a:schemeClr>
         </a:solidFill>
-        <a:ln w="12700" cap="flat" cmpd="sng" algn="ctr">
+        <a:ln w="6350" cap="flat" cmpd="sng" algn="ctr">
           <a:solidFill>
             <a:schemeClr val="accent3">
               <a:hueOff val="0"/>
@@ -5445,7 +5565,7 @@
         <a:effectLst/>
       </dsp:spPr>
       <dsp:style>
-        <a:lnRef idx="2">
+        <a:lnRef idx="1">
           <a:scrgbClr r="0" g="0" b="0"/>
         </a:lnRef>
         <a:fillRef idx="1">
@@ -5501,15 +5621,45 @@
         <a:prstGeom prst="chevron">
           <a:avLst/>
         </a:prstGeom>
-        <a:solidFill>
-          <a:schemeClr val="accent3">
-            <a:hueOff val="0"/>
-            <a:satOff val="0"/>
-            <a:lumOff val="0"/>
-            <a:alphaOff val="0"/>
-          </a:schemeClr>
-        </a:solidFill>
-        <a:ln w="12700" cap="flat" cmpd="sng" algn="ctr">
+        <a:gradFill rotWithShape="0">
+          <a:gsLst>
+            <a:gs pos="0">
+              <a:schemeClr val="accent3">
+                <a:hueOff val="0"/>
+                <a:satOff val="0"/>
+                <a:lumOff val="0"/>
+                <a:alphaOff val="0"/>
+                <a:lumMod val="110000"/>
+                <a:satMod val="105000"/>
+                <a:tint val="67000"/>
+              </a:schemeClr>
+            </a:gs>
+            <a:gs pos="50000">
+              <a:schemeClr val="accent3">
+                <a:hueOff val="0"/>
+                <a:satOff val="0"/>
+                <a:lumOff val="0"/>
+                <a:alphaOff val="0"/>
+                <a:lumMod val="105000"/>
+                <a:satMod val="103000"/>
+                <a:tint val="73000"/>
+              </a:schemeClr>
+            </a:gs>
+            <a:gs pos="100000">
+              <a:schemeClr val="accent3">
+                <a:hueOff val="0"/>
+                <a:satOff val="0"/>
+                <a:lumOff val="0"/>
+                <a:alphaOff val="0"/>
+                <a:lumMod val="105000"/>
+                <a:satMod val="109000"/>
+                <a:tint val="81000"/>
+              </a:schemeClr>
+            </a:gs>
+          </a:gsLst>
+          <a:lin ang="5400000" scaled="0"/>
+        </a:gradFill>
+        <a:ln w="6350" cap="flat" cmpd="sng" algn="ctr">
           <a:solidFill>
             <a:schemeClr val="accent3">
               <a:hueOff val="0"/>
@@ -5524,17 +5674,17 @@
         <a:effectLst/>
       </dsp:spPr>
       <dsp:style>
-        <a:lnRef idx="2">
+        <a:lnRef idx="1">
           <a:scrgbClr r="0" g="0" b="0"/>
         </a:lnRef>
-        <a:fillRef idx="1">
+        <a:fillRef idx="2">
           <a:scrgbClr r="0" g="0" b="0"/>
         </a:fillRef>
-        <a:effectRef idx="0">
+        <a:effectRef idx="1">
           <a:scrgbClr r="0" g="0" b="0"/>
         </a:effectRef>
         <a:fontRef idx="minor">
-          <a:schemeClr val="lt1"/>
+          <a:schemeClr val="dk1"/>
         </a:fontRef>
       </dsp:style>
       <dsp:txBody>
@@ -5588,7 +5738,7 @@
             <a:alphaOff val="0"/>
           </a:schemeClr>
         </a:solidFill>
-        <a:ln w="12700" cap="flat" cmpd="sng" algn="ctr">
+        <a:ln w="6350" cap="flat" cmpd="sng" algn="ctr">
           <a:solidFill>
             <a:schemeClr val="accent3">
               <a:hueOff val="0"/>
@@ -5603,7 +5753,7 @@
         <a:effectLst/>
       </dsp:spPr>
       <dsp:style>
-        <a:lnRef idx="2">
+        <a:lnRef idx="1">
           <a:scrgbClr r="0" g="0" b="0"/>
         </a:lnRef>
         <a:fillRef idx="1">
@@ -5671,15 +5821,45 @@
         <a:prstGeom prst="chevron">
           <a:avLst/>
         </a:prstGeom>
-        <a:solidFill>
-          <a:schemeClr val="accent3">
-            <a:hueOff val="0"/>
-            <a:satOff val="0"/>
-            <a:lumOff val="0"/>
-            <a:alphaOff val="0"/>
-          </a:schemeClr>
-        </a:solidFill>
-        <a:ln w="12700" cap="flat" cmpd="sng" algn="ctr">
+        <a:gradFill rotWithShape="0">
+          <a:gsLst>
+            <a:gs pos="0">
+              <a:schemeClr val="accent3">
+                <a:hueOff val="0"/>
+                <a:satOff val="0"/>
+                <a:lumOff val="0"/>
+                <a:alphaOff val="0"/>
+                <a:lumMod val="110000"/>
+                <a:satMod val="105000"/>
+                <a:tint val="67000"/>
+              </a:schemeClr>
+            </a:gs>
+            <a:gs pos="50000">
+              <a:schemeClr val="accent3">
+                <a:hueOff val="0"/>
+                <a:satOff val="0"/>
+                <a:lumOff val="0"/>
+                <a:alphaOff val="0"/>
+                <a:lumMod val="105000"/>
+                <a:satMod val="103000"/>
+                <a:tint val="73000"/>
+              </a:schemeClr>
+            </a:gs>
+            <a:gs pos="100000">
+              <a:schemeClr val="accent3">
+                <a:hueOff val="0"/>
+                <a:satOff val="0"/>
+                <a:lumOff val="0"/>
+                <a:alphaOff val="0"/>
+                <a:lumMod val="105000"/>
+                <a:satMod val="109000"/>
+                <a:tint val="81000"/>
+              </a:schemeClr>
+            </a:gs>
+          </a:gsLst>
+          <a:lin ang="5400000" scaled="0"/>
+        </a:gradFill>
+        <a:ln w="6350" cap="flat" cmpd="sng" algn="ctr">
           <a:solidFill>
             <a:schemeClr val="accent3">
               <a:hueOff val="0"/>
@@ -5694,17 +5874,17 @@
         <a:effectLst/>
       </dsp:spPr>
       <dsp:style>
-        <a:lnRef idx="2">
+        <a:lnRef idx="1">
           <a:scrgbClr r="0" g="0" b="0"/>
         </a:lnRef>
-        <a:fillRef idx="1">
+        <a:fillRef idx="2">
           <a:scrgbClr r="0" g="0" b="0"/>
         </a:fillRef>
-        <a:effectRef idx="0">
+        <a:effectRef idx="1">
           <a:scrgbClr r="0" g="0" b="0"/>
         </a:effectRef>
         <a:fontRef idx="minor">
-          <a:schemeClr val="lt1"/>
+          <a:schemeClr val="dk1"/>
         </a:fontRef>
       </dsp:style>
       <dsp:txBody>
@@ -5758,7 +5938,7 @@
             <a:alphaOff val="0"/>
           </a:schemeClr>
         </a:solidFill>
-        <a:ln w="12700" cap="flat" cmpd="sng" algn="ctr">
+        <a:ln w="6350" cap="flat" cmpd="sng" algn="ctr">
           <a:solidFill>
             <a:schemeClr val="accent3">
               <a:hueOff val="0"/>
@@ -5773,7 +5953,7 @@
         <a:effectLst/>
       </dsp:spPr>
       <dsp:style>
-        <a:lnRef idx="2">
+        <a:lnRef idx="1">
           <a:scrgbClr r="0" g="0" b="0"/>
         </a:lnRef>
         <a:fillRef idx="1">
@@ -5829,15 +6009,45 @@
         <a:prstGeom prst="chevron">
           <a:avLst/>
         </a:prstGeom>
-        <a:solidFill>
-          <a:schemeClr val="accent3">
-            <a:hueOff val="0"/>
-            <a:satOff val="0"/>
-            <a:lumOff val="0"/>
-            <a:alphaOff val="0"/>
-          </a:schemeClr>
-        </a:solidFill>
-        <a:ln w="12700" cap="flat" cmpd="sng" algn="ctr">
+        <a:gradFill rotWithShape="0">
+          <a:gsLst>
+            <a:gs pos="0">
+              <a:schemeClr val="accent3">
+                <a:hueOff val="0"/>
+                <a:satOff val="0"/>
+                <a:lumOff val="0"/>
+                <a:alphaOff val="0"/>
+                <a:lumMod val="110000"/>
+                <a:satMod val="105000"/>
+                <a:tint val="67000"/>
+              </a:schemeClr>
+            </a:gs>
+            <a:gs pos="50000">
+              <a:schemeClr val="accent3">
+                <a:hueOff val="0"/>
+                <a:satOff val="0"/>
+                <a:lumOff val="0"/>
+                <a:alphaOff val="0"/>
+                <a:lumMod val="105000"/>
+                <a:satMod val="103000"/>
+                <a:tint val="73000"/>
+              </a:schemeClr>
+            </a:gs>
+            <a:gs pos="100000">
+              <a:schemeClr val="accent3">
+                <a:hueOff val="0"/>
+                <a:satOff val="0"/>
+                <a:lumOff val="0"/>
+                <a:alphaOff val="0"/>
+                <a:lumMod val="105000"/>
+                <a:satMod val="109000"/>
+                <a:tint val="81000"/>
+              </a:schemeClr>
+            </a:gs>
+          </a:gsLst>
+          <a:lin ang="5400000" scaled="0"/>
+        </a:gradFill>
+        <a:ln w="6350" cap="flat" cmpd="sng" algn="ctr">
           <a:solidFill>
             <a:schemeClr val="accent3">
               <a:hueOff val="0"/>
@@ -5852,17 +6062,17 @@
         <a:effectLst/>
       </dsp:spPr>
       <dsp:style>
-        <a:lnRef idx="2">
+        <a:lnRef idx="1">
           <a:scrgbClr r="0" g="0" b="0"/>
         </a:lnRef>
-        <a:fillRef idx="1">
+        <a:fillRef idx="2">
           <a:scrgbClr r="0" g="0" b="0"/>
         </a:fillRef>
-        <a:effectRef idx="0">
+        <a:effectRef idx="1">
           <a:scrgbClr r="0" g="0" b="0"/>
         </a:effectRef>
         <a:fontRef idx="minor">
-          <a:schemeClr val="lt1"/>
+          <a:schemeClr val="dk1"/>
         </a:fontRef>
       </dsp:style>
       <dsp:txBody>
@@ -5916,7 +6126,7 @@
             <a:alphaOff val="0"/>
           </a:schemeClr>
         </a:solidFill>
-        <a:ln w="12700" cap="flat" cmpd="sng" algn="ctr">
+        <a:ln w="6350" cap="flat" cmpd="sng" algn="ctr">
           <a:solidFill>
             <a:schemeClr val="accent3">
               <a:hueOff val="0"/>
@@ -5931,7 +6141,7 @@
         <a:effectLst/>
       </dsp:spPr>
       <dsp:style>
-        <a:lnRef idx="2">
+        <a:lnRef idx="1">
           <a:scrgbClr r="0" g="0" b="0"/>
         </a:lnRef>
         <a:fillRef idx="1">
@@ -5987,15 +6197,45 @@
         <a:prstGeom prst="chevron">
           <a:avLst/>
         </a:prstGeom>
-        <a:solidFill>
-          <a:schemeClr val="accent3">
-            <a:hueOff val="0"/>
-            <a:satOff val="0"/>
-            <a:lumOff val="0"/>
-            <a:alphaOff val="0"/>
-          </a:schemeClr>
-        </a:solidFill>
-        <a:ln w="12700" cap="flat" cmpd="sng" algn="ctr">
+        <a:gradFill rotWithShape="0">
+          <a:gsLst>
+            <a:gs pos="0">
+              <a:schemeClr val="accent3">
+                <a:hueOff val="0"/>
+                <a:satOff val="0"/>
+                <a:lumOff val="0"/>
+                <a:alphaOff val="0"/>
+                <a:lumMod val="110000"/>
+                <a:satMod val="105000"/>
+                <a:tint val="67000"/>
+              </a:schemeClr>
+            </a:gs>
+            <a:gs pos="50000">
+              <a:schemeClr val="accent3">
+                <a:hueOff val="0"/>
+                <a:satOff val="0"/>
+                <a:lumOff val="0"/>
+                <a:alphaOff val="0"/>
+                <a:lumMod val="105000"/>
+                <a:satMod val="103000"/>
+                <a:tint val="73000"/>
+              </a:schemeClr>
+            </a:gs>
+            <a:gs pos="100000">
+              <a:schemeClr val="accent3">
+                <a:hueOff val="0"/>
+                <a:satOff val="0"/>
+                <a:lumOff val="0"/>
+                <a:alphaOff val="0"/>
+                <a:lumMod val="105000"/>
+                <a:satMod val="109000"/>
+                <a:tint val="81000"/>
+              </a:schemeClr>
+            </a:gs>
+          </a:gsLst>
+          <a:lin ang="5400000" scaled="0"/>
+        </a:gradFill>
+        <a:ln w="6350" cap="flat" cmpd="sng" algn="ctr">
           <a:solidFill>
             <a:schemeClr val="accent3">
               <a:hueOff val="0"/>
@@ -6010,17 +6250,17 @@
         <a:effectLst/>
       </dsp:spPr>
       <dsp:style>
-        <a:lnRef idx="2">
+        <a:lnRef idx="1">
           <a:scrgbClr r="0" g="0" b="0"/>
         </a:lnRef>
-        <a:fillRef idx="1">
+        <a:fillRef idx="2">
           <a:scrgbClr r="0" g="0" b="0"/>
         </a:fillRef>
-        <a:effectRef idx="0">
+        <a:effectRef idx="1">
           <a:scrgbClr r="0" g="0" b="0"/>
         </a:effectRef>
         <a:fontRef idx="minor">
-          <a:schemeClr val="lt1"/>
+          <a:schemeClr val="dk1"/>
         </a:fontRef>
       </dsp:style>
       <dsp:txBody>
@@ -6074,7 +6314,7 @@
             <a:alphaOff val="0"/>
           </a:schemeClr>
         </a:solidFill>
-        <a:ln w="12700" cap="flat" cmpd="sng" algn="ctr">
+        <a:ln w="6350" cap="flat" cmpd="sng" algn="ctr">
           <a:solidFill>
             <a:schemeClr val="accent3">
               <a:hueOff val="0"/>
@@ -6089,7 +6329,7 @@
         <a:effectLst/>
       </dsp:spPr>
       <dsp:style>
-        <a:lnRef idx="2">
+        <a:lnRef idx="1">
           <a:scrgbClr r="0" g="0" b="0"/>
         </a:lnRef>
         <a:fillRef idx="1">
@@ -7889,11 +8129,11 @@
 </file>
 
 <file path=ppt/diagrams/quickStyle2.xml><?xml version="1.0" encoding="utf-8"?>
-<dgm:styleDef xmlns:dgm="http://schemas.openxmlformats.org/drawingml/2006/diagram" xmlns:a="http://schemas.openxmlformats.org/drawingml/2006/main" uniqueId="urn:microsoft.com/office/officeart/2005/8/quickstyle/simple1">
+<dgm:styleDef xmlns:dgm="http://schemas.openxmlformats.org/drawingml/2006/diagram" xmlns:a="http://schemas.openxmlformats.org/drawingml/2006/main" uniqueId="urn:microsoft.com/office/officeart/2005/8/quickstyle/simple3">
   <dgm:title val=""/>
   <dgm:desc val=""/>
   <dgm:catLst>
-    <dgm:cat type="simple" pri="10100"/>
+    <dgm:cat type="simple" pri="10300"/>
   </dgm:catLst>
   <dgm:scene3d>
     <a:camera prst="orthographicFront"/>
@@ -7902,59 +8142,65 @@
   <dgm:styleLbl name="node0">
     <dgm:scene3d>
       <a:camera prst="orthographicFront"/>
-      <a:lightRig rig="threePt" dir="t"/>
+      <a:lightRig rig="flat" dir="t"/>
     </dgm:scene3d>
-    <dgm:sp3d/>
+    <dgm:sp3d prstMaterial="dkEdge">
+      <a:bevelT w="8200" h="38100"/>
+    </dgm:sp3d>
     <dgm:txPr/>
     <dgm:style>
-      <a:lnRef idx="2">
+      <a:lnRef idx="0">
         <a:scrgbClr r="0" g="0" b="0"/>
       </a:lnRef>
-      <a:fillRef idx="1">
+      <a:fillRef idx="2">
+        <a:scrgbClr r="0" g="0" b="0"/>
+      </a:fillRef>
+      <a:effectRef idx="1">
+        <a:scrgbClr r="0" g="0" b="0"/>
+      </a:effectRef>
+      <a:fontRef idx="minor">
+        <a:schemeClr val="dk1"/>
+      </a:fontRef>
+    </dgm:style>
+  </dgm:styleLbl>
+  <dgm:styleLbl name="lnNode1">
+    <dgm:scene3d>
+      <a:camera prst="orthographicFront"/>
+      <a:lightRig rig="flat" dir="t"/>
+    </dgm:scene3d>
+    <dgm:sp3d prstMaterial="dkEdge">
+      <a:bevelT w="8200" h="38100"/>
+    </dgm:sp3d>
+    <dgm:txPr/>
+    <dgm:style>
+      <a:lnRef idx="1">
+        <a:scrgbClr r="0" g="0" b="0"/>
+      </a:lnRef>
+      <a:fillRef idx="2">
         <a:scrgbClr r="0" g="0" b="0"/>
       </a:fillRef>
       <a:effectRef idx="0">
         <a:scrgbClr r="0" g="0" b="0"/>
       </a:effectRef>
       <a:fontRef idx="minor">
-        <a:schemeClr val="lt1"/>
-      </a:fontRef>
-    </dgm:style>
-  </dgm:styleLbl>
-  <dgm:styleLbl name="lnNode1">
-    <dgm:scene3d>
-      <a:camera prst="orthographicFront"/>
-      <a:lightRig rig="threePt" dir="t"/>
-    </dgm:scene3d>
-    <dgm:sp3d/>
-    <dgm:txPr/>
-    <dgm:style>
-      <a:lnRef idx="2">
-        <a:scrgbClr r="0" g="0" b="0"/>
-      </a:lnRef>
-      <a:fillRef idx="1">
-        <a:scrgbClr r="0" g="0" b="0"/>
-      </a:fillRef>
-      <a:effectRef idx="0">
-        <a:scrgbClr r="0" g="0" b="0"/>
-      </a:effectRef>
-      <a:fontRef idx="minor">
-        <a:schemeClr val="lt1"/>
+        <a:schemeClr val="dk1"/>
       </a:fontRef>
     </dgm:style>
   </dgm:styleLbl>
   <dgm:styleLbl name="vennNode1">
     <dgm:scene3d>
       <a:camera prst="orthographicFront"/>
-      <a:lightRig rig="threePt" dir="t"/>
+      <a:lightRig rig="flat" dir="t"/>
     </dgm:scene3d>
-    <dgm:sp3d/>
+    <dgm:sp3d prstMaterial="dkEdge">
+      <a:bevelT w="8200" h="38100"/>
+    </dgm:sp3d>
     <dgm:txPr/>
     <dgm:style>
-      <a:lnRef idx="2">
+      <a:lnRef idx="0">
         <a:scrgbClr r="0" g="0" b="0"/>
       </a:lnRef>
-      <a:fillRef idx="1">
+      <a:fillRef idx="2">
         <a:scrgbClr r="0" g="0" b="0"/>
       </a:fillRef>
       <a:effectRef idx="0">
@@ -7973,105 +8219,113 @@
     <dgm:sp3d/>
     <dgm:txPr/>
     <dgm:style>
-      <a:lnRef idx="2">
+      <a:lnRef idx="1">
         <a:scrgbClr r="0" g="0" b="0"/>
       </a:lnRef>
-      <a:fillRef idx="1">
+      <a:fillRef idx="2">
         <a:scrgbClr r="0" g="0" b="0"/>
       </a:fillRef>
-      <a:effectRef idx="0">
+      <a:effectRef idx="1">
         <a:scrgbClr r="0" g="0" b="0"/>
       </a:effectRef>
       <a:fontRef idx="minor">
-        <a:schemeClr val="lt1"/>
+        <a:schemeClr val="dk1"/>
       </a:fontRef>
     </dgm:style>
   </dgm:styleLbl>
   <dgm:styleLbl name="node1">
     <dgm:scene3d>
       <a:camera prst="orthographicFront"/>
-      <a:lightRig rig="threePt" dir="t"/>
+      <a:lightRig rig="flat" dir="t"/>
     </dgm:scene3d>
-    <dgm:sp3d/>
+    <dgm:sp3d prstMaterial="dkEdge">
+      <a:bevelT w="8200" h="38100"/>
+    </dgm:sp3d>
     <dgm:txPr/>
     <dgm:style>
-      <a:lnRef idx="2">
+      <a:lnRef idx="0">
         <a:scrgbClr r="0" g="0" b="0"/>
       </a:lnRef>
-      <a:fillRef idx="1">
+      <a:fillRef idx="2">
         <a:scrgbClr r="0" g="0" b="0"/>
       </a:fillRef>
-      <a:effectRef idx="0">
+      <a:effectRef idx="1">
         <a:scrgbClr r="0" g="0" b="0"/>
       </a:effectRef>
       <a:fontRef idx="minor">
-        <a:schemeClr val="lt1"/>
+        <a:schemeClr val="dk1"/>
       </a:fontRef>
     </dgm:style>
   </dgm:styleLbl>
   <dgm:styleLbl name="node2">
     <dgm:scene3d>
       <a:camera prst="orthographicFront"/>
-      <a:lightRig rig="threePt" dir="t"/>
+      <a:lightRig rig="flat" dir="t"/>
     </dgm:scene3d>
-    <dgm:sp3d/>
+    <dgm:sp3d prstMaterial="dkEdge">
+      <a:bevelT w="8200" h="38100"/>
+    </dgm:sp3d>
     <dgm:txPr/>
     <dgm:style>
-      <a:lnRef idx="2">
+      <a:lnRef idx="0">
         <a:scrgbClr r="0" g="0" b="0"/>
       </a:lnRef>
-      <a:fillRef idx="1">
+      <a:fillRef idx="2">
         <a:scrgbClr r="0" g="0" b="0"/>
       </a:fillRef>
-      <a:effectRef idx="0">
+      <a:effectRef idx="1">
         <a:scrgbClr r="0" g="0" b="0"/>
       </a:effectRef>
       <a:fontRef idx="minor">
-        <a:schemeClr val="lt1"/>
+        <a:schemeClr val="dk1"/>
       </a:fontRef>
     </dgm:style>
   </dgm:styleLbl>
   <dgm:styleLbl name="node3">
     <dgm:scene3d>
       <a:camera prst="orthographicFront"/>
-      <a:lightRig rig="threePt" dir="t"/>
+      <a:lightRig rig="flat" dir="t"/>
     </dgm:scene3d>
-    <dgm:sp3d/>
+    <dgm:sp3d prstMaterial="dkEdge">
+      <a:bevelT w="8200" h="38100"/>
+    </dgm:sp3d>
     <dgm:txPr/>
     <dgm:style>
-      <a:lnRef idx="2">
+      <a:lnRef idx="0">
         <a:scrgbClr r="0" g="0" b="0"/>
       </a:lnRef>
-      <a:fillRef idx="1">
+      <a:fillRef idx="2">
         <a:scrgbClr r="0" g="0" b="0"/>
       </a:fillRef>
-      <a:effectRef idx="0">
+      <a:effectRef idx="1">
         <a:scrgbClr r="0" g="0" b="0"/>
       </a:effectRef>
       <a:fontRef idx="minor">
-        <a:schemeClr val="lt1"/>
+        <a:schemeClr val="dk1"/>
       </a:fontRef>
     </dgm:style>
   </dgm:styleLbl>
   <dgm:styleLbl name="node4">
     <dgm:scene3d>
       <a:camera prst="orthographicFront"/>
-      <a:lightRig rig="threePt" dir="t"/>
+      <a:lightRig rig="flat" dir="t"/>
     </dgm:scene3d>
-    <dgm:sp3d/>
+    <dgm:sp3d prstMaterial="dkEdge">
+      <a:bevelT w="8200" h="38100"/>
+    </dgm:sp3d>
     <dgm:txPr/>
     <dgm:style>
-      <a:lnRef idx="2">
+      <a:lnRef idx="0">
         <a:scrgbClr r="0" g="0" b="0"/>
       </a:lnRef>
-      <a:fillRef idx="1">
+      <a:fillRef idx="2">
         <a:scrgbClr r="0" g="0" b="0"/>
       </a:fillRef>
-      <a:effectRef idx="0">
+      <a:effectRef idx="1">
         <a:scrgbClr r="0" g="0" b="0"/>
       </a:effectRef>
       <a:fontRef idx="minor">
-        <a:schemeClr val="lt1"/>
+        <a:schemeClr val="dk1"/>
       </a:fontRef>
     </dgm:style>
   </dgm:styleLbl>
@@ -8083,13 +8337,13 @@
     <dgm:sp3d/>
     <dgm:txPr/>
     <dgm:style>
-      <a:lnRef idx="2">
+      <a:lnRef idx="1">
         <a:scrgbClr r="0" g="0" b="0"/>
       </a:lnRef>
       <a:fillRef idx="1">
         <a:scrgbClr r="0" g="0" b="0"/>
       </a:fillRef>
-      <a:effectRef idx="0">
+      <a:effectRef idx="1">
         <a:scrgbClr r="0" g="0" b="0"/>
       </a:effectRef>
       <a:fontRef idx="minor"/>
@@ -8103,13 +8357,13 @@
     <dgm:sp3d/>
     <dgm:txPr/>
     <dgm:style>
-      <a:lnRef idx="2">
+      <a:lnRef idx="1">
         <a:scrgbClr r="0" g="0" b="0"/>
       </a:lnRef>
       <a:fillRef idx="1">
         <a:scrgbClr r="0" g="0" b="0"/>
       </a:fillRef>
-      <a:effectRef idx="0">
+      <a:effectRef idx="1">
         <a:scrgbClr r="0" g="0" b="0"/>
       </a:effectRef>
       <a:fontRef idx="minor"/>
@@ -8123,13 +8377,13 @@
     <dgm:sp3d/>
     <dgm:txPr/>
     <dgm:style>
-      <a:lnRef idx="2">
+      <a:lnRef idx="1">
         <a:scrgbClr r="0" g="0" b="0"/>
       </a:lnRef>
       <a:fillRef idx="1">
         <a:scrgbClr r="0" g="0" b="0"/>
       </a:fillRef>
-      <a:effectRef idx="0">
+      <a:effectRef idx="1">
         <a:scrgbClr r="0" g="0" b="0"/>
       </a:effectRef>
       <a:fontRef idx="minor"/>
@@ -8146,14 +8400,14 @@
       <a:lnRef idx="0">
         <a:scrgbClr r="0" g="0" b="0"/>
       </a:lnRef>
-      <a:fillRef idx="1">
+      <a:fillRef idx="2">
         <a:scrgbClr r="0" g="0" b="0"/>
       </a:fillRef>
-      <a:effectRef idx="0">
+      <a:effectRef idx="1">
         <a:scrgbClr r="0" g="0" b="0"/>
       </a:effectRef>
       <a:fontRef idx="minor">
-        <a:schemeClr val="lt1"/>
+        <a:schemeClr val="dk1"/>
       </a:fontRef>
     </dgm:style>
   </dgm:styleLbl>
@@ -8168,14 +8422,14 @@
       <a:lnRef idx="0">
         <a:scrgbClr r="0" g="0" b="0"/>
       </a:lnRef>
-      <a:fillRef idx="1">
+      <a:fillRef idx="2">
         <a:scrgbClr r="0" g="0" b="0"/>
       </a:fillRef>
-      <a:effectRef idx="0">
+      <a:effectRef idx="1">
         <a:scrgbClr r="0" g="0" b="0"/>
       </a:effectRef>
       <a:fontRef idx="minor">
-        <a:schemeClr val="lt1"/>
+        <a:schemeClr val="dk1"/>
       </a:fontRef>
     </dgm:style>
   </dgm:styleLbl>
@@ -8190,14 +8444,14 @@
       <a:lnRef idx="0">
         <a:scrgbClr r="0" g="0" b="0"/>
       </a:lnRef>
-      <a:fillRef idx="1">
+      <a:fillRef idx="2">
         <a:scrgbClr r="0" g="0" b="0"/>
       </a:fillRef>
-      <a:effectRef idx="0">
+      <a:effectRef idx="1">
         <a:scrgbClr r="0" g="0" b="0"/>
       </a:effectRef>
       <a:fontRef idx="minor">
-        <a:schemeClr val="lt1"/>
+        <a:schemeClr val="dk1"/>
       </a:fontRef>
     </dgm:style>
   </dgm:styleLbl>
@@ -8229,13 +8483,13 @@
     <dgm:sp3d/>
     <dgm:txPr/>
     <dgm:style>
-      <a:lnRef idx="2">
+      <a:lnRef idx="1">
         <a:scrgbClr r="0" g="0" b="0"/>
       </a:lnRef>
-      <a:fillRef idx="1">
+      <a:fillRef idx="2">
         <a:scrgbClr r="0" g="0" b="0"/>
       </a:fillRef>
-      <a:effectRef idx="0">
+      <a:effectRef idx="1">
         <a:scrgbClr r="0" g="0" b="0"/>
       </a:effectRef>
       <a:fontRef idx="minor"/>
@@ -8244,110 +8498,120 @@
   <dgm:styleLbl name="asst0">
     <dgm:scene3d>
       <a:camera prst="orthographicFront"/>
-      <a:lightRig rig="threePt" dir="t"/>
+      <a:lightRig rig="flat" dir="t"/>
     </dgm:scene3d>
-    <dgm:sp3d/>
+    <dgm:sp3d prstMaterial="dkEdge">
+      <a:bevelT w="8200" h="38100"/>
+    </dgm:sp3d>
     <dgm:txPr/>
     <dgm:style>
-      <a:lnRef idx="2">
+      <a:lnRef idx="0">
         <a:scrgbClr r="0" g="0" b="0"/>
       </a:lnRef>
-      <a:fillRef idx="1">
+      <a:fillRef idx="2">
         <a:scrgbClr r="0" g="0" b="0"/>
       </a:fillRef>
-      <a:effectRef idx="0">
+      <a:effectRef idx="1">
         <a:scrgbClr r="0" g="0" b="0"/>
       </a:effectRef>
       <a:fontRef idx="minor">
-        <a:schemeClr val="lt1"/>
+        <a:schemeClr val="dk1"/>
       </a:fontRef>
     </dgm:style>
   </dgm:styleLbl>
   <dgm:styleLbl name="asst1">
     <dgm:scene3d>
       <a:camera prst="orthographicFront"/>
-      <a:lightRig rig="threePt" dir="t"/>
+      <a:lightRig rig="flat" dir="t"/>
     </dgm:scene3d>
-    <dgm:sp3d/>
+    <dgm:sp3d prstMaterial="dkEdge">
+      <a:bevelT w="8200" h="38100"/>
+    </dgm:sp3d>
     <dgm:txPr/>
     <dgm:style>
-      <a:lnRef idx="2">
+      <a:lnRef idx="0">
         <a:scrgbClr r="0" g="0" b="0"/>
       </a:lnRef>
-      <a:fillRef idx="1">
+      <a:fillRef idx="2">
         <a:scrgbClr r="0" g="0" b="0"/>
       </a:fillRef>
-      <a:effectRef idx="0">
+      <a:effectRef idx="1">
         <a:scrgbClr r="0" g="0" b="0"/>
       </a:effectRef>
       <a:fontRef idx="minor">
-        <a:schemeClr val="lt1"/>
+        <a:schemeClr val="dk1"/>
       </a:fontRef>
     </dgm:style>
   </dgm:styleLbl>
   <dgm:styleLbl name="asst2">
     <dgm:scene3d>
       <a:camera prst="orthographicFront"/>
-      <a:lightRig rig="threePt" dir="t"/>
+      <a:lightRig rig="flat" dir="t"/>
     </dgm:scene3d>
-    <dgm:sp3d/>
+    <dgm:sp3d prstMaterial="dkEdge">
+      <a:bevelT w="8200" h="38100"/>
+    </dgm:sp3d>
     <dgm:txPr/>
     <dgm:style>
-      <a:lnRef idx="2">
+      <a:lnRef idx="0">
         <a:scrgbClr r="0" g="0" b="0"/>
       </a:lnRef>
-      <a:fillRef idx="1">
+      <a:fillRef idx="2">
         <a:scrgbClr r="0" g="0" b="0"/>
       </a:fillRef>
-      <a:effectRef idx="0">
+      <a:effectRef idx="1">
         <a:scrgbClr r="0" g="0" b="0"/>
       </a:effectRef>
       <a:fontRef idx="minor">
-        <a:schemeClr val="lt1"/>
+        <a:schemeClr val="dk1"/>
       </a:fontRef>
     </dgm:style>
   </dgm:styleLbl>
   <dgm:styleLbl name="asst3">
     <dgm:scene3d>
       <a:camera prst="orthographicFront"/>
-      <a:lightRig rig="threePt" dir="t"/>
+      <a:lightRig rig="flat" dir="t"/>
     </dgm:scene3d>
-    <dgm:sp3d/>
+    <dgm:sp3d prstMaterial="dkEdge">
+      <a:bevelT w="8200" h="38100"/>
+    </dgm:sp3d>
     <dgm:txPr/>
     <dgm:style>
-      <a:lnRef idx="2">
+      <a:lnRef idx="0">
         <a:scrgbClr r="0" g="0" b="0"/>
       </a:lnRef>
-      <a:fillRef idx="1">
+      <a:fillRef idx="2">
         <a:scrgbClr r="0" g="0" b="0"/>
       </a:fillRef>
-      <a:effectRef idx="0">
+      <a:effectRef idx="1">
         <a:scrgbClr r="0" g="0" b="0"/>
       </a:effectRef>
       <a:fontRef idx="minor">
-        <a:schemeClr val="lt1"/>
+        <a:schemeClr val="dk1"/>
       </a:fontRef>
     </dgm:style>
   </dgm:styleLbl>
   <dgm:styleLbl name="asst4">
     <dgm:scene3d>
       <a:camera prst="orthographicFront"/>
-      <a:lightRig rig="threePt" dir="t"/>
+      <a:lightRig rig="flat" dir="t"/>
     </dgm:scene3d>
-    <dgm:sp3d/>
+    <dgm:sp3d prstMaterial="dkEdge">
+      <a:bevelT w="8200" h="38100"/>
+    </dgm:sp3d>
     <dgm:txPr/>
     <dgm:style>
-      <a:lnRef idx="2">
+      <a:lnRef idx="0">
         <a:scrgbClr r="0" g="0" b="0"/>
       </a:lnRef>
-      <a:fillRef idx="1">
+      <a:fillRef idx="2">
         <a:scrgbClr r="0" g="0" b="0"/>
       </a:fillRef>
-      <a:effectRef idx="0">
+      <a:effectRef idx="1">
         <a:scrgbClr r="0" g="0" b="0"/>
       </a:effectRef>
       <a:fontRef idx="minor">
-        <a:schemeClr val="lt1"/>
+        <a:schemeClr val="dk1"/>
       </a:fontRef>
     </dgm:style>
   </dgm:styleLbl>
@@ -8359,17 +8623,17 @@
     <dgm:sp3d/>
     <dgm:txPr/>
     <dgm:style>
-      <a:lnRef idx="2">
+      <a:lnRef idx="1">
         <a:scrgbClr r="0" g="0" b="0"/>
       </a:lnRef>
-      <a:fillRef idx="1">
+      <a:fillRef idx="2">
         <a:scrgbClr r="0" g="0" b="0"/>
       </a:fillRef>
-      <a:effectRef idx="0">
+      <a:effectRef idx="1">
         <a:scrgbClr r="0" g="0" b="0"/>
       </a:effectRef>
       <a:fontRef idx="minor">
-        <a:schemeClr val="lt1"/>
+        <a:schemeClr val="dk1"/>
       </a:fontRef>
     </dgm:style>
   </dgm:styleLbl>
@@ -8381,17 +8645,17 @@
     <dgm:sp3d/>
     <dgm:txPr/>
     <dgm:style>
-      <a:lnRef idx="2">
+      <a:lnRef idx="1">
         <a:scrgbClr r="0" g="0" b="0"/>
       </a:lnRef>
-      <a:fillRef idx="1">
+      <a:fillRef idx="2">
         <a:scrgbClr r="0" g="0" b="0"/>
       </a:fillRef>
-      <a:effectRef idx="0">
+      <a:effectRef idx="1">
         <a:scrgbClr r="0" g="0" b="0"/>
       </a:effectRef>
       <a:fontRef idx="minor">
-        <a:schemeClr val="lt1"/>
+        <a:schemeClr val="dk1"/>
       </a:fontRef>
     </dgm:style>
   </dgm:styleLbl>
@@ -8403,17 +8667,17 @@
     <dgm:sp3d/>
     <dgm:txPr/>
     <dgm:style>
-      <a:lnRef idx="2">
+      <a:lnRef idx="1">
         <a:scrgbClr r="0" g="0" b="0"/>
       </a:lnRef>
-      <a:fillRef idx="1">
+      <a:fillRef idx="2">
         <a:scrgbClr r="0" g="0" b="0"/>
       </a:fillRef>
-      <a:effectRef idx="0">
+      <a:effectRef idx="1">
         <a:scrgbClr r="0" g="0" b="0"/>
       </a:effectRef>
       <a:fontRef idx="minor">
-        <a:schemeClr val="lt1"/>
+        <a:schemeClr val="dk1"/>
       </a:fontRef>
     </dgm:style>
   </dgm:styleLbl>
@@ -8425,17 +8689,17 @@
     <dgm:sp3d/>
     <dgm:txPr/>
     <dgm:style>
-      <a:lnRef idx="2">
+      <a:lnRef idx="1">
         <a:scrgbClr r="0" g="0" b="0"/>
       </a:lnRef>
-      <a:fillRef idx="1">
+      <a:fillRef idx="2">
         <a:scrgbClr r="0" g="0" b="0"/>
       </a:fillRef>
-      <a:effectRef idx="0">
+      <a:effectRef idx="1">
         <a:scrgbClr r="0" g="0" b="0"/>
       </a:effectRef>
       <a:fontRef idx="minor">
-        <a:schemeClr val="lt1"/>
+        <a:schemeClr val="dk1"/>
       </a:fontRef>
     </dgm:style>
   </dgm:styleLbl>
@@ -8527,7 +8791,7 @@
     <dgm:sp3d/>
     <dgm:txPr/>
     <dgm:style>
-      <a:lnRef idx="2">
+      <a:lnRef idx="1">
         <a:scrgbClr r="0" g="0" b="0"/>
       </a:lnRef>
       <a:fillRef idx="1">
@@ -8547,7 +8811,7 @@
     <dgm:sp3d/>
     <dgm:txPr/>
     <dgm:style>
-      <a:lnRef idx="2">
+      <a:lnRef idx="1">
         <a:scrgbClr r="0" g="0" b="0"/>
       </a:lnRef>
       <a:fillRef idx="1">
@@ -8567,7 +8831,7 @@
     <dgm:sp3d/>
     <dgm:txPr/>
     <dgm:style>
-      <a:lnRef idx="2">
+      <a:lnRef idx="1">
         <a:scrgbClr r="0" g="0" b="0"/>
       </a:lnRef>
       <a:fillRef idx="1">
@@ -8607,7 +8871,7 @@
     <dgm:sp3d/>
     <dgm:txPr/>
     <dgm:style>
-      <a:lnRef idx="2">
+      <a:lnRef idx="1">
         <a:scrgbClr r="0" g="0" b="0"/>
       </a:lnRef>
       <a:fillRef idx="1">
@@ -8627,10 +8891,10 @@
     <dgm:sp3d/>
     <dgm:txPr/>
     <dgm:style>
-      <a:lnRef idx="2">
+      <a:lnRef idx="1">
         <a:scrgbClr r="0" g="0" b="0"/>
       </a:lnRef>
-      <a:fillRef idx="1">
+      <a:fillRef idx="2">
         <a:scrgbClr r="0" g="0" b="0"/>
       </a:fillRef>
       <a:effectRef idx="0">
@@ -8647,7 +8911,7 @@
     <dgm:sp3d/>
     <dgm:txPr/>
     <dgm:style>
-      <a:lnRef idx="2">
+      <a:lnRef idx="1">
         <a:scrgbClr r="0" g="0" b="0"/>
       </a:lnRef>
       <a:fillRef idx="1">
@@ -8667,7 +8931,7 @@
     <dgm:sp3d/>
     <dgm:txPr/>
     <dgm:style>
-      <a:lnRef idx="2">
+      <a:lnRef idx="1">
         <a:scrgbClr r="0" g="0" b="0"/>
       </a:lnRef>
       <a:fillRef idx="1">
@@ -8687,7 +8951,7 @@
     <dgm:sp3d/>
     <dgm:txPr/>
     <dgm:style>
-      <a:lnRef idx="2">
+      <a:lnRef idx="1">
         <a:scrgbClr r="0" g="0" b="0"/>
       </a:lnRef>
       <a:fillRef idx="1">
@@ -8707,7 +8971,7 @@
     <dgm:sp3d/>
     <dgm:txPr/>
     <dgm:style>
-      <a:lnRef idx="2">
+      <a:lnRef idx="1">
         <a:scrgbClr r="0" g="0" b="0"/>
       </a:lnRef>
       <a:fillRef idx="1">
@@ -8727,7 +8991,7 @@
     <dgm:sp3d/>
     <dgm:txPr/>
     <dgm:style>
-      <a:lnRef idx="2">
+      <a:lnRef idx="1">
         <a:scrgbClr r="0" g="0" b="0"/>
       </a:lnRef>
       <a:fillRef idx="1">
@@ -8747,7 +9011,7 @@
     <dgm:sp3d/>
     <dgm:txPr/>
     <dgm:style>
-      <a:lnRef idx="2">
+      <a:lnRef idx="1">
         <a:scrgbClr r="0" g="0" b="0"/>
       </a:lnRef>
       <a:fillRef idx="1">
@@ -8767,7 +9031,7 @@
     <dgm:sp3d/>
     <dgm:txPr/>
     <dgm:style>
-      <a:lnRef idx="2">
+      <a:lnRef idx="1">
         <a:scrgbClr r="0" g="0" b="0"/>
       </a:lnRef>
       <a:fillRef idx="1">
@@ -8787,7 +9051,7 @@
     <dgm:sp3d/>
     <dgm:txPr/>
     <dgm:style>
-      <a:lnRef idx="2">
+      <a:lnRef idx="1">
         <a:scrgbClr r="0" g="0" b="0"/>
       </a:lnRef>
       <a:fillRef idx="1">
@@ -8807,7 +9071,7 @@
     <dgm:sp3d/>
     <dgm:txPr/>
     <dgm:style>
-      <a:lnRef idx="2">
+      <a:lnRef idx="1">
         <a:scrgbClr r="0" g="0" b="0"/>
       </a:lnRef>
       <a:fillRef idx="1">
@@ -8833,7 +9097,7 @@
       <a:fillRef idx="1">
         <a:scrgbClr r="0" g="0" b="0"/>
       </a:fillRef>
-      <a:effectRef idx="0">
+      <a:effectRef idx="1">
         <a:scrgbClr r="0" g="0" b="0"/>
       </a:effectRef>
       <a:fontRef idx="minor"/>
@@ -8853,7 +9117,7 @@
       <a:fillRef idx="1">
         <a:scrgbClr r="0" g="0" b="0"/>
       </a:fillRef>
-      <a:effectRef idx="0">
+      <a:effectRef idx="1">
         <a:scrgbClr r="0" g="0" b="0"/>
       </a:effectRef>
       <a:fontRef idx="minor"/>
@@ -8882,18 +9146,20 @@
   <dgm:styleLbl name="fgShp">
     <dgm:scene3d>
       <a:camera prst="orthographicFront"/>
-      <a:lightRig rig="threePt" dir="t"/>
+      <a:lightRig rig="flat" dir="t"/>
     </dgm:scene3d>
-    <dgm:sp3d/>
+    <dgm:sp3d prstMaterial="dkEdge">
+      <a:bevelT w="8200" h="38100"/>
+    </dgm:sp3d>
     <dgm:txPr/>
     <dgm:style>
-      <a:lnRef idx="2">
+      <a:lnRef idx="1">
         <a:scrgbClr r="0" g="0" b="0"/>
       </a:lnRef>
-      <a:fillRef idx="1">
+      <a:fillRef idx="2">
         <a:scrgbClr r="0" g="0" b="0"/>
       </a:fillRef>
-      <a:effectRef idx="0">
+      <a:effectRef idx="1">
         <a:scrgbClr r="0" g="0" b="0"/>
       </a:effectRef>
       <a:fontRef idx="minor"/>
@@ -8923,11 +9189,11 @@
 </file>
 
 <file path=ppt/diagrams/quickStyle3.xml><?xml version="1.0" encoding="utf-8"?>
-<dgm:styleDef xmlns:dgm="http://schemas.openxmlformats.org/drawingml/2006/diagram" xmlns:a="http://schemas.openxmlformats.org/drawingml/2006/main" uniqueId="urn:microsoft.com/office/officeart/2005/8/quickstyle/simple1">
+<dgm:styleDef xmlns:dgm="http://schemas.openxmlformats.org/drawingml/2006/diagram" xmlns:a="http://schemas.openxmlformats.org/drawingml/2006/main" uniqueId="urn:microsoft.com/office/officeart/2005/8/quickstyle/simple3">
   <dgm:title val=""/>
   <dgm:desc val=""/>
   <dgm:catLst>
-    <dgm:cat type="simple" pri="10100"/>
+    <dgm:cat type="simple" pri="10300"/>
   </dgm:catLst>
   <dgm:scene3d>
     <a:camera prst="orthographicFront"/>
@@ -8936,59 +9202,65 @@
   <dgm:styleLbl name="node0">
     <dgm:scene3d>
       <a:camera prst="orthographicFront"/>
-      <a:lightRig rig="threePt" dir="t"/>
+      <a:lightRig rig="flat" dir="t"/>
     </dgm:scene3d>
-    <dgm:sp3d/>
+    <dgm:sp3d prstMaterial="dkEdge">
+      <a:bevelT w="8200" h="38100"/>
+    </dgm:sp3d>
     <dgm:txPr/>
     <dgm:style>
-      <a:lnRef idx="2">
+      <a:lnRef idx="0">
         <a:scrgbClr r="0" g="0" b="0"/>
       </a:lnRef>
-      <a:fillRef idx="1">
+      <a:fillRef idx="2">
+        <a:scrgbClr r="0" g="0" b="0"/>
+      </a:fillRef>
+      <a:effectRef idx="1">
+        <a:scrgbClr r="0" g="0" b="0"/>
+      </a:effectRef>
+      <a:fontRef idx="minor">
+        <a:schemeClr val="dk1"/>
+      </a:fontRef>
+    </dgm:style>
+  </dgm:styleLbl>
+  <dgm:styleLbl name="lnNode1">
+    <dgm:scene3d>
+      <a:camera prst="orthographicFront"/>
+      <a:lightRig rig="flat" dir="t"/>
+    </dgm:scene3d>
+    <dgm:sp3d prstMaterial="dkEdge">
+      <a:bevelT w="8200" h="38100"/>
+    </dgm:sp3d>
+    <dgm:txPr/>
+    <dgm:style>
+      <a:lnRef idx="1">
+        <a:scrgbClr r="0" g="0" b="0"/>
+      </a:lnRef>
+      <a:fillRef idx="2">
         <a:scrgbClr r="0" g="0" b="0"/>
       </a:fillRef>
       <a:effectRef idx="0">
         <a:scrgbClr r="0" g="0" b="0"/>
       </a:effectRef>
       <a:fontRef idx="minor">
-        <a:schemeClr val="lt1"/>
-      </a:fontRef>
-    </dgm:style>
-  </dgm:styleLbl>
-  <dgm:styleLbl name="lnNode1">
-    <dgm:scene3d>
-      <a:camera prst="orthographicFront"/>
-      <a:lightRig rig="threePt" dir="t"/>
-    </dgm:scene3d>
-    <dgm:sp3d/>
-    <dgm:txPr/>
-    <dgm:style>
-      <a:lnRef idx="2">
-        <a:scrgbClr r="0" g="0" b="0"/>
-      </a:lnRef>
-      <a:fillRef idx="1">
-        <a:scrgbClr r="0" g="0" b="0"/>
-      </a:fillRef>
-      <a:effectRef idx="0">
-        <a:scrgbClr r="0" g="0" b="0"/>
-      </a:effectRef>
-      <a:fontRef idx="minor">
-        <a:schemeClr val="lt1"/>
+        <a:schemeClr val="dk1"/>
       </a:fontRef>
     </dgm:style>
   </dgm:styleLbl>
   <dgm:styleLbl name="vennNode1">
     <dgm:scene3d>
       <a:camera prst="orthographicFront"/>
-      <a:lightRig rig="threePt" dir="t"/>
+      <a:lightRig rig="flat" dir="t"/>
     </dgm:scene3d>
-    <dgm:sp3d/>
+    <dgm:sp3d prstMaterial="dkEdge">
+      <a:bevelT w="8200" h="38100"/>
+    </dgm:sp3d>
     <dgm:txPr/>
     <dgm:style>
-      <a:lnRef idx="2">
+      <a:lnRef idx="0">
         <a:scrgbClr r="0" g="0" b="0"/>
       </a:lnRef>
-      <a:fillRef idx="1">
+      <a:fillRef idx="2">
         <a:scrgbClr r="0" g="0" b="0"/>
       </a:fillRef>
       <a:effectRef idx="0">
@@ -9007,105 +9279,113 @@
     <dgm:sp3d/>
     <dgm:txPr/>
     <dgm:style>
-      <a:lnRef idx="2">
+      <a:lnRef idx="1">
         <a:scrgbClr r="0" g="0" b="0"/>
       </a:lnRef>
-      <a:fillRef idx="1">
+      <a:fillRef idx="2">
         <a:scrgbClr r="0" g="0" b="0"/>
       </a:fillRef>
-      <a:effectRef idx="0">
+      <a:effectRef idx="1">
         <a:scrgbClr r="0" g="0" b="0"/>
       </a:effectRef>
       <a:fontRef idx="minor">
-        <a:schemeClr val="lt1"/>
+        <a:schemeClr val="dk1"/>
       </a:fontRef>
     </dgm:style>
   </dgm:styleLbl>
   <dgm:styleLbl name="node1">
     <dgm:scene3d>
       <a:camera prst="orthographicFront"/>
-      <a:lightRig rig="threePt" dir="t"/>
+      <a:lightRig rig="flat" dir="t"/>
     </dgm:scene3d>
-    <dgm:sp3d/>
+    <dgm:sp3d prstMaterial="dkEdge">
+      <a:bevelT w="8200" h="38100"/>
+    </dgm:sp3d>
     <dgm:txPr/>
     <dgm:style>
-      <a:lnRef idx="2">
+      <a:lnRef idx="0">
         <a:scrgbClr r="0" g="0" b="0"/>
       </a:lnRef>
-      <a:fillRef idx="1">
+      <a:fillRef idx="2">
         <a:scrgbClr r="0" g="0" b="0"/>
       </a:fillRef>
-      <a:effectRef idx="0">
+      <a:effectRef idx="1">
         <a:scrgbClr r="0" g="0" b="0"/>
       </a:effectRef>
       <a:fontRef idx="minor">
-        <a:schemeClr val="lt1"/>
+        <a:schemeClr val="dk1"/>
       </a:fontRef>
     </dgm:style>
   </dgm:styleLbl>
   <dgm:styleLbl name="node2">
     <dgm:scene3d>
       <a:camera prst="orthographicFront"/>
-      <a:lightRig rig="threePt" dir="t"/>
+      <a:lightRig rig="flat" dir="t"/>
     </dgm:scene3d>
-    <dgm:sp3d/>
+    <dgm:sp3d prstMaterial="dkEdge">
+      <a:bevelT w="8200" h="38100"/>
+    </dgm:sp3d>
     <dgm:txPr/>
     <dgm:style>
-      <a:lnRef idx="2">
+      <a:lnRef idx="0">
         <a:scrgbClr r="0" g="0" b="0"/>
       </a:lnRef>
-      <a:fillRef idx="1">
+      <a:fillRef idx="2">
         <a:scrgbClr r="0" g="0" b="0"/>
       </a:fillRef>
-      <a:effectRef idx="0">
+      <a:effectRef idx="1">
         <a:scrgbClr r="0" g="0" b="0"/>
       </a:effectRef>
       <a:fontRef idx="minor">
-        <a:schemeClr val="lt1"/>
+        <a:schemeClr val="dk1"/>
       </a:fontRef>
     </dgm:style>
   </dgm:styleLbl>
   <dgm:styleLbl name="node3">
     <dgm:scene3d>
       <a:camera prst="orthographicFront"/>
-      <a:lightRig rig="threePt" dir="t"/>
+      <a:lightRig rig="flat" dir="t"/>
     </dgm:scene3d>
-    <dgm:sp3d/>
+    <dgm:sp3d prstMaterial="dkEdge">
+      <a:bevelT w="8200" h="38100"/>
+    </dgm:sp3d>
     <dgm:txPr/>
     <dgm:style>
-      <a:lnRef idx="2">
+      <a:lnRef idx="0">
         <a:scrgbClr r="0" g="0" b="0"/>
       </a:lnRef>
-      <a:fillRef idx="1">
+      <a:fillRef idx="2">
         <a:scrgbClr r="0" g="0" b="0"/>
       </a:fillRef>
-      <a:effectRef idx="0">
+      <a:effectRef idx="1">
         <a:scrgbClr r="0" g="0" b="0"/>
       </a:effectRef>
       <a:fontRef idx="minor">
-        <a:schemeClr val="lt1"/>
+        <a:schemeClr val="dk1"/>
       </a:fontRef>
     </dgm:style>
   </dgm:styleLbl>
   <dgm:styleLbl name="node4">
     <dgm:scene3d>
       <a:camera prst="orthographicFront"/>
-      <a:lightRig rig="threePt" dir="t"/>
+      <a:lightRig rig="flat" dir="t"/>
     </dgm:scene3d>
-    <dgm:sp3d/>
+    <dgm:sp3d prstMaterial="dkEdge">
+      <a:bevelT w="8200" h="38100"/>
+    </dgm:sp3d>
     <dgm:txPr/>
     <dgm:style>
-      <a:lnRef idx="2">
+      <a:lnRef idx="0">
         <a:scrgbClr r="0" g="0" b="0"/>
       </a:lnRef>
-      <a:fillRef idx="1">
+      <a:fillRef idx="2">
         <a:scrgbClr r="0" g="0" b="0"/>
       </a:fillRef>
-      <a:effectRef idx="0">
+      <a:effectRef idx="1">
         <a:scrgbClr r="0" g="0" b="0"/>
       </a:effectRef>
       <a:fontRef idx="minor">
-        <a:schemeClr val="lt1"/>
+        <a:schemeClr val="dk1"/>
       </a:fontRef>
     </dgm:style>
   </dgm:styleLbl>
@@ -9117,13 +9397,13 @@
     <dgm:sp3d/>
     <dgm:txPr/>
     <dgm:style>
-      <a:lnRef idx="2">
+      <a:lnRef idx="1">
         <a:scrgbClr r="0" g="0" b="0"/>
       </a:lnRef>
       <a:fillRef idx="1">
         <a:scrgbClr r="0" g="0" b="0"/>
       </a:fillRef>
-      <a:effectRef idx="0">
+      <a:effectRef idx="1">
         <a:scrgbClr r="0" g="0" b="0"/>
       </a:effectRef>
       <a:fontRef idx="minor"/>
@@ -9137,13 +9417,13 @@
     <dgm:sp3d/>
     <dgm:txPr/>
     <dgm:style>
-      <a:lnRef idx="2">
+      <a:lnRef idx="1">
         <a:scrgbClr r="0" g="0" b="0"/>
       </a:lnRef>
       <a:fillRef idx="1">
         <a:scrgbClr r="0" g="0" b="0"/>
       </a:fillRef>
-      <a:effectRef idx="0">
+      <a:effectRef idx="1">
         <a:scrgbClr r="0" g="0" b="0"/>
       </a:effectRef>
       <a:fontRef idx="minor"/>
@@ -9157,13 +9437,13 @@
     <dgm:sp3d/>
     <dgm:txPr/>
     <dgm:style>
-      <a:lnRef idx="2">
+      <a:lnRef idx="1">
         <a:scrgbClr r="0" g="0" b="0"/>
       </a:lnRef>
       <a:fillRef idx="1">
         <a:scrgbClr r="0" g="0" b="0"/>
       </a:fillRef>
-      <a:effectRef idx="0">
+      <a:effectRef idx="1">
         <a:scrgbClr r="0" g="0" b="0"/>
       </a:effectRef>
       <a:fontRef idx="minor"/>
@@ -9180,14 +9460,14 @@
       <a:lnRef idx="0">
         <a:scrgbClr r="0" g="0" b="0"/>
       </a:lnRef>
-      <a:fillRef idx="1">
+      <a:fillRef idx="2">
         <a:scrgbClr r="0" g="0" b="0"/>
       </a:fillRef>
-      <a:effectRef idx="0">
+      <a:effectRef idx="1">
         <a:scrgbClr r="0" g="0" b="0"/>
       </a:effectRef>
       <a:fontRef idx="minor">
-        <a:schemeClr val="lt1"/>
+        <a:schemeClr val="dk1"/>
       </a:fontRef>
     </dgm:style>
   </dgm:styleLbl>
@@ -9202,14 +9482,14 @@
       <a:lnRef idx="0">
         <a:scrgbClr r="0" g="0" b="0"/>
       </a:lnRef>
-      <a:fillRef idx="1">
+      <a:fillRef idx="2">
         <a:scrgbClr r="0" g="0" b="0"/>
       </a:fillRef>
-      <a:effectRef idx="0">
+      <a:effectRef idx="1">
         <a:scrgbClr r="0" g="0" b="0"/>
       </a:effectRef>
       <a:fontRef idx="minor">
-        <a:schemeClr val="lt1"/>
+        <a:schemeClr val="dk1"/>
       </a:fontRef>
     </dgm:style>
   </dgm:styleLbl>
@@ -9224,14 +9504,14 @@
       <a:lnRef idx="0">
         <a:scrgbClr r="0" g="0" b="0"/>
       </a:lnRef>
-      <a:fillRef idx="1">
+      <a:fillRef idx="2">
         <a:scrgbClr r="0" g="0" b="0"/>
       </a:fillRef>
-      <a:effectRef idx="0">
+      <a:effectRef idx="1">
         <a:scrgbClr r="0" g="0" b="0"/>
       </a:effectRef>
       <a:fontRef idx="minor">
-        <a:schemeClr val="lt1"/>
+        <a:schemeClr val="dk1"/>
       </a:fontRef>
     </dgm:style>
   </dgm:styleLbl>
@@ -9263,13 +9543,13 @@
     <dgm:sp3d/>
     <dgm:txPr/>
     <dgm:style>
-      <a:lnRef idx="2">
+      <a:lnRef idx="1">
         <a:scrgbClr r="0" g="0" b="0"/>
       </a:lnRef>
-      <a:fillRef idx="1">
+      <a:fillRef idx="2">
         <a:scrgbClr r="0" g="0" b="0"/>
       </a:fillRef>
-      <a:effectRef idx="0">
+      <a:effectRef idx="1">
         <a:scrgbClr r="0" g="0" b="0"/>
       </a:effectRef>
       <a:fontRef idx="minor"/>
@@ -9278,110 +9558,120 @@
   <dgm:styleLbl name="asst0">
     <dgm:scene3d>
       <a:camera prst="orthographicFront"/>
-      <a:lightRig rig="threePt" dir="t"/>
+      <a:lightRig rig="flat" dir="t"/>
     </dgm:scene3d>
-    <dgm:sp3d/>
+    <dgm:sp3d prstMaterial="dkEdge">
+      <a:bevelT w="8200" h="38100"/>
+    </dgm:sp3d>
     <dgm:txPr/>
     <dgm:style>
-      <a:lnRef idx="2">
+      <a:lnRef idx="0">
         <a:scrgbClr r="0" g="0" b="0"/>
       </a:lnRef>
-      <a:fillRef idx="1">
+      <a:fillRef idx="2">
         <a:scrgbClr r="0" g="0" b="0"/>
       </a:fillRef>
-      <a:effectRef idx="0">
+      <a:effectRef idx="1">
         <a:scrgbClr r="0" g="0" b="0"/>
       </a:effectRef>
       <a:fontRef idx="minor">
-        <a:schemeClr val="lt1"/>
+        <a:schemeClr val="dk1"/>
       </a:fontRef>
     </dgm:style>
   </dgm:styleLbl>
   <dgm:styleLbl name="asst1">
     <dgm:scene3d>
       <a:camera prst="orthographicFront"/>
-      <a:lightRig rig="threePt" dir="t"/>
+      <a:lightRig rig="flat" dir="t"/>
     </dgm:scene3d>
-    <dgm:sp3d/>
+    <dgm:sp3d prstMaterial="dkEdge">
+      <a:bevelT w="8200" h="38100"/>
+    </dgm:sp3d>
     <dgm:txPr/>
     <dgm:style>
-      <a:lnRef idx="2">
+      <a:lnRef idx="0">
         <a:scrgbClr r="0" g="0" b="0"/>
       </a:lnRef>
-      <a:fillRef idx="1">
+      <a:fillRef idx="2">
         <a:scrgbClr r="0" g="0" b="0"/>
       </a:fillRef>
-      <a:effectRef idx="0">
+      <a:effectRef idx="1">
         <a:scrgbClr r="0" g="0" b="0"/>
       </a:effectRef>
       <a:fontRef idx="minor">
-        <a:schemeClr val="lt1"/>
+        <a:schemeClr val="dk1"/>
       </a:fontRef>
     </dgm:style>
   </dgm:styleLbl>
   <dgm:styleLbl name="asst2">
     <dgm:scene3d>
       <a:camera prst="orthographicFront"/>
-      <a:lightRig rig="threePt" dir="t"/>
+      <a:lightRig rig="flat" dir="t"/>
     </dgm:scene3d>
-    <dgm:sp3d/>
+    <dgm:sp3d prstMaterial="dkEdge">
+      <a:bevelT w="8200" h="38100"/>
+    </dgm:sp3d>
     <dgm:txPr/>
     <dgm:style>
-      <a:lnRef idx="2">
+      <a:lnRef idx="0">
         <a:scrgbClr r="0" g="0" b="0"/>
       </a:lnRef>
-      <a:fillRef idx="1">
+      <a:fillRef idx="2">
         <a:scrgbClr r="0" g="0" b="0"/>
       </a:fillRef>
-      <a:effectRef idx="0">
+      <a:effectRef idx="1">
         <a:scrgbClr r="0" g="0" b="0"/>
       </a:effectRef>
       <a:fontRef idx="minor">
-        <a:schemeClr val="lt1"/>
+        <a:schemeClr val="dk1"/>
       </a:fontRef>
     </dgm:style>
   </dgm:styleLbl>
   <dgm:styleLbl name="asst3">
     <dgm:scene3d>
       <a:camera prst="orthographicFront"/>
-      <a:lightRig rig="threePt" dir="t"/>
+      <a:lightRig rig="flat" dir="t"/>
     </dgm:scene3d>
-    <dgm:sp3d/>
+    <dgm:sp3d prstMaterial="dkEdge">
+      <a:bevelT w="8200" h="38100"/>
+    </dgm:sp3d>
     <dgm:txPr/>
     <dgm:style>
-      <a:lnRef idx="2">
+      <a:lnRef idx="0">
         <a:scrgbClr r="0" g="0" b="0"/>
       </a:lnRef>
-      <a:fillRef idx="1">
+      <a:fillRef idx="2">
         <a:scrgbClr r="0" g="0" b="0"/>
       </a:fillRef>
-      <a:effectRef idx="0">
+      <a:effectRef idx="1">
         <a:scrgbClr r="0" g="0" b="0"/>
       </a:effectRef>
       <a:fontRef idx="minor">
-        <a:schemeClr val="lt1"/>
+        <a:schemeClr val="dk1"/>
       </a:fontRef>
     </dgm:style>
   </dgm:styleLbl>
   <dgm:styleLbl name="asst4">
     <dgm:scene3d>
       <a:camera prst="orthographicFront"/>
-      <a:lightRig rig="threePt" dir="t"/>
+      <a:lightRig rig="flat" dir="t"/>
     </dgm:scene3d>
-    <dgm:sp3d/>
+    <dgm:sp3d prstMaterial="dkEdge">
+      <a:bevelT w="8200" h="38100"/>
+    </dgm:sp3d>
     <dgm:txPr/>
     <dgm:style>
-      <a:lnRef idx="2">
+      <a:lnRef idx="0">
         <a:scrgbClr r="0" g="0" b="0"/>
       </a:lnRef>
-      <a:fillRef idx="1">
+      <a:fillRef idx="2">
         <a:scrgbClr r="0" g="0" b="0"/>
       </a:fillRef>
-      <a:effectRef idx="0">
+      <a:effectRef idx="1">
         <a:scrgbClr r="0" g="0" b="0"/>
       </a:effectRef>
       <a:fontRef idx="minor">
-        <a:schemeClr val="lt1"/>
+        <a:schemeClr val="dk1"/>
       </a:fontRef>
     </dgm:style>
   </dgm:styleLbl>
@@ -9393,17 +9683,17 @@
     <dgm:sp3d/>
     <dgm:txPr/>
     <dgm:style>
-      <a:lnRef idx="2">
+      <a:lnRef idx="1">
         <a:scrgbClr r="0" g="0" b="0"/>
       </a:lnRef>
-      <a:fillRef idx="1">
+      <a:fillRef idx="2">
         <a:scrgbClr r="0" g="0" b="0"/>
       </a:fillRef>
-      <a:effectRef idx="0">
+      <a:effectRef idx="1">
         <a:scrgbClr r="0" g="0" b="0"/>
       </a:effectRef>
       <a:fontRef idx="minor">
-        <a:schemeClr val="lt1"/>
+        <a:schemeClr val="dk1"/>
       </a:fontRef>
     </dgm:style>
   </dgm:styleLbl>
@@ -9415,17 +9705,17 @@
     <dgm:sp3d/>
     <dgm:txPr/>
     <dgm:style>
-      <a:lnRef idx="2">
+      <a:lnRef idx="1">
         <a:scrgbClr r="0" g="0" b="0"/>
       </a:lnRef>
-      <a:fillRef idx="1">
+      <a:fillRef idx="2">
         <a:scrgbClr r="0" g="0" b="0"/>
       </a:fillRef>
-      <a:effectRef idx="0">
+      <a:effectRef idx="1">
         <a:scrgbClr r="0" g="0" b="0"/>
       </a:effectRef>
       <a:fontRef idx="minor">
-        <a:schemeClr val="lt1"/>
+        <a:schemeClr val="dk1"/>
       </a:fontRef>
     </dgm:style>
   </dgm:styleLbl>
@@ -9437,17 +9727,17 @@
     <dgm:sp3d/>
     <dgm:txPr/>
     <dgm:style>
-      <a:lnRef idx="2">
+      <a:lnRef idx="1">
         <a:scrgbClr r="0" g="0" b="0"/>
       </a:lnRef>
-      <a:fillRef idx="1">
+      <a:fillRef idx="2">
         <a:scrgbClr r="0" g="0" b="0"/>
       </a:fillRef>
-      <a:effectRef idx="0">
+      <a:effectRef idx="1">
         <a:scrgbClr r="0" g="0" b="0"/>
       </a:effectRef>
       <a:fontRef idx="minor">
-        <a:schemeClr val="lt1"/>
+        <a:schemeClr val="dk1"/>
       </a:fontRef>
     </dgm:style>
   </dgm:styleLbl>
@@ -9459,17 +9749,17 @@
     <dgm:sp3d/>
     <dgm:txPr/>
     <dgm:style>
-      <a:lnRef idx="2">
+      <a:lnRef idx="1">
         <a:scrgbClr r="0" g="0" b="0"/>
       </a:lnRef>
-      <a:fillRef idx="1">
+      <a:fillRef idx="2">
         <a:scrgbClr r="0" g="0" b="0"/>
       </a:fillRef>
-      <a:effectRef idx="0">
+      <a:effectRef idx="1">
         <a:scrgbClr r="0" g="0" b="0"/>
       </a:effectRef>
       <a:fontRef idx="minor">
-        <a:schemeClr val="lt1"/>
+        <a:schemeClr val="dk1"/>
       </a:fontRef>
     </dgm:style>
   </dgm:styleLbl>
@@ -9561,7 +9851,7 @@
     <dgm:sp3d/>
     <dgm:txPr/>
     <dgm:style>
-      <a:lnRef idx="2">
+      <a:lnRef idx="1">
         <a:scrgbClr r="0" g="0" b="0"/>
       </a:lnRef>
       <a:fillRef idx="1">
@@ -9581,7 +9871,7 @@
     <dgm:sp3d/>
     <dgm:txPr/>
     <dgm:style>
-      <a:lnRef idx="2">
+      <a:lnRef idx="1">
         <a:scrgbClr r="0" g="0" b="0"/>
       </a:lnRef>
       <a:fillRef idx="1">
@@ -9601,7 +9891,7 @@
     <dgm:sp3d/>
     <dgm:txPr/>
     <dgm:style>
-      <a:lnRef idx="2">
+      <a:lnRef idx="1">
         <a:scrgbClr r="0" g="0" b="0"/>
       </a:lnRef>
       <a:fillRef idx="1">
@@ -9641,7 +9931,7 @@
     <dgm:sp3d/>
     <dgm:txPr/>
     <dgm:style>
-      <a:lnRef idx="2">
+      <a:lnRef idx="1">
         <a:scrgbClr r="0" g="0" b="0"/>
       </a:lnRef>
       <a:fillRef idx="1">
@@ -9661,10 +9951,10 @@
     <dgm:sp3d/>
     <dgm:txPr/>
     <dgm:style>
-      <a:lnRef idx="2">
+      <a:lnRef idx="1">
         <a:scrgbClr r="0" g="0" b="0"/>
       </a:lnRef>
-      <a:fillRef idx="1">
+      <a:fillRef idx="2">
         <a:scrgbClr r="0" g="0" b="0"/>
       </a:fillRef>
       <a:effectRef idx="0">
@@ -9681,7 +9971,7 @@
     <dgm:sp3d/>
     <dgm:txPr/>
     <dgm:style>
-      <a:lnRef idx="2">
+      <a:lnRef idx="1">
         <a:scrgbClr r="0" g="0" b="0"/>
       </a:lnRef>
       <a:fillRef idx="1">
@@ -9701,7 +9991,7 @@
     <dgm:sp3d/>
     <dgm:txPr/>
     <dgm:style>
-      <a:lnRef idx="2">
+      <a:lnRef idx="1">
         <a:scrgbClr r="0" g="0" b="0"/>
       </a:lnRef>
       <a:fillRef idx="1">
@@ -9721,7 +10011,7 @@
     <dgm:sp3d/>
     <dgm:txPr/>
     <dgm:style>
-      <a:lnRef idx="2">
+      <a:lnRef idx="1">
         <a:scrgbClr r="0" g="0" b="0"/>
       </a:lnRef>
       <a:fillRef idx="1">
@@ -9741,7 +10031,7 @@
     <dgm:sp3d/>
     <dgm:txPr/>
     <dgm:style>
-      <a:lnRef idx="2">
+      <a:lnRef idx="1">
         <a:scrgbClr r="0" g="0" b="0"/>
       </a:lnRef>
       <a:fillRef idx="1">
@@ -9761,7 +10051,7 @@
     <dgm:sp3d/>
     <dgm:txPr/>
     <dgm:style>
-      <a:lnRef idx="2">
+      <a:lnRef idx="1">
         <a:scrgbClr r="0" g="0" b="0"/>
       </a:lnRef>
       <a:fillRef idx="1">
@@ -9781,7 +10071,7 @@
     <dgm:sp3d/>
     <dgm:txPr/>
     <dgm:style>
-      <a:lnRef idx="2">
+      <a:lnRef idx="1">
         <a:scrgbClr r="0" g="0" b="0"/>
       </a:lnRef>
       <a:fillRef idx="1">
@@ -9801,7 +10091,7 @@
     <dgm:sp3d/>
     <dgm:txPr/>
     <dgm:style>
-      <a:lnRef idx="2">
+      <a:lnRef idx="1">
         <a:scrgbClr r="0" g="0" b="0"/>
       </a:lnRef>
       <a:fillRef idx="1">
@@ -9821,7 +10111,7 @@
     <dgm:sp3d/>
     <dgm:txPr/>
     <dgm:style>
-      <a:lnRef idx="2">
+      <a:lnRef idx="1">
         <a:scrgbClr r="0" g="0" b="0"/>
       </a:lnRef>
       <a:fillRef idx="1">
@@ -9841,7 +10131,7 @@
     <dgm:sp3d/>
     <dgm:txPr/>
     <dgm:style>
-      <a:lnRef idx="2">
+      <a:lnRef idx="1">
         <a:scrgbClr r="0" g="0" b="0"/>
       </a:lnRef>
       <a:fillRef idx="1">
@@ -9867,7 +10157,7 @@
       <a:fillRef idx="1">
         <a:scrgbClr r="0" g="0" b="0"/>
       </a:fillRef>
-      <a:effectRef idx="0">
+      <a:effectRef idx="1">
         <a:scrgbClr r="0" g="0" b="0"/>
       </a:effectRef>
       <a:fontRef idx="minor"/>
@@ -9887,7 +10177,7 @@
       <a:fillRef idx="1">
         <a:scrgbClr r="0" g="0" b="0"/>
       </a:fillRef>
-      <a:effectRef idx="0">
+      <a:effectRef idx="1">
         <a:scrgbClr r="0" g="0" b="0"/>
       </a:effectRef>
       <a:fontRef idx="minor"/>
@@ -9916,18 +10206,20 @@
   <dgm:styleLbl name="fgShp">
     <dgm:scene3d>
       <a:camera prst="orthographicFront"/>
-      <a:lightRig rig="threePt" dir="t"/>
+      <a:lightRig rig="flat" dir="t"/>
     </dgm:scene3d>
-    <dgm:sp3d/>
+    <dgm:sp3d prstMaterial="dkEdge">
+      <a:bevelT w="8200" h="38100"/>
+    </dgm:sp3d>
     <dgm:txPr/>
     <dgm:style>
-      <a:lnRef idx="2">
+      <a:lnRef idx="1">
         <a:scrgbClr r="0" g="0" b="0"/>
       </a:lnRef>
-      <a:fillRef idx="1">
+      <a:fillRef idx="2">
         <a:scrgbClr r="0" g="0" b="0"/>
       </a:fillRef>
-      <a:effectRef idx="0">
+      <a:effectRef idx="1">
         <a:scrgbClr r="0" g="0" b="0"/>
       </a:effectRef>
       <a:fontRef idx="minor"/>
@@ -10038,7 +10330,7 @@
           <a:p>
             <a:fld id="{927554EE-7884-46BC-9E06-9455BAA6A629}" type="datetimeFigureOut">
               <a:rPr lang="uk-UA" smtClean="0"/>
-              <a:t>05.03.2017</a:t>
+              <a:t>09.03.2017</a:t>
             </a:fld>
             <a:endParaRPr lang="uk-UA"/>
           </a:p>
@@ -11529,7 +11821,7 @@
           <a:p>
             <a:fld id="{4BFF39F4-65EC-4F54-ADAB-C4EC2063F588}" type="datetime1">
               <a:rPr lang="uk-UA" smtClean="0"/>
-              <a:t>05.03.2017</a:t>
+              <a:t>09.03.2017</a:t>
             </a:fld>
             <a:endParaRPr lang="uk-UA"/>
           </a:p>
@@ -11699,7 +11991,7 @@
           <a:p>
             <a:fld id="{092B17C0-AD1B-4E2F-9AB4-621431DFCD5A}" type="datetime1">
               <a:rPr lang="uk-UA" smtClean="0"/>
-              <a:t>05.03.2017</a:t>
+              <a:t>09.03.2017</a:t>
             </a:fld>
             <a:endParaRPr lang="uk-UA"/>
           </a:p>
@@ -11879,7 +12171,7 @@
           <a:p>
             <a:fld id="{5EF56F09-17D0-4366-852B-8D91A10FE67F}" type="datetime1">
               <a:rPr lang="uk-UA" smtClean="0"/>
-              <a:t>05.03.2017</a:t>
+              <a:t>09.03.2017</a:t>
             </a:fld>
             <a:endParaRPr lang="uk-UA"/>
           </a:p>
@@ -12049,7 +12341,7 @@
           <a:p>
             <a:fld id="{59D3E701-3E9B-4FA7-ACDB-079DA5D68D8D}" type="datetime1">
               <a:rPr lang="uk-UA" smtClean="0"/>
-              <a:t>05.03.2017</a:t>
+              <a:t>09.03.2017</a:t>
             </a:fld>
             <a:endParaRPr lang="uk-UA"/>
           </a:p>
@@ -12295,7 +12587,7 @@
           <a:p>
             <a:fld id="{DFCCFF35-9B9B-49CD-86DD-FB7F48D40A2C}" type="datetime1">
               <a:rPr lang="uk-UA" smtClean="0"/>
-              <a:t>05.03.2017</a:t>
+              <a:t>09.03.2017</a:t>
             </a:fld>
             <a:endParaRPr lang="uk-UA"/>
           </a:p>
@@ -12527,7 +12819,7 @@
           <a:p>
             <a:fld id="{382893CB-E1B6-4E5D-9A5E-1452EF1C4EFF}" type="datetime1">
               <a:rPr lang="uk-UA" smtClean="0"/>
-              <a:t>05.03.2017</a:t>
+              <a:t>09.03.2017</a:t>
             </a:fld>
             <a:endParaRPr lang="uk-UA"/>
           </a:p>
@@ -12894,7 +13186,7 @@
           <a:p>
             <a:fld id="{62F7C4D7-4DC0-4CA7-81F7-3E8AF7902508}" type="datetime1">
               <a:rPr lang="uk-UA" smtClean="0"/>
-              <a:t>05.03.2017</a:t>
+              <a:t>09.03.2017</a:t>
             </a:fld>
             <a:endParaRPr lang="uk-UA"/>
           </a:p>
@@ -13012,7 +13304,7 @@
           <a:p>
             <a:fld id="{60A62F17-3347-4DE7-A63F-BF30A9016214}" type="datetime1">
               <a:rPr lang="uk-UA" smtClean="0"/>
-              <a:t>05.03.2017</a:t>
+              <a:t>09.03.2017</a:t>
             </a:fld>
             <a:endParaRPr lang="uk-UA"/>
           </a:p>
@@ -13107,7 +13399,7 @@
           <a:p>
             <a:fld id="{4D2FDEEE-B6ED-490F-BB47-F9424E61EC82}" type="datetime1">
               <a:rPr lang="uk-UA" smtClean="0"/>
-              <a:t>05.03.2017</a:t>
+              <a:t>09.03.2017</a:t>
             </a:fld>
             <a:endParaRPr lang="uk-UA"/>
           </a:p>
@@ -13384,7 +13676,7 @@
           <a:p>
             <a:fld id="{F84344AA-537D-43FD-855F-2E41B07B4E00}" type="datetime1">
               <a:rPr lang="uk-UA" smtClean="0"/>
-              <a:t>05.03.2017</a:t>
+              <a:t>09.03.2017</a:t>
             </a:fld>
             <a:endParaRPr lang="uk-UA"/>
           </a:p>
@@ -13637,7 +13929,7 @@
           <a:p>
             <a:fld id="{2D64A100-2B37-4CA1-B7C8-DE931567325E}" type="datetime1">
               <a:rPr lang="uk-UA" smtClean="0"/>
-              <a:t>05.03.2017</a:t>
+              <a:t>09.03.2017</a:t>
             </a:fld>
             <a:endParaRPr lang="uk-UA"/>
           </a:p>
@@ -13850,7 +14142,7 @@
           <a:p>
             <a:fld id="{AEEFC06A-0F4F-4857-82F6-990BA997C253}" type="datetime1">
               <a:rPr lang="uk-UA" smtClean="0"/>
-              <a:t>05.03.2017</a:t>
+              <a:t>09.03.2017</a:t>
             </a:fld>
             <a:endParaRPr lang="uk-UA"/>
           </a:p>
@@ -14792,6 +15084,15 @@
         <p:blipFill>
           <a:blip r:embed="rId3" cstate="print">
             <a:extLst>
+              <a:ext uri="{BEBA8EAE-BF5A-486C-A8C5-ECC9F3942E4B}">
+                <a14:imgProps xmlns:a14="http://schemas.microsoft.com/office/drawing/2010/main">
+                  <a14:imgLayer r:embed="rId4">
+                    <a14:imgEffect>
+                      <a14:sharpenSoften amount="50000"/>
+                    </a14:imgEffect>
+                  </a14:imgLayer>
+                </a14:imgProps>
+              </a:ext>
               <a:ext uri="{28A0092B-C50C-407E-A947-70E740481C1C}">
                 <a14:useLocalDpi xmlns:a14="http://schemas.microsoft.com/office/drawing/2010/main" val="0"/>
               </a:ext>
@@ -14823,7 +15124,19 @@
           <p:nvPr/>
         </p:nvPicPr>
         <p:blipFill rotWithShape="1">
-          <a:blip r:embed="rId4" cstate="print"/>
+          <a:blip r:embed="rId5" cstate="print">
+            <a:extLst>
+              <a:ext uri="{BEBA8EAE-BF5A-486C-A8C5-ECC9F3942E4B}">
+                <a14:imgProps xmlns:a14="http://schemas.microsoft.com/office/drawing/2010/main">
+                  <a14:imgLayer r:embed="rId6">
+                    <a14:imgEffect>
+                      <a14:sharpenSoften amount="50000"/>
+                    </a14:imgEffect>
+                  </a14:imgLayer>
+                </a14:imgProps>
+              </a:ext>
+            </a:extLst>
+          </a:blip>
           <a:srcRect b="1936"/>
           <a:stretch/>
         </p:blipFill>
@@ -15245,6 +15558,15 @@
         <p:blipFill>
           <a:blip r:embed="rId2" cstate="print">
             <a:extLst>
+              <a:ext uri="{BEBA8EAE-BF5A-486C-A8C5-ECC9F3942E4B}">
+                <a14:imgProps xmlns:a14="http://schemas.microsoft.com/office/drawing/2010/main">
+                  <a14:imgLayer r:embed="rId3">
+                    <a14:imgEffect>
+                      <a14:sharpenSoften amount="50000"/>
+                    </a14:imgEffect>
+                  </a14:imgLayer>
+                </a14:imgProps>
+              </a:ext>
               <a:ext uri="{28A0092B-C50C-407E-A947-70E740481C1C}">
                 <a14:useLocalDpi xmlns:a14="http://schemas.microsoft.com/office/drawing/2010/main" val="0"/>
               </a:ext>
@@ -16919,7 +17241,19 @@
           <p:nvPr/>
         </p:nvPicPr>
         <p:blipFill>
-          <a:blip r:embed="rId3"/>
+          <a:blip r:embed="rId3">
+            <a:extLst>
+              <a:ext uri="{BEBA8EAE-BF5A-486C-A8C5-ECC9F3942E4B}">
+                <a14:imgProps xmlns:a14="http://schemas.microsoft.com/office/drawing/2010/main">
+                  <a14:imgLayer r:embed="rId4">
+                    <a14:imgEffect>
+                      <a14:sharpenSoften amount="50000"/>
+                    </a14:imgEffect>
+                  </a14:imgLayer>
+                </a14:imgProps>
+              </a:ext>
+            </a:extLst>
+          </a:blip>
           <a:stretch>
             <a:fillRect/>
           </a:stretch>
@@ -16966,22 +17300,28 @@
       </p:grpSpPr>
       <p:pic>
         <p:nvPicPr>
-          <p:cNvPr id="6" name="Picture 5"/>
+          <p:cNvPr id="8" name="Picture 7"/>
           <p:cNvPicPr>
             <a:picLocks noChangeAspect="1"/>
           </p:cNvPicPr>
           <p:nvPr/>
         </p:nvPicPr>
         <p:blipFill>
-          <a:blip r:embed="rId3"/>
+          <a:blip r:embed="rId3">
+            <a:extLst>
+              <a:ext uri="{28A0092B-C50C-407E-A947-70E740481C1C}">
+                <a14:useLocalDpi xmlns:a14="http://schemas.microsoft.com/office/drawing/2010/main" val="0"/>
+              </a:ext>
+            </a:extLst>
+          </a:blip>
           <a:stretch>
             <a:fillRect/>
           </a:stretch>
         </p:blipFill>
         <p:spPr>
           <a:xfrm>
-            <a:off x="0" y="74142"/>
-            <a:ext cx="6874240" cy="6740008"/>
+            <a:off x="559165" y="396879"/>
+            <a:ext cx="6315075" cy="6324600"/>
           </a:xfrm>
           <a:prstGeom prst="rect">
             <a:avLst/>
@@ -19480,32 +19820,6 @@
           </a:p>
         </p:txBody>
       </p:sp>
-      <p:pic>
-        <p:nvPicPr>
-          <p:cNvPr id="5" name="Content Placeholder 4"/>
-          <p:cNvPicPr>
-            <a:picLocks noGrp="1" noChangeAspect="1"/>
-          </p:cNvPicPr>
-          <p:nvPr>
-            <p:ph idx="1"/>
-          </p:nvPr>
-        </p:nvPicPr>
-        <p:blipFill>
-          <a:blip r:embed="rId3"/>
-          <a:stretch>
-            <a:fillRect/>
-          </a:stretch>
-        </p:blipFill>
-        <p:spPr>
-          <a:xfrm>
-            <a:off x="77618" y="966014"/>
-            <a:ext cx="8358661" cy="5452970"/>
-          </a:xfrm>
-          <a:prstGeom prst="rect">
-            <a:avLst/>
-          </a:prstGeom>
-        </p:spPr>
-      </p:pic>
       <p:sp>
         <p:nvSpPr>
           <p:cNvPr id="4" name="Slide Number Placeholder 3"/>
@@ -21948,6 +22262,35 @@
           </p:sp>
         </mc:Fallback>
       </mc:AlternateContent>
+      <p:pic>
+        <p:nvPicPr>
+          <p:cNvPr id="9" name="Content Placeholder 8"/>
+          <p:cNvPicPr>
+            <a:picLocks noGrp="1" noChangeAspect="1"/>
+          </p:cNvPicPr>
+          <p:nvPr>
+            <p:ph idx="1"/>
+          </p:nvPr>
+        </p:nvPicPr>
+        <p:blipFill>
+          <a:blip r:embed="rId5">
+            <a:extLst>
+              <a:ext uri="{28A0092B-C50C-407E-A947-70E740481C1C}">
+                <a14:useLocalDpi xmlns:a14="http://schemas.microsoft.com/office/drawing/2010/main" val="0"/>
+              </a:ext>
+            </a:extLst>
+          </a:blip>
+          <a:stretch>
+            <a:fillRect/>
+          </a:stretch>
+        </p:blipFill>
+        <p:spPr>
+          <a:xfrm>
+            <a:off x="212476" y="1003303"/>
+            <a:ext cx="8011328" cy="5619321"/>
+          </a:xfrm>
+        </p:spPr>
+      </p:pic>
     </p:spTree>
     <p:extLst>
       <p:ext uri="{BB962C8B-B14F-4D97-AF65-F5344CB8AC3E}">
@@ -22033,32 +22376,6 @@
           </a:p>
         </p:txBody>
       </p:sp>
-      <p:pic>
-        <p:nvPicPr>
-          <p:cNvPr id="7" name="Content Placeholder 6"/>
-          <p:cNvPicPr>
-            <a:picLocks noGrp="1" noChangeAspect="1"/>
-          </p:cNvPicPr>
-          <p:nvPr>
-            <p:ph idx="1"/>
-          </p:nvPr>
-        </p:nvPicPr>
-        <p:blipFill>
-          <a:blip r:embed="rId3"/>
-          <a:stretch>
-            <a:fillRect/>
-          </a:stretch>
-        </p:blipFill>
-        <p:spPr>
-          <a:xfrm>
-            <a:off x="457200" y="815248"/>
-            <a:ext cx="6562478" cy="5906231"/>
-          </a:xfrm>
-          <a:prstGeom prst="rect">
-            <a:avLst/>
-          </a:prstGeom>
-        </p:spPr>
-      </p:pic>
       <p:sp>
         <p:nvSpPr>
           <p:cNvPr id="3" name="Rectangle 2"/>
@@ -22148,6 +22465,35 @@
           </a:p>
         </p:txBody>
       </p:sp>
+      <p:pic>
+        <p:nvPicPr>
+          <p:cNvPr id="9" name="Content Placeholder 8"/>
+          <p:cNvPicPr>
+            <a:picLocks noGrp="1" noChangeAspect="1"/>
+          </p:cNvPicPr>
+          <p:nvPr>
+            <p:ph idx="1"/>
+          </p:nvPr>
+        </p:nvPicPr>
+        <p:blipFill>
+          <a:blip r:embed="rId3">
+            <a:extLst>
+              <a:ext uri="{28A0092B-C50C-407E-A947-70E740481C1C}">
+                <a14:useLocalDpi xmlns:a14="http://schemas.microsoft.com/office/drawing/2010/main" val="0"/>
+              </a:ext>
+            </a:extLst>
+          </a:blip>
+          <a:stretch>
+            <a:fillRect/>
+          </a:stretch>
+        </p:blipFill>
+        <p:spPr>
+          <a:xfrm>
+            <a:off x="506627" y="877032"/>
+            <a:ext cx="6394622" cy="5782963"/>
+          </a:xfrm>
+        </p:spPr>
+      </p:pic>
     </p:spTree>
     <p:extLst>
       <p:ext uri="{BB962C8B-B14F-4D97-AF65-F5344CB8AC3E}">
@@ -22352,7 +22698,7 @@
       </p:sp>
       <p:pic>
         <p:nvPicPr>
-          <p:cNvPr id="13" name="Content Placeholder 12"/>
+          <p:cNvPr id="8" name="Content Placeholder 7"/>
           <p:cNvPicPr>
             <a:picLocks noGrp="1" noChangeAspect="1"/>
           </p:cNvPicPr>
@@ -22374,8 +22720,8 @@
         </p:blipFill>
         <p:spPr>
           <a:xfrm>
-            <a:off x="423403" y="1278041"/>
-            <a:ext cx="5520195" cy="5445486"/>
+            <a:off x="404869" y="1203900"/>
+            <a:ext cx="5594335" cy="5518623"/>
           </a:xfrm>
         </p:spPr>
       </p:pic>
@@ -22618,7 +22964,7 @@
             <p:ph idx="1"/>
             <p:extLst>
               <p:ext uri="{D42A27DB-BD31-4B8C-83A1-F6EECF244321}">
-                <p14:modId xmlns:p14="http://schemas.microsoft.com/office/powerpoint/2010/main" val="2228908479"/>
+                <p14:modId xmlns:p14="http://schemas.microsoft.com/office/powerpoint/2010/main" val="1613473295"/>
               </p:ext>
             </p:extLst>
           </p:nvPr>
@@ -22669,7 +23015,7 @@
           <p:nvPr>
             <p:extLst>
               <p:ext uri="{D42A27DB-BD31-4B8C-83A1-F6EECF244321}">
-                <p14:modId xmlns:p14="http://schemas.microsoft.com/office/powerpoint/2010/main" val="1989835500"/>
+                <p14:modId xmlns:p14="http://schemas.microsoft.com/office/powerpoint/2010/main" val="2865292833"/>
               </p:ext>
             </p:extLst>
           </p:nvPr>
@@ -28401,7 +28747,7 @@
                 <a:latin typeface="Times New Roman" panose="02020603050405020304" pitchFamily="18" charset="0"/>
                 <a:cs typeface="Times New Roman" panose="02020603050405020304" pitchFamily="18" charset="0"/>
               </a:rPr>
-              <a:t>Програмний комплекс СППР на основі ГІМАС</a:t>
+              <a:t>Програмний комплекс на основі ГІМАС</a:t>
             </a:r>
           </a:p>
         </p:txBody>
@@ -28429,32 +28775,6 @@
           </a:p>
         </p:txBody>
       </p:sp>
-      <p:pic>
-        <p:nvPicPr>
-          <p:cNvPr id="6" name="Content Placeholder 5"/>
-          <p:cNvPicPr>
-            <a:picLocks noGrp="1" noChangeAspect="1"/>
-          </p:cNvPicPr>
-          <p:nvPr>
-            <p:ph idx="1"/>
-          </p:nvPr>
-        </p:nvPicPr>
-        <p:blipFill>
-          <a:blip r:embed="rId3"/>
-          <a:stretch>
-            <a:fillRect/>
-          </a:stretch>
-        </p:blipFill>
-        <p:spPr>
-          <a:xfrm>
-            <a:off x="245443" y="815248"/>
-            <a:ext cx="8700254" cy="5740637"/>
-          </a:xfrm>
-          <a:prstGeom prst="rect">
-            <a:avLst/>
-          </a:prstGeom>
-        </p:spPr>
-      </p:pic>
       <p:sp>
         <p:nvSpPr>
           <p:cNvPr id="9" name="Rectangle 8"/>
@@ -28464,7 +28784,7 @@
         <p:spPr>
           <a:xfrm>
             <a:off x="9044848" y="795442"/>
-            <a:ext cx="3147151" cy="5864875"/>
+            <a:ext cx="3147151" cy="5262979"/>
           </a:xfrm>
           <a:prstGeom prst="rect">
             <a:avLst/>
@@ -28493,8 +28813,27 @@
                 <a:ea typeface="Times New Roman" panose="02020603050405020304" pitchFamily="18" charset="0"/>
                 <a:cs typeface="Times New Roman" panose="02020603050405020304" pitchFamily="18" charset="0"/>
               </a:rPr>
-              <a:t>Результати роботи СППР</a:t>
+              <a:t>Результати роботи</a:t>
             </a:r>
+            <a:r>
+              <a:rPr lang="en-US" b="1" dirty="0">
+                <a:solidFill>
+                  <a:srgbClr val="000000"/>
+                </a:solidFill>
+                <a:latin typeface="Times New Roman" panose="02020603050405020304" pitchFamily="18" charset="0"/>
+                <a:ea typeface="Times New Roman" panose="02020603050405020304" pitchFamily="18" charset="0"/>
+                <a:cs typeface="Times New Roman" panose="02020603050405020304" pitchFamily="18" charset="0"/>
+              </a:rPr>
+              <a:t>:</a:t>
+            </a:r>
+            <a:endParaRPr lang="uk-UA" b="1" dirty="0">
+              <a:solidFill>
+                <a:srgbClr val="000000"/>
+              </a:solidFill>
+              <a:latin typeface="Times New Roman" panose="02020603050405020304" pitchFamily="18" charset="0"/>
+              <a:ea typeface="Times New Roman" panose="02020603050405020304" pitchFamily="18" charset="0"/>
+              <a:cs typeface="Times New Roman" panose="02020603050405020304" pitchFamily="18" charset="0"/>
+            </a:endParaRPr>
           </a:p>
           <a:p>
             <a:pPr>
@@ -28532,7 +28871,7 @@
                 <a:ea typeface="Times New Roman" panose="02020603050405020304" pitchFamily="18" charset="0"/>
                 <a:cs typeface="Times New Roman" panose="02020603050405020304" pitchFamily="18" charset="0"/>
               </a:rPr>
-              <a:t>Підхід до динамічного керування:</a:t>
+              <a:t>Підхід до оперативного планування:</a:t>
             </a:r>
           </a:p>
           <a:p>
@@ -28581,7 +28920,7 @@
                 <a:ea typeface="Times New Roman" panose="02020603050405020304" pitchFamily="18" charset="0"/>
                 <a:cs typeface="Times New Roman" panose="02020603050405020304" pitchFamily="18" charset="0"/>
               </a:rPr>
-              <a:t>Стратегія динамічного керування:</a:t>
+              <a:t>Стратегія перепланування:</a:t>
             </a:r>
           </a:p>
           <a:p>
@@ -28713,6 +29052,35 @@
           </a:p>
         </p:txBody>
       </p:sp>
+      <p:pic>
+        <p:nvPicPr>
+          <p:cNvPr id="8" name="Content Placeholder 7"/>
+          <p:cNvPicPr>
+            <a:picLocks noGrp="1" noChangeAspect="1"/>
+          </p:cNvPicPr>
+          <p:nvPr>
+            <p:ph idx="1"/>
+          </p:nvPr>
+        </p:nvPicPr>
+        <p:blipFill>
+          <a:blip r:embed="rId3">
+            <a:extLst>
+              <a:ext uri="{28A0092B-C50C-407E-A947-70E740481C1C}">
+                <a14:useLocalDpi xmlns:a14="http://schemas.microsoft.com/office/drawing/2010/main" val="0"/>
+              </a:ext>
+            </a:extLst>
+          </a:blip>
+          <a:stretch>
+            <a:fillRect/>
+          </a:stretch>
+        </p:blipFill>
+        <p:spPr>
+          <a:xfrm>
+            <a:off x="202193" y="883209"/>
+            <a:ext cx="8730355" cy="5764725"/>
+          </a:xfrm>
+        </p:spPr>
+      </p:pic>
     </p:spTree>
     <p:extLst>
       <p:ext uri="{BB962C8B-B14F-4D97-AF65-F5344CB8AC3E}">
@@ -28798,8 +29166,8 @@
           </a:p>
         </p:txBody>
       </p:sp>
-      <mc:AlternateContent xmlns:mc="http://schemas.openxmlformats.org/markup-compatibility/2006">
-        <mc:Choice xmlns:a14="http://schemas.microsoft.com/office/drawing/2010/main" Requires="a14">
+      <mc:AlternateContent xmlns:mc="http://schemas.openxmlformats.org/markup-compatibility/2006" xmlns:a14="http://schemas.microsoft.com/office/drawing/2010/main">
+        <mc:Choice Requires="a14">
           <p:sp>
             <p:nvSpPr>
               <p:cNvPr id="9" name="Rectangle 8"/>
@@ -29132,7 +29500,7 @@
                     <a:latin typeface="Times New Roman" panose="02020603050405020304" pitchFamily="18" charset="0"/>
                     <a:cs typeface="Times New Roman" panose="02020603050405020304" pitchFamily="18" charset="0"/>
                   </a:rPr>
-                  <a:t>ag*АТМ – метаагент системи АТМ:</a:t>
+                  <a:t>ag*АТМ – метаагент АТМ:</a:t>
                 </a:r>
               </a:p>
               <a:p>
@@ -29189,7 +29557,7 @@
                     <a:latin typeface="Times New Roman" panose="02020603050405020304" pitchFamily="18" charset="0"/>
                     <a:cs typeface="Times New Roman" panose="02020603050405020304" pitchFamily="18" charset="0"/>
                   </a:rPr>
-                  <a:t>ag*ГВМ – метаагент системи ГВМ:</a:t>
+                  <a:t>ag*ГВМ – метаагент ГВМ:</a:t>
                 </a:r>
               </a:p>
               <a:p>
@@ -29285,7 +29653,7 @@
             </p:txBody>
           </p:sp>
         </mc:Choice>
-        <mc:Fallback>
+        <mc:Fallback xmlns="">
           <p:sp>
             <p:nvSpPr>
               <p:cNvPr id="9" name="Rectangle 8"/>
@@ -29326,7 +29694,7 @@
       </mc:AlternateContent>
       <p:pic>
         <p:nvPicPr>
-          <p:cNvPr id="8" name="Content Placeholder 7"/>
+          <p:cNvPr id="7" name="Content Placeholder 6"/>
           <p:cNvPicPr>
             <a:picLocks noGrp="1" noChangeAspect="1"/>
           </p:cNvPicPr>
@@ -29348,8 +29716,8 @@
         </p:blipFill>
         <p:spPr>
           <a:xfrm>
-            <a:off x="582503" y="1227626"/>
-            <a:ext cx="5144854" cy="5434311"/>
+            <a:off x="531617" y="1252997"/>
+            <a:ext cx="5177205" cy="5468482"/>
           </a:xfrm>
         </p:spPr>
       </p:pic>
@@ -29383,6 +29751,35 @@
           <a:chExt cx="0" cy="0"/>
         </a:xfrm>
       </p:grpSpPr>
+      <p:pic>
+        <p:nvPicPr>
+          <p:cNvPr id="14" name="Content Placeholder 13"/>
+          <p:cNvPicPr>
+            <a:picLocks noGrp="1" noChangeAspect="1"/>
+          </p:cNvPicPr>
+          <p:nvPr>
+            <p:ph idx="1"/>
+          </p:nvPr>
+        </p:nvPicPr>
+        <p:blipFill>
+          <a:blip r:embed="rId3">
+            <a:extLst>
+              <a:ext uri="{28A0092B-C50C-407E-A947-70E740481C1C}">
+                <a14:useLocalDpi xmlns:a14="http://schemas.microsoft.com/office/drawing/2010/main" val="0"/>
+              </a:ext>
+            </a:extLst>
+          </a:blip>
+          <a:stretch>
+            <a:fillRect/>
+          </a:stretch>
+        </p:blipFill>
+        <p:spPr>
+          <a:xfrm>
+            <a:off x="321277" y="1112704"/>
+            <a:ext cx="5325762" cy="5724676"/>
+          </a:xfrm>
+        </p:spPr>
+      </p:pic>
       <p:sp>
         <p:nvSpPr>
           <p:cNvPr id="7" name="Rectangle: Rounded Corners 6"/>
@@ -29912,32 +30309,6 @@
       </p:sp>
       <p:pic>
         <p:nvPicPr>
-          <p:cNvPr id="6" name="Content Placeholder 5"/>
-          <p:cNvPicPr>
-            <a:picLocks noGrp="1" noChangeAspect="1"/>
-          </p:cNvPicPr>
-          <p:nvPr>
-            <p:ph idx="1"/>
-          </p:nvPr>
-        </p:nvPicPr>
-        <p:blipFill>
-          <a:blip r:embed="rId3"/>
-          <a:stretch>
-            <a:fillRect/>
-          </a:stretch>
-        </p:blipFill>
-        <p:spPr>
-          <a:xfrm>
-            <a:off x="389514" y="1227625"/>
-            <a:ext cx="4969782" cy="5429711"/>
-          </a:xfrm>
-          <a:prstGeom prst="rect">
-            <a:avLst/>
-          </a:prstGeom>
-        </p:spPr>
-      </p:pic>
-      <p:pic>
-        <p:nvPicPr>
           <p:cNvPr id="5" name="Picture 4"/>
           <p:cNvPicPr>
             <a:picLocks noChangeAspect="1"/>
@@ -29984,42 +30355,6 @@
           </a:prstGeom>
         </p:spPr>
       </p:pic>
-      <p:cxnSp>
-        <p:nvCxnSpPr>
-          <p:cNvPr id="12" name="Straight Arrow Connector 11"/>
-          <p:cNvCxnSpPr>
-            <a:cxnSpLocks/>
-          </p:cNvCxnSpPr>
-          <p:nvPr/>
-        </p:nvCxnSpPr>
-        <p:spPr>
-          <a:xfrm flipH="1">
-            <a:off x="5332626" y="2230755"/>
-            <a:ext cx="540000" cy="0"/>
-          </a:xfrm>
-          <a:prstGeom prst="straightConnector1">
-            <a:avLst/>
-          </a:prstGeom>
-          <a:ln w="12700">
-            <a:headEnd type="none" w="med" len="med"/>
-            <a:tailEnd type="arrow" w="med" len="med"/>
-          </a:ln>
-        </p:spPr>
-        <p:style>
-          <a:lnRef idx="1">
-            <a:schemeClr val="dk1"/>
-          </a:lnRef>
-          <a:fillRef idx="0">
-            <a:schemeClr val="dk1"/>
-          </a:fillRef>
-          <a:effectRef idx="0">
-            <a:schemeClr val="dk1"/>
-          </a:effectRef>
-          <a:fontRef idx="minor">
-            <a:schemeClr val="tx1"/>
-          </a:fontRef>
-        </p:style>
-      </p:cxnSp>
     </p:spTree>
     <p:extLst>
       <p:ext uri="{BB962C8B-B14F-4D97-AF65-F5344CB8AC3E}">
@@ -33397,7 +33732,7 @@
         <p:spPr>
           <a:xfrm>
             <a:off x="291545" y="1258164"/>
-            <a:ext cx="6115434" cy="1231106"/>
+            <a:ext cx="5324601" cy="1231106"/>
           </a:xfrm>
           <a:prstGeom prst="rect">
             <a:avLst/>
@@ -33527,6 +33862,17 @@
         <p:blipFill>
           <a:blip r:embed="rId2" cstate="print">
             <a:grayscl/>
+            <a:extLst>
+              <a:ext uri="{BEBA8EAE-BF5A-486C-A8C5-ECC9F3942E4B}">
+                <a14:imgProps xmlns:a14="http://schemas.microsoft.com/office/drawing/2010/main">
+                  <a14:imgLayer r:embed="rId3">
+                    <a14:imgEffect>
+                      <a14:sharpenSoften amount="50000"/>
+                    </a14:imgEffect>
+                  </a14:imgLayer>
+                </a14:imgProps>
+              </a:ext>
+            </a:extLst>
           </a:blip>
           <a:srcRect b="7042"/>
           <a:stretch>
@@ -33677,8 +34023,19 @@
           <p:nvPr/>
         </p:nvPicPr>
         <p:blipFill>
-          <a:blip r:embed="rId3" cstate="print">
+          <a:blip r:embed="rId4" cstate="print">
             <a:grayscl/>
+            <a:extLst>
+              <a:ext uri="{BEBA8EAE-BF5A-486C-A8C5-ECC9F3942E4B}">
+                <a14:imgProps xmlns:a14="http://schemas.microsoft.com/office/drawing/2010/main">
+                  <a14:imgLayer r:embed="rId5">
+                    <a14:imgEffect>
+                      <a14:sharpenSoften amount="50000"/>
+                    </a14:imgEffect>
+                  </a14:imgLayer>
+                </a14:imgProps>
+              </a:ext>
+            </a:extLst>
           </a:blip>
           <a:srcRect t="4580"/>
           <a:stretch>
@@ -33711,7 +34068,19 @@
           <p:nvPr/>
         </p:nvPicPr>
         <p:blipFill>
-          <a:blip r:embed="rId4"/>
+          <a:blip r:embed="rId6">
+            <a:extLst>
+              <a:ext uri="{BEBA8EAE-BF5A-486C-A8C5-ECC9F3942E4B}">
+                <a14:imgProps xmlns:a14="http://schemas.microsoft.com/office/drawing/2010/main">
+                  <a14:imgLayer r:embed="rId7">
+                    <a14:imgEffect>
+                      <a14:sharpenSoften amount="50000"/>
+                    </a14:imgEffect>
+                  </a14:imgLayer>
+                </a14:imgProps>
+              </a:ext>
+            </a:extLst>
+          </a:blip>
           <a:stretch>
             <a:fillRect/>
           </a:stretch>
@@ -33733,8 +34102,19 @@
           <p:nvPr/>
         </p:nvPicPr>
         <p:blipFill>
-          <a:blip r:embed="rId5" cstate="print">
+          <a:blip r:embed="rId8" cstate="print">
             <a:grayscl/>
+            <a:extLst>
+              <a:ext uri="{BEBA8EAE-BF5A-486C-A8C5-ECC9F3942E4B}">
+                <a14:imgProps xmlns:a14="http://schemas.microsoft.com/office/drawing/2010/main">
+                  <a14:imgLayer r:embed="rId9">
+                    <a14:imgEffect>
+                      <a14:sharpenSoften amount="50000"/>
+                    </a14:imgEffect>
+                  </a14:imgLayer>
+                </a14:imgProps>
+              </a:ext>
+            </a:extLst>
           </a:blip>
           <a:srcRect/>
           <a:stretch>
@@ -33852,14 +34232,14 @@
           <p:nvPr>
             <p:extLst>
               <p:ext uri="{D42A27DB-BD31-4B8C-83A1-F6EECF244321}">
-                <p14:modId xmlns:p14="http://schemas.microsoft.com/office/powerpoint/2010/main" val="2400444468"/>
+                <p14:modId xmlns:p14="http://schemas.microsoft.com/office/powerpoint/2010/main" val="2310639520"/>
               </p:ext>
             </p:extLst>
           </p:nvPr>
         </p:nvGraphicFramePr>
         <p:xfrm>
           <a:off x="1091722" y="969741"/>
-          <a:ext cx="2910522" cy="1051560"/>
+          <a:ext cx="2910522" cy="985205"/>
         </p:xfrm>
         <a:graphic>
           <a:graphicData uri="http://schemas.openxmlformats.org/drawingml/2006/table">
@@ -33889,7 +34269,7 @@
                         </a:spcAft>
                       </a:pPr>
                       <a:r>
-                        <a:rPr lang="uk-UA" sz="1200">
+                        <a:rPr lang="uk-UA" sz="1200" b="1" dirty="0">
                           <a:effectLst/>
                           <a:latin typeface="Times New Roman" panose="02020603050405020304" pitchFamily="18" charset="0"/>
                           <a:ea typeface="Times New Roman" panose="02020603050405020304" pitchFamily="18" charset="0"/>
@@ -33897,7 +34277,7 @@
                         </a:rPr>
                         <a:t>М1(8); М2(16); М4(12)</a:t>
                       </a:r>
-                      <a:endParaRPr lang="uk-UA" sz="1200">
+                      <a:endParaRPr lang="uk-UA" sz="1200" b="1" dirty="0">
                         <a:effectLst/>
                         <a:latin typeface="Calibri" panose="020F0502020204030204" pitchFamily="34" charset="0"/>
                         <a:ea typeface="Times New Roman" panose="02020603050405020304" pitchFamily="18" charset="0"/>
@@ -33965,7 +34345,7 @@
                         </a:spcAft>
                       </a:pPr>
                       <a:r>
-                        <a:rPr lang="uk-UA" sz="1200" dirty="0">
+                        <a:rPr lang="uk-UA" sz="1200" b="1" dirty="0">
                           <a:effectLst/>
                           <a:latin typeface="Times New Roman" panose="02020603050405020304" pitchFamily="18" charset="0"/>
                           <a:ea typeface="Times New Roman" panose="02020603050405020304" pitchFamily="18" charset="0"/>
@@ -33973,7 +34353,7 @@
                         </a:rPr>
                         <a:t>М1(20); М3(20); М2(18)</a:t>
                       </a:r>
-                      <a:endParaRPr lang="uk-UA" sz="1200" dirty="0">
+                      <a:endParaRPr lang="uk-UA" sz="1200" b="1" dirty="0">
                         <a:effectLst/>
                         <a:latin typeface="Calibri" panose="020F0502020204030204" pitchFamily="34" charset="0"/>
                         <a:ea typeface="Times New Roman" panose="02020603050405020304" pitchFamily="18" charset="0"/>
@@ -34041,7 +34421,7 @@
                         </a:spcAft>
                       </a:pPr>
                       <a:r>
-                        <a:rPr lang="uk-UA" sz="1200" dirty="0">
+                        <a:rPr lang="uk-UA" sz="1200" b="1" dirty="0">
                           <a:effectLst/>
                           <a:latin typeface="Times New Roman" panose="02020603050405020304" pitchFamily="18" charset="0"/>
                           <a:ea typeface="Times New Roman" panose="02020603050405020304" pitchFamily="18" charset="0"/>
@@ -34049,7 +34429,7 @@
                         </a:rPr>
                         <a:t>М3(12); М4(8); М1(15)</a:t>
                       </a:r>
-                      <a:endParaRPr lang="uk-UA" sz="1200" dirty="0">
+                      <a:endParaRPr lang="uk-UA" sz="1200" b="1" dirty="0">
                         <a:effectLst/>
                         <a:latin typeface="Calibri" panose="020F0502020204030204" pitchFamily="34" charset="0"/>
                         <a:ea typeface="Times New Roman" panose="02020603050405020304" pitchFamily="18" charset="0"/>
@@ -34117,7 +34497,7 @@
                         </a:spcAft>
                       </a:pPr>
                       <a:r>
-                        <a:rPr lang="uk-UA" sz="1200">
+                        <a:rPr lang="uk-UA" sz="1200" b="1">
                           <a:effectLst/>
                           <a:latin typeface="Times New Roman" panose="02020603050405020304" pitchFamily="18" charset="0"/>
                           <a:ea typeface="Times New Roman" panose="02020603050405020304" pitchFamily="18" charset="0"/>
@@ -34125,7 +34505,7 @@
                         </a:rPr>
                         <a:t>М4(24); М2(18)</a:t>
                       </a:r>
-                      <a:endParaRPr lang="uk-UA" sz="1200">
+                      <a:endParaRPr lang="uk-UA" sz="1200" b="1">
                         <a:effectLst/>
                         <a:latin typeface="Calibri" panose="020F0502020204030204" pitchFamily="34" charset="0"/>
                         <a:ea typeface="Times New Roman" panose="02020603050405020304" pitchFamily="18" charset="0"/>
@@ -34193,7 +34573,7 @@
                         </a:spcAft>
                       </a:pPr>
                       <a:r>
-                        <a:rPr lang="uk-UA" sz="1200" dirty="0">
+                        <a:rPr lang="uk-UA" sz="1200" b="1" dirty="0">
                           <a:effectLst/>
                           <a:latin typeface="Times New Roman" panose="02020603050405020304" pitchFamily="18" charset="0"/>
                           <a:ea typeface="Times New Roman" panose="02020603050405020304" pitchFamily="18" charset="0"/>
@@ -34201,7 +34581,7 @@
                         </a:rPr>
                         <a:t>М3(10); М1(15)</a:t>
                       </a:r>
-                      <a:endParaRPr lang="uk-UA" sz="1200" dirty="0">
+                      <a:endParaRPr lang="uk-UA" sz="1200" b="1" dirty="0">
                         <a:effectLst/>
                         <a:latin typeface="Calibri" panose="020F0502020204030204" pitchFamily="34" charset="0"/>
                         <a:ea typeface="Times New Roman" panose="02020603050405020304" pitchFamily="18" charset="0"/>
@@ -34267,14 +34647,14 @@
           <p:nvPr>
             <p:extLst>
               <p:ext uri="{D42A27DB-BD31-4B8C-83A1-F6EECF244321}">
-                <p14:modId xmlns:p14="http://schemas.microsoft.com/office/powerpoint/2010/main" val="1564923153"/>
+                <p14:modId xmlns:p14="http://schemas.microsoft.com/office/powerpoint/2010/main" val="4116578408"/>
               </p:ext>
             </p:extLst>
           </p:nvPr>
         </p:nvGraphicFramePr>
         <p:xfrm>
           <a:off x="1091721" y="2339082"/>
-          <a:ext cx="2910523" cy="1261872"/>
+          <a:ext cx="2910523" cy="1182246"/>
         </p:xfrm>
         <a:graphic>
           <a:graphicData uri="http://schemas.openxmlformats.org/drawingml/2006/table">
@@ -34304,7 +34684,7 @@
                         </a:spcAft>
                       </a:pPr>
                       <a:r>
-                        <a:rPr lang="uk-UA" sz="1200" dirty="0">
+                        <a:rPr lang="uk-UA" sz="1200" b="1" dirty="0">
                           <a:effectLst/>
                           <a:latin typeface="Times New Roman" panose="02020603050405020304" pitchFamily="18" charset="0"/>
                           <a:ea typeface="Times New Roman" panose="02020603050405020304" pitchFamily="18" charset="0"/>
@@ -34312,7 +34692,7 @@
                         </a:rPr>
                         <a:t>М1(10); М4(18)</a:t>
                       </a:r>
-                      <a:endParaRPr lang="uk-UA" sz="1200" dirty="0">
+                      <a:endParaRPr lang="uk-UA" sz="1200" b="1" dirty="0">
                         <a:effectLst/>
                         <a:latin typeface="Calibri" panose="020F0502020204030204" pitchFamily="34" charset="0"/>
                         <a:ea typeface="Times New Roman" panose="02020603050405020304" pitchFamily="18" charset="0"/>
@@ -34380,7 +34760,7 @@
                         </a:spcAft>
                       </a:pPr>
                       <a:r>
-                        <a:rPr lang="uk-UA" sz="1200">
+                        <a:rPr lang="uk-UA" sz="1200" b="1">
                           <a:effectLst/>
                           <a:latin typeface="Times New Roman" panose="02020603050405020304" pitchFamily="18" charset="0"/>
                           <a:ea typeface="Times New Roman" panose="02020603050405020304" pitchFamily="18" charset="0"/>
@@ -34388,7 +34768,7 @@
                         </a:rPr>
                         <a:t>М2(10); М4(18)</a:t>
                       </a:r>
-                      <a:endParaRPr lang="uk-UA" sz="1200">
+                      <a:endParaRPr lang="uk-UA" sz="1200" b="1">
                         <a:effectLst/>
                         <a:latin typeface="Calibri" panose="020F0502020204030204" pitchFamily="34" charset="0"/>
                         <a:ea typeface="Times New Roman" panose="02020603050405020304" pitchFamily="18" charset="0"/>
@@ -34456,7 +34836,7 @@
                         </a:spcAft>
                       </a:pPr>
                       <a:r>
-                        <a:rPr lang="uk-UA" sz="1200">
+                        <a:rPr lang="uk-UA" sz="1200" b="1">
                           <a:effectLst/>
                           <a:latin typeface="Times New Roman" panose="02020603050405020304" pitchFamily="18" charset="0"/>
                           <a:ea typeface="Times New Roman" panose="02020603050405020304" pitchFamily="18" charset="0"/>
@@ -34464,7 +34844,7 @@
                         </a:rPr>
                         <a:t>М1(10); М3(20)</a:t>
                       </a:r>
-                      <a:endParaRPr lang="uk-UA" sz="1200">
+                      <a:endParaRPr lang="uk-UA" sz="1200" b="1">
                         <a:effectLst/>
                         <a:latin typeface="Calibri" panose="020F0502020204030204" pitchFamily="34" charset="0"/>
                         <a:ea typeface="Times New Roman" panose="02020603050405020304" pitchFamily="18" charset="0"/>
@@ -34532,7 +34912,7 @@
                         </a:spcAft>
                       </a:pPr>
                       <a:r>
-                        <a:rPr lang="uk-UA" sz="1200" dirty="0">
+                        <a:rPr lang="uk-UA" sz="1200" b="1" dirty="0">
                           <a:effectLst/>
                           <a:latin typeface="Times New Roman" panose="02020603050405020304" pitchFamily="18" charset="0"/>
                           <a:ea typeface="Times New Roman" panose="02020603050405020304" pitchFamily="18" charset="0"/>
@@ -34540,7 +34920,7 @@
                         </a:rPr>
                         <a:t>М2(10); М3(15); М4(12);</a:t>
                       </a:r>
-                      <a:endParaRPr lang="uk-UA" sz="1200" dirty="0">
+                      <a:endParaRPr lang="uk-UA" sz="1200" b="1" dirty="0">
                         <a:effectLst/>
                         <a:latin typeface="Calibri" panose="020F0502020204030204" pitchFamily="34" charset="0"/>
                         <a:ea typeface="Times New Roman" panose="02020603050405020304" pitchFamily="18" charset="0"/>
@@ -34608,7 +34988,7 @@
                         </a:spcAft>
                       </a:pPr>
                       <a:r>
-                        <a:rPr lang="uk-UA" sz="1200">
+                        <a:rPr lang="uk-UA" sz="1200" b="1">
                           <a:effectLst/>
                           <a:latin typeface="Times New Roman" panose="02020603050405020304" pitchFamily="18" charset="0"/>
                           <a:ea typeface="Times New Roman" panose="02020603050405020304" pitchFamily="18" charset="0"/>
@@ -34616,7 +34996,7 @@
                         </a:rPr>
                         <a:t>М1(10); М2(15); М4(12);</a:t>
                       </a:r>
-                      <a:endParaRPr lang="uk-UA" sz="1200">
+                      <a:endParaRPr lang="uk-UA" sz="1200" b="1">
                         <a:effectLst/>
                         <a:latin typeface="Calibri" panose="020F0502020204030204" pitchFamily="34" charset="0"/>
                         <a:ea typeface="Times New Roman" panose="02020603050405020304" pitchFamily="18" charset="0"/>
@@ -34684,7 +35064,7 @@
                         </a:spcAft>
                       </a:pPr>
                       <a:r>
-                        <a:rPr lang="uk-UA" sz="1200" dirty="0">
+                        <a:rPr lang="uk-UA" sz="1200" b="1" dirty="0">
                           <a:effectLst/>
                           <a:latin typeface="Times New Roman" panose="02020603050405020304" pitchFamily="18" charset="0"/>
                           <a:ea typeface="Times New Roman" panose="02020603050405020304" pitchFamily="18" charset="0"/>
@@ -34692,7 +35072,7 @@
                         </a:rPr>
                         <a:t>М1(10); М2(15); М3(12);</a:t>
                       </a:r>
-                      <a:endParaRPr lang="uk-UA" sz="1200" dirty="0">
+                      <a:endParaRPr lang="uk-UA" sz="1200" b="1" dirty="0">
                         <a:effectLst/>
                         <a:latin typeface="Calibri" panose="020F0502020204030204" pitchFamily="34" charset="0"/>
                         <a:ea typeface="Times New Roman" panose="02020603050405020304" pitchFamily="18" charset="0"/>
@@ -34758,14 +35138,14 @@
           <p:nvPr>
             <p:extLst>
               <p:ext uri="{D42A27DB-BD31-4B8C-83A1-F6EECF244321}">
-                <p14:modId xmlns:p14="http://schemas.microsoft.com/office/powerpoint/2010/main" val="1409691605"/>
+                <p14:modId xmlns:p14="http://schemas.microsoft.com/office/powerpoint/2010/main" val="2139926977"/>
               </p:ext>
             </p:extLst>
           </p:nvPr>
         </p:nvGraphicFramePr>
         <p:xfrm>
           <a:off x="1091722" y="3953787"/>
-          <a:ext cx="2910522" cy="1051560"/>
+          <a:ext cx="2910522" cy="985205"/>
         </p:xfrm>
         <a:graphic>
           <a:graphicData uri="http://schemas.openxmlformats.org/drawingml/2006/table">
@@ -34795,7 +35175,7 @@
                         </a:spcAft>
                       </a:pPr>
                       <a:r>
-                        <a:rPr lang="uk-UA" sz="1200" dirty="0">
+                        <a:rPr lang="uk-UA" sz="1200" b="1" dirty="0">
                           <a:effectLst/>
                           <a:latin typeface="Times New Roman" panose="02020603050405020304" pitchFamily="18" charset="0"/>
                           <a:ea typeface="Times New Roman" panose="02020603050405020304" pitchFamily="18" charset="0"/>
@@ -34803,7 +35183,7 @@
                         </a:rPr>
                         <a:t>М1(16); М3(15)</a:t>
                       </a:r>
-                      <a:endParaRPr lang="uk-UA" sz="1200" dirty="0">
+                      <a:endParaRPr lang="uk-UA" sz="1200" b="1" dirty="0">
                         <a:effectLst/>
                         <a:latin typeface="Calibri" panose="020F0502020204030204" pitchFamily="34" charset="0"/>
                         <a:ea typeface="Times New Roman" panose="02020603050405020304" pitchFamily="18" charset="0"/>
@@ -34871,7 +35251,7 @@
                         </a:spcAft>
                       </a:pPr>
                       <a:r>
-                        <a:rPr lang="uk-UA" sz="1200">
+                        <a:rPr lang="uk-UA" sz="1200" b="1">
                           <a:effectLst/>
                           <a:latin typeface="Times New Roman" panose="02020603050405020304" pitchFamily="18" charset="0"/>
                           <a:ea typeface="Times New Roman" panose="02020603050405020304" pitchFamily="18" charset="0"/>
@@ -34879,7 +35259,7 @@
                         </a:rPr>
                         <a:t>М2(18); М4(15)</a:t>
                       </a:r>
-                      <a:endParaRPr lang="uk-UA" sz="1200">
+                      <a:endParaRPr lang="uk-UA" sz="1200" b="1">
                         <a:effectLst/>
                         <a:latin typeface="Calibri" panose="020F0502020204030204" pitchFamily="34" charset="0"/>
                         <a:ea typeface="Times New Roman" panose="02020603050405020304" pitchFamily="18" charset="0"/>
@@ -34947,7 +35327,7 @@
                         </a:spcAft>
                       </a:pPr>
                       <a:r>
-                        <a:rPr lang="uk-UA" sz="1200">
+                        <a:rPr lang="uk-UA" sz="1200" b="1">
                           <a:effectLst/>
                           <a:latin typeface="Times New Roman" panose="02020603050405020304" pitchFamily="18" charset="0"/>
                           <a:ea typeface="Times New Roman" panose="02020603050405020304" pitchFamily="18" charset="0"/>
@@ -34955,7 +35335,7 @@
                         </a:rPr>
                         <a:t>М1(20); М2(10)</a:t>
                       </a:r>
-                      <a:endParaRPr lang="uk-UA" sz="1200">
+                      <a:endParaRPr lang="uk-UA" sz="1200" b="1">
                         <a:effectLst/>
                         <a:latin typeface="Calibri" panose="020F0502020204030204" pitchFamily="34" charset="0"/>
                         <a:ea typeface="Times New Roman" panose="02020603050405020304" pitchFamily="18" charset="0"/>
@@ -35023,7 +35403,7 @@
                         </a:spcAft>
                       </a:pPr>
                       <a:r>
-                        <a:rPr lang="uk-UA" sz="1200">
+                        <a:rPr lang="uk-UA" sz="1200" b="1">
                           <a:effectLst/>
                           <a:latin typeface="Times New Roman" panose="02020603050405020304" pitchFamily="18" charset="0"/>
                           <a:ea typeface="Times New Roman" panose="02020603050405020304" pitchFamily="18" charset="0"/>
@@ -35031,7 +35411,7 @@
                         </a:rPr>
                         <a:t>М3(15); М4(10)</a:t>
                       </a:r>
-                      <a:endParaRPr lang="uk-UA" sz="1200">
+                      <a:endParaRPr lang="uk-UA" sz="1200" b="1">
                         <a:effectLst/>
                         <a:latin typeface="Calibri" panose="020F0502020204030204" pitchFamily="34" charset="0"/>
                         <a:ea typeface="Times New Roman" panose="02020603050405020304" pitchFamily="18" charset="0"/>
@@ -35099,7 +35479,7 @@
                         </a:spcAft>
                       </a:pPr>
                       <a:r>
-                        <a:rPr lang="uk-UA" sz="1200" dirty="0">
+                        <a:rPr lang="uk-UA" sz="1200" b="1" dirty="0">
                           <a:effectLst/>
                           <a:latin typeface="Times New Roman" panose="02020603050405020304" pitchFamily="18" charset="0"/>
                           <a:ea typeface="Times New Roman" panose="02020603050405020304" pitchFamily="18" charset="0"/>
@@ -35107,7 +35487,7 @@
                         </a:rPr>
                         <a:t>М1(18); М2(10); М3(15); М4(17)</a:t>
                       </a:r>
-                      <a:endParaRPr lang="uk-UA" sz="1200" dirty="0">
+                      <a:endParaRPr lang="uk-UA" sz="1200" b="1" dirty="0">
                         <a:effectLst/>
                         <a:latin typeface="Calibri" panose="020F0502020204030204" pitchFamily="34" charset="0"/>
                         <a:ea typeface="Times New Roman" panose="02020603050405020304" pitchFamily="18" charset="0"/>
@@ -35173,14 +35553,14 @@
           <p:nvPr>
             <p:extLst>
               <p:ext uri="{D42A27DB-BD31-4B8C-83A1-F6EECF244321}">
-                <p14:modId xmlns:p14="http://schemas.microsoft.com/office/powerpoint/2010/main" val="4025945247"/>
+                <p14:modId xmlns:p14="http://schemas.microsoft.com/office/powerpoint/2010/main" val="2124459904"/>
               </p:ext>
             </p:extLst>
           </p:nvPr>
         </p:nvGraphicFramePr>
         <p:xfrm>
           <a:off x="1091721" y="5317971"/>
-          <a:ext cx="2910523" cy="1261872"/>
+          <a:ext cx="2910523" cy="1182246"/>
         </p:xfrm>
         <a:graphic>
           <a:graphicData uri="http://schemas.openxmlformats.org/drawingml/2006/table">
@@ -35210,7 +35590,7 @@
                         </a:spcAft>
                       </a:pPr>
                       <a:r>
-                        <a:rPr lang="uk-UA" sz="1200">
+                        <a:rPr lang="uk-UA" sz="1200" b="1" dirty="0">
                           <a:effectLst/>
                           <a:latin typeface="Times New Roman" panose="02020603050405020304" pitchFamily="18" charset="0"/>
                           <a:ea typeface="Times New Roman" panose="02020603050405020304" pitchFamily="18" charset="0"/>
@@ -35218,7 +35598,7 @@
                         </a:rPr>
                         <a:t>М4(11); М1(10); М2(7)</a:t>
                       </a:r>
-                      <a:endParaRPr lang="uk-UA" sz="1200">
+                      <a:endParaRPr lang="uk-UA" sz="1200" b="1" dirty="0">
                         <a:effectLst/>
                         <a:latin typeface="Calibri" panose="020F0502020204030204" pitchFamily="34" charset="0"/>
                         <a:ea typeface="Times New Roman" panose="02020603050405020304" pitchFamily="18" charset="0"/>
@@ -35286,7 +35666,7 @@
                         </a:spcAft>
                       </a:pPr>
                       <a:r>
-                        <a:rPr lang="uk-UA" sz="1200">
+                        <a:rPr lang="uk-UA" sz="1200" b="1">
                           <a:effectLst/>
                           <a:latin typeface="Times New Roman" panose="02020603050405020304" pitchFamily="18" charset="0"/>
                           <a:ea typeface="Times New Roman" panose="02020603050405020304" pitchFamily="18" charset="0"/>
@@ -35294,7 +35674,7 @@
                         </a:rPr>
                         <a:t>М3(12); М2(10); М4(8)</a:t>
                       </a:r>
-                      <a:endParaRPr lang="uk-UA" sz="1200">
+                      <a:endParaRPr lang="uk-UA" sz="1200" b="1">
                         <a:effectLst/>
                         <a:latin typeface="Calibri" panose="020F0502020204030204" pitchFamily="34" charset="0"/>
                         <a:ea typeface="Times New Roman" panose="02020603050405020304" pitchFamily="18" charset="0"/>
@@ -35362,7 +35742,7 @@
                         </a:spcAft>
                       </a:pPr>
                       <a:r>
-                        <a:rPr lang="uk-UA" sz="1200">
+                        <a:rPr lang="uk-UA" sz="1200" b="1">
                           <a:effectLst/>
                           <a:latin typeface="Times New Roman" panose="02020603050405020304" pitchFamily="18" charset="0"/>
                           <a:ea typeface="Times New Roman" panose="02020603050405020304" pitchFamily="18" charset="0"/>
@@ -35370,7 +35750,7 @@
                         </a:rPr>
                         <a:t>М2(7); М3(10); М1(9); М3(8)</a:t>
                       </a:r>
-                      <a:endParaRPr lang="uk-UA" sz="1200">
+                      <a:endParaRPr lang="uk-UA" sz="1200" b="1">
                         <a:effectLst/>
                         <a:latin typeface="Calibri" panose="020F0502020204030204" pitchFamily="34" charset="0"/>
                         <a:ea typeface="Times New Roman" panose="02020603050405020304" pitchFamily="18" charset="0"/>
@@ -35438,7 +35818,7 @@
                         </a:spcAft>
                       </a:pPr>
                       <a:r>
-                        <a:rPr lang="uk-UA" sz="1200">
+                        <a:rPr lang="uk-UA" sz="1200" b="1">
                           <a:effectLst/>
                           <a:latin typeface="Times New Roman" panose="02020603050405020304" pitchFamily="18" charset="0"/>
                           <a:ea typeface="Times New Roman" panose="02020603050405020304" pitchFamily="18" charset="0"/>
@@ -35446,7 +35826,7 @@
                         </a:rPr>
                         <a:t>М2(7); М4(8); М1(12); М2(6)</a:t>
                       </a:r>
-                      <a:endParaRPr lang="uk-UA" sz="1200">
+                      <a:endParaRPr lang="uk-UA" sz="1200" b="1">
                         <a:effectLst/>
                         <a:latin typeface="Calibri" panose="020F0502020204030204" pitchFamily="34" charset="0"/>
                         <a:ea typeface="Times New Roman" panose="02020603050405020304" pitchFamily="18" charset="0"/>
@@ -35514,7 +35894,7 @@
                         </a:spcAft>
                       </a:pPr>
                       <a:r>
-                        <a:rPr lang="uk-UA" sz="1200">
+                        <a:rPr lang="uk-UA" sz="1200" b="1">
                           <a:effectLst/>
                           <a:latin typeface="Times New Roman" panose="02020603050405020304" pitchFamily="18" charset="0"/>
                           <a:ea typeface="Times New Roman" panose="02020603050405020304" pitchFamily="18" charset="0"/>
@@ -35522,7 +35902,7 @@
                         </a:rPr>
                         <a:t>М1(9); М2(7); М4(8); М2(10); М3(8)</a:t>
                       </a:r>
-                      <a:endParaRPr lang="uk-UA" sz="1200">
+                      <a:endParaRPr lang="uk-UA" sz="1200" b="1">
                         <a:effectLst/>
                         <a:latin typeface="Calibri" panose="020F0502020204030204" pitchFamily="34" charset="0"/>
                         <a:ea typeface="Times New Roman" panose="02020603050405020304" pitchFamily="18" charset="0"/>
@@ -35590,7 +35970,7 @@
                         </a:spcAft>
                       </a:pPr>
                       <a:r>
-                        <a:rPr lang="uk-UA" sz="1200" dirty="0">
+                        <a:rPr lang="uk-UA" sz="1200" b="1" dirty="0">
                           <a:effectLst/>
                           <a:latin typeface="Times New Roman" panose="02020603050405020304" pitchFamily="18" charset="0"/>
                           <a:ea typeface="Times New Roman" panose="02020603050405020304" pitchFamily="18" charset="0"/>
@@ -35598,7 +35978,7 @@
                         </a:rPr>
                         <a:t>М2(10); М3(15); М4(8); М1(15)</a:t>
                       </a:r>
-                      <a:endParaRPr lang="uk-UA" sz="1200" dirty="0">
+                      <a:endParaRPr lang="uk-UA" sz="1200" b="1" dirty="0">
                         <a:effectLst/>
                         <a:latin typeface="Calibri" panose="020F0502020204030204" pitchFamily="34" charset="0"/>
                         <a:ea typeface="Times New Roman" panose="02020603050405020304" pitchFamily="18" charset="0"/>
@@ -35685,7 +36065,7 @@
                 <a:ea typeface="Times New Roman" panose="02020603050405020304" pitchFamily="18" charset="0"/>
                 <a:cs typeface="Times New Roman" panose="02020603050405020304" pitchFamily="18" charset="0"/>
               </a:rPr>
-              <a:t>4 набори технологічних операцій, що виконуються на ГВМ1 та ГВМ2 для розв’язання експериментальних задач (у дужках подано </a:t>
+              <a:t>4 набори технологічних операцій, що виконуються на ГВС1 та ГВС2 для розв’язання експериментальних задач (у дужках подано </a:t>
             </a:r>
             <a:r>
               <a:rPr lang="uk-UA" sz="2000" i="1" dirty="0">
@@ -35836,7 +36216,19 @@
           <p:nvPr/>
         </p:nvPicPr>
         <p:blipFill>
-          <a:blip r:embed="rId3"/>
+          <a:blip r:embed="rId3">
+            <a:extLst>
+              <a:ext uri="{BEBA8EAE-BF5A-486C-A8C5-ECC9F3942E4B}">
+                <a14:imgProps xmlns:a14="http://schemas.microsoft.com/office/drawing/2010/main">
+                  <a14:imgLayer r:embed="rId4">
+                    <a14:imgEffect>
+                      <a14:sharpenSoften amount="50000"/>
+                    </a14:imgEffect>
+                  </a14:imgLayer>
+                </a14:imgProps>
+              </a:ext>
+            </a:extLst>
+          </a:blip>
           <a:stretch>
             <a:fillRect/>
           </a:stretch>
@@ -42964,7 +43356,7 @@
           <a:graphicData uri="http://schemas.openxmlformats.org/presentationml/2006/ole">
             <mc:AlternateContent xmlns:mc="http://schemas.openxmlformats.org/markup-compatibility/2006">
               <mc:Choice xmlns:v="urn:schemas-microsoft-com:vml" Requires="v">
-                <p:oleObj spid="_x0000_s2172" name="Document" r:id="rId4" imgW="7467981" imgH="4723843" progId="Word.Document.12">
+                <p:oleObj spid="_x0000_s2179" name="Document" r:id="rId4" imgW="7467981" imgH="4723843" progId="Word.Document.12">
                   <p:embed/>
                 </p:oleObj>
               </mc:Choice>
@@ -43001,7 +43393,7 @@
       </p:graphicFrame>
       <p:pic>
         <p:nvPicPr>
-          <p:cNvPr id="3" name="Picture 2"/>
+          <p:cNvPr id="6" name="Picture 5"/>
           <p:cNvPicPr>
             <a:picLocks noChangeAspect="1"/>
           </p:cNvPicPr>
@@ -43021,8 +43413,8 @@
         </p:blipFill>
         <p:spPr>
           <a:xfrm>
-            <a:off x="296562" y="177205"/>
-            <a:ext cx="4845137" cy="6544274"/>
+            <a:off x="332182" y="101881"/>
+            <a:ext cx="4900904" cy="6619598"/>
           </a:xfrm>
           <a:prstGeom prst="rect">
             <a:avLst/>
@@ -43629,7 +44021,7 @@
       </p:sp>
       <p:pic>
         <p:nvPicPr>
-          <p:cNvPr id="7" name="Picture 6"/>
+          <p:cNvPr id="6" name="Picture 5"/>
           <p:cNvPicPr>
             <a:picLocks noChangeAspect="1"/>
           </p:cNvPicPr>
@@ -43649,7 +44041,7 @@
         </p:blipFill>
         <p:spPr>
           <a:xfrm>
-            <a:off x="417298" y="1450292"/>
+            <a:off x="394644" y="1450292"/>
             <a:ext cx="5271187" cy="5271187"/>
           </a:xfrm>
           <a:prstGeom prst="rect">
